--- a/Documents/presentation doc/proposal_presentation.pptx
+++ b/Documents/presentation doc/proposal_presentation.pptx
@@ -18,8 +18,8 @@
     <p:sldId id="293" r:id="rId9"/>
     <p:sldId id="287" r:id="rId10"/>
     <p:sldId id="294" r:id="rId11"/>
-    <p:sldId id="300" r:id="rId12"/>
-    <p:sldId id="299" r:id="rId13"/>
+    <p:sldId id="299" r:id="rId12"/>
+    <p:sldId id="300" r:id="rId13"/>
     <p:sldId id="292" r:id="rId14"/>
     <p:sldId id="295" r:id="rId15"/>
     <p:sldId id="298" r:id="rId16"/>
@@ -3485,7 +3485,7 @@
         <p:spPr>
           <a:xfrm>
             <a:off x="1259632" y="4437112"/>
-            <a:ext cx="4463063" cy="2677656"/>
+            <a:ext cx="4463063" cy="2369880"/>
           </a:xfrm>
           <a:prstGeom prst="rect">
             <a:avLst/>
@@ -3509,32 +3509,59 @@
                 <a:latin typeface="HY동녘M" pitchFamily="18" charset="-127"/>
                 <a:ea typeface="HY동녘M" pitchFamily="18" charset="-127"/>
               </a:rPr>
-              <a:t>android-USB </a:t>
-            </a:r>
+              <a:t>&lt; android-USB &gt;</a:t>
+            </a:r>
+            <a:endParaRPr lang="en-US" altLang="ko-KR" dirty="0" smtClean="0">
+              <a:solidFill>
+                <a:srgbClr val="000000"/>
+              </a:solidFill>
+              <a:latin typeface="HY동녘M" pitchFamily="18" charset="-127"/>
+              <a:ea typeface="HY동녘M" pitchFamily="18" charset="-127"/>
+            </a:endParaRPr>
           </a:p>
           <a:p>
             <a:pPr marL="57150" indent="0" algn="l">
               <a:buNone/>
             </a:pPr>
             <a:r>
-              <a:rPr lang="en-US" altLang="ko-KR" dirty="0" smtClean="0">
+              <a:rPr lang="en-US" altLang="ko-KR" sz="2000" dirty="0">
                 <a:solidFill>
                   <a:srgbClr val="000000"/>
                 </a:solidFill>
                 <a:latin typeface="HY동녘M" pitchFamily="18" charset="-127"/>
                 <a:ea typeface="HY동녘M" pitchFamily="18" charset="-127"/>
               </a:rPr>
-              <a:t>- </a:t>
-            </a:r>
-            <a:r>
-              <a:rPr lang="ko-KR" altLang="en-US" dirty="0" smtClean="0">
+              <a:t> </a:t>
+            </a:r>
+            <a:r>
+              <a:rPr lang="en-US" altLang="ko-KR" sz="2000" dirty="0" smtClean="0">
                 <a:solidFill>
                   <a:srgbClr val="000000"/>
                 </a:solidFill>
                 <a:latin typeface="HY동녘M" pitchFamily="18" charset="-127"/>
                 <a:ea typeface="HY동녘M" pitchFamily="18" charset="-127"/>
               </a:rPr>
-              <a:t>장치를 공유하는 서버부분을</a:t>
+              <a:t> </a:t>
+            </a:r>
+            <a:r>
+              <a:rPr lang="ko-KR" altLang="en-US" sz="2000" dirty="0" smtClean="0">
+                <a:solidFill>
+                  <a:srgbClr val="000000"/>
+                </a:solidFill>
+                <a:latin typeface="HY동녘M" pitchFamily="18" charset="-127"/>
+                <a:ea typeface="HY동녘M" pitchFamily="18" charset="-127"/>
+              </a:rPr>
+              <a:t>장치를 </a:t>
+            </a:r>
+            <a:r>
+              <a:rPr lang="ko-KR" altLang="en-US" sz="2000" dirty="0" smtClean="0">
+                <a:solidFill>
+                  <a:srgbClr val="000000"/>
+                </a:solidFill>
+                <a:latin typeface="HY동녘M" pitchFamily="18" charset="-127"/>
+                <a:ea typeface="HY동녘M" pitchFamily="18" charset="-127"/>
+              </a:rPr>
+              <a:t>공유하는 서버부분을</a:t>
             </a:r>
           </a:p>
           <a:p>
@@ -3542,17 +3569,17 @@
               <a:buNone/>
             </a:pPr>
             <a:r>
-              <a:rPr lang="ko-KR" altLang="en-US" dirty="0" smtClean="0">
+              <a:rPr lang="ko-KR" altLang="en-US" sz="2000" dirty="0" smtClean="0">
                 <a:solidFill>
                   <a:srgbClr val="000000"/>
                 </a:solidFill>
                 <a:latin typeface="HY동녘M" pitchFamily="18" charset="-127"/>
                 <a:ea typeface="HY동녘M" pitchFamily="18" charset="-127"/>
               </a:rPr>
-              <a:t>   </a:t>
-            </a:r>
-            <a:r>
-              <a:rPr lang="ko-KR" altLang="en-US" dirty="0" err="1" smtClean="0">
+              <a:t>  </a:t>
+            </a:r>
+            <a:r>
+              <a:rPr lang="ko-KR" altLang="en-US" sz="2000" dirty="0" err="1" smtClean="0">
                 <a:solidFill>
                   <a:srgbClr val="000000"/>
                 </a:solidFill>
@@ -3562,7 +3589,7 @@
               <a:t>안드로이드폰에</a:t>
             </a:r>
             <a:r>
-              <a:rPr lang="ko-KR" altLang="en-US" dirty="0" smtClean="0">
+              <a:rPr lang="ko-KR" altLang="en-US" sz="2000" dirty="0" smtClean="0">
                 <a:solidFill>
                   <a:srgbClr val="000000"/>
                 </a:solidFill>
@@ -3572,7 +3599,7 @@
               <a:t> </a:t>
             </a:r>
             <a:r>
-              <a:rPr lang="ko-KR" altLang="en-US" dirty="0" err="1" smtClean="0">
+              <a:rPr lang="ko-KR" altLang="en-US" sz="2000" dirty="0" err="1" smtClean="0">
                 <a:solidFill>
                   <a:srgbClr val="000000"/>
                 </a:solidFill>
@@ -3582,7 +3609,7 @@
               <a:t>포팅</a:t>
             </a:r>
             <a:r>
-              <a:rPr lang="en-US" altLang="ko-KR" dirty="0" smtClean="0">
+              <a:rPr lang="en-US" altLang="ko-KR" sz="2000" dirty="0" smtClean="0">
                 <a:solidFill>
                   <a:srgbClr val="000000"/>
                 </a:solidFill>
@@ -3597,34 +3624,34 @@
               <a:buNone/>
             </a:pPr>
             <a:r>
-              <a:rPr lang="en-US" altLang="ko-KR" dirty="0" smtClean="0">
+              <a:rPr lang="en-US" altLang="ko-KR" sz="2000" dirty="0" smtClean="0">
                 <a:solidFill>
                   <a:srgbClr val="000000"/>
                 </a:solidFill>
                 <a:latin typeface="HY동녘M" pitchFamily="18" charset="-127"/>
                 <a:ea typeface="HY동녘M" pitchFamily="18" charset="-127"/>
               </a:rPr>
-              <a:t>   </a:t>
-            </a:r>
-            <a:r>
-              <a:rPr lang="ko-KR" altLang="en-US" dirty="0" err="1" smtClean="0">
+              <a:t>  </a:t>
+            </a:r>
+            <a:r>
+              <a:rPr lang="ko-KR" altLang="en-US" sz="2000" dirty="0" smtClean="0">
                 <a:solidFill>
                   <a:srgbClr val="000000"/>
                 </a:solidFill>
                 <a:latin typeface="HY동녘M" pitchFamily="18" charset="-127"/>
                 <a:ea typeface="HY동녘M" pitchFamily="18" charset="-127"/>
               </a:rPr>
-              <a:t>안드로이드의</a:t>
-            </a:r>
-            <a:r>
-              <a:rPr lang="ko-KR" altLang="en-US" dirty="0" smtClean="0">
+              <a:t>안드로이드의 </a:t>
+            </a:r>
+            <a:r>
+              <a:rPr lang="ko-KR" altLang="en-US" sz="2000" dirty="0" smtClean="0">
                 <a:solidFill>
                   <a:srgbClr val="000000"/>
                 </a:solidFill>
                 <a:latin typeface="HY동녘M" pitchFamily="18" charset="-127"/>
                 <a:ea typeface="HY동녘M" pitchFamily="18" charset="-127"/>
               </a:rPr>
-              <a:t> 서비스가</a:t>
+              <a:t>서비스가</a:t>
             </a:r>
           </a:p>
           <a:p>
@@ -3632,27 +3659,37 @@
               <a:buNone/>
             </a:pPr>
             <a:r>
-              <a:rPr lang="ko-KR" altLang="en-US" dirty="0" smtClean="0">
+              <a:rPr lang="ko-KR" altLang="en-US" sz="2000" dirty="0" smtClean="0">
                 <a:solidFill>
                   <a:srgbClr val="000000"/>
                 </a:solidFill>
                 <a:latin typeface="HY동녘M" pitchFamily="18" charset="-127"/>
                 <a:ea typeface="HY동녘M" pitchFamily="18" charset="-127"/>
               </a:rPr>
-              <a:t>   클라이언트 </a:t>
-            </a:r>
-            <a:r>
-              <a:rPr lang="en-US" altLang="ko-KR" dirty="0" smtClean="0">
+              <a:t>  </a:t>
+            </a:r>
+            <a:r>
+              <a:rPr lang="ko-KR" altLang="en-US" sz="2000" dirty="0" smtClean="0">
                 <a:solidFill>
                   <a:srgbClr val="000000"/>
                 </a:solidFill>
                 <a:latin typeface="HY동녘M" pitchFamily="18" charset="-127"/>
                 <a:ea typeface="HY동녘M" pitchFamily="18" charset="-127"/>
               </a:rPr>
+              <a:t>클라이언트 </a:t>
+            </a:r>
+            <a:r>
+              <a:rPr lang="en-US" altLang="ko-KR" sz="2000" dirty="0" smtClean="0">
+                <a:solidFill>
+                  <a:srgbClr val="000000"/>
+                </a:solidFill>
+                <a:latin typeface="HY동녘M" pitchFamily="18" charset="-127"/>
+                <a:ea typeface="HY동녘M" pitchFamily="18" charset="-127"/>
+              </a:rPr>
               <a:t>PC</a:t>
             </a:r>
             <a:r>
-              <a:rPr lang="ko-KR" altLang="en-US" dirty="0" smtClean="0">
+              <a:rPr lang="ko-KR" altLang="en-US" sz="2000" dirty="0" smtClean="0">
                 <a:solidFill>
                   <a:srgbClr val="000000"/>
                 </a:solidFill>
@@ -3667,37 +3704,47 @@
               <a:buNone/>
             </a:pPr>
             <a:r>
-              <a:rPr lang="ko-KR" altLang="en-US" dirty="0" smtClean="0">
+              <a:rPr lang="ko-KR" altLang="en-US" sz="2000" dirty="0" smtClean="0">
                 <a:solidFill>
                   <a:srgbClr val="000000"/>
                 </a:solidFill>
                 <a:latin typeface="HY동녘M" pitchFamily="18" charset="-127"/>
                 <a:ea typeface="HY동녘M" pitchFamily="18" charset="-127"/>
               </a:rPr>
-              <a:t>   특정 </a:t>
-            </a:r>
-            <a:r>
-              <a:rPr lang="en-US" altLang="ko-KR" dirty="0" smtClean="0">
+              <a:t>  </a:t>
+            </a:r>
+            <a:r>
+              <a:rPr lang="ko-KR" altLang="en-US" sz="2000" dirty="0" smtClean="0">
                 <a:solidFill>
                   <a:srgbClr val="000000"/>
                 </a:solidFill>
                 <a:latin typeface="HY동녘M" pitchFamily="18" charset="-127"/>
                 <a:ea typeface="HY동녘M" pitchFamily="18" charset="-127"/>
               </a:rPr>
-              <a:t>USB</a:t>
-            </a:r>
-            <a:r>
-              <a:rPr lang="ko-KR" altLang="en-US" dirty="0" smtClean="0">
+              <a:t>특정 </a:t>
+            </a:r>
+            <a:r>
+              <a:rPr lang="en-US" altLang="ko-KR" sz="2000" dirty="0" smtClean="0">
                 <a:solidFill>
                   <a:srgbClr val="000000"/>
                 </a:solidFill>
                 <a:latin typeface="HY동녘M" pitchFamily="18" charset="-127"/>
                 <a:ea typeface="HY동녘M" pitchFamily="18" charset="-127"/>
               </a:rPr>
+              <a:t>USB</a:t>
+            </a:r>
+            <a:r>
+              <a:rPr lang="ko-KR" altLang="en-US" sz="2000" dirty="0" smtClean="0">
+                <a:solidFill>
+                  <a:srgbClr val="000000"/>
+                </a:solidFill>
+                <a:latin typeface="HY동녘M" pitchFamily="18" charset="-127"/>
+                <a:ea typeface="HY동녘M" pitchFamily="18" charset="-127"/>
+              </a:rPr>
               <a:t>장치처럼 보임</a:t>
             </a:r>
             <a:r>
-              <a:rPr lang="en-US" altLang="ko-KR" dirty="0" smtClean="0">
+              <a:rPr lang="en-US" altLang="ko-KR" sz="2000" dirty="0" smtClean="0">
                 <a:solidFill>
                   <a:srgbClr val="000000"/>
                 </a:solidFill>
@@ -3722,7 +3769,7 @@
         <p:spPr>
           <a:xfrm>
             <a:off x="4583812" y="1403631"/>
-            <a:ext cx="0" cy="4789402"/>
+            <a:ext cx="0" cy="3408886"/>
           </a:xfrm>
           <a:prstGeom prst="line">
             <a:avLst/>
@@ -3813,7 +3860,7 @@
         </p:blipFill>
         <p:spPr bwMode="auto">
           <a:xfrm rot="16200000">
-            <a:off x="4606344" y="2016054"/>
+            <a:off x="4606344" y="1954498"/>
             <a:ext cx="1875531" cy="4248472"/>
           </a:xfrm>
           <a:prstGeom prst="rect">
@@ -3869,7 +3916,7 @@
         </p:nvGrpSpPr>
         <p:grpSpPr>
           <a:xfrm>
-            <a:off x="3563888" y="2422496"/>
+            <a:off x="3563888" y="2348880"/>
             <a:ext cx="2560089" cy="1222528"/>
             <a:chOff x="3511961" y="3632546"/>
             <a:chExt cx="1935780" cy="936104"/>
@@ -4108,14 +4155,168 @@
       </p:sp>
       <p:sp>
         <p:nvSpPr>
-          <p:cNvPr id="49" name="직사각형 48"/>
+          <p:cNvPr id="13" name="직사각형 12"/>
           <p:cNvSpPr/>
           <p:nvPr/>
         </p:nvSpPr>
         <p:spPr>
           <a:xfrm>
-            <a:off x="892760" y="1926971"/>
-            <a:ext cx="7279640" cy="882130"/>
+            <a:off x="892761" y="2597496"/>
+            <a:ext cx="2150641" cy="615482"/>
+          </a:xfrm>
+          <a:prstGeom prst="rect">
+            <a:avLst/>
+          </a:prstGeom>
+          <a:solidFill>
+            <a:srgbClr val="00B0F0">
+              <a:alpha val="65000"/>
+            </a:srgbClr>
+          </a:solidFill>
+          <a:ln/>
+        </p:spPr>
+        <p:style>
+          <a:lnRef idx="0">
+            <a:schemeClr val="accent2"/>
+          </a:lnRef>
+          <a:fillRef idx="3">
+            <a:schemeClr val="accent2"/>
+          </a:fillRef>
+          <a:effectRef idx="3">
+            <a:schemeClr val="accent2"/>
+          </a:effectRef>
+          <a:fontRef idx="minor">
+            <a:schemeClr val="lt1"/>
+          </a:fontRef>
+        </p:style>
+        <p:txBody>
+          <a:bodyPr rtlCol="0" anchor="ctr"/>
+          <a:lstStyle/>
+          <a:p>
+            <a:pPr algn="ctr"/>
+            <a:r>
+              <a:rPr lang="en-US" altLang="ko-KR" sz="1800" b="1" dirty="0" smtClean="0">
+                <a:solidFill>
+                  <a:srgbClr val="000000"/>
+                </a:solidFill>
+                <a:latin typeface="HY강M" pitchFamily="18" charset="-127"/>
+                <a:ea typeface="HY강M" pitchFamily="18" charset="-127"/>
+              </a:rPr>
+              <a:t>Windows App</a:t>
+            </a:r>
+            <a:endParaRPr lang="ko-KR" altLang="en-US" sz="1800" b="1" dirty="0">
+              <a:solidFill>
+                <a:srgbClr val="000000"/>
+              </a:solidFill>
+              <a:latin typeface="HY강M" pitchFamily="18" charset="-127"/>
+              <a:ea typeface="HY강M" pitchFamily="18" charset="-127"/>
+            </a:endParaRPr>
+          </a:p>
+        </p:txBody>
+      </p:sp>
+      <p:sp>
+        <p:nvSpPr>
+          <p:cNvPr id="14" name="TextBox 13"/>
+          <p:cNvSpPr txBox="1"/>
+          <p:nvPr/>
+        </p:nvSpPr>
+        <p:spPr>
+          <a:xfrm>
+            <a:off x="1081460" y="1795461"/>
+            <a:ext cx="1773242" cy="769441"/>
+          </a:xfrm>
+          <a:prstGeom prst="rect">
+            <a:avLst/>
+          </a:prstGeom>
+          <a:noFill/>
+        </p:spPr>
+        <p:txBody>
+          <a:bodyPr wrap="none" rtlCol="0">
+            <a:spAutoFit/>
+          </a:bodyPr>
+          <a:lstStyle/>
+          <a:p>
+            <a:r>
+              <a:rPr lang="en-US" altLang="ko-KR" sz="2200" b="1" dirty="0" smtClean="0">
+                <a:solidFill>
+                  <a:srgbClr val="000000"/>
+                </a:solidFill>
+                <a:latin typeface="HY강M" pitchFamily="18" charset="-127"/>
+                <a:ea typeface="HY강M" pitchFamily="18" charset="-127"/>
+              </a:rPr>
+              <a:t>&lt; Client &gt;</a:t>
+            </a:r>
+          </a:p>
+          <a:p>
+            <a:r>
+              <a:rPr lang="en-US" altLang="ko-KR" sz="2200" b="1" dirty="0" smtClean="0">
+                <a:solidFill>
+                  <a:srgbClr val="000000"/>
+                </a:solidFill>
+                <a:latin typeface="HY강M" pitchFamily="18" charset="-127"/>
+                <a:ea typeface="HY강M" pitchFamily="18" charset="-127"/>
+              </a:rPr>
+              <a:t>PC (Windows)</a:t>
+            </a:r>
+          </a:p>
+        </p:txBody>
+      </p:sp>
+      <p:sp>
+        <p:nvSpPr>
+          <p:cNvPr id="22" name="TextBox 21"/>
+          <p:cNvSpPr txBox="1"/>
+          <p:nvPr/>
+        </p:nvSpPr>
+        <p:spPr>
+          <a:xfrm>
+            <a:off x="4293482" y="1795462"/>
+            <a:ext cx="1359668" cy="769441"/>
+          </a:xfrm>
+          <a:prstGeom prst="rect">
+            <a:avLst/>
+          </a:prstGeom>
+          <a:noFill/>
+        </p:spPr>
+        <p:txBody>
+          <a:bodyPr wrap="none" rtlCol="0">
+            <a:spAutoFit/>
+          </a:bodyPr>
+          <a:lstStyle/>
+          <a:p>
+            <a:r>
+              <a:rPr lang="en-US" altLang="ko-KR" sz="2200" b="1" dirty="0" smtClean="0">
+                <a:solidFill>
+                  <a:srgbClr val="000000"/>
+                </a:solidFill>
+                <a:latin typeface="HY강M" pitchFamily="18" charset="-127"/>
+                <a:ea typeface="HY강M" pitchFamily="18" charset="-127"/>
+              </a:rPr>
+              <a:t>&lt; Server &gt;</a:t>
+            </a:r>
+          </a:p>
+          <a:p>
+            <a:r>
+              <a:rPr lang="en-US" altLang="ko-KR" sz="2200" b="1" dirty="0" smtClean="0">
+                <a:solidFill>
+                  <a:srgbClr val="000000"/>
+                </a:solidFill>
+                <a:latin typeface="HY강M" pitchFamily="18" charset="-127"/>
+                <a:ea typeface="HY강M" pitchFamily="18" charset="-127"/>
+              </a:rPr>
+              <a:t>Android</a:t>
+            </a:r>
+          </a:p>
+        </p:txBody>
+      </p:sp>
+      <p:sp>
+        <p:nvSpPr>
+          <p:cNvPr id="23" name="직사각형 22"/>
+          <p:cNvSpPr/>
+          <p:nvPr/>
+        </p:nvSpPr>
+        <p:spPr>
+          <a:xfrm>
+            <a:off x="892761" y="5661248"/>
+            <a:ext cx="2150641" cy="792088"/>
           </a:xfrm>
           <a:prstGeom prst="rect">
             <a:avLst/>
@@ -4123,10 +4324,7 @@
           <a:noFill/>
           <a:ln>
             <a:solidFill>
-              <a:schemeClr val="bg1">
-                <a:lumMod val="10000"/>
-                <a:alpha val="80000"/>
-              </a:schemeClr>
+              <a:srgbClr val="000000"/>
             </a:solidFill>
           </a:ln>
           <a:scene3d>
@@ -4164,29 +4362,97 @@
             <a:r>
               <a:rPr lang="en-US" altLang="ko-KR" sz="1800" b="1" dirty="0" smtClean="0">
                 <a:solidFill>
-                  <a:srgbClr val="C00000"/>
+                  <a:srgbClr val="000000"/>
                 </a:solidFill>
                 <a:latin typeface="HY강M" pitchFamily="18" charset="-127"/>
                 <a:ea typeface="HY강M" pitchFamily="18" charset="-127"/>
               </a:rPr>
-              <a:t>Applications</a:t>
+              <a:t>USB/IP</a:t>
             </a:r>
           </a:p>
           <a:p>
             <a:pPr algn="ctr"/>
-            <a:endParaRPr lang="en-US" altLang="ko-KR" sz="1800" b="1" dirty="0">
+            <a:r>
+              <a:rPr lang="en-US" altLang="ko-KR" sz="1800" b="1" dirty="0" smtClean="0">
+                <a:solidFill>
+                  <a:srgbClr val="000000"/>
+                </a:solidFill>
+                <a:latin typeface="HY강M" pitchFamily="18" charset="-127"/>
+                <a:ea typeface="HY강M" pitchFamily="18" charset="-127"/>
+              </a:rPr>
+              <a:t>(VHCI Driver)</a:t>
+            </a:r>
+            <a:endParaRPr lang="ko-KR" altLang="en-US" sz="1800" b="1" dirty="0">
               <a:solidFill>
-                <a:srgbClr val="C00000"/>
+                <a:srgbClr val="000000"/>
               </a:solidFill>
               <a:latin typeface="HY강M" pitchFamily="18" charset="-127"/>
               <a:ea typeface="HY강M" pitchFamily="18" charset="-127"/>
             </a:endParaRPr>
           </a:p>
+        </p:txBody>
+      </p:sp>
+      <p:sp>
+        <p:nvSpPr>
+          <p:cNvPr id="24" name="직사각형 23"/>
+          <p:cNvSpPr/>
+          <p:nvPr/>
+        </p:nvSpPr>
+        <p:spPr>
+          <a:xfrm>
+            <a:off x="3914372" y="4770592"/>
+            <a:ext cx="2148065" cy="878832"/>
+          </a:xfrm>
+          <a:prstGeom prst="rect">
+            <a:avLst/>
+          </a:prstGeom>
+          <a:ln/>
+        </p:spPr>
+        <p:style>
+          <a:lnRef idx="0">
+            <a:schemeClr val="accent2"/>
+          </a:lnRef>
+          <a:fillRef idx="3">
+            <a:schemeClr val="accent2"/>
+          </a:fillRef>
+          <a:effectRef idx="3">
+            <a:schemeClr val="accent2"/>
+          </a:effectRef>
+          <a:fontRef idx="minor">
+            <a:schemeClr val="lt1"/>
+          </a:fontRef>
+        </p:style>
+        <p:txBody>
+          <a:bodyPr rtlCol="0" anchor="ctr"/>
+          <a:lstStyle/>
           <a:p>
             <a:pPr algn="ctr"/>
+            <a:r>
+              <a:rPr lang="en-US" altLang="ko-KR" sz="1800" b="1" dirty="0" smtClean="0">
+                <a:solidFill>
+                  <a:srgbClr val="000000"/>
+                </a:solidFill>
+                <a:latin typeface="HY강M" pitchFamily="18" charset="-127"/>
+                <a:ea typeface="HY강M" pitchFamily="18" charset="-127"/>
+              </a:rPr>
+              <a:t>USB/IP</a:t>
+            </a:r>
+          </a:p>
+          <a:p>
+            <a:pPr algn="ctr"/>
+            <a:r>
+              <a:rPr lang="en-US" altLang="ko-KR" sz="1800" b="1" dirty="0" smtClean="0">
+                <a:solidFill>
+                  <a:srgbClr val="000000"/>
+                </a:solidFill>
+                <a:latin typeface="HY강M" pitchFamily="18" charset="-127"/>
+                <a:ea typeface="HY강M" pitchFamily="18" charset="-127"/>
+              </a:rPr>
+              <a:t>(Stub Driver)</a:t>
+            </a:r>
             <a:endParaRPr lang="ko-KR" altLang="en-US" sz="1800" b="1" dirty="0">
               <a:solidFill>
-                <a:srgbClr val="C00000"/>
+                <a:srgbClr val="000000"/>
               </a:solidFill>
               <a:latin typeface="HY강M" pitchFamily="18" charset="-127"/>
               <a:ea typeface="HY강M" pitchFamily="18" charset="-127"/>
@@ -4196,14 +4462,14 @@
       </p:sp>
       <p:sp>
         <p:nvSpPr>
-          <p:cNvPr id="50" name="직사각형 49"/>
+          <p:cNvPr id="25" name="직사각형 24"/>
           <p:cNvSpPr/>
           <p:nvPr/>
         </p:nvSpPr>
         <p:spPr>
           <a:xfrm>
-            <a:off x="892760" y="2829745"/>
-            <a:ext cx="7279640" cy="882130"/>
+            <a:off x="892760" y="3573016"/>
+            <a:ext cx="2167072" cy="882130"/>
           </a:xfrm>
           <a:prstGeom prst="rect">
             <a:avLst/>
@@ -4211,10 +4477,7 @@
           <a:noFill/>
           <a:ln>
             <a:solidFill>
-              <a:schemeClr val="bg1">
-                <a:lumMod val="10000"/>
-                <a:alpha val="80000"/>
-              </a:schemeClr>
+              <a:srgbClr val="000000"/>
             </a:solidFill>
           </a:ln>
           <a:scene3d>
@@ -4252,29 +4515,76 @@
             <a:r>
               <a:rPr lang="en-US" altLang="ko-KR" sz="1800" b="1" dirty="0" smtClean="0">
                 <a:solidFill>
-                  <a:srgbClr val="C00000"/>
+                  <a:srgbClr val="000000"/>
                 </a:solidFill>
                 <a:latin typeface="HY강M" pitchFamily="18" charset="-127"/>
                 <a:ea typeface="HY강M" pitchFamily="18" charset="-127"/>
               </a:rPr>
-              <a:t>Application Framework</a:t>
-            </a:r>
-          </a:p>
-          <a:p>
-            <a:pPr algn="ctr"/>
-            <a:endParaRPr lang="en-US" altLang="ko-KR" sz="1800" b="1" dirty="0">
+              <a:t>Device Control Manager</a:t>
+            </a:r>
+            <a:endParaRPr lang="ko-KR" altLang="en-US" sz="1800" b="1" dirty="0">
               <a:solidFill>
-                <a:srgbClr val="C00000"/>
+                <a:srgbClr val="000000"/>
               </a:solidFill>
               <a:latin typeface="HY강M" pitchFamily="18" charset="-127"/>
               <a:ea typeface="HY강M" pitchFamily="18" charset="-127"/>
             </a:endParaRPr>
           </a:p>
+        </p:txBody>
+      </p:sp>
+      <p:sp>
+        <p:nvSpPr>
+          <p:cNvPr id="27" name="직사각형 26"/>
+          <p:cNvSpPr/>
+          <p:nvPr/>
+        </p:nvSpPr>
+        <p:spPr>
+          <a:xfrm>
+            <a:off x="6444210" y="2601658"/>
+            <a:ext cx="2150641" cy="651486"/>
+          </a:xfrm>
+          <a:prstGeom prst="rect">
+            <a:avLst/>
+          </a:prstGeom>
+          <a:solidFill>
+            <a:srgbClr val="00B0F0">
+              <a:alpha val="65000"/>
+            </a:srgbClr>
+          </a:solidFill>
+          <a:ln/>
+        </p:spPr>
+        <p:style>
+          <a:lnRef idx="0">
+            <a:schemeClr val="accent2"/>
+          </a:lnRef>
+          <a:fillRef idx="3">
+            <a:schemeClr val="accent2"/>
+          </a:fillRef>
+          <a:effectRef idx="3">
+            <a:schemeClr val="accent2"/>
+          </a:effectRef>
+          <a:fontRef idx="minor">
+            <a:schemeClr val="lt1"/>
+          </a:fontRef>
+        </p:style>
+        <p:txBody>
+          <a:bodyPr rtlCol="0" anchor="ctr"/>
+          <a:lstStyle/>
           <a:p>
             <a:pPr algn="ctr"/>
+            <a:r>
+              <a:rPr lang="en-US" altLang="ko-KR" sz="1800" b="1" dirty="0" smtClean="0">
+                <a:solidFill>
+                  <a:srgbClr val="000000"/>
+                </a:solidFill>
+                <a:latin typeface="HY강M" pitchFamily="18" charset="-127"/>
+                <a:ea typeface="HY강M" pitchFamily="18" charset="-127"/>
+              </a:rPr>
+              <a:t>Service App</a:t>
+            </a:r>
             <a:endParaRPr lang="ko-KR" altLang="en-US" sz="1800" b="1" dirty="0">
               <a:solidFill>
-                <a:srgbClr val="C00000"/>
+                <a:srgbClr val="000000"/>
               </a:solidFill>
               <a:latin typeface="HY강M" pitchFamily="18" charset="-127"/>
               <a:ea typeface="HY강M" pitchFamily="18" charset="-127"/>
@@ -4282,16 +4592,52 @@
           </a:p>
         </p:txBody>
       </p:sp>
+      <p:cxnSp>
+        <p:nvCxnSpPr>
+          <p:cNvPr id="28" name="직선 연결선 27"/>
+          <p:cNvCxnSpPr/>
+          <p:nvPr/>
+        </p:nvCxnSpPr>
+        <p:spPr>
+          <a:xfrm>
+            <a:off x="3520299" y="2258435"/>
+            <a:ext cx="0" cy="4357354"/>
+          </a:xfrm>
+          <a:prstGeom prst="line">
+            <a:avLst/>
+          </a:prstGeom>
+          <a:ln w="44450">
+            <a:solidFill>
+              <a:srgbClr val="000000"/>
+            </a:solidFill>
+            <a:prstDash val="dash"/>
+          </a:ln>
+        </p:spPr>
+        <p:style>
+          <a:lnRef idx="1">
+            <a:schemeClr val="accent1"/>
+          </a:lnRef>
+          <a:fillRef idx="0">
+            <a:schemeClr val="accent1"/>
+          </a:fillRef>
+          <a:effectRef idx="0">
+            <a:schemeClr val="accent1"/>
+          </a:effectRef>
+          <a:fontRef idx="minor">
+            <a:schemeClr val="tx1"/>
+          </a:fontRef>
+        </p:style>
+      </p:cxnSp>
       <p:sp>
         <p:nvSpPr>
-          <p:cNvPr id="51" name="직사각형 50"/>
+          <p:cNvPr id="33" name="직사각형 32"/>
           <p:cNvSpPr/>
           <p:nvPr/>
         </p:nvSpPr>
         <p:spPr>
           <a:xfrm>
-            <a:off x="892760" y="3728420"/>
-            <a:ext cx="7279640" cy="1464175"/>
+            <a:off x="3914372" y="3554982"/>
+            <a:ext cx="2134265" cy="882130"/>
           </a:xfrm>
           <a:prstGeom prst="rect">
             <a:avLst/>
@@ -4299,10 +4645,7 @@
           <a:noFill/>
           <a:ln>
             <a:solidFill>
-              <a:schemeClr val="bg1">
-                <a:lumMod val="10000"/>
-                <a:alpha val="80000"/>
-              </a:schemeClr>
+              <a:srgbClr val="000000"/>
             </a:solidFill>
           </a:ln>
           <a:scene3d>
@@ -4336,250 +4679,44 @@
           <a:bodyPr rtlCol="0" anchor="ctr"/>
           <a:lstStyle/>
           <a:p>
-            <a:pPr algn="l"/>
+            <a:pPr algn="ctr"/>
             <a:r>
               <a:rPr lang="en-US" altLang="ko-KR" sz="1800" b="1" dirty="0" smtClean="0">
                 <a:solidFill>
-                  <a:srgbClr val="C00000"/>
+                  <a:srgbClr val="000000"/>
                 </a:solidFill>
                 <a:latin typeface="HY강M" pitchFamily="18" charset="-127"/>
                 <a:ea typeface="HY강M" pitchFamily="18" charset="-127"/>
               </a:rPr>
-              <a:t>	Libraries</a:t>
-            </a:r>
-          </a:p>
-          <a:p>
-            <a:pPr algn="l"/>
-            <a:endParaRPr lang="en-US" altLang="ko-KR" sz="1800" b="1" dirty="0" smtClean="0">
+              <a:t>Device Control Manager</a:t>
+            </a:r>
+            <a:endParaRPr lang="ko-KR" altLang="en-US" sz="1800" b="1" dirty="0">
               <a:solidFill>
-                <a:srgbClr val="C00000"/>
+                <a:srgbClr val="000000"/>
               </a:solidFill>
               <a:latin typeface="HY강M" pitchFamily="18" charset="-127"/>
               <a:ea typeface="HY강M" pitchFamily="18" charset="-127"/>
             </a:endParaRPr>
           </a:p>
-          <a:p>
-            <a:pPr algn="l"/>
-            <a:endParaRPr lang="en-US" altLang="ko-KR" sz="1800" b="1" dirty="0" smtClean="0">
-              <a:solidFill>
-                <a:srgbClr val="C00000"/>
-              </a:solidFill>
-              <a:latin typeface="HY강M" pitchFamily="18" charset="-127"/>
-              <a:ea typeface="HY강M" pitchFamily="18" charset="-127"/>
-            </a:endParaRPr>
-          </a:p>
-          <a:p>
-            <a:pPr algn="ctr"/>
-            <a:endParaRPr lang="en-US" altLang="ko-KR" sz="1800" b="1" dirty="0">
-              <a:solidFill>
-                <a:srgbClr val="C00000"/>
-              </a:solidFill>
-              <a:latin typeface="HY강M" pitchFamily="18" charset="-127"/>
-              <a:ea typeface="HY강M" pitchFamily="18" charset="-127"/>
-            </a:endParaRPr>
-          </a:p>
-          <a:p>
-            <a:pPr algn="ctr"/>
-            <a:endParaRPr lang="ko-KR" altLang="en-US" sz="1800" b="1" dirty="0">
-              <a:solidFill>
-                <a:srgbClr val="C00000"/>
-              </a:solidFill>
-              <a:latin typeface="HY강M" pitchFamily="18" charset="-127"/>
-              <a:ea typeface="HY강M" pitchFamily="18" charset="-127"/>
-            </a:endParaRPr>
-          </a:p>
         </p:txBody>
       </p:sp>
       <p:sp>
         <p:nvSpPr>
-          <p:cNvPr id="52" name="직사각형 51"/>
+          <p:cNvPr id="35" name="직사각형 34"/>
           <p:cNvSpPr/>
           <p:nvPr/>
         </p:nvSpPr>
         <p:spPr>
           <a:xfrm>
-            <a:off x="5580112" y="3728421"/>
-            <a:ext cx="2592288" cy="1032127"/>
+            <a:off x="892761" y="4770593"/>
+            <a:ext cx="2150641" cy="850278"/>
           </a:xfrm>
           <a:prstGeom prst="rect">
-            <a:avLst/>
-          </a:prstGeom>
-          <a:noFill/>
-          <a:ln>
-            <a:solidFill>
-              <a:schemeClr val="bg1">
-                <a:lumMod val="10000"/>
-                <a:alpha val="80000"/>
-              </a:schemeClr>
-            </a:solidFill>
-          </a:ln>
-          <a:scene3d>
-            <a:camera prst="orthographicFront"/>
-            <a:lightRig rig="threePt" dir="t"/>
-          </a:scene3d>
-          <a:sp3d contourW="12700">
-            <a:bevelT w="107950" h="107950" prst="angle"/>
-            <a:contourClr>
-              <a:srgbClr val="000000"/>
-            </a:contourClr>
-          </a:sp3d>
-        </p:spPr>
-        <p:style>
-          <a:lnRef idx="2">
-            <a:schemeClr val="accent1">
-              <a:shade val="50000"/>
-            </a:schemeClr>
-          </a:lnRef>
-          <a:fillRef idx="1">
-            <a:schemeClr val="accent1"/>
-          </a:fillRef>
-          <a:effectRef idx="0">
-            <a:schemeClr val="accent1"/>
-          </a:effectRef>
-          <a:fontRef idx="minor">
-            <a:schemeClr val="lt1"/>
-          </a:fontRef>
-        </p:style>
-        <p:txBody>
-          <a:bodyPr rtlCol="0" anchor="ctr"/>
-          <a:lstStyle/>
-          <a:p>
-            <a:r>
-              <a:rPr lang="en-US" altLang="ko-KR" sz="1800" b="1" dirty="0" smtClean="0">
-                <a:solidFill>
-                  <a:srgbClr val="C00000"/>
-                </a:solidFill>
-                <a:latin typeface="HY강M" pitchFamily="18" charset="-127"/>
-                <a:ea typeface="HY강M" pitchFamily="18" charset="-127"/>
-              </a:rPr>
-              <a:t>Android Runtime</a:t>
-            </a:r>
-          </a:p>
-          <a:p>
-            <a:endParaRPr lang="en-US" altLang="ko-KR" sz="1800" b="1" dirty="0" smtClean="0">
-              <a:solidFill>
-                <a:srgbClr val="C00000"/>
-              </a:solidFill>
-              <a:latin typeface="HY강M" pitchFamily="18" charset="-127"/>
-              <a:ea typeface="HY강M" pitchFamily="18" charset="-127"/>
-            </a:endParaRPr>
-          </a:p>
-          <a:p>
-            <a:endParaRPr lang="ko-KR" altLang="en-US" sz="1800" b="1" dirty="0">
-              <a:solidFill>
-                <a:srgbClr val="C00000"/>
-              </a:solidFill>
-              <a:latin typeface="HY강M" pitchFamily="18" charset="-127"/>
-              <a:ea typeface="HY강M" pitchFamily="18" charset="-127"/>
-            </a:endParaRPr>
-          </a:p>
-        </p:txBody>
-      </p:sp>
-      <p:sp>
-        <p:nvSpPr>
-          <p:cNvPr id="53" name="직사각형 52"/>
-          <p:cNvSpPr/>
-          <p:nvPr/>
-        </p:nvSpPr>
-        <p:spPr>
-          <a:xfrm>
-            <a:off x="892760" y="5211166"/>
-            <a:ext cx="7279640" cy="882130"/>
-          </a:xfrm>
-          <a:prstGeom prst="rect">
-            <a:avLst/>
-          </a:prstGeom>
-          <a:noFill/>
-          <a:ln>
-            <a:solidFill>
-              <a:schemeClr val="bg1">
-                <a:lumMod val="10000"/>
-                <a:alpha val="80000"/>
-              </a:schemeClr>
-            </a:solidFill>
-          </a:ln>
-          <a:scene3d>
-            <a:camera prst="orthographicFront"/>
-            <a:lightRig rig="threePt" dir="t"/>
-          </a:scene3d>
-          <a:sp3d contourW="12700">
-            <a:bevelT w="107950" h="107950" prst="angle"/>
-            <a:contourClr>
-              <a:srgbClr val="000000"/>
-            </a:contourClr>
-          </a:sp3d>
-        </p:spPr>
-        <p:style>
-          <a:lnRef idx="2">
-            <a:schemeClr val="accent1">
-              <a:shade val="50000"/>
-            </a:schemeClr>
-          </a:lnRef>
-          <a:fillRef idx="1">
-            <a:schemeClr val="accent1"/>
-          </a:fillRef>
-          <a:effectRef idx="0">
-            <a:schemeClr val="accent1"/>
-          </a:effectRef>
-          <a:fontRef idx="minor">
-            <a:schemeClr val="lt1"/>
-          </a:fontRef>
-        </p:style>
-        <p:txBody>
-          <a:bodyPr rtlCol="0" anchor="ctr"/>
-          <a:lstStyle/>
-          <a:p>
-            <a:pPr algn="ctr"/>
-            <a:r>
-              <a:rPr lang="en-US" altLang="ko-KR" sz="1800" b="1" dirty="0" smtClean="0">
-                <a:solidFill>
-                  <a:srgbClr val="C00000"/>
-                </a:solidFill>
-                <a:latin typeface="HY강M" pitchFamily="18" charset="-127"/>
-                <a:ea typeface="HY강M" pitchFamily="18" charset="-127"/>
-              </a:rPr>
-              <a:t>Linux Kernel</a:t>
-            </a:r>
-          </a:p>
-          <a:p>
-            <a:pPr algn="ctr"/>
-            <a:endParaRPr lang="en-US" altLang="ko-KR" sz="1800" b="1" dirty="0">
-              <a:solidFill>
-                <a:srgbClr val="C00000"/>
-              </a:solidFill>
-              <a:latin typeface="HY강M" pitchFamily="18" charset="-127"/>
-              <a:ea typeface="HY강M" pitchFamily="18" charset="-127"/>
-            </a:endParaRPr>
-          </a:p>
-          <a:p>
-            <a:pPr algn="ctr"/>
-            <a:endParaRPr lang="ko-KR" altLang="en-US" sz="1800" b="1" dirty="0">
-              <a:solidFill>
-                <a:srgbClr val="C00000"/>
-              </a:solidFill>
-              <a:latin typeface="HY강M" pitchFamily="18" charset="-127"/>
-              <a:ea typeface="HY강M" pitchFamily="18" charset="-127"/>
-            </a:endParaRPr>
-          </a:p>
-        </p:txBody>
-      </p:sp>
-      <p:sp>
-        <p:nvSpPr>
-          <p:cNvPr id="3" name="모서리가 둥근 직사각형 2"/>
-          <p:cNvSpPr/>
-          <p:nvPr/>
-        </p:nvSpPr>
-        <p:spPr>
-          <a:xfrm>
-            <a:off x="971600" y="2303259"/>
-            <a:ext cx="1584176" cy="441065"/>
-          </a:xfrm>
-          <a:prstGeom prst="roundRect">
             <a:avLst/>
           </a:prstGeom>
           <a:solidFill>
             <a:srgbClr val="00B0F0">
-              <a:alpha val="55000"/>
+              <a:alpha val="65000"/>
             </a:srgbClr>
           </a:solidFill>
           <a:ln/>
@@ -4604,42 +4741,35 @@
           <a:p>
             <a:pPr algn="ctr"/>
             <a:r>
-              <a:rPr lang="en-US" altLang="ko-KR" sz="1400" b="1" dirty="0" smtClean="0">
-                <a:solidFill>
-                  <a:schemeClr val="tx1"/>
-                </a:solidFill>
-                <a:latin typeface="휴먼모음T" pitchFamily="18" charset="-127"/>
-                <a:ea typeface="휴먼모음T" pitchFamily="18" charset="-127"/>
-              </a:rPr>
-              <a:t>USB/IP App</a:t>
-            </a:r>
-            <a:endParaRPr lang="ko-KR" altLang="en-US" sz="1400" b="1" dirty="0">
-              <a:solidFill>
-                <a:schemeClr val="tx1"/>
-              </a:solidFill>
-              <a:latin typeface="휴먼모음T" pitchFamily="18" charset="-127"/>
-              <a:ea typeface="휴먼모음T" pitchFamily="18" charset="-127"/>
-            </a:endParaRPr>
+              <a:rPr lang="en-US" altLang="ko-KR" sz="1800" b="1" dirty="0" smtClean="0">
+                <a:solidFill>
+                  <a:srgbClr val="000000"/>
+                </a:solidFill>
+                <a:latin typeface="HY강M" pitchFamily="18" charset="-127"/>
+                <a:ea typeface="HY강M" pitchFamily="18" charset="-127"/>
+              </a:rPr>
+              <a:t>USB Device Driver</a:t>
+            </a:r>
           </a:p>
         </p:txBody>
       </p:sp>
       <p:sp>
         <p:nvSpPr>
-          <p:cNvPr id="9" name="모서리가 둥근 직사각형 8"/>
+          <p:cNvPr id="36" name="직사각형 35"/>
           <p:cNvSpPr/>
           <p:nvPr/>
         </p:nvSpPr>
         <p:spPr>
           <a:xfrm>
-            <a:off x="2699792" y="2303259"/>
-            <a:ext cx="1584176" cy="441065"/>
-          </a:xfrm>
-          <a:prstGeom prst="roundRect">
+            <a:off x="3897996" y="2597496"/>
+            <a:ext cx="2150641" cy="651486"/>
+          </a:xfrm>
+          <a:prstGeom prst="rect">
             <a:avLst/>
           </a:prstGeom>
           <a:solidFill>
             <a:srgbClr val="00B0F0">
-              <a:alpha val="55000"/>
+              <a:alpha val="65000"/>
             </a:srgbClr>
           </a:solidFill>
           <a:ln/>
@@ -4664,167 +4794,259 @@
           <a:p>
             <a:pPr algn="ctr"/>
             <a:r>
-              <a:rPr lang="en-US" altLang="ko-KR" sz="1400" b="1" dirty="0" smtClean="0">
-                <a:solidFill>
-                  <a:schemeClr val="tx1"/>
-                </a:solidFill>
-                <a:latin typeface="휴먼모음T" pitchFamily="18" charset="-127"/>
-                <a:ea typeface="휴먼모음T" pitchFamily="18" charset="-127"/>
-              </a:rPr>
-              <a:t>Service App</a:t>
-            </a:r>
-            <a:endParaRPr lang="ko-KR" altLang="en-US" sz="1400" b="1" dirty="0">
+              <a:rPr lang="en-US" altLang="ko-KR" sz="1800" b="1" dirty="0" smtClean="0">
+                <a:solidFill>
+                  <a:srgbClr val="000000"/>
+                </a:solidFill>
+                <a:latin typeface="HY강M" pitchFamily="18" charset="-127"/>
+                <a:ea typeface="HY강M" pitchFamily="18" charset="-127"/>
+              </a:rPr>
+              <a:t>USB/IP App</a:t>
+            </a:r>
+            <a:endParaRPr lang="ko-KR" altLang="en-US" sz="1800" b="1" dirty="0">
               <a:solidFill>
-                <a:schemeClr val="tx1"/>
+                <a:srgbClr val="000000"/>
               </a:solidFill>
-              <a:latin typeface="휴먼모음T" pitchFamily="18" charset="-127"/>
-              <a:ea typeface="휴먼모음T" pitchFamily="18" charset="-127"/>
+              <a:latin typeface="HY강M" pitchFamily="18" charset="-127"/>
+              <a:ea typeface="HY강M" pitchFamily="18" charset="-127"/>
             </a:endParaRPr>
           </a:p>
         </p:txBody>
       </p:sp>
-      <p:sp>
-        <p:nvSpPr>
-          <p:cNvPr id="10" name="모서리가 둥근 직사각형 9"/>
-          <p:cNvSpPr/>
+      <p:cxnSp>
+        <p:nvCxnSpPr>
+          <p:cNvPr id="38" name="직선 연결선 37"/>
+          <p:cNvCxnSpPr>
+            <a:stCxn id="13" idx="2"/>
+            <a:endCxn id="25" idx="0"/>
+          </p:cNvCxnSpPr>
           <p:nvPr/>
-        </p:nvSpPr>
+        </p:nvCxnSpPr>
         <p:spPr>
           <a:xfrm>
-            <a:off x="4454263" y="2300781"/>
-            <a:ext cx="1584176" cy="441065"/>
-          </a:xfrm>
-          <a:prstGeom prst="roundRect">
+            <a:off x="1968082" y="3212978"/>
+            <a:ext cx="8214" cy="360038"/>
+          </a:xfrm>
+          <a:prstGeom prst="line">
             <a:avLst/>
           </a:prstGeom>
-          <a:solidFill>
-            <a:schemeClr val="bg1"/>
-          </a:solidFill>
-          <a:ln>
+          <a:ln w="44450">
             <a:solidFill>
-              <a:srgbClr val="000000">
-                <a:alpha val="80000"/>
-              </a:srgbClr>
+              <a:srgbClr val="C00000"/>
             </a:solidFill>
           </a:ln>
         </p:spPr>
         <p:style>
-          <a:lnRef idx="2">
-            <a:schemeClr val="accent1">
-              <a:shade val="50000"/>
-            </a:schemeClr>
+          <a:lnRef idx="1">
+            <a:schemeClr val="accent1"/>
           </a:lnRef>
-          <a:fillRef idx="1">
+          <a:fillRef idx="0">
             <a:schemeClr val="accent1"/>
           </a:fillRef>
           <a:effectRef idx="0">
             <a:schemeClr val="accent1"/>
           </a:effectRef>
           <a:fontRef idx="minor">
-            <a:schemeClr val="lt1"/>
+            <a:schemeClr val="tx1"/>
           </a:fontRef>
         </p:style>
-        <p:txBody>
-          <a:bodyPr rtlCol="0" anchor="ctr"/>
-          <a:lstStyle/>
-          <a:p>
-            <a:pPr algn="ctr"/>
-            <a:r>
-              <a:rPr lang="en-US" altLang="ko-KR" sz="1400" b="1" dirty="0" smtClean="0">
-                <a:solidFill>
-                  <a:schemeClr val="tx1"/>
-                </a:solidFill>
-                <a:latin typeface="휴먼모음T" pitchFamily="18" charset="-127"/>
-                <a:ea typeface="휴먼모음T" pitchFamily="18" charset="-127"/>
-              </a:rPr>
-              <a:t>Alarm</a:t>
-            </a:r>
-            <a:endParaRPr lang="ko-KR" altLang="en-US" sz="1400" b="1" dirty="0">
-              <a:solidFill>
-                <a:schemeClr val="tx1"/>
-              </a:solidFill>
-              <a:latin typeface="휴먼모음T" pitchFamily="18" charset="-127"/>
-              <a:ea typeface="휴먼모음T" pitchFamily="18" charset="-127"/>
-            </a:endParaRPr>
-          </a:p>
-        </p:txBody>
-      </p:sp>
-      <p:sp>
-        <p:nvSpPr>
-          <p:cNvPr id="11" name="모서리가 둥근 직사각형 10"/>
-          <p:cNvSpPr/>
+      </p:cxnSp>
+      <p:cxnSp>
+        <p:nvCxnSpPr>
+          <p:cNvPr id="39" name="직선 연결선 38"/>
+          <p:cNvCxnSpPr>
+            <a:endCxn id="25" idx="2"/>
+          </p:cNvCxnSpPr>
           <p:nvPr/>
-        </p:nvSpPr>
+        </p:nvCxnSpPr>
         <p:spPr>
-          <a:xfrm>
-            <a:off x="6190839" y="2303259"/>
-            <a:ext cx="1584176" cy="441065"/>
-          </a:xfrm>
-          <a:prstGeom prst="roundRect">
+          <a:xfrm flipV="1">
+            <a:off x="1969370" y="4455146"/>
+            <a:ext cx="6926" cy="315446"/>
+          </a:xfrm>
+          <a:prstGeom prst="line">
             <a:avLst/>
           </a:prstGeom>
-          <a:solidFill>
-            <a:schemeClr val="bg1"/>
-          </a:solidFill>
-          <a:ln>
+          <a:ln w="44450">
             <a:solidFill>
-              <a:srgbClr val="000000">
-                <a:alpha val="80000"/>
-              </a:srgbClr>
+              <a:srgbClr val="C00000"/>
             </a:solidFill>
           </a:ln>
         </p:spPr>
         <p:style>
-          <a:lnRef idx="2">
-            <a:schemeClr val="accent1">
-              <a:shade val="50000"/>
-            </a:schemeClr>
+          <a:lnRef idx="1">
+            <a:schemeClr val="accent1"/>
           </a:lnRef>
-          <a:fillRef idx="1">
+          <a:fillRef idx="0">
             <a:schemeClr val="accent1"/>
           </a:fillRef>
           <a:effectRef idx="0">
             <a:schemeClr val="accent1"/>
           </a:effectRef>
           <a:fontRef idx="minor">
-            <a:schemeClr val="lt1"/>
+            <a:schemeClr val="tx1"/>
           </a:fontRef>
         </p:style>
-        <p:txBody>
-          <a:bodyPr rtlCol="0" anchor="ctr"/>
-          <a:lstStyle/>
-          <a:p>
-            <a:pPr algn="ctr"/>
-            <a:r>
-              <a:rPr lang="en-US" altLang="ko-KR" sz="1400" b="1" dirty="0" smtClean="0">
-                <a:solidFill>
-                  <a:schemeClr val="tx1"/>
-                </a:solidFill>
-                <a:latin typeface="휴먼모음T" pitchFamily="18" charset="-127"/>
-                <a:ea typeface="휴먼모음T" pitchFamily="18" charset="-127"/>
-              </a:rPr>
-              <a:t>Home</a:t>
-            </a:r>
-            <a:endParaRPr lang="ko-KR" altLang="en-US" sz="1400" b="1" dirty="0">
-              <a:solidFill>
-                <a:schemeClr val="tx1"/>
-              </a:solidFill>
-              <a:latin typeface="휴먼모음T" pitchFamily="18" charset="-127"/>
-              <a:ea typeface="휴먼모음T" pitchFamily="18" charset="-127"/>
-            </a:endParaRPr>
-          </a:p>
-        </p:txBody>
-      </p:sp>
+      </p:cxnSp>
+      <p:cxnSp>
+        <p:nvCxnSpPr>
+          <p:cNvPr id="40" name="직선 연결선 39"/>
+          <p:cNvCxnSpPr>
+            <a:stCxn id="24" idx="1"/>
+            <a:endCxn id="23" idx="3"/>
+          </p:cNvCxnSpPr>
+          <p:nvPr/>
+        </p:nvCxnSpPr>
+        <p:spPr>
+          <a:xfrm flipH="1">
+            <a:off x="3043402" y="5210008"/>
+            <a:ext cx="870970" cy="847284"/>
+          </a:xfrm>
+          <a:prstGeom prst="line">
+            <a:avLst/>
+          </a:prstGeom>
+          <a:ln w="44450">
+            <a:solidFill>
+              <a:srgbClr val="C00000"/>
+            </a:solidFill>
+          </a:ln>
+        </p:spPr>
+        <p:style>
+          <a:lnRef idx="1">
+            <a:schemeClr val="accent1"/>
+          </a:lnRef>
+          <a:fillRef idx="0">
+            <a:schemeClr val="accent1"/>
+          </a:fillRef>
+          <a:effectRef idx="0">
+            <a:schemeClr val="accent1"/>
+          </a:effectRef>
+          <a:fontRef idx="minor">
+            <a:schemeClr val="tx1"/>
+          </a:fontRef>
+        </p:style>
+      </p:cxnSp>
+      <p:cxnSp>
+        <p:nvCxnSpPr>
+          <p:cNvPr id="42" name="직선 연결선 41"/>
+          <p:cNvCxnSpPr/>
+          <p:nvPr/>
+        </p:nvCxnSpPr>
+        <p:spPr>
+          <a:xfrm flipV="1">
+            <a:off x="6048637" y="3253144"/>
+            <a:ext cx="1470895" cy="2847375"/>
+          </a:xfrm>
+          <a:prstGeom prst="line">
+            <a:avLst/>
+          </a:prstGeom>
+          <a:ln w="44450">
+            <a:solidFill>
+              <a:srgbClr val="C00000"/>
+            </a:solidFill>
+          </a:ln>
+        </p:spPr>
+        <p:style>
+          <a:lnRef idx="1">
+            <a:schemeClr val="accent1"/>
+          </a:lnRef>
+          <a:fillRef idx="0">
+            <a:schemeClr val="accent1"/>
+          </a:fillRef>
+          <a:effectRef idx="0">
+            <a:schemeClr val="accent1"/>
+          </a:effectRef>
+          <a:fontRef idx="minor">
+            <a:schemeClr val="tx1"/>
+          </a:fontRef>
+        </p:style>
+      </p:cxnSp>
+      <p:cxnSp>
+        <p:nvCxnSpPr>
+          <p:cNvPr id="45" name="직선 연결선 44"/>
+          <p:cNvCxnSpPr>
+            <a:stCxn id="33" idx="0"/>
+            <a:endCxn id="36" idx="2"/>
+          </p:cNvCxnSpPr>
+          <p:nvPr/>
+        </p:nvCxnSpPr>
+        <p:spPr>
+          <a:xfrm flipH="1" flipV="1">
+            <a:off x="4973317" y="3248982"/>
+            <a:ext cx="8188" cy="306000"/>
+          </a:xfrm>
+          <a:prstGeom prst="line">
+            <a:avLst/>
+          </a:prstGeom>
+          <a:ln w="44450">
+            <a:solidFill>
+              <a:srgbClr val="C00000"/>
+            </a:solidFill>
+          </a:ln>
+        </p:spPr>
+        <p:style>
+          <a:lnRef idx="1">
+            <a:schemeClr val="accent1"/>
+          </a:lnRef>
+          <a:fillRef idx="0">
+            <a:schemeClr val="accent1"/>
+          </a:fillRef>
+          <a:effectRef idx="0">
+            <a:schemeClr val="accent1"/>
+          </a:effectRef>
+          <a:fontRef idx="minor">
+            <a:schemeClr val="tx1"/>
+          </a:fontRef>
+        </p:style>
+      </p:cxnSp>
+      <p:cxnSp>
+        <p:nvCxnSpPr>
+          <p:cNvPr id="47" name="직선 연결선 46"/>
+          <p:cNvCxnSpPr>
+            <a:stCxn id="33" idx="2"/>
+            <a:endCxn id="24" idx="0"/>
+          </p:cNvCxnSpPr>
+          <p:nvPr/>
+        </p:nvCxnSpPr>
+        <p:spPr>
+          <a:xfrm>
+            <a:off x="4981505" y="4437112"/>
+            <a:ext cx="6900" cy="333480"/>
+          </a:xfrm>
+          <a:prstGeom prst="line">
+            <a:avLst/>
+          </a:prstGeom>
+          <a:ln w="44450">
+            <a:solidFill>
+              <a:srgbClr val="C00000"/>
+            </a:solidFill>
+          </a:ln>
+        </p:spPr>
+        <p:style>
+          <a:lnRef idx="1">
+            <a:schemeClr val="accent1"/>
+          </a:lnRef>
+          <a:fillRef idx="0">
+            <a:schemeClr val="accent1"/>
+          </a:fillRef>
+          <a:effectRef idx="0">
+            <a:schemeClr val="accent1"/>
+          </a:effectRef>
+          <a:fontRef idx="minor">
+            <a:schemeClr val="tx1"/>
+          </a:fontRef>
+        </p:style>
+      </p:cxnSp>
       <p:sp>
         <p:nvSpPr>
-          <p:cNvPr id="4" name="TextBox 3"/>
+          <p:cNvPr id="48" name="TextBox 47"/>
           <p:cNvSpPr txBox="1"/>
           <p:nvPr/>
         </p:nvSpPr>
         <p:spPr>
           <a:xfrm>
-            <a:off x="7771389" y="2374992"/>
-            <a:ext cx="410690" cy="369332"/>
+            <a:off x="6818057" y="1795463"/>
+            <a:ext cx="1402948" cy="769441"/>
           </a:xfrm>
           <a:prstGeom prst="rect">
             <a:avLst/>
@@ -4838,33 +5060,115 @@
           <a:lstStyle/>
           <a:p>
             <a:r>
-              <a:rPr lang="en-US" altLang="ko-KR" sz="1800" b="1" dirty="0" smtClean="0">
-                <a:latin typeface="휴먼모음T" pitchFamily="18" charset="-127"/>
-                <a:ea typeface="휴먼모음T" pitchFamily="18" charset="-127"/>
-              </a:rPr>
-              <a:t>…</a:t>
-            </a:r>
-            <a:endParaRPr lang="ko-KR" altLang="en-US" sz="1800" b="1" dirty="0">
-              <a:latin typeface="휴먼모음T" pitchFamily="18" charset="-127"/>
-              <a:ea typeface="휴먼모음T" pitchFamily="18" charset="-127"/>
-            </a:endParaRPr>
+              <a:rPr lang="en-US" altLang="ko-KR" sz="2200" b="1" dirty="0" smtClean="0">
+                <a:solidFill>
+                  <a:srgbClr val="000000"/>
+                </a:solidFill>
+                <a:latin typeface="HY강M" pitchFamily="18" charset="-127"/>
+                <a:ea typeface="HY강M" pitchFamily="18" charset="-127"/>
+              </a:rPr>
+              <a:t>&lt; Device &gt;</a:t>
+            </a:r>
+          </a:p>
+          <a:p>
+            <a:r>
+              <a:rPr lang="en-US" altLang="ko-KR" sz="2200" b="1" dirty="0" smtClean="0">
+                <a:solidFill>
+                  <a:srgbClr val="000000"/>
+                </a:solidFill>
+                <a:latin typeface="HY강M" pitchFamily="18" charset="-127"/>
+                <a:ea typeface="HY강M" pitchFamily="18" charset="-127"/>
+              </a:rPr>
+              <a:t>Android</a:t>
+            </a:r>
           </a:p>
         </p:txBody>
       </p:sp>
       <p:sp>
         <p:nvSpPr>
-          <p:cNvPr id="13" name="모서리가 둥근 직사각형 12"/>
+          <p:cNvPr id="30" name="내용 개체 틀 2"/>
+          <p:cNvSpPr>
+            <a:spLocks noGrp="1"/>
+          </p:cNvSpPr>
+          <p:nvPr>
+            <p:ph idx="1"/>
+          </p:nvPr>
+        </p:nvSpPr>
+        <p:spPr>
+          <a:xfrm>
+            <a:off x="857200" y="1124744"/>
+            <a:ext cx="7315200" cy="640317"/>
+          </a:xfrm>
+        </p:spPr>
+        <p:txBody>
+          <a:bodyPr/>
+          <a:lstStyle/>
+          <a:p>
+            <a:pPr marL="571500" indent="-514350">
+              <a:buFont typeface="+mj-lt"/>
+              <a:buAutoNum type="alphaUcPeriod"/>
+            </a:pPr>
+            <a:r>
+              <a:rPr lang="en-US" altLang="ko-KR" dirty="0" smtClean="0">
+                <a:solidFill>
+                  <a:srgbClr val="000000"/>
+                </a:solidFill>
+                <a:latin typeface="HY동녘M" pitchFamily="18" charset="-127"/>
+                <a:ea typeface="HY동녘M" pitchFamily="18" charset="-127"/>
+              </a:rPr>
+              <a:t>Client-Server </a:t>
+            </a:r>
+            <a:r>
+              <a:rPr lang="ko-KR" altLang="en-US" dirty="0" smtClean="0">
+                <a:solidFill>
+                  <a:srgbClr val="000000"/>
+                </a:solidFill>
+                <a:latin typeface="HY동녘M" pitchFamily="18" charset="-127"/>
+                <a:ea typeface="HY동녘M" pitchFamily="18" charset="-127"/>
+              </a:rPr>
+              <a:t>구조</a:t>
+            </a:r>
+            <a:endParaRPr lang="en-US" altLang="ko-KR" dirty="0" smtClean="0">
+              <a:solidFill>
+                <a:srgbClr val="000000"/>
+              </a:solidFill>
+              <a:latin typeface="HY동녘M" pitchFamily="18" charset="-127"/>
+              <a:ea typeface="HY동녘M" pitchFamily="18" charset="-127"/>
+            </a:endParaRPr>
+          </a:p>
+          <a:p>
+            <a:pPr marL="57150" indent="0">
+              <a:buNone/>
+            </a:pPr>
+            <a:endParaRPr lang="en-US" altLang="ko-KR" sz="1800" dirty="0" smtClean="0">
+              <a:solidFill>
+                <a:srgbClr val="000000"/>
+              </a:solidFill>
+              <a:latin typeface="HY동녘M" pitchFamily="18" charset="-127"/>
+              <a:ea typeface="HY동녘M" pitchFamily="18" charset="-127"/>
+            </a:endParaRPr>
+          </a:p>
+        </p:txBody>
+      </p:sp>
+      <p:sp>
+        <p:nvSpPr>
+          <p:cNvPr id="31" name="직사각형 30"/>
           <p:cNvSpPr/>
           <p:nvPr/>
         </p:nvSpPr>
         <p:spPr>
           <a:xfrm>
-            <a:off x="971600" y="5552636"/>
-            <a:ext cx="1584176" cy="441065"/>
-          </a:xfrm>
-          <a:prstGeom prst="roundRect">
+            <a:off x="3897995" y="5675380"/>
+            <a:ext cx="2150641" cy="850278"/>
+          </a:xfrm>
+          <a:prstGeom prst="rect">
             <a:avLst/>
           </a:prstGeom>
+          <a:solidFill>
+            <a:srgbClr val="00B0F0">
+              <a:alpha val="65000"/>
+            </a:srgbClr>
+          </a:solidFill>
           <a:ln/>
         </p:spPr>
         <p:style>
@@ -4887,1087 +5191,28 @@
           <a:p>
             <a:pPr algn="ctr"/>
             <a:r>
-              <a:rPr lang="en-US" altLang="ko-KR" sz="1400" b="1" dirty="0" smtClean="0">
-                <a:solidFill>
-                  <a:schemeClr val="tx1"/>
-                </a:solidFill>
-                <a:latin typeface="휴먼모음T" pitchFamily="18" charset="-127"/>
-                <a:ea typeface="휴먼모음T" pitchFamily="18" charset="-127"/>
-              </a:rPr>
-              <a:t>USB/IP</a:t>
-            </a:r>
-            <a:endParaRPr lang="ko-KR" altLang="en-US" sz="1400" b="1" dirty="0">
-              <a:solidFill>
-                <a:schemeClr val="tx1"/>
-              </a:solidFill>
-              <a:latin typeface="휴먼모음T" pitchFamily="18" charset="-127"/>
-              <a:ea typeface="휴먼모음T" pitchFamily="18" charset="-127"/>
-            </a:endParaRPr>
+              <a:rPr lang="en-US" altLang="ko-KR" sz="1800" b="1" dirty="0" smtClean="0">
+                <a:solidFill>
+                  <a:srgbClr val="000000"/>
+                </a:solidFill>
+                <a:latin typeface="HY강M" pitchFamily="18" charset="-127"/>
+                <a:ea typeface="HY강M" pitchFamily="18" charset="-127"/>
+              </a:rPr>
+              <a:t>VHCI Driver</a:t>
+            </a:r>
           </a:p>
         </p:txBody>
       </p:sp>
       <p:sp>
         <p:nvSpPr>
-          <p:cNvPr id="15" name="모서리가 둥근 직사각형 14"/>
+          <p:cNvPr id="26" name="직사각형 25"/>
           <p:cNvSpPr/>
           <p:nvPr/>
         </p:nvSpPr>
         <p:spPr>
           <a:xfrm>
-            <a:off x="2699792" y="5553854"/>
-            <a:ext cx="1584176" cy="441065"/>
-          </a:xfrm>
-          <a:prstGeom prst="roundRect">
-            <a:avLst/>
-          </a:prstGeom>
-          <a:solidFill>
-            <a:schemeClr val="bg1"/>
-          </a:solidFill>
-          <a:ln>
-            <a:solidFill>
-              <a:srgbClr val="000000">
-                <a:alpha val="80000"/>
-              </a:srgbClr>
-            </a:solidFill>
-          </a:ln>
-        </p:spPr>
-        <p:style>
-          <a:lnRef idx="2">
-            <a:schemeClr val="accent1">
-              <a:shade val="50000"/>
-            </a:schemeClr>
-          </a:lnRef>
-          <a:fillRef idx="1">
-            <a:schemeClr val="accent1"/>
-          </a:fillRef>
-          <a:effectRef idx="0">
-            <a:schemeClr val="accent1"/>
-          </a:effectRef>
-          <a:fontRef idx="minor">
-            <a:schemeClr val="lt1"/>
-          </a:fontRef>
-        </p:style>
-        <p:txBody>
-          <a:bodyPr rtlCol="0" anchor="ctr"/>
-          <a:lstStyle/>
-          <a:p>
-            <a:pPr algn="ctr"/>
-            <a:r>
-              <a:rPr lang="en-US" altLang="ko-KR" sz="1400" b="1" dirty="0" smtClean="0">
-                <a:solidFill>
-                  <a:schemeClr val="tx1"/>
-                </a:solidFill>
-                <a:latin typeface="휴먼모음T" pitchFamily="18" charset="-127"/>
-                <a:ea typeface="휴먼모음T" pitchFamily="18" charset="-127"/>
-              </a:rPr>
-              <a:t>USB Driver</a:t>
-            </a:r>
-            <a:endParaRPr lang="ko-KR" altLang="en-US" sz="1400" b="1" dirty="0">
-              <a:solidFill>
-                <a:schemeClr val="tx1"/>
-              </a:solidFill>
-              <a:latin typeface="휴먼모음T" pitchFamily="18" charset="-127"/>
-              <a:ea typeface="휴먼모음T" pitchFamily="18" charset="-127"/>
-            </a:endParaRPr>
-          </a:p>
-        </p:txBody>
-      </p:sp>
-      <p:sp>
-        <p:nvSpPr>
-          <p:cNvPr id="16" name="모서리가 둥근 직사각형 15"/>
-          <p:cNvSpPr/>
-          <p:nvPr/>
-        </p:nvSpPr>
-        <p:spPr>
-          <a:xfrm>
-            <a:off x="4454263" y="5552635"/>
-            <a:ext cx="1584176" cy="441065"/>
-          </a:xfrm>
-          <a:prstGeom prst="roundRect">
-            <a:avLst/>
-          </a:prstGeom>
-          <a:solidFill>
-            <a:schemeClr val="bg1"/>
-          </a:solidFill>
-          <a:ln>
-            <a:solidFill>
-              <a:srgbClr val="000000">
-                <a:alpha val="80000"/>
-              </a:srgbClr>
-            </a:solidFill>
-          </a:ln>
-        </p:spPr>
-        <p:style>
-          <a:lnRef idx="2">
-            <a:schemeClr val="accent1">
-              <a:shade val="50000"/>
-            </a:schemeClr>
-          </a:lnRef>
-          <a:fillRef idx="1">
-            <a:schemeClr val="accent1"/>
-          </a:fillRef>
-          <a:effectRef idx="0">
-            <a:schemeClr val="accent1"/>
-          </a:effectRef>
-          <a:fontRef idx="minor">
-            <a:schemeClr val="lt1"/>
-          </a:fontRef>
-        </p:style>
-        <p:txBody>
-          <a:bodyPr rtlCol="0" anchor="ctr"/>
-          <a:lstStyle/>
-          <a:p>
-            <a:pPr algn="ctr"/>
-            <a:r>
-              <a:rPr lang="en-US" altLang="ko-KR" sz="1400" b="1" dirty="0" smtClean="0">
-                <a:solidFill>
-                  <a:schemeClr val="tx1"/>
-                </a:solidFill>
-                <a:latin typeface="휴먼모음T" pitchFamily="18" charset="-127"/>
-                <a:ea typeface="휴먼모음T" pitchFamily="18" charset="-127"/>
-              </a:rPr>
-              <a:t>Camera Driver</a:t>
-            </a:r>
-            <a:endParaRPr lang="ko-KR" altLang="en-US" sz="1400" b="1" dirty="0">
-              <a:solidFill>
-                <a:schemeClr val="tx1"/>
-              </a:solidFill>
-              <a:latin typeface="휴먼모음T" pitchFamily="18" charset="-127"/>
-              <a:ea typeface="휴먼모음T" pitchFamily="18" charset="-127"/>
-            </a:endParaRPr>
-          </a:p>
-        </p:txBody>
-      </p:sp>
-      <p:sp>
-        <p:nvSpPr>
-          <p:cNvPr id="17" name="모서리가 둥근 직사각형 16"/>
-          <p:cNvSpPr/>
-          <p:nvPr/>
-        </p:nvSpPr>
-        <p:spPr>
-          <a:xfrm>
-            <a:off x="6190839" y="5553854"/>
-            <a:ext cx="1584176" cy="441065"/>
-          </a:xfrm>
-          <a:prstGeom prst="roundRect">
-            <a:avLst/>
-          </a:prstGeom>
-          <a:solidFill>
-            <a:schemeClr val="bg1"/>
-          </a:solidFill>
-          <a:ln>
-            <a:solidFill>
-              <a:srgbClr val="000000">
-                <a:alpha val="80000"/>
-              </a:srgbClr>
-            </a:solidFill>
-          </a:ln>
-        </p:spPr>
-        <p:style>
-          <a:lnRef idx="2">
-            <a:schemeClr val="accent1">
-              <a:shade val="50000"/>
-            </a:schemeClr>
-          </a:lnRef>
-          <a:fillRef idx="1">
-            <a:schemeClr val="accent1"/>
-          </a:fillRef>
-          <a:effectRef idx="0">
-            <a:schemeClr val="accent1"/>
-          </a:effectRef>
-          <a:fontRef idx="minor">
-            <a:schemeClr val="lt1"/>
-          </a:fontRef>
-        </p:style>
-        <p:txBody>
-          <a:bodyPr rtlCol="0" anchor="ctr"/>
-          <a:lstStyle/>
-          <a:p>
-            <a:pPr algn="ctr"/>
-            <a:r>
-              <a:rPr lang="en-US" altLang="ko-KR" sz="1400" b="1" dirty="0" smtClean="0">
-                <a:solidFill>
-                  <a:schemeClr val="tx1"/>
-                </a:solidFill>
-                <a:latin typeface="휴먼모음T" pitchFamily="18" charset="-127"/>
-                <a:ea typeface="휴먼모음T" pitchFamily="18" charset="-127"/>
-              </a:rPr>
-              <a:t>Power Management</a:t>
-            </a:r>
-            <a:endParaRPr lang="ko-KR" altLang="en-US" sz="1400" b="1" dirty="0">
-              <a:solidFill>
-                <a:schemeClr val="tx1"/>
-              </a:solidFill>
-              <a:latin typeface="휴먼모음T" pitchFamily="18" charset="-127"/>
-              <a:ea typeface="휴먼모음T" pitchFamily="18" charset="-127"/>
-            </a:endParaRPr>
-          </a:p>
-        </p:txBody>
-      </p:sp>
-      <p:sp>
-        <p:nvSpPr>
-          <p:cNvPr id="18" name="TextBox 17"/>
-          <p:cNvSpPr txBox="1"/>
-          <p:nvPr/>
-        </p:nvSpPr>
-        <p:spPr>
-          <a:xfrm>
-            <a:off x="7775015" y="5589720"/>
-            <a:ext cx="410690" cy="369332"/>
-          </a:xfrm>
-          <a:prstGeom prst="rect">
-            <a:avLst/>
-          </a:prstGeom>
-          <a:noFill/>
-        </p:spPr>
-        <p:txBody>
-          <a:bodyPr wrap="none" rtlCol="0">
-            <a:spAutoFit/>
-          </a:bodyPr>
-          <a:lstStyle/>
-          <a:p>
-            <a:r>
-              <a:rPr lang="en-US" altLang="ko-KR" sz="1800" b="1" dirty="0" smtClean="0">
-                <a:latin typeface="휴먼모음T" pitchFamily="18" charset="-127"/>
-                <a:ea typeface="휴먼모음T" pitchFamily="18" charset="-127"/>
-              </a:rPr>
-              <a:t>…</a:t>
-            </a:r>
-            <a:endParaRPr lang="ko-KR" altLang="en-US" sz="1800" b="1" dirty="0">
-              <a:latin typeface="휴먼모음T" pitchFamily="18" charset="-127"/>
-              <a:ea typeface="휴먼모음T" pitchFamily="18" charset="-127"/>
-            </a:endParaRPr>
-          </a:p>
-        </p:txBody>
-      </p:sp>
-      <p:sp>
-        <p:nvSpPr>
-          <p:cNvPr id="19" name="모서리가 둥근 직사각형 18"/>
-          <p:cNvSpPr/>
-          <p:nvPr/>
-        </p:nvSpPr>
-        <p:spPr>
-          <a:xfrm>
-            <a:off x="971600" y="3176372"/>
-            <a:ext cx="1584176" cy="441065"/>
-          </a:xfrm>
-          <a:prstGeom prst="roundRect">
-            <a:avLst/>
-          </a:prstGeom>
-          <a:solidFill>
-            <a:schemeClr val="bg1"/>
-          </a:solidFill>
-          <a:ln>
-            <a:solidFill>
-              <a:srgbClr val="000000">
-                <a:alpha val="80000"/>
-              </a:srgbClr>
-            </a:solidFill>
-          </a:ln>
-        </p:spPr>
-        <p:style>
-          <a:lnRef idx="2">
-            <a:schemeClr val="accent1">
-              <a:shade val="50000"/>
-            </a:schemeClr>
-          </a:lnRef>
-          <a:fillRef idx="1">
-            <a:schemeClr val="accent1"/>
-          </a:fillRef>
-          <a:effectRef idx="0">
-            <a:schemeClr val="accent1"/>
-          </a:effectRef>
-          <a:fontRef idx="minor">
-            <a:schemeClr val="lt1"/>
-          </a:fontRef>
-        </p:style>
-        <p:txBody>
-          <a:bodyPr rtlCol="0" anchor="ctr"/>
-          <a:lstStyle/>
-          <a:p>
-            <a:pPr algn="ctr"/>
-            <a:r>
-              <a:rPr lang="en-US" altLang="ko-KR" sz="1400" b="1" dirty="0" smtClean="0">
-                <a:solidFill>
-                  <a:schemeClr val="tx1"/>
-                </a:solidFill>
-                <a:latin typeface="휴먼모음T" pitchFamily="18" charset="-127"/>
-                <a:ea typeface="휴먼모음T" pitchFamily="18" charset="-127"/>
-              </a:rPr>
-              <a:t>Activity Manager</a:t>
-            </a:r>
-            <a:endParaRPr lang="ko-KR" altLang="en-US" sz="1400" b="1" dirty="0">
-              <a:solidFill>
-                <a:schemeClr val="tx1"/>
-              </a:solidFill>
-              <a:latin typeface="휴먼모음T" pitchFamily="18" charset="-127"/>
-              <a:ea typeface="휴먼모음T" pitchFamily="18" charset="-127"/>
-            </a:endParaRPr>
-          </a:p>
-        </p:txBody>
-      </p:sp>
-      <p:sp>
-        <p:nvSpPr>
-          <p:cNvPr id="20" name="모서리가 둥근 직사각형 19"/>
-          <p:cNvSpPr/>
-          <p:nvPr/>
-        </p:nvSpPr>
-        <p:spPr>
-          <a:xfrm>
-            <a:off x="2699792" y="3186762"/>
-            <a:ext cx="1584176" cy="441065"/>
-          </a:xfrm>
-          <a:prstGeom prst="roundRect">
-            <a:avLst/>
-          </a:prstGeom>
-          <a:solidFill>
-            <a:schemeClr val="bg1"/>
-          </a:solidFill>
-          <a:ln>
-            <a:solidFill>
-              <a:srgbClr val="000000">
-                <a:alpha val="80000"/>
-              </a:srgbClr>
-            </a:solidFill>
-          </a:ln>
-        </p:spPr>
-        <p:style>
-          <a:lnRef idx="2">
-            <a:schemeClr val="accent1">
-              <a:shade val="50000"/>
-            </a:schemeClr>
-          </a:lnRef>
-          <a:fillRef idx="1">
-            <a:schemeClr val="accent1"/>
-          </a:fillRef>
-          <a:effectRef idx="0">
-            <a:schemeClr val="accent1"/>
-          </a:effectRef>
-          <a:fontRef idx="minor">
-            <a:schemeClr val="lt1"/>
-          </a:fontRef>
-        </p:style>
-        <p:txBody>
-          <a:bodyPr rtlCol="0" anchor="ctr"/>
-          <a:lstStyle/>
-          <a:p>
-            <a:pPr algn="ctr"/>
-            <a:r>
-              <a:rPr lang="en-US" altLang="ko-KR" sz="1400" b="1" dirty="0" smtClean="0">
-                <a:solidFill>
-                  <a:schemeClr val="tx1"/>
-                </a:solidFill>
-                <a:latin typeface="휴먼모음T" pitchFamily="18" charset="-127"/>
-                <a:ea typeface="휴먼모음T" pitchFamily="18" charset="-127"/>
-              </a:rPr>
-              <a:t>View System</a:t>
-            </a:r>
-            <a:endParaRPr lang="ko-KR" altLang="en-US" sz="1400" b="1" dirty="0">
-              <a:solidFill>
-                <a:schemeClr val="tx1"/>
-              </a:solidFill>
-              <a:latin typeface="휴먼모음T" pitchFamily="18" charset="-127"/>
-              <a:ea typeface="휴먼모음T" pitchFamily="18" charset="-127"/>
-            </a:endParaRPr>
-          </a:p>
-        </p:txBody>
-      </p:sp>
-      <p:sp>
-        <p:nvSpPr>
-          <p:cNvPr id="21" name="모서리가 둥근 직사각형 20"/>
-          <p:cNvSpPr/>
-          <p:nvPr/>
-        </p:nvSpPr>
-        <p:spPr>
-          <a:xfrm>
-            <a:off x="4454263" y="3176372"/>
-            <a:ext cx="1584176" cy="441065"/>
-          </a:xfrm>
-          <a:prstGeom prst="roundRect">
-            <a:avLst/>
-          </a:prstGeom>
-          <a:solidFill>
-            <a:schemeClr val="bg1"/>
-          </a:solidFill>
-          <a:ln>
-            <a:solidFill>
-              <a:srgbClr val="000000">
-                <a:alpha val="80000"/>
-              </a:srgbClr>
-            </a:solidFill>
-          </a:ln>
-        </p:spPr>
-        <p:style>
-          <a:lnRef idx="2">
-            <a:schemeClr val="accent1">
-              <a:shade val="50000"/>
-            </a:schemeClr>
-          </a:lnRef>
-          <a:fillRef idx="1">
-            <a:schemeClr val="accent1"/>
-          </a:fillRef>
-          <a:effectRef idx="0">
-            <a:schemeClr val="accent1"/>
-          </a:effectRef>
-          <a:fontRef idx="minor">
-            <a:schemeClr val="lt1"/>
-          </a:fontRef>
-        </p:style>
-        <p:txBody>
-          <a:bodyPr rtlCol="0" anchor="ctr"/>
-          <a:lstStyle/>
-          <a:p>
-            <a:pPr algn="ctr"/>
-            <a:r>
-              <a:rPr lang="en-US" altLang="ko-KR" sz="1400" b="1" dirty="0" smtClean="0">
-                <a:solidFill>
-                  <a:schemeClr val="tx1"/>
-                </a:solidFill>
-                <a:latin typeface="휴먼모음T" pitchFamily="18" charset="-127"/>
-                <a:ea typeface="휴먼모음T" pitchFamily="18" charset="-127"/>
-              </a:rPr>
-              <a:t>Notification Manager</a:t>
-            </a:r>
-            <a:endParaRPr lang="ko-KR" altLang="en-US" sz="1400" b="1" dirty="0">
-              <a:solidFill>
-                <a:schemeClr val="tx1"/>
-              </a:solidFill>
-              <a:latin typeface="휴먼모음T" pitchFamily="18" charset="-127"/>
-              <a:ea typeface="휴먼모음T" pitchFamily="18" charset="-127"/>
-            </a:endParaRPr>
-          </a:p>
-        </p:txBody>
-      </p:sp>
-      <p:sp>
-        <p:nvSpPr>
-          <p:cNvPr id="22" name="모서리가 둥근 직사각형 21"/>
-          <p:cNvSpPr/>
-          <p:nvPr/>
-        </p:nvSpPr>
-        <p:spPr>
-          <a:xfrm>
-            <a:off x="6210853" y="3186762"/>
-            <a:ext cx="1584176" cy="441065"/>
-          </a:xfrm>
-          <a:prstGeom prst="roundRect">
-            <a:avLst/>
-          </a:prstGeom>
-          <a:solidFill>
-            <a:schemeClr val="bg1"/>
-          </a:solidFill>
-          <a:ln>
-            <a:solidFill>
-              <a:srgbClr val="000000">
-                <a:alpha val="80000"/>
-              </a:srgbClr>
-            </a:solidFill>
-          </a:ln>
-        </p:spPr>
-        <p:style>
-          <a:lnRef idx="2">
-            <a:schemeClr val="accent1">
-              <a:shade val="50000"/>
-            </a:schemeClr>
-          </a:lnRef>
-          <a:fillRef idx="1">
-            <a:schemeClr val="accent1"/>
-          </a:fillRef>
-          <a:effectRef idx="0">
-            <a:schemeClr val="accent1"/>
-          </a:effectRef>
-          <a:fontRef idx="minor">
-            <a:schemeClr val="lt1"/>
-          </a:fontRef>
-        </p:style>
-        <p:txBody>
-          <a:bodyPr rtlCol="0" anchor="ctr"/>
-          <a:lstStyle/>
-          <a:p>
-            <a:pPr algn="ctr"/>
-            <a:r>
-              <a:rPr lang="en-US" altLang="ko-KR" sz="1400" b="1" dirty="0" smtClean="0">
-                <a:solidFill>
-                  <a:schemeClr val="tx1"/>
-                </a:solidFill>
-                <a:latin typeface="휴먼모음T" pitchFamily="18" charset="-127"/>
-                <a:ea typeface="휴먼모음T" pitchFamily="18" charset="-127"/>
-              </a:rPr>
-              <a:t>Location Manager</a:t>
-            </a:r>
-            <a:endParaRPr lang="ko-KR" altLang="en-US" sz="1400" b="1" dirty="0">
-              <a:solidFill>
-                <a:schemeClr val="tx1"/>
-              </a:solidFill>
-              <a:latin typeface="휴먼모음T" pitchFamily="18" charset="-127"/>
-              <a:ea typeface="휴먼모음T" pitchFamily="18" charset="-127"/>
-            </a:endParaRPr>
-          </a:p>
-        </p:txBody>
-      </p:sp>
-      <p:sp>
-        <p:nvSpPr>
-          <p:cNvPr id="23" name="TextBox 22"/>
-          <p:cNvSpPr txBox="1"/>
-          <p:nvPr/>
-        </p:nvSpPr>
-        <p:spPr>
-          <a:xfrm>
-            <a:off x="7795029" y="3212238"/>
-            <a:ext cx="410690" cy="369332"/>
-          </a:xfrm>
-          <a:prstGeom prst="rect">
-            <a:avLst/>
-          </a:prstGeom>
-          <a:noFill/>
-        </p:spPr>
-        <p:txBody>
-          <a:bodyPr wrap="none" rtlCol="0">
-            <a:spAutoFit/>
-          </a:bodyPr>
-          <a:lstStyle/>
-          <a:p>
-            <a:r>
-              <a:rPr lang="en-US" altLang="ko-KR" sz="1800" b="1" dirty="0" smtClean="0">
-                <a:latin typeface="휴먼모음T" pitchFamily="18" charset="-127"/>
-                <a:ea typeface="휴먼모음T" pitchFamily="18" charset="-127"/>
-              </a:rPr>
-              <a:t>…</a:t>
-            </a:r>
-            <a:endParaRPr lang="ko-KR" altLang="en-US" sz="1800" b="1" dirty="0">
-              <a:latin typeface="휴먼모음T" pitchFamily="18" charset="-127"/>
-              <a:ea typeface="휴먼모음T" pitchFamily="18" charset="-127"/>
-            </a:endParaRPr>
-          </a:p>
-        </p:txBody>
-      </p:sp>
-      <p:sp>
-        <p:nvSpPr>
-          <p:cNvPr id="24" name="모서리가 둥근 직사각형 23"/>
-          <p:cNvSpPr/>
-          <p:nvPr/>
-        </p:nvSpPr>
-        <p:spPr>
-          <a:xfrm>
-            <a:off x="5652120" y="4226161"/>
-            <a:ext cx="936104" cy="441065"/>
-          </a:xfrm>
-          <a:prstGeom prst="roundRect">
-            <a:avLst/>
-          </a:prstGeom>
-          <a:solidFill>
-            <a:schemeClr val="bg1"/>
-          </a:solidFill>
-          <a:ln>
-            <a:solidFill>
-              <a:srgbClr val="000000">
-                <a:alpha val="80000"/>
-              </a:srgbClr>
-            </a:solidFill>
-          </a:ln>
-        </p:spPr>
-        <p:style>
-          <a:lnRef idx="2">
-            <a:schemeClr val="accent1">
-              <a:shade val="50000"/>
-            </a:schemeClr>
-          </a:lnRef>
-          <a:fillRef idx="1">
-            <a:schemeClr val="accent1"/>
-          </a:fillRef>
-          <a:effectRef idx="0">
-            <a:schemeClr val="accent1"/>
-          </a:effectRef>
-          <a:fontRef idx="minor">
-            <a:schemeClr val="lt1"/>
-          </a:fontRef>
-        </p:style>
-        <p:txBody>
-          <a:bodyPr rtlCol="0" anchor="ctr"/>
-          <a:lstStyle/>
-          <a:p>
-            <a:pPr algn="ctr"/>
-            <a:r>
-              <a:rPr lang="en-US" altLang="ko-KR" sz="1400" b="1" dirty="0" smtClean="0">
-                <a:solidFill>
-                  <a:schemeClr val="tx1"/>
-                </a:solidFill>
-                <a:latin typeface="휴먼모음T" pitchFamily="18" charset="-127"/>
-                <a:ea typeface="휴먼모음T" pitchFamily="18" charset="-127"/>
-              </a:rPr>
-              <a:t>Core Libraries</a:t>
-            </a:r>
-            <a:endParaRPr lang="ko-KR" altLang="en-US" sz="1400" b="1" dirty="0">
-              <a:solidFill>
-                <a:schemeClr val="tx1"/>
-              </a:solidFill>
-              <a:latin typeface="휴먼모음T" pitchFamily="18" charset="-127"/>
-              <a:ea typeface="휴먼모음T" pitchFamily="18" charset="-127"/>
-            </a:endParaRPr>
-          </a:p>
-        </p:txBody>
-      </p:sp>
-      <p:sp>
-        <p:nvSpPr>
-          <p:cNvPr id="25" name="모서리가 둥근 직사각형 24"/>
-          <p:cNvSpPr/>
-          <p:nvPr/>
-        </p:nvSpPr>
-        <p:spPr>
-          <a:xfrm>
-            <a:off x="6688242" y="4220531"/>
-            <a:ext cx="1412150" cy="441065"/>
-          </a:xfrm>
-          <a:prstGeom prst="roundRect">
-            <a:avLst/>
-          </a:prstGeom>
-          <a:solidFill>
-            <a:schemeClr val="bg1"/>
-          </a:solidFill>
-          <a:ln>
-            <a:solidFill>
-              <a:srgbClr val="000000">
-                <a:alpha val="80000"/>
-              </a:srgbClr>
-            </a:solidFill>
-          </a:ln>
-        </p:spPr>
-        <p:style>
-          <a:lnRef idx="2">
-            <a:schemeClr val="accent1">
-              <a:shade val="50000"/>
-            </a:schemeClr>
-          </a:lnRef>
-          <a:fillRef idx="1">
-            <a:schemeClr val="accent1"/>
-          </a:fillRef>
-          <a:effectRef idx="0">
-            <a:schemeClr val="accent1"/>
-          </a:effectRef>
-          <a:fontRef idx="minor">
-            <a:schemeClr val="lt1"/>
-          </a:fontRef>
-        </p:style>
-        <p:txBody>
-          <a:bodyPr rtlCol="0" anchor="ctr"/>
-          <a:lstStyle/>
-          <a:p>
-            <a:pPr algn="ctr"/>
-            <a:r>
-              <a:rPr lang="en-US" altLang="ko-KR" sz="1400" b="1" dirty="0" err="1">
-                <a:solidFill>
-                  <a:schemeClr val="tx1"/>
-                </a:solidFill>
-                <a:latin typeface="휴먼모음T" pitchFamily="18" charset="-127"/>
-                <a:ea typeface="휴먼모음T" pitchFamily="18" charset="-127"/>
-              </a:rPr>
-              <a:t>D</a:t>
-            </a:r>
-            <a:r>
-              <a:rPr lang="en-US" altLang="ko-KR" sz="1400" b="1" dirty="0" err="1" smtClean="0">
-                <a:solidFill>
-                  <a:schemeClr val="tx1"/>
-                </a:solidFill>
-                <a:latin typeface="휴먼모음T" pitchFamily="18" charset="-127"/>
-                <a:ea typeface="휴먼모음T" pitchFamily="18" charset="-127"/>
-              </a:rPr>
-              <a:t>alvik</a:t>
-            </a:r>
-            <a:r>
-              <a:rPr lang="en-US" altLang="ko-KR" sz="1400" b="1" dirty="0" smtClean="0">
-                <a:solidFill>
-                  <a:schemeClr val="tx1"/>
-                </a:solidFill>
-                <a:latin typeface="휴먼모음T" pitchFamily="18" charset="-127"/>
-                <a:ea typeface="휴먼모음T" pitchFamily="18" charset="-127"/>
-              </a:rPr>
-              <a:t> Virtual Machine</a:t>
-            </a:r>
-            <a:endParaRPr lang="ko-KR" altLang="en-US" sz="1400" b="1" dirty="0">
-              <a:solidFill>
-                <a:schemeClr val="tx1"/>
-              </a:solidFill>
-              <a:latin typeface="휴먼모음T" pitchFamily="18" charset="-127"/>
-              <a:ea typeface="휴먼모음T" pitchFamily="18" charset="-127"/>
-            </a:endParaRPr>
-          </a:p>
-        </p:txBody>
-      </p:sp>
-      <p:sp>
-        <p:nvSpPr>
-          <p:cNvPr id="26" name="모서리가 둥근 직사각형 25"/>
-          <p:cNvSpPr/>
-          <p:nvPr/>
-        </p:nvSpPr>
-        <p:spPr>
-          <a:xfrm>
-            <a:off x="977528" y="4112476"/>
-            <a:ext cx="1584176" cy="441065"/>
-          </a:xfrm>
-          <a:prstGeom prst="roundRect">
-            <a:avLst/>
-          </a:prstGeom>
-          <a:solidFill>
-            <a:schemeClr val="bg1"/>
-          </a:solidFill>
-          <a:ln>
-            <a:solidFill>
-              <a:srgbClr val="000000">
-                <a:alpha val="80000"/>
-              </a:srgbClr>
-            </a:solidFill>
-          </a:ln>
-        </p:spPr>
-        <p:style>
-          <a:lnRef idx="2">
-            <a:schemeClr val="accent1">
-              <a:shade val="50000"/>
-            </a:schemeClr>
-          </a:lnRef>
-          <a:fillRef idx="1">
-            <a:schemeClr val="accent1"/>
-          </a:fillRef>
-          <a:effectRef idx="0">
-            <a:schemeClr val="accent1"/>
-          </a:effectRef>
-          <a:fontRef idx="minor">
-            <a:schemeClr val="lt1"/>
-          </a:fontRef>
-        </p:style>
-        <p:txBody>
-          <a:bodyPr rtlCol="0" anchor="ctr"/>
-          <a:lstStyle/>
-          <a:p>
-            <a:pPr algn="ctr"/>
-            <a:r>
-              <a:rPr lang="en-US" altLang="ko-KR" sz="1400" b="1" dirty="0" smtClean="0">
-                <a:solidFill>
-                  <a:schemeClr val="tx1"/>
-                </a:solidFill>
-                <a:latin typeface="휴먼모음T" pitchFamily="18" charset="-127"/>
-                <a:ea typeface="휴먼모음T" pitchFamily="18" charset="-127"/>
-              </a:rPr>
-              <a:t>Surface Manager</a:t>
-            </a:r>
-            <a:endParaRPr lang="ko-KR" altLang="en-US" sz="1400" b="1" dirty="0">
-              <a:solidFill>
-                <a:schemeClr val="tx1"/>
-              </a:solidFill>
-              <a:latin typeface="휴먼모음T" pitchFamily="18" charset="-127"/>
-              <a:ea typeface="휴먼모음T" pitchFamily="18" charset="-127"/>
-            </a:endParaRPr>
-          </a:p>
-        </p:txBody>
-      </p:sp>
-      <p:sp>
-        <p:nvSpPr>
-          <p:cNvPr id="27" name="모서리가 둥근 직사각형 26"/>
-          <p:cNvSpPr/>
-          <p:nvPr/>
-        </p:nvSpPr>
-        <p:spPr>
-          <a:xfrm>
-            <a:off x="977528" y="4657471"/>
-            <a:ext cx="1584176" cy="441065"/>
-          </a:xfrm>
-          <a:prstGeom prst="roundRect">
-            <a:avLst/>
-          </a:prstGeom>
-          <a:solidFill>
-            <a:schemeClr val="bg1"/>
-          </a:solidFill>
-          <a:ln>
-            <a:solidFill>
-              <a:srgbClr val="000000">
-                <a:alpha val="80000"/>
-              </a:srgbClr>
-            </a:solidFill>
-          </a:ln>
-        </p:spPr>
-        <p:style>
-          <a:lnRef idx="2">
-            <a:schemeClr val="accent1">
-              <a:shade val="50000"/>
-            </a:schemeClr>
-          </a:lnRef>
-          <a:fillRef idx="1">
-            <a:schemeClr val="accent1"/>
-          </a:fillRef>
-          <a:effectRef idx="0">
-            <a:schemeClr val="accent1"/>
-          </a:effectRef>
-          <a:fontRef idx="minor">
-            <a:schemeClr val="lt1"/>
-          </a:fontRef>
-        </p:style>
-        <p:txBody>
-          <a:bodyPr rtlCol="0" anchor="ctr"/>
-          <a:lstStyle/>
-          <a:p>
-            <a:pPr algn="ctr"/>
-            <a:r>
-              <a:rPr lang="en-US" altLang="ko-KR" sz="1400" b="1" dirty="0" err="1" smtClean="0">
-                <a:solidFill>
-                  <a:schemeClr val="tx1"/>
-                </a:solidFill>
-                <a:latin typeface="휴먼모음T" pitchFamily="18" charset="-127"/>
-                <a:ea typeface="휴먼모음T" pitchFamily="18" charset="-127"/>
-              </a:rPr>
-              <a:t>WebKit</a:t>
-            </a:r>
-            <a:endParaRPr lang="ko-KR" altLang="en-US" sz="1400" b="1" dirty="0">
-              <a:solidFill>
-                <a:schemeClr val="tx1"/>
-              </a:solidFill>
-              <a:latin typeface="휴먼모음T" pitchFamily="18" charset="-127"/>
-              <a:ea typeface="휴먼모음T" pitchFamily="18" charset="-127"/>
-            </a:endParaRPr>
-          </a:p>
-        </p:txBody>
-      </p:sp>
-      <p:sp>
-        <p:nvSpPr>
-          <p:cNvPr id="28" name="모서리가 둥근 직사각형 27"/>
-          <p:cNvSpPr/>
-          <p:nvPr/>
-        </p:nvSpPr>
-        <p:spPr>
-          <a:xfrm>
-            <a:off x="2699792" y="4112476"/>
-            <a:ext cx="1584176" cy="441065"/>
-          </a:xfrm>
-          <a:prstGeom prst="roundRect">
-            <a:avLst/>
-          </a:prstGeom>
-          <a:solidFill>
-            <a:schemeClr val="bg1"/>
-          </a:solidFill>
-          <a:ln>
-            <a:solidFill>
-              <a:srgbClr val="000000">
-                <a:alpha val="80000"/>
-              </a:srgbClr>
-            </a:solidFill>
-          </a:ln>
-        </p:spPr>
-        <p:style>
-          <a:lnRef idx="2">
-            <a:schemeClr val="accent1">
-              <a:shade val="50000"/>
-            </a:schemeClr>
-          </a:lnRef>
-          <a:fillRef idx="1">
-            <a:schemeClr val="accent1"/>
-          </a:fillRef>
-          <a:effectRef idx="0">
-            <a:schemeClr val="accent1"/>
-          </a:effectRef>
-          <a:fontRef idx="minor">
-            <a:schemeClr val="lt1"/>
-          </a:fontRef>
-        </p:style>
-        <p:txBody>
-          <a:bodyPr rtlCol="0" anchor="ctr"/>
-          <a:lstStyle/>
-          <a:p>
-            <a:pPr algn="ctr"/>
-            <a:r>
-              <a:rPr lang="en-US" altLang="ko-KR" sz="1400" b="1" dirty="0" smtClean="0">
-                <a:solidFill>
-                  <a:schemeClr val="tx1"/>
-                </a:solidFill>
-                <a:latin typeface="휴먼모음T" pitchFamily="18" charset="-127"/>
-                <a:ea typeface="휴먼모음T" pitchFamily="18" charset="-127"/>
-              </a:rPr>
-              <a:t>SQLite</a:t>
-            </a:r>
-            <a:endParaRPr lang="ko-KR" altLang="en-US" sz="1400" b="1" dirty="0">
-              <a:solidFill>
-                <a:schemeClr val="tx1"/>
-              </a:solidFill>
-              <a:latin typeface="휴먼모음T" pitchFamily="18" charset="-127"/>
-              <a:ea typeface="휴먼모음T" pitchFamily="18" charset="-127"/>
-            </a:endParaRPr>
-          </a:p>
-        </p:txBody>
-      </p:sp>
-      <p:sp>
-        <p:nvSpPr>
-          <p:cNvPr id="29" name="모서리가 둥근 직사각형 28"/>
-          <p:cNvSpPr/>
-          <p:nvPr/>
-        </p:nvSpPr>
-        <p:spPr>
-          <a:xfrm>
-            <a:off x="2699792" y="4657471"/>
-            <a:ext cx="1584176" cy="441065"/>
-          </a:xfrm>
-          <a:prstGeom prst="roundRect">
-            <a:avLst/>
-          </a:prstGeom>
-          <a:solidFill>
-            <a:schemeClr val="bg1"/>
-          </a:solidFill>
-          <a:ln>
-            <a:solidFill>
-              <a:srgbClr val="000000">
-                <a:alpha val="80000"/>
-              </a:srgbClr>
-            </a:solidFill>
-          </a:ln>
-        </p:spPr>
-        <p:style>
-          <a:lnRef idx="2">
-            <a:schemeClr val="accent1">
-              <a:shade val="50000"/>
-            </a:schemeClr>
-          </a:lnRef>
-          <a:fillRef idx="1">
-            <a:schemeClr val="accent1"/>
-          </a:fillRef>
-          <a:effectRef idx="0">
-            <a:schemeClr val="accent1"/>
-          </a:effectRef>
-          <a:fontRef idx="minor">
-            <a:schemeClr val="lt1"/>
-          </a:fontRef>
-        </p:style>
-        <p:txBody>
-          <a:bodyPr rtlCol="0" anchor="ctr"/>
-          <a:lstStyle/>
-          <a:p>
-            <a:pPr algn="ctr"/>
-            <a:r>
-              <a:rPr lang="en-US" altLang="ko-KR" sz="1400" b="1" dirty="0" smtClean="0">
-                <a:solidFill>
-                  <a:schemeClr val="tx1"/>
-                </a:solidFill>
-                <a:latin typeface="휴먼모음T" pitchFamily="18" charset="-127"/>
-                <a:ea typeface="휴먼모음T" pitchFamily="18" charset="-127"/>
-              </a:rPr>
-              <a:t>SSL</a:t>
-            </a:r>
-            <a:endParaRPr lang="ko-KR" altLang="en-US" sz="1400" b="1" dirty="0">
-              <a:solidFill>
-                <a:schemeClr val="tx1"/>
-              </a:solidFill>
-              <a:latin typeface="휴먼모음T" pitchFamily="18" charset="-127"/>
-              <a:ea typeface="휴먼모음T" pitchFamily="18" charset="-127"/>
-            </a:endParaRPr>
-          </a:p>
-        </p:txBody>
-      </p:sp>
-      <p:sp>
-        <p:nvSpPr>
-          <p:cNvPr id="32" name="TextBox 31"/>
-          <p:cNvSpPr txBox="1"/>
-          <p:nvPr/>
-        </p:nvSpPr>
-        <p:spPr>
-          <a:xfrm>
-            <a:off x="4532580" y="4325647"/>
-            <a:ext cx="410690" cy="369332"/>
-          </a:xfrm>
-          <a:prstGeom prst="rect">
-            <a:avLst/>
-          </a:prstGeom>
-          <a:noFill/>
-        </p:spPr>
-        <p:txBody>
-          <a:bodyPr wrap="none" rtlCol="0">
-            <a:spAutoFit/>
-          </a:bodyPr>
-          <a:lstStyle/>
-          <a:p>
-            <a:r>
-              <a:rPr lang="en-US" altLang="ko-KR" sz="1800" b="1" dirty="0" smtClean="0">
-                <a:latin typeface="휴먼모음T" pitchFamily="18" charset="-127"/>
-                <a:ea typeface="휴먼모음T" pitchFamily="18" charset="-127"/>
-              </a:rPr>
-              <a:t>…</a:t>
-            </a:r>
-            <a:endParaRPr lang="ko-KR" altLang="en-US" sz="1800" b="1" dirty="0">
-              <a:latin typeface="휴먼모음T" pitchFamily="18" charset="-127"/>
-              <a:ea typeface="휴먼모음T" pitchFamily="18" charset="-127"/>
-            </a:endParaRPr>
-          </a:p>
-        </p:txBody>
-      </p:sp>
-      <p:sp>
-        <p:nvSpPr>
-          <p:cNvPr id="33" name="내용 개체 틀 2"/>
-          <p:cNvSpPr>
-            <a:spLocks noGrp="1"/>
-          </p:cNvSpPr>
-          <p:nvPr>
-            <p:ph idx="1"/>
-          </p:nvPr>
-        </p:nvSpPr>
-        <p:spPr>
-          <a:xfrm>
-            <a:off x="857200" y="1286654"/>
-            <a:ext cx="7315200" cy="640317"/>
-          </a:xfrm>
-        </p:spPr>
-        <p:txBody>
-          <a:bodyPr/>
-          <a:lstStyle/>
-          <a:p>
-            <a:pPr marL="571500" indent="-514350">
-              <a:buFont typeface="+mj-lt"/>
-              <a:buAutoNum type="alphaUcPeriod"/>
-            </a:pPr>
-            <a:r>
-              <a:rPr lang="en-US" altLang="ko-KR" dirty="0" smtClean="0">
-                <a:solidFill>
-                  <a:srgbClr val="000000"/>
-                </a:solidFill>
-                <a:latin typeface="HY동녘M" pitchFamily="18" charset="-127"/>
-                <a:ea typeface="HY동녘M" pitchFamily="18" charset="-127"/>
-              </a:rPr>
-              <a:t>Android </a:t>
-            </a:r>
-            <a:r>
-              <a:rPr lang="ko-KR" altLang="en-US" dirty="0" smtClean="0">
-                <a:solidFill>
-                  <a:srgbClr val="000000"/>
-                </a:solidFill>
-                <a:latin typeface="HY동녘M" pitchFamily="18" charset="-127"/>
-                <a:ea typeface="HY동녘M" pitchFamily="18" charset="-127"/>
-              </a:rPr>
-              <a:t>구조</a:t>
-            </a:r>
-            <a:endParaRPr lang="en-US" altLang="ko-KR" dirty="0" smtClean="0">
-              <a:solidFill>
-                <a:srgbClr val="000000"/>
-              </a:solidFill>
-              <a:latin typeface="HY동녘M" pitchFamily="18" charset="-127"/>
-              <a:ea typeface="HY동녘M" pitchFamily="18" charset="-127"/>
-            </a:endParaRPr>
-          </a:p>
-          <a:p>
-            <a:pPr marL="57150" indent="0">
-              <a:buNone/>
-            </a:pPr>
-            <a:endParaRPr lang="en-US" altLang="ko-KR" sz="1800" dirty="0" smtClean="0">
-              <a:solidFill>
-                <a:srgbClr val="000000"/>
-              </a:solidFill>
-              <a:latin typeface="HY동녘M" pitchFamily="18" charset="-127"/>
-              <a:ea typeface="HY동녘M" pitchFamily="18" charset="-127"/>
-            </a:endParaRPr>
-          </a:p>
-        </p:txBody>
-      </p:sp>
-      <p:sp>
-        <p:nvSpPr>
-          <p:cNvPr id="37" name="직사각형 36"/>
-          <p:cNvSpPr/>
-          <p:nvPr/>
-        </p:nvSpPr>
-        <p:spPr>
-          <a:xfrm>
-            <a:off x="5019732" y="1421208"/>
-            <a:ext cx="1512168" cy="277329"/>
+            <a:off x="7164288" y="1283289"/>
+            <a:ext cx="1286547" cy="283625"/>
           </a:xfrm>
           <a:prstGeom prst="rect">
             <a:avLst/>
@@ -6025,14 +5270,14 @@
       </p:sp>
       <p:sp>
         <p:nvSpPr>
-          <p:cNvPr id="38" name="직사각형 37"/>
+          <p:cNvPr id="29" name="직사각형 28"/>
           <p:cNvSpPr/>
           <p:nvPr/>
         </p:nvSpPr>
         <p:spPr>
           <a:xfrm>
-            <a:off x="6660232" y="1421208"/>
-            <a:ext cx="1512168" cy="298154"/>
+            <a:off x="5642460" y="1268760"/>
+            <a:ext cx="1377812" cy="298154"/>
           </a:xfrm>
           <a:prstGeom prst="rect">
             <a:avLst/>
@@ -6086,7 +5331,7 @@
     </p:spTree>
     <p:extLst>
       <p:ext uri="{BB962C8B-B14F-4D97-AF65-F5344CB8AC3E}">
-        <p14:creationId xmlns:p14="http://schemas.microsoft.com/office/powerpoint/2010/main" val="1984401986"/>
+        <p14:creationId xmlns:p14="http://schemas.microsoft.com/office/powerpoint/2010/main" val="3432685775"/>
       </p:ext>
     </p:extLst>
   </p:cSld>
@@ -6154,168 +5399,14 @@
       </p:sp>
       <p:sp>
         <p:nvSpPr>
-          <p:cNvPr id="13" name="직사각형 12"/>
+          <p:cNvPr id="49" name="직사각형 48"/>
           <p:cNvSpPr/>
           <p:nvPr/>
         </p:nvSpPr>
         <p:spPr>
           <a:xfrm>
-            <a:off x="892761" y="2597496"/>
-            <a:ext cx="2150641" cy="615482"/>
-          </a:xfrm>
-          <a:prstGeom prst="rect">
-            <a:avLst/>
-          </a:prstGeom>
-          <a:solidFill>
-            <a:srgbClr val="00B0F0">
-              <a:alpha val="65000"/>
-            </a:srgbClr>
-          </a:solidFill>
-          <a:ln/>
-        </p:spPr>
-        <p:style>
-          <a:lnRef idx="0">
-            <a:schemeClr val="accent2"/>
-          </a:lnRef>
-          <a:fillRef idx="3">
-            <a:schemeClr val="accent2"/>
-          </a:fillRef>
-          <a:effectRef idx="3">
-            <a:schemeClr val="accent2"/>
-          </a:effectRef>
-          <a:fontRef idx="minor">
-            <a:schemeClr val="lt1"/>
-          </a:fontRef>
-        </p:style>
-        <p:txBody>
-          <a:bodyPr rtlCol="0" anchor="ctr"/>
-          <a:lstStyle/>
-          <a:p>
-            <a:pPr algn="ctr"/>
-            <a:r>
-              <a:rPr lang="en-US" altLang="ko-KR" sz="1800" b="1" dirty="0" smtClean="0">
-                <a:solidFill>
-                  <a:srgbClr val="000000"/>
-                </a:solidFill>
-                <a:latin typeface="HY강M" pitchFamily="18" charset="-127"/>
-                <a:ea typeface="HY강M" pitchFamily="18" charset="-127"/>
-              </a:rPr>
-              <a:t>Windows App</a:t>
-            </a:r>
-            <a:endParaRPr lang="ko-KR" altLang="en-US" sz="1800" b="1" dirty="0">
-              <a:solidFill>
-                <a:srgbClr val="000000"/>
-              </a:solidFill>
-              <a:latin typeface="HY강M" pitchFamily="18" charset="-127"/>
-              <a:ea typeface="HY강M" pitchFamily="18" charset="-127"/>
-            </a:endParaRPr>
-          </a:p>
-        </p:txBody>
-      </p:sp>
-      <p:sp>
-        <p:nvSpPr>
-          <p:cNvPr id="14" name="TextBox 13"/>
-          <p:cNvSpPr txBox="1"/>
-          <p:nvPr/>
-        </p:nvSpPr>
-        <p:spPr>
-          <a:xfrm>
-            <a:off x="1081460" y="1795461"/>
-            <a:ext cx="1773242" cy="769441"/>
-          </a:xfrm>
-          <a:prstGeom prst="rect">
-            <a:avLst/>
-          </a:prstGeom>
-          <a:noFill/>
-        </p:spPr>
-        <p:txBody>
-          <a:bodyPr wrap="none" rtlCol="0">
-            <a:spAutoFit/>
-          </a:bodyPr>
-          <a:lstStyle/>
-          <a:p>
-            <a:r>
-              <a:rPr lang="en-US" altLang="ko-KR" sz="2200" b="1" dirty="0" smtClean="0">
-                <a:solidFill>
-                  <a:srgbClr val="000000"/>
-                </a:solidFill>
-                <a:latin typeface="HY강M" pitchFamily="18" charset="-127"/>
-                <a:ea typeface="HY강M" pitchFamily="18" charset="-127"/>
-              </a:rPr>
-              <a:t>&lt; Client &gt;</a:t>
-            </a:r>
-          </a:p>
-          <a:p>
-            <a:r>
-              <a:rPr lang="en-US" altLang="ko-KR" sz="2200" b="1" dirty="0" smtClean="0">
-                <a:solidFill>
-                  <a:srgbClr val="000000"/>
-                </a:solidFill>
-                <a:latin typeface="HY강M" pitchFamily="18" charset="-127"/>
-                <a:ea typeface="HY강M" pitchFamily="18" charset="-127"/>
-              </a:rPr>
-              <a:t>PC (Windows)</a:t>
-            </a:r>
-          </a:p>
-        </p:txBody>
-      </p:sp>
-      <p:sp>
-        <p:nvSpPr>
-          <p:cNvPr id="22" name="TextBox 21"/>
-          <p:cNvSpPr txBox="1"/>
-          <p:nvPr/>
-        </p:nvSpPr>
-        <p:spPr>
-          <a:xfrm>
-            <a:off x="4293482" y="1795462"/>
-            <a:ext cx="1359668" cy="769441"/>
-          </a:xfrm>
-          <a:prstGeom prst="rect">
-            <a:avLst/>
-          </a:prstGeom>
-          <a:noFill/>
-        </p:spPr>
-        <p:txBody>
-          <a:bodyPr wrap="none" rtlCol="0">
-            <a:spAutoFit/>
-          </a:bodyPr>
-          <a:lstStyle/>
-          <a:p>
-            <a:r>
-              <a:rPr lang="en-US" altLang="ko-KR" sz="2200" b="1" dirty="0" smtClean="0">
-                <a:solidFill>
-                  <a:srgbClr val="000000"/>
-                </a:solidFill>
-                <a:latin typeface="HY강M" pitchFamily="18" charset="-127"/>
-                <a:ea typeface="HY강M" pitchFamily="18" charset="-127"/>
-              </a:rPr>
-              <a:t>&lt; Server &gt;</a:t>
-            </a:r>
-          </a:p>
-          <a:p>
-            <a:r>
-              <a:rPr lang="en-US" altLang="ko-KR" sz="2200" b="1" dirty="0" smtClean="0">
-                <a:solidFill>
-                  <a:srgbClr val="000000"/>
-                </a:solidFill>
-                <a:latin typeface="HY강M" pitchFamily="18" charset="-127"/>
-                <a:ea typeface="HY강M" pitchFamily="18" charset="-127"/>
-              </a:rPr>
-              <a:t>Android</a:t>
-            </a:r>
-          </a:p>
-        </p:txBody>
-      </p:sp>
-      <p:sp>
-        <p:nvSpPr>
-          <p:cNvPr id="23" name="직사각형 22"/>
-          <p:cNvSpPr/>
-          <p:nvPr/>
-        </p:nvSpPr>
-        <p:spPr>
-          <a:xfrm>
-            <a:off x="892761" y="5661248"/>
-            <a:ext cx="2150641" cy="792088"/>
+            <a:off x="892760" y="1926971"/>
+            <a:ext cx="7279640" cy="882130"/>
           </a:xfrm>
           <a:prstGeom prst="rect">
             <a:avLst/>
@@ -6323,7 +5414,10 @@
           <a:noFill/>
           <a:ln>
             <a:solidFill>
-              <a:srgbClr val="000000"/>
+              <a:schemeClr val="bg1">
+                <a:lumMod val="10000"/>
+                <a:alpha val="80000"/>
+              </a:schemeClr>
             </a:solidFill>
           </a:ln>
           <a:scene3d>
@@ -6361,114 +5455,46 @@
             <a:r>
               <a:rPr lang="en-US" altLang="ko-KR" sz="1800" b="1" dirty="0" smtClean="0">
                 <a:solidFill>
-                  <a:srgbClr val="000000"/>
+                  <a:srgbClr val="C00000"/>
                 </a:solidFill>
                 <a:latin typeface="HY강M" pitchFamily="18" charset="-127"/>
                 <a:ea typeface="HY강M" pitchFamily="18" charset="-127"/>
               </a:rPr>
-              <a:t>USB/IP</a:t>
+              <a:t>Applications</a:t>
             </a:r>
           </a:p>
           <a:p>
             <a:pPr algn="ctr"/>
-            <a:r>
-              <a:rPr lang="en-US" altLang="ko-KR" sz="1800" b="1" dirty="0" smtClean="0">
-                <a:solidFill>
-                  <a:srgbClr val="000000"/>
-                </a:solidFill>
-                <a:latin typeface="HY강M" pitchFamily="18" charset="-127"/>
-                <a:ea typeface="HY강M" pitchFamily="18" charset="-127"/>
-              </a:rPr>
-              <a:t>(VHCI Driver)</a:t>
-            </a:r>
-            <a:endParaRPr lang="ko-KR" altLang="en-US" sz="1800" b="1" dirty="0">
+            <a:endParaRPr lang="en-US" altLang="ko-KR" sz="1800" b="1" dirty="0">
               <a:solidFill>
-                <a:srgbClr val="000000"/>
+                <a:srgbClr val="C00000"/>
               </a:solidFill>
               <a:latin typeface="HY강M" pitchFamily="18" charset="-127"/>
               <a:ea typeface="HY강M" pitchFamily="18" charset="-127"/>
             </a:endParaRPr>
           </a:p>
+          <a:p>
+            <a:pPr algn="ctr"/>
+            <a:endParaRPr lang="ko-KR" altLang="en-US" sz="1800" b="1" dirty="0">
+              <a:solidFill>
+                <a:srgbClr val="C00000"/>
+              </a:solidFill>
+              <a:latin typeface="HY강M" pitchFamily="18" charset="-127"/>
+              <a:ea typeface="HY강M" pitchFamily="18" charset="-127"/>
+            </a:endParaRPr>
+          </a:p>
         </p:txBody>
       </p:sp>
       <p:sp>
         <p:nvSpPr>
-          <p:cNvPr id="24" name="직사각형 23"/>
+          <p:cNvPr id="50" name="직사각형 49"/>
           <p:cNvSpPr/>
           <p:nvPr/>
         </p:nvSpPr>
         <p:spPr>
           <a:xfrm>
-            <a:off x="3914372" y="4770592"/>
-            <a:ext cx="2148065" cy="878832"/>
-          </a:xfrm>
-          <a:prstGeom prst="rect">
-            <a:avLst/>
-          </a:prstGeom>
-          <a:ln/>
-        </p:spPr>
-        <p:style>
-          <a:lnRef idx="0">
-            <a:schemeClr val="accent2"/>
-          </a:lnRef>
-          <a:fillRef idx="3">
-            <a:schemeClr val="accent2"/>
-          </a:fillRef>
-          <a:effectRef idx="3">
-            <a:schemeClr val="accent2"/>
-          </a:effectRef>
-          <a:fontRef idx="minor">
-            <a:schemeClr val="lt1"/>
-          </a:fontRef>
-        </p:style>
-        <p:txBody>
-          <a:bodyPr rtlCol="0" anchor="ctr"/>
-          <a:lstStyle/>
-          <a:p>
-            <a:pPr algn="ctr"/>
-            <a:r>
-              <a:rPr lang="en-US" altLang="ko-KR" sz="1800" b="1" dirty="0" smtClean="0">
-                <a:solidFill>
-                  <a:srgbClr val="000000"/>
-                </a:solidFill>
-                <a:latin typeface="HY강M" pitchFamily="18" charset="-127"/>
-                <a:ea typeface="HY강M" pitchFamily="18" charset="-127"/>
-              </a:rPr>
-              <a:t>USB/IP</a:t>
-            </a:r>
-          </a:p>
-          <a:p>
-            <a:pPr algn="ctr"/>
-            <a:r>
-              <a:rPr lang="en-US" altLang="ko-KR" sz="1800" b="1" dirty="0" smtClean="0">
-                <a:solidFill>
-                  <a:srgbClr val="000000"/>
-                </a:solidFill>
-                <a:latin typeface="HY강M" pitchFamily="18" charset="-127"/>
-                <a:ea typeface="HY강M" pitchFamily="18" charset="-127"/>
-              </a:rPr>
-              <a:t>(Stub Driver)</a:t>
-            </a:r>
-            <a:endParaRPr lang="ko-KR" altLang="en-US" sz="1800" b="1" dirty="0">
-              <a:solidFill>
-                <a:srgbClr val="000000"/>
-              </a:solidFill>
-              <a:latin typeface="HY강M" pitchFamily="18" charset="-127"/>
-              <a:ea typeface="HY강M" pitchFamily="18" charset="-127"/>
-            </a:endParaRPr>
-          </a:p>
-        </p:txBody>
-      </p:sp>
-      <p:sp>
-        <p:nvSpPr>
-          <p:cNvPr id="25" name="직사각형 24"/>
-          <p:cNvSpPr/>
-          <p:nvPr/>
-        </p:nvSpPr>
-        <p:spPr>
-          <a:xfrm>
-            <a:off x="892760" y="3573016"/>
-            <a:ext cx="2167072" cy="882130"/>
+            <a:off x="892760" y="2829745"/>
+            <a:ext cx="7279640" cy="882130"/>
           </a:xfrm>
           <a:prstGeom prst="rect">
             <a:avLst/>
@@ -6476,7 +5502,10 @@
           <a:noFill/>
           <a:ln>
             <a:solidFill>
-              <a:srgbClr val="000000"/>
+              <a:schemeClr val="bg1">
+                <a:lumMod val="10000"/>
+                <a:alpha val="80000"/>
+              </a:schemeClr>
             </a:solidFill>
           </a:ln>
           <a:scene3d>
@@ -6514,129 +5543,46 @@
             <a:r>
               <a:rPr lang="en-US" altLang="ko-KR" sz="1800" b="1" dirty="0" smtClean="0">
                 <a:solidFill>
-                  <a:srgbClr val="000000"/>
+                  <a:srgbClr val="C00000"/>
                 </a:solidFill>
                 <a:latin typeface="HY강M" pitchFamily="18" charset="-127"/>
                 <a:ea typeface="HY강M" pitchFamily="18" charset="-127"/>
               </a:rPr>
-              <a:t>Device Control Manager</a:t>
-            </a:r>
-            <a:endParaRPr lang="ko-KR" altLang="en-US" sz="1800" b="1" dirty="0">
+              <a:t>Application Framework</a:t>
+            </a:r>
+          </a:p>
+          <a:p>
+            <a:pPr algn="ctr"/>
+            <a:endParaRPr lang="en-US" altLang="ko-KR" sz="1800" b="1" dirty="0">
               <a:solidFill>
-                <a:srgbClr val="000000"/>
+                <a:srgbClr val="C00000"/>
               </a:solidFill>
               <a:latin typeface="HY강M" pitchFamily="18" charset="-127"/>
               <a:ea typeface="HY강M" pitchFamily="18" charset="-127"/>
             </a:endParaRPr>
           </a:p>
+          <a:p>
+            <a:pPr algn="ctr"/>
+            <a:endParaRPr lang="ko-KR" altLang="en-US" sz="1800" b="1" dirty="0">
+              <a:solidFill>
+                <a:srgbClr val="C00000"/>
+              </a:solidFill>
+              <a:latin typeface="HY강M" pitchFamily="18" charset="-127"/>
+              <a:ea typeface="HY강M" pitchFamily="18" charset="-127"/>
+            </a:endParaRPr>
+          </a:p>
         </p:txBody>
       </p:sp>
       <p:sp>
         <p:nvSpPr>
-          <p:cNvPr id="27" name="직사각형 26"/>
+          <p:cNvPr id="51" name="직사각형 50"/>
           <p:cNvSpPr/>
           <p:nvPr/>
         </p:nvSpPr>
         <p:spPr>
           <a:xfrm>
-            <a:off x="6444210" y="2601658"/>
-            <a:ext cx="2150641" cy="651486"/>
-          </a:xfrm>
-          <a:prstGeom prst="rect">
-            <a:avLst/>
-          </a:prstGeom>
-          <a:solidFill>
-            <a:srgbClr val="00B0F0">
-              <a:alpha val="65000"/>
-            </a:srgbClr>
-          </a:solidFill>
-          <a:ln/>
-        </p:spPr>
-        <p:style>
-          <a:lnRef idx="0">
-            <a:schemeClr val="accent2"/>
-          </a:lnRef>
-          <a:fillRef idx="3">
-            <a:schemeClr val="accent2"/>
-          </a:fillRef>
-          <a:effectRef idx="3">
-            <a:schemeClr val="accent2"/>
-          </a:effectRef>
-          <a:fontRef idx="minor">
-            <a:schemeClr val="lt1"/>
-          </a:fontRef>
-        </p:style>
-        <p:txBody>
-          <a:bodyPr rtlCol="0" anchor="ctr"/>
-          <a:lstStyle/>
-          <a:p>
-            <a:pPr algn="ctr"/>
-            <a:r>
-              <a:rPr lang="en-US" altLang="ko-KR" sz="1800" b="1" dirty="0" smtClean="0">
-                <a:solidFill>
-                  <a:srgbClr val="000000"/>
-                </a:solidFill>
-                <a:latin typeface="HY강M" pitchFamily="18" charset="-127"/>
-                <a:ea typeface="HY강M" pitchFamily="18" charset="-127"/>
-              </a:rPr>
-              <a:t>Service App</a:t>
-            </a:r>
-            <a:endParaRPr lang="ko-KR" altLang="en-US" sz="1800" b="1" dirty="0">
-              <a:solidFill>
-                <a:srgbClr val="000000"/>
-              </a:solidFill>
-              <a:latin typeface="HY강M" pitchFamily="18" charset="-127"/>
-              <a:ea typeface="HY강M" pitchFamily="18" charset="-127"/>
-            </a:endParaRPr>
-          </a:p>
-        </p:txBody>
-      </p:sp>
-      <p:cxnSp>
-        <p:nvCxnSpPr>
-          <p:cNvPr id="28" name="직선 연결선 27"/>
-          <p:cNvCxnSpPr/>
-          <p:nvPr/>
-        </p:nvCxnSpPr>
-        <p:spPr>
-          <a:xfrm>
-            <a:off x="3520299" y="2258435"/>
-            <a:ext cx="0" cy="4357354"/>
-          </a:xfrm>
-          <a:prstGeom prst="line">
-            <a:avLst/>
-          </a:prstGeom>
-          <a:ln w="44450">
-            <a:solidFill>
-              <a:srgbClr val="000000"/>
-            </a:solidFill>
-            <a:prstDash val="dash"/>
-          </a:ln>
-        </p:spPr>
-        <p:style>
-          <a:lnRef idx="1">
-            <a:schemeClr val="accent1"/>
-          </a:lnRef>
-          <a:fillRef idx="0">
-            <a:schemeClr val="accent1"/>
-          </a:fillRef>
-          <a:effectRef idx="0">
-            <a:schemeClr val="accent1"/>
-          </a:effectRef>
-          <a:fontRef idx="minor">
-            <a:schemeClr val="tx1"/>
-          </a:fontRef>
-        </p:style>
-      </p:cxnSp>
-      <p:sp>
-        <p:nvSpPr>
-          <p:cNvPr id="33" name="직사각형 32"/>
-          <p:cNvSpPr/>
-          <p:nvPr/>
-        </p:nvSpPr>
-        <p:spPr>
-          <a:xfrm>
-            <a:off x="3914372" y="3554982"/>
-            <a:ext cx="2134265" cy="882130"/>
+            <a:off x="892760" y="3728420"/>
+            <a:ext cx="7279640" cy="1464175"/>
           </a:xfrm>
           <a:prstGeom prst="rect">
             <a:avLst/>
@@ -6644,7 +5590,10 @@
           <a:noFill/>
           <a:ln>
             <a:solidFill>
-              <a:srgbClr val="000000"/>
+              <a:schemeClr val="bg1">
+                <a:lumMod val="10000"/>
+                <a:alpha val="80000"/>
+              </a:schemeClr>
             </a:solidFill>
           </a:ln>
           <a:scene3d>
@@ -6678,44 +5627,250 @@
           <a:bodyPr rtlCol="0" anchor="ctr"/>
           <a:lstStyle/>
           <a:p>
-            <a:pPr algn="ctr"/>
+            <a:pPr algn="l"/>
             <a:r>
               <a:rPr lang="en-US" altLang="ko-KR" sz="1800" b="1" dirty="0" smtClean="0">
                 <a:solidFill>
-                  <a:srgbClr val="000000"/>
+                  <a:srgbClr val="C00000"/>
                 </a:solidFill>
                 <a:latin typeface="HY강M" pitchFamily="18" charset="-127"/>
                 <a:ea typeface="HY강M" pitchFamily="18" charset="-127"/>
               </a:rPr>
-              <a:t>Device Control Manager</a:t>
-            </a:r>
-            <a:endParaRPr lang="ko-KR" altLang="en-US" sz="1800" b="1" dirty="0">
+              <a:t>	Libraries</a:t>
+            </a:r>
+          </a:p>
+          <a:p>
+            <a:pPr algn="l"/>
+            <a:endParaRPr lang="en-US" altLang="ko-KR" sz="1800" b="1" dirty="0" smtClean="0">
               <a:solidFill>
-                <a:srgbClr val="000000"/>
+                <a:srgbClr val="C00000"/>
               </a:solidFill>
               <a:latin typeface="HY강M" pitchFamily="18" charset="-127"/>
               <a:ea typeface="HY강M" pitchFamily="18" charset="-127"/>
             </a:endParaRPr>
           </a:p>
+          <a:p>
+            <a:pPr algn="l"/>
+            <a:endParaRPr lang="en-US" altLang="ko-KR" sz="1800" b="1" dirty="0" smtClean="0">
+              <a:solidFill>
+                <a:srgbClr val="C00000"/>
+              </a:solidFill>
+              <a:latin typeface="HY강M" pitchFamily="18" charset="-127"/>
+              <a:ea typeface="HY강M" pitchFamily="18" charset="-127"/>
+            </a:endParaRPr>
+          </a:p>
+          <a:p>
+            <a:pPr algn="ctr"/>
+            <a:endParaRPr lang="en-US" altLang="ko-KR" sz="1800" b="1" dirty="0">
+              <a:solidFill>
+                <a:srgbClr val="C00000"/>
+              </a:solidFill>
+              <a:latin typeface="HY강M" pitchFamily="18" charset="-127"/>
+              <a:ea typeface="HY강M" pitchFamily="18" charset="-127"/>
+            </a:endParaRPr>
+          </a:p>
+          <a:p>
+            <a:pPr algn="ctr"/>
+            <a:endParaRPr lang="ko-KR" altLang="en-US" sz="1800" b="1" dirty="0">
+              <a:solidFill>
+                <a:srgbClr val="C00000"/>
+              </a:solidFill>
+              <a:latin typeface="HY강M" pitchFamily="18" charset="-127"/>
+              <a:ea typeface="HY강M" pitchFamily="18" charset="-127"/>
+            </a:endParaRPr>
+          </a:p>
         </p:txBody>
       </p:sp>
       <p:sp>
         <p:nvSpPr>
-          <p:cNvPr id="35" name="직사각형 34"/>
+          <p:cNvPr id="52" name="직사각형 51"/>
           <p:cNvSpPr/>
           <p:nvPr/>
         </p:nvSpPr>
         <p:spPr>
           <a:xfrm>
-            <a:off x="892761" y="4770593"/>
-            <a:ext cx="2150641" cy="850278"/>
+            <a:off x="5580112" y="3728421"/>
+            <a:ext cx="2592288" cy="1032127"/>
           </a:xfrm>
           <a:prstGeom prst="rect">
+            <a:avLst/>
+          </a:prstGeom>
+          <a:noFill/>
+          <a:ln>
+            <a:solidFill>
+              <a:schemeClr val="bg1">
+                <a:lumMod val="10000"/>
+                <a:alpha val="80000"/>
+              </a:schemeClr>
+            </a:solidFill>
+          </a:ln>
+          <a:scene3d>
+            <a:camera prst="orthographicFront"/>
+            <a:lightRig rig="threePt" dir="t"/>
+          </a:scene3d>
+          <a:sp3d contourW="12700">
+            <a:bevelT w="107950" h="107950" prst="angle"/>
+            <a:contourClr>
+              <a:srgbClr val="000000"/>
+            </a:contourClr>
+          </a:sp3d>
+        </p:spPr>
+        <p:style>
+          <a:lnRef idx="2">
+            <a:schemeClr val="accent1">
+              <a:shade val="50000"/>
+            </a:schemeClr>
+          </a:lnRef>
+          <a:fillRef idx="1">
+            <a:schemeClr val="accent1"/>
+          </a:fillRef>
+          <a:effectRef idx="0">
+            <a:schemeClr val="accent1"/>
+          </a:effectRef>
+          <a:fontRef idx="minor">
+            <a:schemeClr val="lt1"/>
+          </a:fontRef>
+        </p:style>
+        <p:txBody>
+          <a:bodyPr rtlCol="0" anchor="ctr"/>
+          <a:lstStyle/>
+          <a:p>
+            <a:r>
+              <a:rPr lang="en-US" altLang="ko-KR" sz="1800" b="1" dirty="0" smtClean="0">
+                <a:solidFill>
+                  <a:srgbClr val="C00000"/>
+                </a:solidFill>
+                <a:latin typeface="HY강M" pitchFamily="18" charset="-127"/>
+                <a:ea typeface="HY강M" pitchFamily="18" charset="-127"/>
+              </a:rPr>
+              <a:t>Android Runtime</a:t>
+            </a:r>
+          </a:p>
+          <a:p>
+            <a:endParaRPr lang="en-US" altLang="ko-KR" sz="1800" b="1" dirty="0" smtClean="0">
+              <a:solidFill>
+                <a:srgbClr val="C00000"/>
+              </a:solidFill>
+              <a:latin typeface="HY강M" pitchFamily="18" charset="-127"/>
+              <a:ea typeface="HY강M" pitchFamily="18" charset="-127"/>
+            </a:endParaRPr>
+          </a:p>
+          <a:p>
+            <a:endParaRPr lang="ko-KR" altLang="en-US" sz="1800" b="1" dirty="0">
+              <a:solidFill>
+                <a:srgbClr val="C00000"/>
+              </a:solidFill>
+              <a:latin typeface="HY강M" pitchFamily="18" charset="-127"/>
+              <a:ea typeface="HY강M" pitchFamily="18" charset="-127"/>
+            </a:endParaRPr>
+          </a:p>
+        </p:txBody>
+      </p:sp>
+      <p:sp>
+        <p:nvSpPr>
+          <p:cNvPr id="53" name="직사각형 52"/>
+          <p:cNvSpPr/>
+          <p:nvPr/>
+        </p:nvSpPr>
+        <p:spPr>
+          <a:xfrm>
+            <a:off x="892760" y="5211166"/>
+            <a:ext cx="7279640" cy="882130"/>
+          </a:xfrm>
+          <a:prstGeom prst="rect">
+            <a:avLst/>
+          </a:prstGeom>
+          <a:noFill/>
+          <a:ln>
+            <a:solidFill>
+              <a:schemeClr val="bg1">
+                <a:lumMod val="10000"/>
+                <a:alpha val="80000"/>
+              </a:schemeClr>
+            </a:solidFill>
+          </a:ln>
+          <a:scene3d>
+            <a:camera prst="orthographicFront"/>
+            <a:lightRig rig="threePt" dir="t"/>
+          </a:scene3d>
+          <a:sp3d contourW="12700">
+            <a:bevelT w="107950" h="107950" prst="angle"/>
+            <a:contourClr>
+              <a:srgbClr val="000000"/>
+            </a:contourClr>
+          </a:sp3d>
+        </p:spPr>
+        <p:style>
+          <a:lnRef idx="2">
+            <a:schemeClr val="accent1">
+              <a:shade val="50000"/>
+            </a:schemeClr>
+          </a:lnRef>
+          <a:fillRef idx="1">
+            <a:schemeClr val="accent1"/>
+          </a:fillRef>
+          <a:effectRef idx="0">
+            <a:schemeClr val="accent1"/>
+          </a:effectRef>
+          <a:fontRef idx="minor">
+            <a:schemeClr val="lt1"/>
+          </a:fontRef>
+        </p:style>
+        <p:txBody>
+          <a:bodyPr rtlCol="0" anchor="ctr"/>
+          <a:lstStyle/>
+          <a:p>
+            <a:pPr algn="ctr"/>
+            <a:r>
+              <a:rPr lang="en-US" altLang="ko-KR" sz="1800" b="1" dirty="0" smtClean="0">
+                <a:solidFill>
+                  <a:srgbClr val="C00000"/>
+                </a:solidFill>
+                <a:latin typeface="HY강M" pitchFamily="18" charset="-127"/>
+                <a:ea typeface="HY강M" pitchFamily="18" charset="-127"/>
+              </a:rPr>
+              <a:t>Linux Kernel</a:t>
+            </a:r>
+          </a:p>
+          <a:p>
+            <a:pPr algn="ctr"/>
+            <a:endParaRPr lang="en-US" altLang="ko-KR" sz="1800" b="1" dirty="0">
+              <a:solidFill>
+                <a:srgbClr val="C00000"/>
+              </a:solidFill>
+              <a:latin typeface="HY강M" pitchFamily="18" charset="-127"/>
+              <a:ea typeface="HY강M" pitchFamily="18" charset="-127"/>
+            </a:endParaRPr>
+          </a:p>
+          <a:p>
+            <a:pPr algn="ctr"/>
+            <a:endParaRPr lang="ko-KR" altLang="en-US" sz="1800" b="1" dirty="0">
+              <a:solidFill>
+                <a:srgbClr val="C00000"/>
+              </a:solidFill>
+              <a:latin typeface="HY강M" pitchFamily="18" charset="-127"/>
+              <a:ea typeface="HY강M" pitchFamily="18" charset="-127"/>
+            </a:endParaRPr>
+          </a:p>
+        </p:txBody>
+      </p:sp>
+      <p:sp>
+        <p:nvSpPr>
+          <p:cNvPr id="3" name="모서리가 둥근 직사각형 2"/>
+          <p:cNvSpPr/>
+          <p:nvPr/>
+        </p:nvSpPr>
+        <p:spPr>
+          <a:xfrm>
+            <a:off x="971600" y="2303259"/>
+            <a:ext cx="1584176" cy="441065"/>
+          </a:xfrm>
+          <a:prstGeom prst="roundRect">
             <a:avLst/>
           </a:prstGeom>
           <a:solidFill>
             <a:srgbClr val="00B0F0">
-              <a:alpha val="65000"/>
+              <a:alpha val="55000"/>
             </a:srgbClr>
           </a:solidFill>
           <a:ln/>
@@ -6740,35 +5895,42 @@
           <a:p>
             <a:pPr algn="ctr"/>
             <a:r>
-              <a:rPr lang="en-US" altLang="ko-KR" sz="1800" b="1" dirty="0" smtClean="0">
-                <a:solidFill>
-                  <a:srgbClr val="000000"/>
-                </a:solidFill>
-                <a:latin typeface="HY강M" pitchFamily="18" charset="-127"/>
-                <a:ea typeface="HY강M" pitchFamily="18" charset="-127"/>
-              </a:rPr>
-              <a:t>USB Device Driver</a:t>
-            </a:r>
+              <a:rPr lang="en-US" altLang="ko-KR" sz="1400" b="1" dirty="0" smtClean="0">
+                <a:solidFill>
+                  <a:schemeClr val="tx1"/>
+                </a:solidFill>
+                <a:latin typeface="휴먼모음T" pitchFamily="18" charset="-127"/>
+                <a:ea typeface="휴먼모음T" pitchFamily="18" charset="-127"/>
+              </a:rPr>
+              <a:t>USB/IP App</a:t>
+            </a:r>
+            <a:endParaRPr lang="ko-KR" altLang="en-US" sz="1400" b="1" dirty="0">
+              <a:solidFill>
+                <a:schemeClr val="tx1"/>
+              </a:solidFill>
+              <a:latin typeface="휴먼모음T" pitchFamily="18" charset="-127"/>
+              <a:ea typeface="휴먼모음T" pitchFamily="18" charset="-127"/>
+            </a:endParaRPr>
           </a:p>
         </p:txBody>
       </p:sp>
       <p:sp>
         <p:nvSpPr>
-          <p:cNvPr id="36" name="직사각형 35"/>
+          <p:cNvPr id="9" name="모서리가 둥근 직사각형 8"/>
           <p:cNvSpPr/>
           <p:nvPr/>
         </p:nvSpPr>
         <p:spPr>
           <a:xfrm>
-            <a:off x="3897996" y="2597496"/>
-            <a:ext cx="2150641" cy="651486"/>
-          </a:xfrm>
-          <a:prstGeom prst="rect">
+            <a:off x="2699792" y="2303259"/>
+            <a:ext cx="1584176" cy="441065"/>
+          </a:xfrm>
+          <a:prstGeom prst="roundRect">
             <a:avLst/>
           </a:prstGeom>
           <a:solidFill>
             <a:srgbClr val="00B0F0">
-              <a:alpha val="65000"/>
+              <a:alpha val="55000"/>
             </a:srgbClr>
           </a:solidFill>
           <a:ln/>
@@ -6793,259 +5955,167 @@
           <a:p>
             <a:pPr algn="ctr"/>
             <a:r>
-              <a:rPr lang="en-US" altLang="ko-KR" sz="1800" b="1" dirty="0" smtClean="0">
-                <a:solidFill>
-                  <a:srgbClr val="000000"/>
-                </a:solidFill>
-                <a:latin typeface="HY강M" pitchFamily="18" charset="-127"/>
-                <a:ea typeface="HY강M" pitchFamily="18" charset="-127"/>
-              </a:rPr>
-              <a:t>USB/IP App</a:t>
-            </a:r>
-            <a:endParaRPr lang="ko-KR" altLang="en-US" sz="1800" b="1" dirty="0">
+              <a:rPr lang="en-US" altLang="ko-KR" sz="1400" b="1" dirty="0" smtClean="0">
+                <a:solidFill>
+                  <a:schemeClr val="tx1"/>
+                </a:solidFill>
+                <a:latin typeface="휴먼모음T" pitchFamily="18" charset="-127"/>
+                <a:ea typeface="휴먼모음T" pitchFamily="18" charset="-127"/>
+              </a:rPr>
+              <a:t>Service App</a:t>
+            </a:r>
+            <a:endParaRPr lang="ko-KR" altLang="en-US" sz="1400" b="1" dirty="0">
               <a:solidFill>
-                <a:srgbClr val="000000"/>
+                <a:schemeClr val="tx1"/>
               </a:solidFill>
-              <a:latin typeface="HY강M" pitchFamily="18" charset="-127"/>
-              <a:ea typeface="HY강M" pitchFamily="18" charset="-127"/>
+              <a:latin typeface="휴먼모음T" pitchFamily="18" charset="-127"/>
+              <a:ea typeface="휴먼모음T" pitchFamily="18" charset="-127"/>
             </a:endParaRPr>
           </a:p>
         </p:txBody>
       </p:sp>
-      <p:cxnSp>
-        <p:nvCxnSpPr>
-          <p:cNvPr id="38" name="직선 연결선 37"/>
-          <p:cNvCxnSpPr>
-            <a:stCxn id="13" idx="2"/>
-            <a:endCxn id="25" idx="0"/>
-          </p:cNvCxnSpPr>
+      <p:sp>
+        <p:nvSpPr>
+          <p:cNvPr id="10" name="모서리가 둥근 직사각형 9"/>
+          <p:cNvSpPr/>
           <p:nvPr/>
-        </p:nvCxnSpPr>
+        </p:nvSpPr>
         <p:spPr>
           <a:xfrm>
-            <a:off x="1968082" y="3212978"/>
-            <a:ext cx="8214" cy="360038"/>
-          </a:xfrm>
-          <a:prstGeom prst="line">
+            <a:off x="4454263" y="2300781"/>
+            <a:ext cx="1584176" cy="441065"/>
+          </a:xfrm>
+          <a:prstGeom prst="roundRect">
             <a:avLst/>
           </a:prstGeom>
-          <a:ln w="44450">
+          <a:solidFill>
+            <a:schemeClr val="bg1"/>
+          </a:solidFill>
+          <a:ln>
             <a:solidFill>
-              <a:srgbClr val="C00000"/>
+              <a:srgbClr val="000000">
+                <a:alpha val="80000"/>
+              </a:srgbClr>
             </a:solidFill>
           </a:ln>
         </p:spPr>
         <p:style>
-          <a:lnRef idx="1">
-            <a:schemeClr val="accent1"/>
+          <a:lnRef idx="2">
+            <a:schemeClr val="accent1">
+              <a:shade val="50000"/>
+            </a:schemeClr>
           </a:lnRef>
-          <a:fillRef idx="0">
+          <a:fillRef idx="1">
             <a:schemeClr val="accent1"/>
           </a:fillRef>
           <a:effectRef idx="0">
             <a:schemeClr val="accent1"/>
           </a:effectRef>
           <a:fontRef idx="minor">
-            <a:schemeClr val="tx1"/>
+            <a:schemeClr val="lt1"/>
           </a:fontRef>
         </p:style>
-      </p:cxnSp>
-      <p:cxnSp>
-        <p:nvCxnSpPr>
-          <p:cNvPr id="39" name="직선 연결선 38"/>
-          <p:cNvCxnSpPr>
-            <a:endCxn id="25" idx="2"/>
-          </p:cNvCxnSpPr>
+        <p:txBody>
+          <a:bodyPr rtlCol="0" anchor="ctr"/>
+          <a:lstStyle/>
+          <a:p>
+            <a:pPr algn="ctr"/>
+            <a:r>
+              <a:rPr lang="en-US" altLang="ko-KR" sz="1400" b="1" dirty="0" smtClean="0">
+                <a:solidFill>
+                  <a:schemeClr val="tx1"/>
+                </a:solidFill>
+                <a:latin typeface="휴먼모음T" pitchFamily="18" charset="-127"/>
+                <a:ea typeface="휴먼모음T" pitchFamily="18" charset="-127"/>
+              </a:rPr>
+              <a:t>Alarm</a:t>
+            </a:r>
+            <a:endParaRPr lang="ko-KR" altLang="en-US" sz="1400" b="1" dirty="0">
+              <a:solidFill>
+                <a:schemeClr val="tx1"/>
+              </a:solidFill>
+              <a:latin typeface="휴먼모음T" pitchFamily="18" charset="-127"/>
+              <a:ea typeface="휴먼모음T" pitchFamily="18" charset="-127"/>
+            </a:endParaRPr>
+          </a:p>
+        </p:txBody>
+      </p:sp>
+      <p:sp>
+        <p:nvSpPr>
+          <p:cNvPr id="11" name="모서리가 둥근 직사각형 10"/>
+          <p:cNvSpPr/>
           <p:nvPr/>
-        </p:nvCxnSpPr>
+        </p:nvSpPr>
         <p:spPr>
-          <a:xfrm flipV="1">
-            <a:off x="1969370" y="4455146"/>
-            <a:ext cx="6926" cy="315446"/>
-          </a:xfrm>
-          <a:prstGeom prst="line">
+          <a:xfrm>
+            <a:off x="6190839" y="2303259"/>
+            <a:ext cx="1584176" cy="441065"/>
+          </a:xfrm>
+          <a:prstGeom prst="roundRect">
             <a:avLst/>
           </a:prstGeom>
-          <a:ln w="44450">
+          <a:solidFill>
+            <a:schemeClr val="bg1"/>
+          </a:solidFill>
+          <a:ln>
             <a:solidFill>
-              <a:srgbClr val="C00000"/>
+              <a:srgbClr val="000000">
+                <a:alpha val="80000"/>
+              </a:srgbClr>
             </a:solidFill>
           </a:ln>
         </p:spPr>
         <p:style>
-          <a:lnRef idx="1">
-            <a:schemeClr val="accent1"/>
+          <a:lnRef idx="2">
+            <a:schemeClr val="accent1">
+              <a:shade val="50000"/>
+            </a:schemeClr>
           </a:lnRef>
-          <a:fillRef idx="0">
+          <a:fillRef idx="1">
             <a:schemeClr val="accent1"/>
           </a:fillRef>
           <a:effectRef idx="0">
             <a:schemeClr val="accent1"/>
           </a:effectRef>
           <a:fontRef idx="minor">
-            <a:schemeClr val="tx1"/>
+            <a:schemeClr val="lt1"/>
           </a:fontRef>
         </p:style>
-      </p:cxnSp>
-      <p:cxnSp>
-        <p:nvCxnSpPr>
-          <p:cNvPr id="40" name="직선 연결선 39"/>
-          <p:cNvCxnSpPr>
-            <a:stCxn id="24" idx="1"/>
-            <a:endCxn id="23" idx="3"/>
-          </p:cNvCxnSpPr>
-          <p:nvPr/>
-        </p:nvCxnSpPr>
-        <p:spPr>
-          <a:xfrm flipH="1">
-            <a:off x="3043402" y="5210008"/>
-            <a:ext cx="870970" cy="847284"/>
-          </a:xfrm>
-          <a:prstGeom prst="line">
-            <a:avLst/>
-          </a:prstGeom>
-          <a:ln w="44450">
-            <a:solidFill>
-              <a:srgbClr val="C00000"/>
-            </a:solidFill>
-          </a:ln>
-        </p:spPr>
-        <p:style>
-          <a:lnRef idx="1">
-            <a:schemeClr val="accent1"/>
-          </a:lnRef>
-          <a:fillRef idx="0">
-            <a:schemeClr val="accent1"/>
-          </a:fillRef>
-          <a:effectRef idx="0">
-            <a:schemeClr val="accent1"/>
-          </a:effectRef>
-          <a:fontRef idx="minor">
-            <a:schemeClr val="tx1"/>
-          </a:fontRef>
-        </p:style>
-      </p:cxnSp>
-      <p:cxnSp>
-        <p:nvCxnSpPr>
-          <p:cNvPr id="42" name="직선 연결선 41"/>
-          <p:cNvCxnSpPr/>
-          <p:nvPr/>
-        </p:nvCxnSpPr>
-        <p:spPr>
-          <a:xfrm flipV="1">
-            <a:off x="6048637" y="3253144"/>
-            <a:ext cx="1470895" cy="2847375"/>
-          </a:xfrm>
-          <a:prstGeom prst="line">
-            <a:avLst/>
-          </a:prstGeom>
-          <a:ln w="44450">
-            <a:solidFill>
-              <a:srgbClr val="C00000"/>
-            </a:solidFill>
-          </a:ln>
-        </p:spPr>
-        <p:style>
-          <a:lnRef idx="1">
-            <a:schemeClr val="accent1"/>
-          </a:lnRef>
-          <a:fillRef idx="0">
-            <a:schemeClr val="accent1"/>
-          </a:fillRef>
-          <a:effectRef idx="0">
-            <a:schemeClr val="accent1"/>
-          </a:effectRef>
-          <a:fontRef idx="minor">
-            <a:schemeClr val="tx1"/>
-          </a:fontRef>
-        </p:style>
-      </p:cxnSp>
-      <p:cxnSp>
-        <p:nvCxnSpPr>
-          <p:cNvPr id="45" name="직선 연결선 44"/>
-          <p:cNvCxnSpPr>
-            <a:stCxn id="33" idx="0"/>
-            <a:endCxn id="36" idx="2"/>
-          </p:cNvCxnSpPr>
-          <p:nvPr/>
-        </p:nvCxnSpPr>
-        <p:spPr>
-          <a:xfrm flipH="1" flipV="1">
-            <a:off x="4973317" y="3248982"/>
-            <a:ext cx="8188" cy="306000"/>
-          </a:xfrm>
-          <a:prstGeom prst="line">
-            <a:avLst/>
-          </a:prstGeom>
-          <a:ln w="44450">
-            <a:solidFill>
-              <a:srgbClr val="C00000"/>
-            </a:solidFill>
-          </a:ln>
-        </p:spPr>
-        <p:style>
-          <a:lnRef idx="1">
-            <a:schemeClr val="accent1"/>
-          </a:lnRef>
-          <a:fillRef idx="0">
-            <a:schemeClr val="accent1"/>
-          </a:fillRef>
-          <a:effectRef idx="0">
-            <a:schemeClr val="accent1"/>
-          </a:effectRef>
-          <a:fontRef idx="minor">
-            <a:schemeClr val="tx1"/>
-          </a:fontRef>
-        </p:style>
-      </p:cxnSp>
-      <p:cxnSp>
-        <p:nvCxnSpPr>
-          <p:cNvPr id="47" name="직선 연결선 46"/>
-          <p:cNvCxnSpPr>
-            <a:stCxn id="33" idx="2"/>
-            <a:endCxn id="24" idx="0"/>
-          </p:cNvCxnSpPr>
-          <p:nvPr/>
-        </p:nvCxnSpPr>
-        <p:spPr>
-          <a:xfrm>
-            <a:off x="4981505" y="4437112"/>
-            <a:ext cx="6900" cy="333480"/>
-          </a:xfrm>
-          <a:prstGeom prst="line">
-            <a:avLst/>
-          </a:prstGeom>
-          <a:ln w="44450">
-            <a:solidFill>
-              <a:srgbClr val="C00000"/>
-            </a:solidFill>
-          </a:ln>
-        </p:spPr>
-        <p:style>
-          <a:lnRef idx="1">
-            <a:schemeClr val="accent1"/>
-          </a:lnRef>
-          <a:fillRef idx="0">
-            <a:schemeClr val="accent1"/>
-          </a:fillRef>
-          <a:effectRef idx="0">
-            <a:schemeClr val="accent1"/>
-          </a:effectRef>
-          <a:fontRef idx="minor">
-            <a:schemeClr val="tx1"/>
-          </a:fontRef>
-        </p:style>
-      </p:cxnSp>
+        <p:txBody>
+          <a:bodyPr rtlCol="0" anchor="ctr"/>
+          <a:lstStyle/>
+          <a:p>
+            <a:pPr algn="ctr"/>
+            <a:r>
+              <a:rPr lang="en-US" altLang="ko-KR" sz="1400" b="1" dirty="0" smtClean="0">
+                <a:solidFill>
+                  <a:schemeClr val="tx1"/>
+                </a:solidFill>
+                <a:latin typeface="휴먼모음T" pitchFamily="18" charset="-127"/>
+                <a:ea typeface="휴먼모음T" pitchFamily="18" charset="-127"/>
+              </a:rPr>
+              <a:t>Home</a:t>
+            </a:r>
+            <a:endParaRPr lang="ko-KR" altLang="en-US" sz="1400" b="1" dirty="0">
+              <a:solidFill>
+                <a:schemeClr val="tx1"/>
+              </a:solidFill>
+              <a:latin typeface="휴먼모음T" pitchFamily="18" charset="-127"/>
+              <a:ea typeface="휴먼모음T" pitchFamily="18" charset="-127"/>
+            </a:endParaRPr>
+          </a:p>
+        </p:txBody>
+      </p:sp>
       <p:sp>
         <p:nvSpPr>
-          <p:cNvPr id="48" name="TextBox 47"/>
+          <p:cNvPr id="4" name="TextBox 3"/>
           <p:cNvSpPr txBox="1"/>
           <p:nvPr/>
         </p:nvSpPr>
         <p:spPr>
           <a:xfrm>
-            <a:off x="6818057" y="1795463"/>
-            <a:ext cx="1402948" cy="769441"/>
+            <a:off x="7771389" y="2374992"/>
+            <a:ext cx="410690" cy="369332"/>
           </a:xfrm>
           <a:prstGeom prst="rect">
             <a:avLst/>
@@ -7059,115 +6129,33 @@
           <a:lstStyle/>
           <a:p>
             <a:r>
-              <a:rPr lang="en-US" altLang="ko-KR" sz="2200" b="1" dirty="0" smtClean="0">
-                <a:solidFill>
-                  <a:srgbClr val="000000"/>
-                </a:solidFill>
-                <a:latin typeface="HY강M" pitchFamily="18" charset="-127"/>
-                <a:ea typeface="HY강M" pitchFamily="18" charset="-127"/>
-              </a:rPr>
-              <a:t>&lt; Device &gt;</a:t>
-            </a:r>
-          </a:p>
-          <a:p>
-            <a:r>
-              <a:rPr lang="en-US" altLang="ko-KR" sz="2200" b="1" dirty="0" smtClean="0">
-                <a:solidFill>
-                  <a:srgbClr val="000000"/>
-                </a:solidFill>
-                <a:latin typeface="HY강M" pitchFamily="18" charset="-127"/>
-                <a:ea typeface="HY강M" pitchFamily="18" charset="-127"/>
-              </a:rPr>
-              <a:t>Android</a:t>
-            </a:r>
+              <a:rPr lang="en-US" altLang="ko-KR" sz="1800" b="1" dirty="0" smtClean="0">
+                <a:latin typeface="휴먼모음T" pitchFamily="18" charset="-127"/>
+                <a:ea typeface="휴먼모음T" pitchFamily="18" charset="-127"/>
+              </a:rPr>
+              <a:t>…</a:t>
+            </a:r>
+            <a:endParaRPr lang="ko-KR" altLang="en-US" sz="1800" b="1" dirty="0">
+              <a:latin typeface="휴먼모음T" pitchFamily="18" charset="-127"/>
+              <a:ea typeface="휴먼모음T" pitchFamily="18" charset="-127"/>
+            </a:endParaRPr>
           </a:p>
         </p:txBody>
       </p:sp>
       <p:sp>
         <p:nvSpPr>
-          <p:cNvPr id="30" name="내용 개체 틀 2"/>
-          <p:cNvSpPr>
-            <a:spLocks noGrp="1"/>
-          </p:cNvSpPr>
-          <p:nvPr>
-            <p:ph idx="1"/>
-          </p:nvPr>
-        </p:nvSpPr>
-        <p:spPr>
-          <a:xfrm>
-            <a:off x="857200" y="1124744"/>
-            <a:ext cx="7315200" cy="640317"/>
-          </a:xfrm>
-        </p:spPr>
-        <p:txBody>
-          <a:bodyPr/>
-          <a:lstStyle/>
-          <a:p>
-            <a:pPr marL="571500" indent="-514350">
-              <a:buFont typeface="+mj-lt"/>
-              <a:buAutoNum type="alphaUcPeriod" startAt="2"/>
-            </a:pPr>
-            <a:r>
-              <a:rPr lang="en-US" altLang="ko-KR" dirty="0" smtClean="0">
-                <a:solidFill>
-                  <a:srgbClr val="000000"/>
-                </a:solidFill>
-                <a:latin typeface="HY동녘M" pitchFamily="18" charset="-127"/>
-                <a:ea typeface="HY동녘M" pitchFamily="18" charset="-127"/>
-              </a:rPr>
-              <a:t>Client-Server </a:t>
-            </a:r>
-            <a:r>
-              <a:rPr lang="ko-KR" altLang="en-US" dirty="0" smtClean="0">
-                <a:solidFill>
-                  <a:srgbClr val="000000"/>
-                </a:solidFill>
-                <a:latin typeface="HY동녘M" pitchFamily="18" charset="-127"/>
-                <a:ea typeface="HY동녘M" pitchFamily="18" charset="-127"/>
-              </a:rPr>
-              <a:t>구조</a:t>
-            </a:r>
-            <a:endParaRPr lang="en-US" altLang="ko-KR" dirty="0" smtClean="0">
-              <a:solidFill>
-                <a:srgbClr val="000000"/>
-              </a:solidFill>
-              <a:latin typeface="HY동녘M" pitchFamily="18" charset="-127"/>
-              <a:ea typeface="HY동녘M" pitchFamily="18" charset="-127"/>
-            </a:endParaRPr>
-          </a:p>
-          <a:p>
-            <a:pPr marL="57150" indent="0">
-              <a:buNone/>
-            </a:pPr>
-            <a:endParaRPr lang="en-US" altLang="ko-KR" sz="1800" dirty="0" smtClean="0">
-              <a:solidFill>
-                <a:srgbClr val="000000"/>
-              </a:solidFill>
-              <a:latin typeface="HY동녘M" pitchFamily="18" charset="-127"/>
-              <a:ea typeface="HY동녘M" pitchFamily="18" charset="-127"/>
-            </a:endParaRPr>
-          </a:p>
-        </p:txBody>
-      </p:sp>
-      <p:sp>
-        <p:nvSpPr>
-          <p:cNvPr id="31" name="직사각형 30"/>
+          <p:cNvPr id="13" name="모서리가 둥근 직사각형 12"/>
           <p:cNvSpPr/>
           <p:nvPr/>
         </p:nvSpPr>
         <p:spPr>
           <a:xfrm>
-            <a:off x="3897995" y="5675380"/>
-            <a:ext cx="2150641" cy="850278"/>
-          </a:xfrm>
-          <a:prstGeom prst="rect">
+            <a:off x="971600" y="5552636"/>
+            <a:ext cx="1584176" cy="441065"/>
+          </a:xfrm>
+          <a:prstGeom prst="roundRect">
             <a:avLst/>
           </a:prstGeom>
-          <a:solidFill>
-            <a:srgbClr val="00B0F0">
-              <a:alpha val="65000"/>
-            </a:srgbClr>
-          </a:solidFill>
           <a:ln/>
         </p:spPr>
         <p:style>
@@ -7190,22 +6178,1075 @@
           <a:p>
             <a:pPr algn="ctr"/>
             <a:r>
+              <a:rPr lang="en-US" altLang="ko-KR" sz="1400" b="1" dirty="0" smtClean="0">
+                <a:solidFill>
+                  <a:schemeClr val="tx1"/>
+                </a:solidFill>
+                <a:latin typeface="휴먼모음T" pitchFamily="18" charset="-127"/>
+                <a:ea typeface="휴먼모음T" pitchFamily="18" charset="-127"/>
+              </a:rPr>
+              <a:t>USB/IP</a:t>
+            </a:r>
+            <a:endParaRPr lang="ko-KR" altLang="en-US" sz="1400" b="1" dirty="0">
+              <a:solidFill>
+                <a:schemeClr val="tx1"/>
+              </a:solidFill>
+              <a:latin typeface="휴먼모음T" pitchFamily="18" charset="-127"/>
+              <a:ea typeface="휴먼모음T" pitchFamily="18" charset="-127"/>
+            </a:endParaRPr>
+          </a:p>
+        </p:txBody>
+      </p:sp>
+      <p:sp>
+        <p:nvSpPr>
+          <p:cNvPr id="15" name="모서리가 둥근 직사각형 14"/>
+          <p:cNvSpPr/>
+          <p:nvPr/>
+        </p:nvSpPr>
+        <p:spPr>
+          <a:xfrm>
+            <a:off x="6190839" y="5559638"/>
+            <a:ext cx="1584176" cy="441065"/>
+          </a:xfrm>
+          <a:prstGeom prst="roundRect">
+            <a:avLst/>
+          </a:prstGeom>
+          <a:solidFill>
+            <a:schemeClr val="bg1"/>
+          </a:solidFill>
+          <a:ln>
+            <a:solidFill>
+              <a:srgbClr val="000000">
+                <a:alpha val="80000"/>
+              </a:srgbClr>
+            </a:solidFill>
+          </a:ln>
+        </p:spPr>
+        <p:style>
+          <a:lnRef idx="2">
+            <a:schemeClr val="accent1">
+              <a:shade val="50000"/>
+            </a:schemeClr>
+          </a:lnRef>
+          <a:fillRef idx="1">
+            <a:schemeClr val="accent1"/>
+          </a:fillRef>
+          <a:effectRef idx="0">
+            <a:schemeClr val="accent1"/>
+          </a:effectRef>
+          <a:fontRef idx="minor">
+            <a:schemeClr val="lt1"/>
+          </a:fontRef>
+        </p:style>
+        <p:txBody>
+          <a:bodyPr rtlCol="0" anchor="ctr"/>
+          <a:lstStyle/>
+          <a:p>
+            <a:pPr algn="ctr"/>
+            <a:r>
+              <a:rPr lang="en-US" altLang="ko-KR" sz="1400" b="1" dirty="0" smtClean="0">
+                <a:solidFill>
+                  <a:schemeClr val="tx1"/>
+                </a:solidFill>
+                <a:latin typeface="휴먼모음T" pitchFamily="18" charset="-127"/>
+                <a:ea typeface="휴먼모음T" pitchFamily="18" charset="-127"/>
+              </a:rPr>
+              <a:t>USB Driver</a:t>
+            </a:r>
+            <a:endParaRPr lang="ko-KR" altLang="en-US" sz="1400" b="1" dirty="0">
+              <a:solidFill>
+                <a:schemeClr val="tx1"/>
+              </a:solidFill>
+              <a:latin typeface="휴먼모음T" pitchFamily="18" charset="-127"/>
+              <a:ea typeface="휴먼모음T" pitchFamily="18" charset="-127"/>
+            </a:endParaRPr>
+          </a:p>
+        </p:txBody>
+      </p:sp>
+      <p:sp>
+        <p:nvSpPr>
+          <p:cNvPr id="16" name="모서리가 둥근 직사각형 15"/>
+          <p:cNvSpPr/>
+          <p:nvPr/>
+        </p:nvSpPr>
+        <p:spPr>
+          <a:xfrm>
+            <a:off x="4454263" y="5552635"/>
+            <a:ext cx="1584176" cy="441065"/>
+          </a:xfrm>
+          <a:prstGeom prst="roundRect">
+            <a:avLst/>
+          </a:prstGeom>
+          <a:solidFill>
+            <a:schemeClr val="bg1"/>
+          </a:solidFill>
+          <a:ln>
+            <a:solidFill>
+              <a:srgbClr val="000000">
+                <a:alpha val="80000"/>
+              </a:srgbClr>
+            </a:solidFill>
+          </a:ln>
+        </p:spPr>
+        <p:style>
+          <a:lnRef idx="2">
+            <a:schemeClr val="accent1">
+              <a:shade val="50000"/>
+            </a:schemeClr>
+          </a:lnRef>
+          <a:fillRef idx="1">
+            <a:schemeClr val="accent1"/>
+          </a:fillRef>
+          <a:effectRef idx="0">
+            <a:schemeClr val="accent1"/>
+          </a:effectRef>
+          <a:fontRef idx="minor">
+            <a:schemeClr val="lt1"/>
+          </a:fontRef>
+        </p:style>
+        <p:txBody>
+          <a:bodyPr rtlCol="0" anchor="ctr"/>
+          <a:lstStyle/>
+          <a:p>
+            <a:pPr algn="ctr"/>
+            <a:r>
+              <a:rPr lang="en-US" altLang="ko-KR" sz="1400" b="1" dirty="0" smtClean="0">
+                <a:solidFill>
+                  <a:schemeClr val="tx1"/>
+                </a:solidFill>
+                <a:latin typeface="휴먼모음T" pitchFamily="18" charset="-127"/>
+                <a:ea typeface="휴먼모음T" pitchFamily="18" charset="-127"/>
+              </a:rPr>
+              <a:t>Camera Driver</a:t>
+            </a:r>
+            <a:endParaRPr lang="ko-KR" altLang="en-US" sz="1400" b="1" dirty="0">
+              <a:solidFill>
+                <a:schemeClr val="tx1"/>
+              </a:solidFill>
+              <a:latin typeface="휴먼모음T" pitchFamily="18" charset="-127"/>
+              <a:ea typeface="휴먼모음T" pitchFamily="18" charset="-127"/>
+            </a:endParaRPr>
+          </a:p>
+        </p:txBody>
+      </p:sp>
+      <p:sp>
+        <p:nvSpPr>
+          <p:cNvPr id="18" name="TextBox 17"/>
+          <p:cNvSpPr txBox="1"/>
+          <p:nvPr/>
+        </p:nvSpPr>
+        <p:spPr>
+          <a:xfrm>
+            <a:off x="7775015" y="5589720"/>
+            <a:ext cx="410690" cy="369332"/>
+          </a:xfrm>
+          <a:prstGeom prst="rect">
+            <a:avLst/>
+          </a:prstGeom>
+          <a:noFill/>
+        </p:spPr>
+        <p:txBody>
+          <a:bodyPr wrap="none" rtlCol="0">
+            <a:spAutoFit/>
+          </a:bodyPr>
+          <a:lstStyle/>
+          <a:p>
+            <a:r>
               <a:rPr lang="en-US" altLang="ko-KR" sz="1800" b="1" dirty="0" smtClean="0">
-                <a:solidFill>
-                  <a:srgbClr val="000000"/>
-                </a:solidFill>
-                <a:latin typeface="HY강M" pitchFamily="18" charset="-127"/>
-                <a:ea typeface="HY강M" pitchFamily="18" charset="-127"/>
+                <a:latin typeface="휴먼모음T" pitchFamily="18" charset="-127"/>
+                <a:ea typeface="휴먼모음T" pitchFamily="18" charset="-127"/>
+              </a:rPr>
+              <a:t>…</a:t>
+            </a:r>
+            <a:endParaRPr lang="ko-KR" altLang="en-US" sz="1800" b="1" dirty="0">
+              <a:latin typeface="휴먼모음T" pitchFamily="18" charset="-127"/>
+              <a:ea typeface="휴먼모음T" pitchFamily="18" charset="-127"/>
+            </a:endParaRPr>
+          </a:p>
+        </p:txBody>
+      </p:sp>
+      <p:sp>
+        <p:nvSpPr>
+          <p:cNvPr id="19" name="모서리가 둥근 직사각형 18"/>
+          <p:cNvSpPr/>
+          <p:nvPr/>
+        </p:nvSpPr>
+        <p:spPr>
+          <a:xfrm>
+            <a:off x="971600" y="3176372"/>
+            <a:ext cx="1584176" cy="441065"/>
+          </a:xfrm>
+          <a:prstGeom prst="roundRect">
+            <a:avLst/>
+          </a:prstGeom>
+          <a:solidFill>
+            <a:schemeClr val="bg1"/>
+          </a:solidFill>
+          <a:ln>
+            <a:solidFill>
+              <a:srgbClr val="000000">
+                <a:alpha val="80000"/>
+              </a:srgbClr>
+            </a:solidFill>
+          </a:ln>
+        </p:spPr>
+        <p:style>
+          <a:lnRef idx="2">
+            <a:schemeClr val="accent1">
+              <a:shade val="50000"/>
+            </a:schemeClr>
+          </a:lnRef>
+          <a:fillRef idx="1">
+            <a:schemeClr val="accent1"/>
+          </a:fillRef>
+          <a:effectRef idx="0">
+            <a:schemeClr val="accent1"/>
+          </a:effectRef>
+          <a:fontRef idx="minor">
+            <a:schemeClr val="lt1"/>
+          </a:fontRef>
+        </p:style>
+        <p:txBody>
+          <a:bodyPr rtlCol="0" anchor="ctr"/>
+          <a:lstStyle/>
+          <a:p>
+            <a:pPr algn="ctr"/>
+            <a:r>
+              <a:rPr lang="en-US" altLang="ko-KR" sz="1400" b="1" dirty="0" smtClean="0">
+                <a:solidFill>
+                  <a:schemeClr val="tx1"/>
+                </a:solidFill>
+                <a:latin typeface="휴먼모음T" pitchFamily="18" charset="-127"/>
+                <a:ea typeface="휴먼모음T" pitchFamily="18" charset="-127"/>
+              </a:rPr>
+              <a:t>Activity Manager</a:t>
+            </a:r>
+            <a:endParaRPr lang="ko-KR" altLang="en-US" sz="1400" b="1" dirty="0">
+              <a:solidFill>
+                <a:schemeClr val="tx1"/>
+              </a:solidFill>
+              <a:latin typeface="휴먼모음T" pitchFamily="18" charset="-127"/>
+              <a:ea typeface="휴먼모음T" pitchFamily="18" charset="-127"/>
+            </a:endParaRPr>
+          </a:p>
+        </p:txBody>
+      </p:sp>
+      <p:sp>
+        <p:nvSpPr>
+          <p:cNvPr id="20" name="모서리가 둥근 직사각형 19"/>
+          <p:cNvSpPr/>
+          <p:nvPr/>
+        </p:nvSpPr>
+        <p:spPr>
+          <a:xfrm>
+            <a:off x="2699792" y="3186762"/>
+            <a:ext cx="1584176" cy="441065"/>
+          </a:xfrm>
+          <a:prstGeom prst="roundRect">
+            <a:avLst/>
+          </a:prstGeom>
+          <a:solidFill>
+            <a:schemeClr val="bg1"/>
+          </a:solidFill>
+          <a:ln>
+            <a:solidFill>
+              <a:srgbClr val="000000">
+                <a:alpha val="80000"/>
+              </a:srgbClr>
+            </a:solidFill>
+          </a:ln>
+        </p:spPr>
+        <p:style>
+          <a:lnRef idx="2">
+            <a:schemeClr val="accent1">
+              <a:shade val="50000"/>
+            </a:schemeClr>
+          </a:lnRef>
+          <a:fillRef idx="1">
+            <a:schemeClr val="accent1"/>
+          </a:fillRef>
+          <a:effectRef idx="0">
+            <a:schemeClr val="accent1"/>
+          </a:effectRef>
+          <a:fontRef idx="minor">
+            <a:schemeClr val="lt1"/>
+          </a:fontRef>
+        </p:style>
+        <p:txBody>
+          <a:bodyPr rtlCol="0" anchor="ctr"/>
+          <a:lstStyle/>
+          <a:p>
+            <a:pPr algn="ctr"/>
+            <a:r>
+              <a:rPr lang="en-US" altLang="ko-KR" sz="1400" b="1" dirty="0" smtClean="0">
+                <a:solidFill>
+                  <a:schemeClr val="tx1"/>
+                </a:solidFill>
+                <a:latin typeface="휴먼모음T" pitchFamily="18" charset="-127"/>
+                <a:ea typeface="휴먼모음T" pitchFamily="18" charset="-127"/>
+              </a:rPr>
+              <a:t>View System</a:t>
+            </a:r>
+            <a:endParaRPr lang="ko-KR" altLang="en-US" sz="1400" b="1" dirty="0">
+              <a:solidFill>
+                <a:schemeClr val="tx1"/>
+              </a:solidFill>
+              <a:latin typeface="휴먼모음T" pitchFamily="18" charset="-127"/>
+              <a:ea typeface="휴먼모음T" pitchFamily="18" charset="-127"/>
+            </a:endParaRPr>
+          </a:p>
+        </p:txBody>
+      </p:sp>
+      <p:sp>
+        <p:nvSpPr>
+          <p:cNvPr id="21" name="모서리가 둥근 직사각형 20"/>
+          <p:cNvSpPr/>
+          <p:nvPr/>
+        </p:nvSpPr>
+        <p:spPr>
+          <a:xfrm>
+            <a:off x="4454263" y="3176372"/>
+            <a:ext cx="1584176" cy="441065"/>
+          </a:xfrm>
+          <a:prstGeom prst="roundRect">
+            <a:avLst/>
+          </a:prstGeom>
+          <a:solidFill>
+            <a:schemeClr val="bg1"/>
+          </a:solidFill>
+          <a:ln>
+            <a:solidFill>
+              <a:srgbClr val="000000">
+                <a:alpha val="80000"/>
+              </a:srgbClr>
+            </a:solidFill>
+          </a:ln>
+        </p:spPr>
+        <p:style>
+          <a:lnRef idx="2">
+            <a:schemeClr val="accent1">
+              <a:shade val="50000"/>
+            </a:schemeClr>
+          </a:lnRef>
+          <a:fillRef idx="1">
+            <a:schemeClr val="accent1"/>
+          </a:fillRef>
+          <a:effectRef idx="0">
+            <a:schemeClr val="accent1"/>
+          </a:effectRef>
+          <a:fontRef idx="minor">
+            <a:schemeClr val="lt1"/>
+          </a:fontRef>
+        </p:style>
+        <p:txBody>
+          <a:bodyPr rtlCol="0" anchor="ctr"/>
+          <a:lstStyle/>
+          <a:p>
+            <a:pPr algn="ctr"/>
+            <a:r>
+              <a:rPr lang="en-US" altLang="ko-KR" sz="1400" b="1" dirty="0" smtClean="0">
+                <a:solidFill>
+                  <a:schemeClr val="tx1"/>
+                </a:solidFill>
+                <a:latin typeface="휴먼모음T" pitchFamily="18" charset="-127"/>
+                <a:ea typeface="휴먼모음T" pitchFamily="18" charset="-127"/>
+              </a:rPr>
+              <a:t>Notification Manager</a:t>
+            </a:r>
+            <a:endParaRPr lang="ko-KR" altLang="en-US" sz="1400" b="1" dirty="0">
+              <a:solidFill>
+                <a:schemeClr val="tx1"/>
+              </a:solidFill>
+              <a:latin typeface="휴먼모음T" pitchFamily="18" charset="-127"/>
+              <a:ea typeface="휴먼모음T" pitchFamily="18" charset="-127"/>
+            </a:endParaRPr>
+          </a:p>
+        </p:txBody>
+      </p:sp>
+      <p:sp>
+        <p:nvSpPr>
+          <p:cNvPr id="22" name="모서리가 둥근 직사각형 21"/>
+          <p:cNvSpPr/>
+          <p:nvPr/>
+        </p:nvSpPr>
+        <p:spPr>
+          <a:xfrm>
+            <a:off x="6210853" y="3186762"/>
+            <a:ext cx="1584176" cy="441065"/>
+          </a:xfrm>
+          <a:prstGeom prst="roundRect">
+            <a:avLst/>
+          </a:prstGeom>
+          <a:solidFill>
+            <a:schemeClr val="bg1"/>
+          </a:solidFill>
+          <a:ln>
+            <a:solidFill>
+              <a:srgbClr val="000000">
+                <a:alpha val="80000"/>
+              </a:srgbClr>
+            </a:solidFill>
+          </a:ln>
+        </p:spPr>
+        <p:style>
+          <a:lnRef idx="2">
+            <a:schemeClr val="accent1">
+              <a:shade val="50000"/>
+            </a:schemeClr>
+          </a:lnRef>
+          <a:fillRef idx="1">
+            <a:schemeClr val="accent1"/>
+          </a:fillRef>
+          <a:effectRef idx="0">
+            <a:schemeClr val="accent1"/>
+          </a:effectRef>
+          <a:fontRef idx="minor">
+            <a:schemeClr val="lt1"/>
+          </a:fontRef>
+        </p:style>
+        <p:txBody>
+          <a:bodyPr rtlCol="0" anchor="ctr"/>
+          <a:lstStyle/>
+          <a:p>
+            <a:pPr algn="ctr"/>
+            <a:r>
+              <a:rPr lang="en-US" altLang="ko-KR" sz="1400" b="1" dirty="0" smtClean="0">
+                <a:solidFill>
+                  <a:schemeClr val="tx1"/>
+                </a:solidFill>
+                <a:latin typeface="휴먼모음T" pitchFamily="18" charset="-127"/>
+                <a:ea typeface="휴먼모음T" pitchFamily="18" charset="-127"/>
+              </a:rPr>
+              <a:t>Location Manager</a:t>
+            </a:r>
+            <a:endParaRPr lang="ko-KR" altLang="en-US" sz="1400" b="1" dirty="0">
+              <a:solidFill>
+                <a:schemeClr val="tx1"/>
+              </a:solidFill>
+              <a:latin typeface="휴먼모음T" pitchFamily="18" charset="-127"/>
+              <a:ea typeface="휴먼모음T" pitchFamily="18" charset="-127"/>
+            </a:endParaRPr>
+          </a:p>
+        </p:txBody>
+      </p:sp>
+      <p:sp>
+        <p:nvSpPr>
+          <p:cNvPr id="23" name="TextBox 22"/>
+          <p:cNvSpPr txBox="1"/>
+          <p:nvPr/>
+        </p:nvSpPr>
+        <p:spPr>
+          <a:xfrm>
+            <a:off x="7795029" y="3212238"/>
+            <a:ext cx="410690" cy="369332"/>
+          </a:xfrm>
+          <a:prstGeom prst="rect">
+            <a:avLst/>
+          </a:prstGeom>
+          <a:noFill/>
+        </p:spPr>
+        <p:txBody>
+          <a:bodyPr wrap="none" rtlCol="0">
+            <a:spAutoFit/>
+          </a:bodyPr>
+          <a:lstStyle/>
+          <a:p>
+            <a:r>
+              <a:rPr lang="en-US" altLang="ko-KR" sz="1800" b="1" dirty="0" smtClean="0">
+                <a:latin typeface="휴먼모음T" pitchFamily="18" charset="-127"/>
+                <a:ea typeface="휴먼모음T" pitchFamily="18" charset="-127"/>
+              </a:rPr>
+              <a:t>…</a:t>
+            </a:r>
+            <a:endParaRPr lang="ko-KR" altLang="en-US" sz="1800" b="1" dirty="0">
+              <a:latin typeface="휴먼모음T" pitchFamily="18" charset="-127"/>
+              <a:ea typeface="휴먼모음T" pitchFamily="18" charset="-127"/>
+            </a:endParaRPr>
+          </a:p>
+        </p:txBody>
+      </p:sp>
+      <p:sp>
+        <p:nvSpPr>
+          <p:cNvPr id="24" name="모서리가 둥근 직사각형 23"/>
+          <p:cNvSpPr/>
+          <p:nvPr/>
+        </p:nvSpPr>
+        <p:spPr>
+          <a:xfrm>
+            <a:off x="5652120" y="4226161"/>
+            <a:ext cx="936104" cy="441065"/>
+          </a:xfrm>
+          <a:prstGeom prst="roundRect">
+            <a:avLst/>
+          </a:prstGeom>
+          <a:solidFill>
+            <a:schemeClr val="bg1"/>
+          </a:solidFill>
+          <a:ln>
+            <a:solidFill>
+              <a:srgbClr val="000000">
+                <a:alpha val="80000"/>
+              </a:srgbClr>
+            </a:solidFill>
+          </a:ln>
+        </p:spPr>
+        <p:style>
+          <a:lnRef idx="2">
+            <a:schemeClr val="accent1">
+              <a:shade val="50000"/>
+            </a:schemeClr>
+          </a:lnRef>
+          <a:fillRef idx="1">
+            <a:schemeClr val="accent1"/>
+          </a:fillRef>
+          <a:effectRef idx="0">
+            <a:schemeClr val="accent1"/>
+          </a:effectRef>
+          <a:fontRef idx="minor">
+            <a:schemeClr val="lt1"/>
+          </a:fontRef>
+        </p:style>
+        <p:txBody>
+          <a:bodyPr rtlCol="0" anchor="ctr"/>
+          <a:lstStyle/>
+          <a:p>
+            <a:pPr algn="ctr"/>
+            <a:r>
+              <a:rPr lang="en-US" altLang="ko-KR" sz="1400" b="1" dirty="0" smtClean="0">
+                <a:solidFill>
+                  <a:schemeClr val="tx1"/>
+                </a:solidFill>
+                <a:latin typeface="휴먼모음T" pitchFamily="18" charset="-127"/>
+                <a:ea typeface="휴먼모음T" pitchFamily="18" charset="-127"/>
+              </a:rPr>
+              <a:t>Core Libraries</a:t>
+            </a:r>
+            <a:endParaRPr lang="ko-KR" altLang="en-US" sz="1400" b="1" dirty="0">
+              <a:solidFill>
+                <a:schemeClr val="tx1"/>
+              </a:solidFill>
+              <a:latin typeface="휴먼모음T" pitchFamily="18" charset="-127"/>
+              <a:ea typeface="휴먼모음T" pitchFamily="18" charset="-127"/>
+            </a:endParaRPr>
+          </a:p>
+        </p:txBody>
+      </p:sp>
+      <p:sp>
+        <p:nvSpPr>
+          <p:cNvPr id="25" name="모서리가 둥근 직사각형 24"/>
+          <p:cNvSpPr/>
+          <p:nvPr/>
+        </p:nvSpPr>
+        <p:spPr>
+          <a:xfrm>
+            <a:off x="6688242" y="4220531"/>
+            <a:ext cx="1412150" cy="441065"/>
+          </a:xfrm>
+          <a:prstGeom prst="roundRect">
+            <a:avLst/>
+          </a:prstGeom>
+          <a:solidFill>
+            <a:schemeClr val="bg1"/>
+          </a:solidFill>
+          <a:ln>
+            <a:solidFill>
+              <a:srgbClr val="000000">
+                <a:alpha val="80000"/>
+              </a:srgbClr>
+            </a:solidFill>
+          </a:ln>
+        </p:spPr>
+        <p:style>
+          <a:lnRef idx="2">
+            <a:schemeClr val="accent1">
+              <a:shade val="50000"/>
+            </a:schemeClr>
+          </a:lnRef>
+          <a:fillRef idx="1">
+            <a:schemeClr val="accent1"/>
+          </a:fillRef>
+          <a:effectRef idx="0">
+            <a:schemeClr val="accent1"/>
+          </a:effectRef>
+          <a:fontRef idx="minor">
+            <a:schemeClr val="lt1"/>
+          </a:fontRef>
+        </p:style>
+        <p:txBody>
+          <a:bodyPr rtlCol="0" anchor="ctr"/>
+          <a:lstStyle/>
+          <a:p>
+            <a:pPr algn="ctr"/>
+            <a:r>
+              <a:rPr lang="en-US" altLang="ko-KR" sz="1400" b="1" dirty="0" err="1">
+                <a:solidFill>
+                  <a:schemeClr val="tx1"/>
+                </a:solidFill>
+                <a:latin typeface="휴먼모음T" pitchFamily="18" charset="-127"/>
+                <a:ea typeface="휴먼모음T" pitchFamily="18" charset="-127"/>
+              </a:rPr>
+              <a:t>D</a:t>
+            </a:r>
+            <a:r>
+              <a:rPr lang="en-US" altLang="ko-KR" sz="1400" b="1" dirty="0" err="1" smtClean="0">
+                <a:solidFill>
+                  <a:schemeClr val="tx1"/>
+                </a:solidFill>
+                <a:latin typeface="휴먼모음T" pitchFamily="18" charset="-127"/>
+                <a:ea typeface="휴먼모음T" pitchFamily="18" charset="-127"/>
+              </a:rPr>
+              <a:t>alvik</a:t>
+            </a:r>
+            <a:r>
+              <a:rPr lang="en-US" altLang="ko-KR" sz="1400" b="1" dirty="0" smtClean="0">
+                <a:solidFill>
+                  <a:schemeClr val="tx1"/>
+                </a:solidFill>
+                <a:latin typeface="휴먼모음T" pitchFamily="18" charset="-127"/>
+                <a:ea typeface="휴먼모음T" pitchFamily="18" charset="-127"/>
+              </a:rPr>
+              <a:t> Virtual Machine</a:t>
+            </a:r>
+            <a:endParaRPr lang="ko-KR" altLang="en-US" sz="1400" b="1" dirty="0">
+              <a:solidFill>
+                <a:schemeClr val="tx1"/>
+              </a:solidFill>
+              <a:latin typeface="휴먼모음T" pitchFamily="18" charset="-127"/>
+              <a:ea typeface="휴먼모음T" pitchFamily="18" charset="-127"/>
+            </a:endParaRPr>
+          </a:p>
+        </p:txBody>
+      </p:sp>
+      <p:sp>
+        <p:nvSpPr>
+          <p:cNvPr id="26" name="모서리가 둥근 직사각형 25"/>
+          <p:cNvSpPr/>
+          <p:nvPr/>
+        </p:nvSpPr>
+        <p:spPr>
+          <a:xfrm>
+            <a:off x="977528" y="4112476"/>
+            <a:ext cx="1584176" cy="441065"/>
+          </a:xfrm>
+          <a:prstGeom prst="roundRect">
+            <a:avLst/>
+          </a:prstGeom>
+          <a:solidFill>
+            <a:schemeClr val="bg1"/>
+          </a:solidFill>
+          <a:ln>
+            <a:solidFill>
+              <a:srgbClr val="000000">
+                <a:alpha val="80000"/>
+              </a:srgbClr>
+            </a:solidFill>
+          </a:ln>
+        </p:spPr>
+        <p:style>
+          <a:lnRef idx="2">
+            <a:schemeClr val="accent1">
+              <a:shade val="50000"/>
+            </a:schemeClr>
+          </a:lnRef>
+          <a:fillRef idx="1">
+            <a:schemeClr val="accent1"/>
+          </a:fillRef>
+          <a:effectRef idx="0">
+            <a:schemeClr val="accent1"/>
+          </a:effectRef>
+          <a:fontRef idx="minor">
+            <a:schemeClr val="lt1"/>
+          </a:fontRef>
+        </p:style>
+        <p:txBody>
+          <a:bodyPr rtlCol="0" anchor="ctr"/>
+          <a:lstStyle/>
+          <a:p>
+            <a:pPr algn="ctr"/>
+            <a:r>
+              <a:rPr lang="en-US" altLang="ko-KR" sz="1400" b="1" dirty="0" smtClean="0">
+                <a:solidFill>
+                  <a:schemeClr val="tx1"/>
+                </a:solidFill>
+                <a:latin typeface="휴먼모음T" pitchFamily="18" charset="-127"/>
+                <a:ea typeface="휴먼모음T" pitchFamily="18" charset="-127"/>
+              </a:rPr>
+              <a:t>Surface Manager</a:t>
+            </a:r>
+            <a:endParaRPr lang="ko-KR" altLang="en-US" sz="1400" b="1" dirty="0">
+              <a:solidFill>
+                <a:schemeClr val="tx1"/>
+              </a:solidFill>
+              <a:latin typeface="휴먼모음T" pitchFamily="18" charset="-127"/>
+              <a:ea typeface="휴먼모음T" pitchFamily="18" charset="-127"/>
+            </a:endParaRPr>
+          </a:p>
+        </p:txBody>
+      </p:sp>
+      <p:sp>
+        <p:nvSpPr>
+          <p:cNvPr id="27" name="모서리가 둥근 직사각형 26"/>
+          <p:cNvSpPr/>
+          <p:nvPr/>
+        </p:nvSpPr>
+        <p:spPr>
+          <a:xfrm>
+            <a:off x="977528" y="4657471"/>
+            <a:ext cx="1584176" cy="441065"/>
+          </a:xfrm>
+          <a:prstGeom prst="roundRect">
+            <a:avLst/>
+          </a:prstGeom>
+          <a:solidFill>
+            <a:schemeClr val="bg1"/>
+          </a:solidFill>
+          <a:ln>
+            <a:solidFill>
+              <a:srgbClr val="000000">
+                <a:alpha val="80000"/>
+              </a:srgbClr>
+            </a:solidFill>
+          </a:ln>
+        </p:spPr>
+        <p:style>
+          <a:lnRef idx="2">
+            <a:schemeClr val="accent1">
+              <a:shade val="50000"/>
+            </a:schemeClr>
+          </a:lnRef>
+          <a:fillRef idx="1">
+            <a:schemeClr val="accent1"/>
+          </a:fillRef>
+          <a:effectRef idx="0">
+            <a:schemeClr val="accent1"/>
+          </a:effectRef>
+          <a:fontRef idx="minor">
+            <a:schemeClr val="lt1"/>
+          </a:fontRef>
+        </p:style>
+        <p:txBody>
+          <a:bodyPr rtlCol="0" anchor="ctr"/>
+          <a:lstStyle/>
+          <a:p>
+            <a:pPr algn="ctr"/>
+            <a:r>
+              <a:rPr lang="en-US" altLang="ko-KR" sz="1400" b="1" dirty="0" err="1" smtClean="0">
+                <a:solidFill>
+                  <a:schemeClr val="tx1"/>
+                </a:solidFill>
+                <a:latin typeface="휴먼모음T" pitchFamily="18" charset="-127"/>
+                <a:ea typeface="휴먼모음T" pitchFamily="18" charset="-127"/>
+              </a:rPr>
+              <a:t>WebKit</a:t>
+            </a:r>
+            <a:endParaRPr lang="ko-KR" altLang="en-US" sz="1400" b="1" dirty="0">
+              <a:solidFill>
+                <a:schemeClr val="tx1"/>
+              </a:solidFill>
+              <a:latin typeface="휴먼모음T" pitchFamily="18" charset="-127"/>
+              <a:ea typeface="휴먼모음T" pitchFamily="18" charset="-127"/>
+            </a:endParaRPr>
+          </a:p>
+        </p:txBody>
+      </p:sp>
+      <p:sp>
+        <p:nvSpPr>
+          <p:cNvPr id="28" name="모서리가 둥근 직사각형 27"/>
+          <p:cNvSpPr/>
+          <p:nvPr/>
+        </p:nvSpPr>
+        <p:spPr>
+          <a:xfrm>
+            <a:off x="2699792" y="4112476"/>
+            <a:ext cx="1584176" cy="441065"/>
+          </a:xfrm>
+          <a:prstGeom prst="roundRect">
+            <a:avLst/>
+          </a:prstGeom>
+          <a:solidFill>
+            <a:schemeClr val="bg1"/>
+          </a:solidFill>
+          <a:ln>
+            <a:solidFill>
+              <a:srgbClr val="000000">
+                <a:alpha val="80000"/>
+              </a:srgbClr>
+            </a:solidFill>
+          </a:ln>
+        </p:spPr>
+        <p:style>
+          <a:lnRef idx="2">
+            <a:schemeClr val="accent1">
+              <a:shade val="50000"/>
+            </a:schemeClr>
+          </a:lnRef>
+          <a:fillRef idx="1">
+            <a:schemeClr val="accent1"/>
+          </a:fillRef>
+          <a:effectRef idx="0">
+            <a:schemeClr val="accent1"/>
+          </a:effectRef>
+          <a:fontRef idx="minor">
+            <a:schemeClr val="lt1"/>
+          </a:fontRef>
+        </p:style>
+        <p:txBody>
+          <a:bodyPr rtlCol="0" anchor="ctr"/>
+          <a:lstStyle/>
+          <a:p>
+            <a:pPr algn="ctr"/>
+            <a:r>
+              <a:rPr lang="en-US" altLang="ko-KR" sz="1400" b="1" dirty="0" smtClean="0">
+                <a:solidFill>
+                  <a:schemeClr val="tx1"/>
+                </a:solidFill>
+                <a:latin typeface="휴먼모음T" pitchFamily="18" charset="-127"/>
+                <a:ea typeface="휴먼모음T" pitchFamily="18" charset="-127"/>
+              </a:rPr>
+              <a:t>SQLite</a:t>
+            </a:r>
+            <a:endParaRPr lang="ko-KR" altLang="en-US" sz="1400" b="1" dirty="0">
+              <a:solidFill>
+                <a:schemeClr val="tx1"/>
+              </a:solidFill>
+              <a:latin typeface="휴먼모음T" pitchFamily="18" charset="-127"/>
+              <a:ea typeface="휴먼모음T" pitchFamily="18" charset="-127"/>
+            </a:endParaRPr>
+          </a:p>
+        </p:txBody>
+      </p:sp>
+      <p:sp>
+        <p:nvSpPr>
+          <p:cNvPr id="29" name="모서리가 둥근 직사각형 28"/>
+          <p:cNvSpPr/>
+          <p:nvPr/>
+        </p:nvSpPr>
+        <p:spPr>
+          <a:xfrm>
+            <a:off x="2699792" y="4657471"/>
+            <a:ext cx="1584176" cy="441065"/>
+          </a:xfrm>
+          <a:prstGeom prst="roundRect">
+            <a:avLst/>
+          </a:prstGeom>
+          <a:solidFill>
+            <a:schemeClr val="bg1"/>
+          </a:solidFill>
+          <a:ln>
+            <a:solidFill>
+              <a:srgbClr val="000000">
+                <a:alpha val="80000"/>
+              </a:srgbClr>
+            </a:solidFill>
+          </a:ln>
+        </p:spPr>
+        <p:style>
+          <a:lnRef idx="2">
+            <a:schemeClr val="accent1">
+              <a:shade val="50000"/>
+            </a:schemeClr>
+          </a:lnRef>
+          <a:fillRef idx="1">
+            <a:schemeClr val="accent1"/>
+          </a:fillRef>
+          <a:effectRef idx="0">
+            <a:schemeClr val="accent1"/>
+          </a:effectRef>
+          <a:fontRef idx="minor">
+            <a:schemeClr val="lt1"/>
+          </a:fontRef>
+        </p:style>
+        <p:txBody>
+          <a:bodyPr rtlCol="0" anchor="ctr"/>
+          <a:lstStyle/>
+          <a:p>
+            <a:pPr algn="ctr"/>
+            <a:r>
+              <a:rPr lang="en-US" altLang="ko-KR" sz="1400" b="1" dirty="0" smtClean="0">
+                <a:solidFill>
+                  <a:schemeClr val="tx1"/>
+                </a:solidFill>
+                <a:latin typeface="휴먼모음T" pitchFamily="18" charset="-127"/>
+                <a:ea typeface="휴먼모음T" pitchFamily="18" charset="-127"/>
+              </a:rPr>
+              <a:t>SSL</a:t>
+            </a:r>
+            <a:endParaRPr lang="ko-KR" altLang="en-US" sz="1400" b="1" dirty="0">
+              <a:solidFill>
+                <a:schemeClr val="tx1"/>
+              </a:solidFill>
+              <a:latin typeface="휴먼모음T" pitchFamily="18" charset="-127"/>
+              <a:ea typeface="휴먼모음T" pitchFamily="18" charset="-127"/>
+            </a:endParaRPr>
+          </a:p>
+        </p:txBody>
+      </p:sp>
+      <p:sp>
+        <p:nvSpPr>
+          <p:cNvPr id="32" name="TextBox 31"/>
+          <p:cNvSpPr txBox="1"/>
+          <p:nvPr/>
+        </p:nvSpPr>
+        <p:spPr>
+          <a:xfrm>
+            <a:off x="4532580" y="4325647"/>
+            <a:ext cx="410690" cy="369332"/>
+          </a:xfrm>
+          <a:prstGeom prst="rect">
+            <a:avLst/>
+          </a:prstGeom>
+          <a:noFill/>
+        </p:spPr>
+        <p:txBody>
+          <a:bodyPr wrap="none" rtlCol="0">
+            <a:spAutoFit/>
+          </a:bodyPr>
+          <a:lstStyle/>
+          <a:p>
+            <a:r>
+              <a:rPr lang="en-US" altLang="ko-KR" sz="1800" b="1" dirty="0" smtClean="0">
+                <a:latin typeface="휴먼모음T" pitchFamily="18" charset="-127"/>
+                <a:ea typeface="휴먼모음T" pitchFamily="18" charset="-127"/>
+              </a:rPr>
+              <a:t>…</a:t>
+            </a:r>
+            <a:endParaRPr lang="ko-KR" altLang="en-US" sz="1800" b="1" dirty="0">
+              <a:latin typeface="휴먼모음T" pitchFamily="18" charset="-127"/>
+              <a:ea typeface="휴먼모음T" pitchFamily="18" charset="-127"/>
+            </a:endParaRPr>
+          </a:p>
+        </p:txBody>
+      </p:sp>
+      <p:sp>
+        <p:nvSpPr>
+          <p:cNvPr id="33" name="내용 개체 틀 2"/>
+          <p:cNvSpPr>
+            <a:spLocks noGrp="1"/>
+          </p:cNvSpPr>
+          <p:nvPr>
+            <p:ph idx="1"/>
+          </p:nvPr>
+        </p:nvSpPr>
+        <p:spPr>
+          <a:xfrm>
+            <a:off x="857200" y="1286654"/>
+            <a:ext cx="7315200" cy="640317"/>
+          </a:xfrm>
+        </p:spPr>
+        <p:txBody>
+          <a:bodyPr/>
+          <a:lstStyle/>
+          <a:p>
+            <a:pPr marL="571500" indent="-514350">
+              <a:buFont typeface="+mj-lt"/>
+              <a:buAutoNum type="alphaUcPeriod" startAt="2"/>
+            </a:pPr>
+            <a:r>
+              <a:rPr lang="en-US" altLang="ko-KR" dirty="0" smtClean="0">
+                <a:solidFill>
+                  <a:srgbClr val="000000"/>
+                </a:solidFill>
+                <a:latin typeface="HY동녘M" pitchFamily="18" charset="-127"/>
+                <a:ea typeface="HY동녘M" pitchFamily="18" charset="-127"/>
+              </a:rPr>
+              <a:t>Android </a:t>
+            </a:r>
+            <a:r>
+              <a:rPr lang="ko-KR" altLang="en-US" dirty="0" smtClean="0">
+                <a:solidFill>
+                  <a:srgbClr val="000000"/>
+                </a:solidFill>
+                <a:latin typeface="HY동녘M" pitchFamily="18" charset="-127"/>
+                <a:ea typeface="HY동녘M" pitchFamily="18" charset="-127"/>
+              </a:rPr>
+              <a:t>구조</a:t>
+            </a:r>
+            <a:endParaRPr lang="en-US" altLang="ko-KR" dirty="0" smtClean="0">
+              <a:solidFill>
+                <a:srgbClr val="000000"/>
+              </a:solidFill>
+              <a:latin typeface="HY동녘M" pitchFamily="18" charset="-127"/>
+              <a:ea typeface="HY동녘M" pitchFamily="18" charset="-127"/>
+            </a:endParaRPr>
+          </a:p>
+          <a:p>
+            <a:pPr marL="57150" indent="0">
+              <a:buNone/>
+            </a:pPr>
+            <a:endParaRPr lang="en-US" altLang="ko-KR" sz="1800" dirty="0" smtClean="0">
+              <a:solidFill>
+                <a:srgbClr val="000000"/>
+              </a:solidFill>
+              <a:latin typeface="HY동녘M" pitchFamily="18" charset="-127"/>
+              <a:ea typeface="HY동녘M" pitchFamily="18" charset="-127"/>
+            </a:endParaRPr>
+          </a:p>
+        </p:txBody>
+      </p:sp>
+      <p:sp>
+        <p:nvSpPr>
+          <p:cNvPr id="34" name="모서리가 둥근 직사각형 33"/>
+          <p:cNvSpPr/>
+          <p:nvPr/>
+        </p:nvSpPr>
+        <p:spPr>
+          <a:xfrm>
+            <a:off x="2699792" y="5559637"/>
+            <a:ext cx="1584176" cy="441065"/>
+          </a:xfrm>
+          <a:prstGeom prst="roundRect">
+            <a:avLst/>
+          </a:prstGeom>
+          <a:solidFill>
+            <a:srgbClr val="00B0F0">
+              <a:alpha val="55000"/>
+            </a:srgbClr>
+          </a:solidFill>
+          <a:ln/>
+        </p:spPr>
+        <p:style>
+          <a:lnRef idx="0">
+            <a:schemeClr val="accent2"/>
+          </a:lnRef>
+          <a:fillRef idx="3">
+            <a:schemeClr val="accent2"/>
+          </a:fillRef>
+          <a:effectRef idx="3">
+            <a:schemeClr val="accent2"/>
+          </a:effectRef>
+          <a:fontRef idx="minor">
+            <a:schemeClr val="lt1"/>
+          </a:fontRef>
+        </p:style>
+        <p:txBody>
+          <a:bodyPr rtlCol="0" anchor="ctr"/>
+          <a:lstStyle/>
+          <a:p>
+            <a:pPr algn="ctr"/>
+            <a:r>
+              <a:rPr lang="en-US" altLang="ko-KR" sz="1400" b="1" dirty="0" smtClean="0">
+                <a:solidFill>
+                  <a:schemeClr val="tx1"/>
+                </a:solidFill>
+                <a:latin typeface="휴먼모음T" pitchFamily="18" charset="-127"/>
+                <a:ea typeface="휴먼모음T" pitchFamily="18" charset="-127"/>
               </a:rPr>
               <a:t>VHCI Driver</a:t>
             </a:r>
+            <a:endParaRPr lang="ko-KR" altLang="en-US" sz="1400" b="1" dirty="0">
+              <a:solidFill>
+                <a:schemeClr val="tx1"/>
+              </a:solidFill>
+              <a:latin typeface="휴먼모음T" pitchFamily="18" charset="-127"/>
+              <a:ea typeface="휴먼모음T" pitchFamily="18" charset="-127"/>
+            </a:endParaRPr>
           </a:p>
         </p:txBody>
       </p:sp>
     </p:spTree>
     <p:extLst>
       <p:ext uri="{BB962C8B-B14F-4D97-AF65-F5344CB8AC3E}">
-        <p14:creationId xmlns:p14="http://schemas.microsoft.com/office/powerpoint/2010/main" val="3432685775"/>
+        <p14:creationId xmlns:p14="http://schemas.microsoft.com/office/powerpoint/2010/main" val="1984401986"/>
       </p:ext>
     </p:extLst>
   </p:cSld>
@@ -7248,7 +7289,7 @@
         <p:spPr>
           <a:xfrm>
             <a:off x="4583812" y="2247255"/>
-            <a:ext cx="0" cy="3630017"/>
+            <a:ext cx="0" cy="3125961"/>
           </a:xfrm>
           <a:prstGeom prst="line">
             <a:avLst/>
@@ -10250,17 +10291,7 @@
                 <a:latin typeface="HY견고딕" pitchFamily="18" charset="-127"/>
                 <a:ea typeface="HY견고딕" pitchFamily="18" charset="-127"/>
               </a:rPr>
-              <a:t> </a:t>
-            </a:r>
-            <a:r>
-              <a:rPr lang="ko-KR" altLang="en-US" sz="2000" dirty="0" smtClean="0">
-                <a:solidFill>
-                  <a:srgbClr val="000000"/>
-                </a:solidFill>
-                <a:latin typeface="HY견고딕" pitchFamily="18" charset="-127"/>
-                <a:ea typeface="HY견고딕" pitchFamily="18" charset="-127"/>
-              </a:rPr>
-              <a:t>기존에 </a:t>
+              <a:t> 기존에 </a:t>
             </a:r>
             <a:r>
               <a:rPr lang="en-US" altLang="ko-KR" sz="2000" dirty="0" smtClean="0">
@@ -10369,17 +10400,7 @@
                 <a:latin typeface="HY견고딕" pitchFamily="18" charset="-127"/>
                 <a:ea typeface="HY견고딕" pitchFamily="18" charset="-127"/>
               </a:rPr>
-              <a:t> </a:t>
-            </a:r>
-            <a:r>
-              <a:rPr lang="ko-KR" altLang="en-US" sz="2000" dirty="0" smtClean="0">
-                <a:solidFill>
-                  <a:srgbClr val="000000"/>
-                </a:solidFill>
-                <a:latin typeface="HY견고딕" pitchFamily="18" charset="-127"/>
-                <a:ea typeface="HY견고딕" pitchFamily="18" charset="-127"/>
-              </a:rPr>
-              <a:t>할 수 있는 모든 것이 </a:t>
+              <a:t> 할 수 있는 모든 것이 </a:t>
             </a:r>
             <a:r>
               <a:rPr lang="en-US" altLang="ko-KR" sz="2000" dirty="0" smtClean="0">
@@ -10945,7 +10966,7 @@
                 <a:latin typeface="HY동녘M" pitchFamily="18" charset="-127"/>
                 <a:ea typeface="HY동녘M" pitchFamily="18" charset="-127"/>
               </a:rPr>
-              <a:t>Android </a:t>
+              <a:t>Client-Server </a:t>
             </a:r>
             <a:r>
               <a:rPr lang="ko-KR" altLang="en-US" sz="2400" dirty="0" smtClean="0">
@@ -10971,14 +10992,14 @@
               <a:buAutoNum type="alphaUcPeriod"/>
             </a:pPr>
             <a:r>
-              <a:rPr lang="en-US" altLang="ko-KR" sz="2400" dirty="0" smtClean="0">
+              <a:rPr lang="en-US" altLang="ko-KR" sz="2400" dirty="0">
                 <a:solidFill>
                   <a:srgbClr val="000000"/>
                 </a:solidFill>
                 <a:latin typeface="HY동녘M" pitchFamily="18" charset="-127"/>
                 <a:ea typeface="HY동녘M" pitchFamily="18" charset="-127"/>
               </a:rPr>
-              <a:t>Client-Server </a:t>
+              <a:t>Android </a:t>
             </a:r>
             <a:r>
               <a:rPr lang="ko-KR" altLang="en-US" sz="2400" dirty="0" smtClean="0">
@@ -12277,7 +12298,7 @@
         </p:blipFill>
         <p:spPr>
           <a:xfrm>
-            <a:off x="6516216" y="2620764"/>
+            <a:off x="6516216" y="3052812"/>
             <a:ext cx="2136330" cy="2838142"/>
           </a:xfrm>
           <a:prstGeom prst="rect">
@@ -12307,7 +12328,7 @@
         </p:blipFill>
         <p:spPr>
           <a:xfrm>
-            <a:off x="3275856" y="2620764"/>
+            <a:off x="3275856" y="3052812"/>
             <a:ext cx="2915771" cy="2896468"/>
           </a:xfrm>
           <a:prstGeom prst="rect">
@@ -12383,7 +12404,62 @@
               </a:rPr>
               <a:t>USB</a:t>
             </a:r>
-            <a:endParaRPr lang="ko-KR" altLang="ko-KR" sz="2800" dirty="0">
+          </a:p>
+          <a:p>
+            <a:pPr marL="57150" indent="0">
+              <a:buNone/>
+            </a:pPr>
+            <a:r>
+              <a:rPr lang="en-US" altLang="ko-KR" sz="2400" dirty="0">
+                <a:solidFill>
+                  <a:srgbClr val="000000"/>
+                </a:solidFill>
+                <a:latin typeface="HY동녘M" pitchFamily="18" charset="-127"/>
+                <a:ea typeface="HY동녘M" pitchFamily="18" charset="-127"/>
+              </a:rPr>
+              <a:t> </a:t>
+            </a:r>
+            <a:r>
+              <a:rPr lang="en-US" altLang="ko-KR" sz="2400" dirty="0" smtClean="0">
+                <a:solidFill>
+                  <a:srgbClr val="000000"/>
+                </a:solidFill>
+                <a:latin typeface="HY동녘M" pitchFamily="18" charset="-127"/>
+                <a:ea typeface="HY동녘M" pitchFamily="18" charset="-127"/>
+              </a:rPr>
+              <a:t>    - </a:t>
+            </a:r>
+            <a:r>
+              <a:rPr lang="ko-KR" altLang="en-US" sz="2400" dirty="0" smtClean="0">
+                <a:solidFill>
+                  <a:srgbClr val="000000"/>
+                </a:solidFill>
+                <a:latin typeface="HY동녘M" pitchFamily="18" charset="-127"/>
+                <a:ea typeface="HY동녘M" pitchFamily="18" charset="-127"/>
+              </a:rPr>
+              <a:t>다양한 </a:t>
+            </a:r>
+            <a:r>
+              <a:rPr lang="en-US" altLang="ko-KR" sz="2400" dirty="0" smtClean="0">
+                <a:solidFill>
+                  <a:srgbClr val="000000"/>
+                </a:solidFill>
+                <a:latin typeface="HY동녘M" pitchFamily="18" charset="-127"/>
+                <a:ea typeface="HY동녘M" pitchFamily="18" charset="-127"/>
+              </a:rPr>
+              <a:t>USB</a:t>
+            </a:r>
+            <a:r>
+              <a:rPr lang="ko-KR" altLang="en-US" sz="2400" dirty="0" smtClean="0">
+                <a:solidFill>
+                  <a:srgbClr val="000000"/>
+                </a:solidFill>
+                <a:latin typeface="HY동녘M" pitchFamily="18" charset="-127"/>
+                <a:ea typeface="HY동녘M" pitchFamily="18" charset="-127"/>
+              </a:rPr>
+              <a:t>장치들</a:t>
+            </a:r>
+            <a:endParaRPr lang="ko-KR" altLang="ko-KR" sz="2400" dirty="0">
               <a:solidFill>
                 <a:srgbClr val="000000"/>
               </a:solidFill>
@@ -12401,7 +12477,7 @@
         </p:nvSpPr>
         <p:spPr>
           <a:xfrm>
-            <a:off x="607171" y="2308810"/>
+            <a:off x="607171" y="2740858"/>
             <a:ext cx="2379177" cy="400110"/>
           </a:xfrm>
           <a:prstGeom prst="rect">
@@ -12435,7 +12511,7 @@
         </p:nvSpPr>
         <p:spPr>
           <a:xfrm>
-            <a:off x="3880989" y="2236802"/>
+            <a:off x="3880989" y="2668850"/>
             <a:ext cx="1483099" cy="400110"/>
           </a:xfrm>
           <a:prstGeom prst="rect">
@@ -12483,7 +12559,7 @@
         </p:blipFill>
         <p:spPr>
           <a:xfrm>
-            <a:off x="203673" y="3220168"/>
+            <a:off x="203673" y="3553493"/>
             <a:ext cx="2599906" cy="1747715"/>
           </a:xfrm>
           <a:prstGeom prst="rect">
@@ -12499,7 +12575,7 @@
         </p:nvSpPr>
         <p:spPr>
           <a:xfrm>
-            <a:off x="6833317" y="2189147"/>
+            <a:off x="6833317" y="2621195"/>
             <a:ext cx="1483099" cy="400110"/>
           </a:xfrm>
           <a:prstGeom prst="rect">
@@ -12630,13 +12706,6 @@
               </a:rPr>
               <a:t>USB</a:t>
             </a:r>
-            <a:endParaRPr lang="ko-KR" altLang="ko-KR" sz="2800" dirty="0">
-              <a:solidFill>
-                <a:srgbClr val="000000"/>
-              </a:solidFill>
-              <a:latin typeface="HY동녘M" pitchFamily="18" charset="-127"/>
-              <a:ea typeface="HY동녘M" pitchFamily="18" charset="-127"/>
-            </a:endParaRPr>
           </a:p>
         </p:txBody>
       </p:sp>
@@ -12663,8 +12732,8 @@
         </p:blipFill>
         <p:spPr bwMode="auto">
           <a:xfrm>
-            <a:off x="5768099" y="4185084"/>
-            <a:ext cx="1700989" cy="1700989"/>
+            <a:off x="5768098" y="4147500"/>
+            <a:ext cx="1540205" cy="1540205"/>
           </a:xfrm>
           <a:prstGeom prst="rect">
             <a:avLst/>
@@ -12704,8 +12773,8 @@
         </p:blipFill>
         <p:spPr bwMode="auto">
           <a:xfrm>
-            <a:off x="5796136" y="2124838"/>
-            <a:ext cx="1728192" cy="1728192"/>
+            <a:off x="5796136" y="2420888"/>
+            <a:ext cx="1512168" cy="1512168"/>
           </a:xfrm>
           <a:prstGeom prst="rect">
             <a:avLst/>
@@ -12730,7 +12799,7 @@
         </p:nvSpPr>
         <p:spPr>
           <a:xfrm>
-            <a:off x="3563888" y="3109981"/>
+            <a:off x="3563888" y="3317204"/>
             <a:ext cx="1584176" cy="1687171"/>
           </a:xfrm>
           <a:prstGeom prst="mathPlus">
@@ -12799,8 +12868,8 @@
         </p:blipFill>
         <p:spPr bwMode="auto">
           <a:xfrm>
-            <a:off x="1259632" y="2397141"/>
-            <a:ext cx="1875531" cy="3112850"/>
+            <a:off x="1835696" y="2726634"/>
+            <a:ext cx="1728192" cy="2868309"/>
           </a:xfrm>
           <a:prstGeom prst="rect">
             <a:avLst/>
@@ -12863,7 +12932,7 @@
         <p:spPr>
           <a:xfrm>
             <a:off x="4583812" y="1403631"/>
-            <a:ext cx="0" cy="4789402"/>
+            <a:ext cx="0" cy="4300207"/>
           </a:xfrm>
           <a:prstGeom prst="line">
             <a:avLst/>
@@ -13141,7 +13210,7 @@
         <p:spPr>
           <a:xfrm>
             <a:off x="1475656" y="4549676"/>
-            <a:ext cx="4463063" cy="2308324"/>
+            <a:ext cx="4463063" cy="2062103"/>
           </a:xfrm>
           <a:prstGeom prst="rect">
             <a:avLst/>
@@ -13165,15 +13234,22 @@
                 <a:latin typeface="HY동녘M" pitchFamily="18" charset="-127"/>
                 <a:ea typeface="HY동녘M" pitchFamily="18" charset="-127"/>
               </a:rPr>
-              <a:t>USB/IP</a:t>
-            </a:r>
+              <a:t>&lt; USB/IP &gt;</a:t>
+            </a:r>
+            <a:endParaRPr lang="en-US" altLang="ko-KR" dirty="0" smtClean="0">
+              <a:solidFill>
+                <a:srgbClr val="000000"/>
+              </a:solidFill>
+              <a:latin typeface="HY동녘M" pitchFamily="18" charset="-127"/>
+              <a:ea typeface="HY동녘M" pitchFamily="18" charset="-127"/>
+            </a:endParaRPr>
           </a:p>
           <a:p>
             <a:pPr marL="57150" indent="0" algn="l">
               <a:buNone/>
             </a:pPr>
             <a:r>
-              <a:rPr lang="ko-KR" altLang="en-US" dirty="0" smtClean="0">
+              <a:rPr lang="ko-KR" altLang="en-US" sz="2000" dirty="0" smtClean="0">
                 <a:solidFill>
                   <a:srgbClr val="000000"/>
                 </a:solidFill>
@@ -13183,7 +13259,7 @@
               <a:t>실제 다른 </a:t>
             </a:r>
             <a:r>
-              <a:rPr lang="en-US" altLang="ko-KR" dirty="0" smtClean="0">
+              <a:rPr lang="en-US" altLang="ko-KR" sz="2000" dirty="0" smtClean="0">
                 <a:solidFill>
                   <a:srgbClr val="000000"/>
                 </a:solidFill>
@@ -13193,7 +13269,7 @@
               <a:t>PC(</a:t>
             </a:r>
             <a:r>
-              <a:rPr lang="ko-KR" altLang="en-US" dirty="0" smtClean="0">
+              <a:rPr lang="ko-KR" altLang="en-US" sz="2000" dirty="0" smtClean="0">
                 <a:solidFill>
                   <a:srgbClr val="000000"/>
                 </a:solidFill>
@@ -13203,7 +13279,7 @@
               <a:t>서버</a:t>
             </a:r>
             <a:r>
-              <a:rPr lang="en-US" altLang="ko-KR" dirty="0" smtClean="0">
+              <a:rPr lang="en-US" altLang="ko-KR" sz="2000" dirty="0" smtClean="0">
                 <a:solidFill>
                   <a:srgbClr val="000000"/>
                 </a:solidFill>
@@ -13213,7 +13289,7 @@
               <a:t>)</a:t>
             </a:r>
             <a:r>
-              <a:rPr lang="ko-KR" altLang="en-US" dirty="0" smtClean="0">
+              <a:rPr lang="ko-KR" altLang="en-US" sz="2000" dirty="0" smtClean="0">
                 <a:solidFill>
                   <a:srgbClr val="000000"/>
                 </a:solidFill>
@@ -13228,7 +13304,7 @@
               <a:buNone/>
             </a:pPr>
             <a:r>
-              <a:rPr lang="ko-KR" altLang="en-US" dirty="0" smtClean="0">
+              <a:rPr lang="ko-KR" altLang="en-US" sz="2000" dirty="0" smtClean="0">
                 <a:solidFill>
                   <a:srgbClr val="000000"/>
                 </a:solidFill>
@@ -13238,7 +13314,7 @@
               <a:t>연결된 </a:t>
             </a:r>
             <a:r>
-              <a:rPr lang="en-US" altLang="ko-KR" dirty="0" smtClean="0">
+              <a:rPr lang="en-US" altLang="ko-KR" sz="2000" dirty="0" smtClean="0">
                 <a:solidFill>
                   <a:srgbClr val="000000"/>
                 </a:solidFill>
@@ -13248,7 +13324,7 @@
               <a:t>USB</a:t>
             </a:r>
             <a:r>
-              <a:rPr lang="ko-KR" altLang="en-US" dirty="0" smtClean="0">
+              <a:rPr lang="ko-KR" altLang="en-US" sz="2000" dirty="0" smtClean="0">
                 <a:solidFill>
                   <a:srgbClr val="000000"/>
                 </a:solidFill>
@@ -13263,7 +13339,7 @@
               <a:buNone/>
             </a:pPr>
             <a:r>
-              <a:rPr lang="en-US" altLang="ko-KR" dirty="0" smtClean="0">
+              <a:rPr lang="en-US" altLang="ko-KR" sz="2000" dirty="0" smtClean="0">
                 <a:solidFill>
                   <a:srgbClr val="000000"/>
                 </a:solidFill>
@@ -13273,7 +13349,7 @@
               <a:t>USB/IP </a:t>
             </a:r>
             <a:r>
-              <a:rPr lang="ko-KR" altLang="en-US" dirty="0" smtClean="0">
+              <a:rPr lang="ko-KR" altLang="en-US" sz="2000" dirty="0" smtClean="0">
                 <a:solidFill>
                   <a:srgbClr val="000000"/>
                 </a:solidFill>
@@ -13288,7 +13364,7 @@
               <a:buNone/>
             </a:pPr>
             <a:r>
-              <a:rPr lang="ko-KR" altLang="en-US" dirty="0" smtClean="0">
+              <a:rPr lang="ko-KR" altLang="en-US" sz="2000" dirty="0" smtClean="0">
                 <a:solidFill>
                   <a:srgbClr val="000000"/>
                 </a:solidFill>
@@ -13298,7 +13374,7 @@
               <a:t>직접 연결된 것 </a:t>
             </a:r>
             <a:r>
-              <a:rPr lang="ko-KR" altLang="en-US" dirty="0" err="1" smtClean="0">
+              <a:rPr lang="ko-KR" altLang="en-US" sz="2000" dirty="0" err="1" smtClean="0">
                 <a:solidFill>
                   <a:srgbClr val="000000"/>
                 </a:solidFill>
@@ -13308,7 +13384,7 @@
               <a:t>처럼</a:t>
             </a:r>
             <a:r>
-              <a:rPr lang="ko-KR" altLang="en-US" dirty="0" smtClean="0">
+              <a:rPr lang="ko-KR" altLang="en-US" sz="2000" dirty="0" smtClean="0">
                 <a:solidFill>
                   <a:srgbClr val="000000"/>
                 </a:solidFill>
@@ -13338,7 +13414,7 @@
         </p:nvGrpSpPr>
         <p:grpSpPr>
           <a:xfrm>
-            <a:off x="3563888" y="2422496"/>
+            <a:off x="3563888" y="2348880"/>
             <a:ext cx="2560089" cy="1222528"/>
             <a:chOff x="3511961" y="3632546"/>
             <a:chExt cx="1935780" cy="936104"/>

--- a/Documents/presentation doc/proposal_presentation.pptx
+++ b/Documents/presentation doc/proposal_presentation.pptx
@@ -5,28 +5,26 @@
     <p:sldMasterId id="2147483648" r:id="rId1"/>
   </p:sldMasterIdLst>
   <p:notesMasterIdLst>
-    <p:notesMasterId r:id="rId21"/>
+    <p:notesMasterId r:id="rId19"/>
   </p:notesMasterIdLst>
   <p:sldIdLst>
     <p:sldId id="256" r:id="rId2"/>
     <p:sldId id="281" r:id="rId3"/>
-    <p:sldId id="282" r:id="rId4"/>
-    <p:sldId id="283" r:id="rId5"/>
-    <p:sldId id="284" r:id="rId6"/>
-    <p:sldId id="285" r:id="rId7"/>
-    <p:sldId id="286" r:id="rId8"/>
-    <p:sldId id="293" r:id="rId9"/>
-    <p:sldId id="287" r:id="rId10"/>
-    <p:sldId id="294" r:id="rId11"/>
-    <p:sldId id="299" r:id="rId12"/>
-    <p:sldId id="300" r:id="rId13"/>
-    <p:sldId id="292" r:id="rId14"/>
-    <p:sldId id="295" r:id="rId15"/>
-    <p:sldId id="298" r:id="rId16"/>
-    <p:sldId id="296" r:id="rId17"/>
-    <p:sldId id="297" r:id="rId18"/>
-    <p:sldId id="301" r:id="rId19"/>
-    <p:sldId id="279" r:id="rId20"/>
+    <p:sldId id="302" r:id="rId4"/>
+    <p:sldId id="303" r:id="rId5"/>
+    <p:sldId id="285" r:id="rId6"/>
+    <p:sldId id="286" r:id="rId7"/>
+    <p:sldId id="293" r:id="rId8"/>
+    <p:sldId id="287" r:id="rId9"/>
+    <p:sldId id="294" r:id="rId10"/>
+    <p:sldId id="299" r:id="rId11"/>
+    <p:sldId id="292" r:id="rId12"/>
+    <p:sldId id="295" r:id="rId13"/>
+    <p:sldId id="298" r:id="rId14"/>
+    <p:sldId id="296" r:id="rId15"/>
+    <p:sldId id="297" r:id="rId16"/>
+    <p:sldId id="301" r:id="rId17"/>
+    <p:sldId id="279" r:id="rId18"/>
   </p:sldIdLst>
   <p:sldSz cx="9144000" cy="6858000" type="screen4x3"/>
   <p:notesSz cx="6858000" cy="9144000"/>
@@ -156,6 +154,344 @@
     </a:lvl9pPr>
   </p:defaultTextStyle>
 </p:presentation>
+</file>
+
+<file path=ppt/charts/chart1.xml><?xml version="1.0" encoding="utf-8"?>
+<c:chartSpace xmlns:c="http://schemas.openxmlformats.org/drawingml/2006/chart" xmlns:a="http://schemas.openxmlformats.org/drawingml/2006/main" xmlns:r="http://schemas.openxmlformats.org/officeDocument/2006/relationships">
+  <c:date1904 val="0"/>
+  <c:lang val="ko-KR"/>
+  <c:roundedCorners val="0"/>
+  <mc:AlternateContent xmlns:mc="http://schemas.openxmlformats.org/markup-compatibility/2006">
+    <mc:Choice xmlns:c14="http://schemas.microsoft.com/office/drawing/2007/8/2/chart" Requires="c14">
+      <c14:style val="127"/>
+    </mc:Choice>
+    <mc:Fallback>
+      <c:style val="27"/>
+    </mc:Fallback>
+  </mc:AlternateContent>
+  <c:chart>
+    <c:autoTitleDeleted val="1"/>
+    <c:plotArea>
+      <c:layout>
+        <c:manualLayout>
+          <c:layoutTarget val="inner"/>
+          <c:xMode val="edge"/>
+          <c:yMode val="edge"/>
+          <c:x val="0.13756541418769563"/>
+          <c:y val="0.31142121774829251"/>
+          <c:w val="0.82290353753797463"/>
+          <c:h val="0.56776310568666977"/>
+        </c:manualLayout>
+      </c:layout>
+      <c:barChart>
+        <c:barDir val="col"/>
+        <c:grouping val="clustered"/>
+        <c:varyColors val="0"/>
+        <c:ser>
+          <c:idx val="0"/>
+          <c:order val="0"/>
+          <c:tx>
+            <c:strRef>
+              <c:f>Sheet1!$B$1</c:f>
+              <c:strCache>
+                <c:ptCount val="1"/>
+                <c:pt idx="0">
+                  <c:v>[만 10 ~ 49세]
+스마트폰 주 용도(%)
+</c:v>
+                </c:pt>
+              </c:strCache>
+            </c:strRef>
+          </c:tx>
+          <c:invertIfNegative val="0"/>
+          <c:cat>
+            <c:strRef>
+              <c:f>Sheet1!$A$2:$A$6</c:f>
+              <c:strCache>
+                <c:ptCount val="5"/>
+                <c:pt idx="0">
+                  <c:v>메신저</c:v>
+                </c:pt>
+                <c:pt idx="1">
+                  <c:v>뉴스</c:v>
+                </c:pt>
+                <c:pt idx="2">
+                  <c:v>음악</c:v>
+                </c:pt>
+                <c:pt idx="3">
+                  <c:v>웹서핑</c:v>
+                </c:pt>
+                <c:pt idx="4">
+                  <c:v>기타</c:v>
+                </c:pt>
+              </c:strCache>
+            </c:strRef>
+          </c:cat>
+          <c:val>
+            <c:numRef>
+              <c:f>Sheet1!$B$2:$B$6</c:f>
+              <c:numCache>
+                <c:formatCode>G/표준</c:formatCode>
+                <c:ptCount val="5"/>
+                <c:pt idx="0">
+                  <c:v>64</c:v>
+                </c:pt>
+                <c:pt idx="1">
+                  <c:v>40</c:v>
+                </c:pt>
+                <c:pt idx="2">
+                  <c:v>37.5</c:v>
+                </c:pt>
+                <c:pt idx="3">
+                  <c:v>28.1</c:v>
+                </c:pt>
+                <c:pt idx="4">
+                  <c:v>22.9</c:v>
+                </c:pt>
+              </c:numCache>
+            </c:numRef>
+          </c:val>
+        </c:ser>
+        <c:dLbls>
+          <c:showLegendKey val="0"/>
+          <c:showVal val="1"/>
+          <c:showCatName val="0"/>
+          <c:showSerName val="0"/>
+          <c:showPercent val="0"/>
+          <c:showBubbleSize val="0"/>
+        </c:dLbls>
+        <c:gapWidth val="75"/>
+        <c:axId val="214499712"/>
+        <c:axId val="214501248"/>
+      </c:barChart>
+      <c:catAx>
+        <c:axId val="214499712"/>
+        <c:scaling>
+          <c:orientation val="minMax"/>
+        </c:scaling>
+        <c:delete val="0"/>
+        <c:axPos val="b"/>
+        <c:majorTickMark val="none"/>
+        <c:minorTickMark val="none"/>
+        <c:tickLblPos val="nextTo"/>
+        <c:crossAx val="214501248"/>
+        <c:crosses val="autoZero"/>
+        <c:auto val="1"/>
+        <c:lblAlgn val="ctr"/>
+        <c:lblOffset val="100"/>
+        <c:noMultiLvlLbl val="0"/>
+      </c:catAx>
+      <c:valAx>
+        <c:axId val="214501248"/>
+        <c:scaling>
+          <c:orientation val="minMax"/>
+          <c:min val="0"/>
+        </c:scaling>
+        <c:delete val="0"/>
+        <c:axPos val="l"/>
+        <c:numFmt formatCode="G/표준" sourceLinked="1"/>
+        <c:majorTickMark val="none"/>
+        <c:minorTickMark val="none"/>
+        <c:tickLblPos val="nextTo"/>
+        <c:crossAx val="214499712"/>
+        <c:crosses val="autoZero"/>
+        <c:crossBetween val="between"/>
+        <c:majorUnit val="20"/>
+      </c:valAx>
+    </c:plotArea>
+    <c:legend>
+      <c:legendPos val="b"/>
+      <c:layout>
+        <c:manualLayout>
+          <c:xMode val="edge"/>
+          <c:yMode val="edge"/>
+          <c:x val="0.18942124246731207"/>
+          <c:y val="3.076324852794134E-2"/>
+          <c:w val="0.68117168015814333"/>
+          <c:h val="0.22344660117129839"/>
+        </c:manualLayout>
+      </c:layout>
+      <c:overlay val="0"/>
+    </c:legend>
+    <c:plotVisOnly val="1"/>
+    <c:dispBlanksAs val="gap"/>
+    <c:showDLblsOverMax val="0"/>
+  </c:chart>
+  <c:txPr>
+    <a:bodyPr/>
+    <a:lstStyle/>
+    <a:p>
+      <a:pPr>
+        <a:defRPr sz="1800"/>
+      </a:pPr>
+      <a:endParaRPr lang="ko-KR"/>
+    </a:p>
+  </c:txPr>
+  <c:externalData r:id="rId1">
+    <c:autoUpdate val="0"/>
+  </c:externalData>
+</c:chartSpace>
+</file>
+
+<file path=ppt/charts/chart2.xml><?xml version="1.0" encoding="utf-8"?>
+<c:chartSpace xmlns:c="http://schemas.openxmlformats.org/drawingml/2006/chart" xmlns:a="http://schemas.openxmlformats.org/drawingml/2006/main" xmlns:r="http://schemas.openxmlformats.org/officeDocument/2006/relationships">
+  <c:date1904 val="0"/>
+  <c:lang val="ko-KR"/>
+  <c:roundedCorners val="0"/>
+  <mc:AlternateContent xmlns:mc="http://schemas.openxmlformats.org/markup-compatibility/2006">
+    <mc:Choice xmlns:c14="http://schemas.microsoft.com/office/drawing/2007/8/2/chart" Requires="c14">
+      <c14:style val="126"/>
+    </mc:Choice>
+    <mc:Fallback>
+      <c:style val="26"/>
+    </mc:Fallback>
+  </mc:AlternateContent>
+  <c:chart>
+    <c:title>
+      <c:layout/>
+      <c:overlay val="0"/>
+    </c:title>
+    <c:autoTitleDeleted val="0"/>
+    <c:plotArea>
+      <c:layout/>
+      <c:lineChart>
+        <c:grouping val="standard"/>
+        <c:varyColors val="0"/>
+        <c:ser>
+          <c:idx val="0"/>
+          <c:order val="0"/>
+          <c:tx>
+            <c:strRef>
+              <c:f>Sheet1!$B$1</c:f>
+              <c:strCache>
+                <c:ptCount val="1"/>
+                <c:pt idx="0">
+                  <c:v>국내 스마트폰
+가입자 수
+(단위=만명)</c:v>
+                </c:pt>
+              </c:strCache>
+            </c:strRef>
+          </c:tx>
+          <c:marker>
+            <c:symbol val="none"/>
+          </c:marker>
+          <c:cat>
+            <c:strRef>
+              <c:f>Sheet1!$A$2:$A$6</c:f>
+              <c:strCache>
+                <c:ptCount val="5"/>
+                <c:pt idx="0">
+                  <c:v>09년 4분기</c:v>
+                </c:pt>
+                <c:pt idx="1">
+                  <c:v>10년 2분기</c:v>
+                </c:pt>
+                <c:pt idx="2">
+                  <c:v>10년 4분기</c:v>
+                </c:pt>
+                <c:pt idx="3">
+                  <c:v>11년 2분기</c:v>
+                </c:pt>
+                <c:pt idx="4">
+                  <c:v>11년 4분기</c:v>
+                </c:pt>
+              </c:strCache>
+            </c:strRef>
+          </c:cat>
+          <c:val>
+            <c:numRef>
+              <c:f>Sheet1!$B$2:$B$6</c:f>
+              <c:numCache>
+                <c:formatCode>G/표준</c:formatCode>
+                <c:ptCount val="5"/>
+                <c:pt idx="0">
+                  <c:v>80</c:v>
+                </c:pt>
+                <c:pt idx="1">
+                  <c:v>247</c:v>
+                </c:pt>
+                <c:pt idx="2">
+                  <c:v>722</c:v>
+                </c:pt>
+                <c:pt idx="3" formatCode="#,##0">
+                  <c:v>1487</c:v>
+                </c:pt>
+                <c:pt idx="4" formatCode="#,##0">
+                  <c:v>2000</c:v>
+                </c:pt>
+              </c:numCache>
+            </c:numRef>
+          </c:val>
+          <c:smooth val="0"/>
+        </c:ser>
+        <c:dLbls>
+          <c:showLegendKey val="0"/>
+          <c:showVal val="0"/>
+          <c:showCatName val="0"/>
+          <c:showSerName val="0"/>
+          <c:showPercent val="0"/>
+          <c:showBubbleSize val="0"/>
+        </c:dLbls>
+        <c:marker val="1"/>
+        <c:smooth val="0"/>
+        <c:axId val="209622528"/>
+        <c:axId val="209624064"/>
+      </c:lineChart>
+      <c:catAx>
+        <c:axId val="209622528"/>
+        <c:scaling>
+          <c:orientation val="minMax"/>
+        </c:scaling>
+        <c:delete val="0"/>
+        <c:axPos val="b"/>
+        <c:majorTickMark val="out"/>
+        <c:minorTickMark val="none"/>
+        <c:tickLblPos val="nextTo"/>
+        <c:crossAx val="209624064"/>
+        <c:crosses val="autoZero"/>
+        <c:auto val="1"/>
+        <c:lblAlgn val="ctr"/>
+        <c:lblOffset val="100"/>
+        <c:noMultiLvlLbl val="0"/>
+      </c:catAx>
+      <c:valAx>
+        <c:axId val="209624064"/>
+        <c:scaling>
+          <c:orientation val="minMax"/>
+          <c:max val="2000"/>
+        </c:scaling>
+        <c:delete val="0"/>
+        <c:axPos val="l"/>
+        <c:majorGridlines/>
+        <c:numFmt formatCode="G/표준" sourceLinked="1"/>
+        <c:majorTickMark val="out"/>
+        <c:minorTickMark val="none"/>
+        <c:tickLblPos val="nextTo"/>
+        <c:crossAx val="209622528"/>
+        <c:crosses val="autoZero"/>
+        <c:crossBetween val="between"/>
+        <c:majorUnit val="500"/>
+      </c:valAx>
+    </c:plotArea>
+    <c:plotVisOnly val="1"/>
+    <c:dispBlanksAs val="gap"/>
+    <c:showDLblsOverMax val="0"/>
+  </c:chart>
+  <c:txPr>
+    <a:bodyPr/>
+    <a:lstStyle/>
+    <a:p>
+      <a:pPr>
+        <a:defRPr sz="1800"/>
+      </a:pPr>
+      <a:endParaRPr lang="ko-KR"/>
+    </a:p>
+  </c:txPr>
+  <c:externalData r:id="rId1">
+    <c:autoUpdate val="0"/>
+  </c:externalData>
+</c:chartSpace>
 </file>
 
 <file path=ppt/notesMasters/notesMaster1.xml><?xml version="1.0" encoding="utf-8"?>
@@ -813,7 +1149,7 @@
           <a:bodyPr/>
           <a:lstStyle/>
           <a:p>
-            <a:endParaRPr lang="ru-RU"/>
+            <a:endParaRPr lang="ru-RU" dirty="0"/>
           </a:p>
         </p:txBody>
       </p:sp>
@@ -891,7 +1227,92 @@
             <a:fld id="{A606312C-0A6A-4281-8CFC-2032C6C14C8F}" type="slidenum">
               <a:rPr lang="en-US" altLang="ko-KR" smtClean="0"/>
               <a:pPr/>
-              <a:t>15</a:t>
+              <a:t>3</a:t>
+            </a:fld>
+            <a:endParaRPr lang="en-US" altLang="ko-KR"/>
+          </a:p>
+        </p:txBody>
+      </p:sp>
+    </p:spTree>
+    <p:extLst>
+      <p:ext uri="{BB962C8B-B14F-4D97-AF65-F5344CB8AC3E}">
+        <p14:creationId xmlns:p14="http://schemas.microsoft.com/office/powerpoint/2010/main" val="483073219"/>
+      </p:ext>
+    </p:extLst>
+  </p:cSld>
+  <p:clrMapOvr>
+    <a:masterClrMapping/>
+  </p:clrMapOvr>
+</p:notes>
+</file>
+
+<file path=ppt/notesSlides/notesSlide3.xml><?xml version="1.0" encoding="utf-8"?>
+<p:notes xmlns:a="http://schemas.openxmlformats.org/drawingml/2006/main" xmlns:r="http://schemas.openxmlformats.org/officeDocument/2006/relationships" xmlns:p="http://schemas.openxmlformats.org/presentationml/2006/main">
+  <p:cSld>
+    <p:spTree>
+      <p:nvGrpSpPr>
+        <p:cNvPr id="1" name=""/>
+        <p:cNvGrpSpPr/>
+        <p:nvPr/>
+      </p:nvGrpSpPr>
+      <p:grpSpPr>
+        <a:xfrm>
+          <a:off x="0" y="0"/>
+          <a:ext cx="0" cy="0"/>
+          <a:chOff x="0" y="0"/>
+          <a:chExt cx="0" cy="0"/>
+        </a:xfrm>
+      </p:grpSpPr>
+      <p:sp>
+        <p:nvSpPr>
+          <p:cNvPr id="2" name="슬라이드 이미지 개체 틀 1"/>
+          <p:cNvSpPr>
+            <a:spLocks noGrp="1" noRot="1" noChangeAspect="1"/>
+          </p:cNvSpPr>
+          <p:nvPr>
+            <p:ph type="sldImg"/>
+          </p:nvPr>
+        </p:nvSpPr>
+        <p:spPr/>
+      </p:sp>
+      <p:sp>
+        <p:nvSpPr>
+          <p:cNvPr id="3" name="슬라이드 노트 개체 틀 2"/>
+          <p:cNvSpPr>
+            <a:spLocks noGrp="1"/>
+          </p:cNvSpPr>
+          <p:nvPr>
+            <p:ph type="body" idx="1"/>
+          </p:nvPr>
+        </p:nvSpPr>
+        <p:spPr/>
+        <p:txBody>
+          <a:bodyPr/>
+          <a:lstStyle/>
+          <a:p>
+            <a:endParaRPr lang="ko-KR" altLang="en-US" dirty="0"/>
+          </a:p>
+        </p:txBody>
+      </p:sp>
+      <p:sp>
+        <p:nvSpPr>
+          <p:cNvPr id="4" name="슬라이드 번호 개체 틀 3"/>
+          <p:cNvSpPr>
+            <a:spLocks noGrp="1"/>
+          </p:cNvSpPr>
+          <p:nvPr>
+            <p:ph type="sldNum" sz="quarter" idx="10"/>
+          </p:nvPr>
+        </p:nvSpPr>
+        <p:spPr/>
+        <p:txBody>
+          <a:bodyPr/>
+          <a:lstStyle/>
+          <a:p>
+            <a:fld id="{A606312C-0A6A-4281-8CFC-2032C6C14C8F}" type="slidenum">
+              <a:rPr lang="en-US" altLang="ko-KR" smtClean="0"/>
+              <a:pPr/>
+              <a:t>13</a:t>
             </a:fld>
             <a:endParaRPr lang="en-US" altLang="ko-KR"/>
           </a:p>
@@ -910,7 +1331,7 @@
 </p:notes>
 </file>
 
-<file path=ppt/notesSlides/notesSlide3.xml><?xml version="1.0" encoding="utf-8"?>
+<file path=ppt/notesSlides/notesSlide4.xml><?xml version="1.0" encoding="utf-8"?>
 <p:notes xmlns:a="http://schemas.openxmlformats.org/drawingml/2006/main" xmlns:r="http://schemas.openxmlformats.org/officeDocument/2006/relationships" xmlns:p="http://schemas.openxmlformats.org/presentationml/2006/main">
   <p:cSld>
     <p:spTree>
@@ -947,7 +1368,7 @@
             <a:fld id="{87BE26EF-242F-437C-914B-BC06521D5FD8}" type="slidenum">
               <a:rPr lang="en-US" altLang="ko-KR"/>
               <a:pPr/>
-              <a:t>19</a:t>
+              <a:t>17</a:t>
             </a:fld>
             <a:endParaRPr lang="en-US" altLang="ko-KR"/>
           </a:p>
@@ -3410,734 +3831,6 @@
           <a:p>
             <a:pPr marL="914400" indent="-914400">
               <a:buFont typeface="+mj-lt"/>
-              <a:buAutoNum type="arabicPeriod"/>
-            </a:pPr>
-            <a:r>
-              <a:rPr lang="ko-KR" altLang="en-US" sz="5400" spc="600" dirty="0" smtClean="0">
-                <a:solidFill>
-                  <a:srgbClr val="000000"/>
-                </a:solidFill>
-                <a:latin typeface="HY동녘M" pitchFamily="18" charset="-127"/>
-                <a:ea typeface="HY동녘M" pitchFamily="18" charset="-127"/>
-              </a:rPr>
-              <a:t>프로젝트 소개</a:t>
-            </a:r>
-            <a:endParaRPr lang="ko-KR" altLang="en-US" sz="5400" dirty="0">
-              <a:solidFill>
-                <a:srgbClr val="000000"/>
-              </a:solidFill>
-              <a:latin typeface="HY동녘M" pitchFamily="18" charset="-127"/>
-              <a:ea typeface="HY동녘M" pitchFamily="18" charset="-127"/>
-            </a:endParaRPr>
-          </a:p>
-        </p:txBody>
-      </p:sp>
-      <p:sp>
-        <p:nvSpPr>
-          <p:cNvPr id="3" name="내용 개체 틀 2"/>
-          <p:cNvSpPr>
-            <a:spLocks noGrp="1"/>
-          </p:cNvSpPr>
-          <p:nvPr>
-            <p:ph idx="1"/>
-          </p:nvPr>
-        </p:nvSpPr>
-        <p:spPr/>
-        <p:txBody>
-          <a:bodyPr/>
-          <a:lstStyle/>
-          <a:p>
-            <a:pPr marL="571500" indent="-514350">
-              <a:buFont typeface="+mj-lt"/>
-              <a:buAutoNum type="alphaUcPeriod" startAt="3"/>
-            </a:pPr>
-            <a:r>
-              <a:rPr lang="en-US" altLang="ko-KR" dirty="0" smtClean="0">
-                <a:solidFill>
-                  <a:srgbClr val="000000"/>
-                </a:solidFill>
-                <a:latin typeface="HY동녘M" pitchFamily="18" charset="-127"/>
-                <a:ea typeface="HY동녘M" pitchFamily="18" charset="-127"/>
-              </a:rPr>
-              <a:t>USB/IP</a:t>
-            </a:r>
-          </a:p>
-          <a:p>
-            <a:pPr marL="57150" indent="0">
-              <a:buNone/>
-            </a:pPr>
-            <a:endParaRPr lang="en-US" altLang="ko-KR" sz="1800" dirty="0" smtClean="0">
-              <a:solidFill>
-                <a:srgbClr val="000000"/>
-              </a:solidFill>
-              <a:latin typeface="HY동녘M" pitchFamily="18" charset="-127"/>
-              <a:ea typeface="HY동녘M" pitchFamily="18" charset="-127"/>
-            </a:endParaRPr>
-          </a:p>
-        </p:txBody>
-      </p:sp>
-      <p:sp>
-        <p:nvSpPr>
-          <p:cNvPr id="4" name="TextBox 3"/>
-          <p:cNvSpPr txBox="1"/>
-          <p:nvPr/>
-        </p:nvSpPr>
-        <p:spPr>
-          <a:xfrm>
-            <a:off x="1259632" y="4437112"/>
-            <a:ext cx="4463063" cy="2369880"/>
-          </a:xfrm>
-          <a:prstGeom prst="rect">
-            <a:avLst/>
-          </a:prstGeom>
-          <a:noFill/>
-        </p:spPr>
-        <p:txBody>
-          <a:bodyPr wrap="square" rtlCol="0">
-            <a:spAutoFit/>
-          </a:bodyPr>
-          <a:lstStyle/>
-          <a:p>
-            <a:pPr marL="57150" indent="0" algn="l">
-              <a:buNone/>
-            </a:pPr>
-            <a:r>
-              <a:rPr lang="en-US" altLang="ko-KR" dirty="0" smtClean="0">
-                <a:solidFill>
-                  <a:srgbClr val="000000"/>
-                </a:solidFill>
-                <a:latin typeface="HY동녘M" pitchFamily="18" charset="-127"/>
-                <a:ea typeface="HY동녘M" pitchFamily="18" charset="-127"/>
-              </a:rPr>
-              <a:t>&lt; android-USB &gt;</a:t>
-            </a:r>
-            <a:endParaRPr lang="en-US" altLang="ko-KR" dirty="0" smtClean="0">
-              <a:solidFill>
-                <a:srgbClr val="000000"/>
-              </a:solidFill>
-              <a:latin typeface="HY동녘M" pitchFamily="18" charset="-127"/>
-              <a:ea typeface="HY동녘M" pitchFamily="18" charset="-127"/>
-            </a:endParaRPr>
-          </a:p>
-          <a:p>
-            <a:pPr marL="57150" indent="0" algn="l">
-              <a:buNone/>
-            </a:pPr>
-            <a:r>
-              <a:rPr lang="en-US" altLang="ko-KR" sz="2000" dirty="0">
-                <a:solidFill>
-                  <a:srgbClr val="000000"/>
-                </a:solidFill>
-                <a:latin typeface="HY동녘M" pitchFamily="18" charset="-127"/>
-                <a:ea typeface="HY동녘M" pitchFamily="18" charset="-127"/>
-              </a:rPr>
-              <a:t> </a:t>
-            </a:r>
-            <a:r>
-              <a:rPr lang="en-US" altLang="ko-KR" sz="2000" dirty="0" smtClean="0">
-                <a:solidFill>
-                  <a:srgbClr val="000000"/>
-                </a:solidFill>
-                <a:latin typeface="HY동녘M" pitchFamily="18" charset="-127"/>
-                <a:ea typeface="HY동녘M" pitchFamily="18" charset="-127"/>
-              </a:rPr>
-              <a:t> </a:t>
-            </a:r>
-            <a:r>
-              <a:rPr lang="ko-KR" altLang="en-US" sz="2000" dirty="0" smtClean="0">
-                <a:solidFill>
-                  <a:srgbClr val="000000"/>
-                </a:solidFill>
-                <a:latin typeface="HY동녘M" pitchFamily="18" charset="-127"/>
-                <a:ea typeface="HY동녘M" pitchFamily="18" charset="-127"/>
-              </a:rPr>
-              <a:t>장치를 </a:t>
-            </a:r>
-            <a:r>
-              <a:rPr lang="ko-KR" altLang="en-US" sz="2000" dirty="0" smtClean="0">
-                <a:solidFill>
-                  <a:srgbClr val="000000"/>
-                </a:solidFill>
-                <a:latin typeface="HY동녘M" pitchFamily="18" charset="-127"/>
-                <a:ea typeface="HY동녘M" pitchFamily="18" charset="-127"/>
-              </a:rPr>
-              <a:t>공유하는 서버부분을</a:t>
-            </a:r>
-          </a:p>
-          <a:p>
-            <a:pPr marL="57150" indent="0" algn="l">
-              <a:buNone/>
-            </a:pPr>
-            <a:r>
-              <a:rPr lang="ko-KR" altLang="en-US" sz="2000" dirty="0" smtClean="0">
-                <a:solidFill>
-                  <a:srgbClr val="000000"/>
-                </a:solidFill>
-                <a:latin typeface="HY동녘M" pitchFamily="18" charset="-127"/>
-                <a:ea typeface="HY동녘M" pitchFamily="18" charset="-127"/>
-              </a:rPr>
-              <a:t>  </a:t>
-            </a:r>
-            <a:r>
-              <a:rPr lang="ko-KR" altLang="en-US" sz="2000" dirty="0" err="1" smtClean="0">
-                <a:solidFill>
-                  <a:srgbClr val="000000"/>
-                </a:solidFill>
-                <a:latin typeface="HY동녘M" pitchFamily="18" charset="-127"/>
-                <a:ea typeface="HY동녘M" pitchFamily="18" charset="-127"/>
-              </a:rPr>
-              <a:t>안드로이드폰에</a:t>
-            </a:r>
-            <a:r>
-              <a:rPr lang="ko-KR" altLang="en-US" sz="2000" dirty="0" smtClean="0">
-                <a:solidFill>
-                  <a:srgbClr val="000000"/>
-                </a:solidFill>
-                <a:latin typeface="HY동녘M" pitchFamily="18" charset="-127"/>
-                <a:ea typeface="HY동녘M" pitchFamily="18" charset="-127"/>
-              </a:rPr>
-              <a:t> </a:t>
-            </a:r>
-            <a:r>
-              <a:rPr lang="ko-KR" altLang="en-US" sz="2000" dirty="0" err="1" smtClean="0">
-                <a:solidFill>
-                  <a:srgbClr val="000000"/>
-                </a:solidFill>
-                <a:latin typeface="HY동녘M" pitchFamily="18" charset="-127"/>
-                <a:ea typeface="HY동녘M" pitchFamily="18" charset="-127"/>
-              </a:rPr>
-              <a:t>포팅</a:t>
-            </a:r>
-            <a:r>
-              <a:rPr lang="en-US" altLang="ko-KR" sz="2000" dirty="0" smtClean="0">
-                <a:solidFill>
-                  <a:srgbClr val="000000"/>
-                </a:solidFill>
-                <a:latin typeface="HY동녘M" pitchFamily="18" charset="-127"/>
-                <a:ea typeface="HY동녘M" pitchFamily="18" charset="-127"/>
-              </a:rPr>
-              <a:t>.</a:t>
-            </a:r>
-          </a:p>
-          <a:p>
-            <a:pPr marL="57150" indent="0" algn="l">
-              <a:buNone/>
-            </a:pPr>
-            <a:r>
-              <a:rPr lang="en-US" altLang="ko-KR" sz="2000" dirty="0" smtClean="0">
-                <a:solidFill>
-                  <a:srgbClr val="000000"/>
-                </a:solidFill>
-                <a:latin typeface="HY동녘M" pitchFamily="18" charset="-127"/>
-                <a:ea typeface="HY동녘M" pitchFamily="18" charset="-127"/>
-              </a:rPr>
-              <a:t>  </a:t>
-            </a:r>
-            <a:r>
-              <a:rPr lang="ko-KR" altLang="en-US" sz="2000" dirty="0" smtClean="0">
-                <a:solidFill>
-                  <a:srgbClr val="000000"/>
-                </a:solidFill>
-                <a:latin typeface="HY동녘M" pitchFamily="18" charset="-127"/>
-                <a:ea typeface="HY동녘M" pitchFamily="18" charset="-127"/>
-              </a:rPr>
-              <a:t>안드로이드의 </a:t>
-            </a:r>
-            <a:r>
-              <a:rPr lang="ko-KR" altLang="en-US" sz="2000" dirty="0" smtClean="0">
-                <a:solidFill>
-                  <a:srgbClr val="000000"/>
-                </a:solidFill>
-                <a:latin typeface="HY동녘M" pitchFamily="18" charset="-127"/>
-                <a:ea typeface="HY동녘M" pitchFamily="18" charset="-127"/>
-              </a:rPr>
-              <a:t>서비스가</a:t>
-            </a:r>
-          </a:p>
-          <a:p>
-            <a:pPr marL="57150" indent="0" algn="l">
-              <a:buNone/>
-            </a:pPr>
-            <a:r>
-              <a:rPr lang="ko-KR" altLang="en-US" sz="2000" dirty="0" smtClean="0">
-                <a:solidFill>
-                  <a:srgbClr val="000000"/>
-                </a:solidFill>
-                <a:latin typeface="HY동녘M" pitchFamily="18" charset="-127"/>
-                <a:ea typeface="HY동녘M" pitchFamily="18" charset="-127"/>
-              </a:rPr>
-              <a:t>  </a:t>
-            </a:r>
-            <a:r>
-              <a:rPr lang="ko-KR" altLang="en-US" sz="2000" dirty="0" smtClean="0">
-                <a:solidFill>
-                  <a:srgbClr val="000000"/>
-                </a:solidFill>
-                <a:latin typeface="HY동녘M" pitchFamily="18" charset="-127"/>
-                <a:ea typeface="HY동녘M" pitchFamily="18" charset="-127"/>
-              </a:rPr>
-              <a:t>클라이언트 </a:t>
-            </a:r>
-            <a:r>
-              <a:rPr lang="en-US" altLang="ko-KR" sz="2000" dirty="0" smtClean="0">
-                <a:solidFill>
-                  <a:srgbClr val="000000"/>
-                </a:solidFill>
-                <a:latin typeface="HY동녘M" pitchFamily="18" charset="-127"/>
-                <a:ea typeface="HY동녘M" pitchFamily="18" charset="-127"/>
-              </a:rPr>
-              <a:t>PC</a:t>
-            </a:r>
-            <a:r>
-              <a:rPr lang="ko-KR" altLang="en-US" sz="2000" dirty="0" smtClean="0">
-                <a:solidFill>
-                  <a:srgbClr val="000000"/>
-                </a:solidFill>
-                <a:latin typeface="HY동녘M" pitchFamily="18" charset="-127"/>
-                <a:ea typeface="HY동녘M" pitchFamily="18" charset="-127"/>
-              </a:rPr>
-              <a:t>에서는</a:t>
-            </a:r>
-          </a:p>
-          <a:p>
-            <a:pPr marL="57150" indent="0" algn="l">
-              <a:buNone/>
-            </a:pPr>
-            <a:r>
-              <a:rPr lang="ko-KR" altLang="en-US" sz="2000" dirty="0" smtClean="0">
-                <a:solidFill>
-                  <a:srgbClr val="000000"/>
-                </a:solidFill>
-                <a:latin typeface="HY동녘M" pitchFamily="18" charset="-127"/>
-                <a:ea typeface="HY동녘M" pitchFamily="18" charset="-127"/>
-              </a:rPr>
-              <a:t>  </a:t>
-            </a:r>
-            <a:r>
-              <a:rPr lang="ko-KR" altLang="en-US" sz="2000" dirty="0" smtClean="0">
-                <a:solidFill>
-                  <a:srgbClr val="000000"/>
-                </a:solidFill>
-                <a:latin typeface="HY동녘M" pitchFamily="18" charset="-127"/>
-                <a:ea typeface="HY동녘M" pitchFamily="18" charset="-127"/>
-              </a:rPr>
-              <a:t>특정 </a:t>
-            </a:r>
-            <a:r>
-              <a:rPr lang="en-US" altLang="ko-KR" sz="2000" dirty="0" smtClean="0">
-                <a:solidFill>
-                  <a:srgbClr val="000000"/>
-                </a:solidFill>
-                <a:latin typeface="HY동녘M" pitchFamily="18" charset="-127"/>
-                <a:ea typeface="HY동녘M" pitchFamily="18" charset="-127"/>
-              </a:rPr>
-              <a:t>USB</a:t>
-            </a:r>
-            <a:r>
-              <a:rPr lang="ko-KR" altLang="en-US" sz="2000" dirty="0" smtClean="0">
-                <a:solidFill>
-                  <a:srgbClr val="000000"/>
-                </a:solidFill>
-                <a:latin typeface="HY동녘M" pitchFamily="18" charset="-127"/>
-                <a:ea typeface="HY동녘M" pitchFamily="18" charset="-127"/>
-              </a:rPr>
-              <a:t>장치처럼 보임</a:t>
-            </a:r>
-            <a:r>
-              <a:rPr lang="en-US" altLang="ko-KR" sz="2000" dirty="0" smtClean="0">
-                <a:solidFill>
-                  <a:srgbClr val="000000"/>
-                </a:solidFill>
-                <a:latin typeface="HY동녘M" pitchFamily="18" charset="-127"/>
-                <a:ea typeface="HY동녘M" pitchFamily="18" charset="-127"/>
-              </a:rPr>
-              <a:t>.</a:t>
-            </a:r>
-          </a:p>
-          <a:p>
-            <a:pPr algn="l"/>
-            <a:endParaRPr lang="ko-KR" altLang="en-US" dirty="0"/>
-          </a:p>
-        </p:txBody>
-      </p:sp>
-      <p:cxnSp>
-        <p:nvCxnSpPr>
-          <p:cNvPr id="15" name="직선 연결선 14"/>
-          <p:cNvCxnSpPr/>
-          <p:nvPr/>
-        </p:nvCxnSpPr>
-        <p:spPr>
-          <a:xfrm>
-            <a:off x="4583812" y="1403631"/>
-            <a:ext cx="0" cy="3408886"/>
-          </a:xfrm>
-          <a:prstGeom prst="line">
-            <a:avLst/>
-          </a:prstGeom>
-          <a:ln w="38100">
-            <a:solidFill>
-              <a:srgbClr val="000000"/>
-            </a:solidFill>
-            <a:prstDash val="dash"/>
-          </a:ln>
-        </p:spPr>
-        <p:style>
-          <a:lnRef idx="1">
-            <a:schemeClr val="accent1"/>
-          </a:lnRef>
-          <a:fillRef idx="0">
-            <a:schemeClr val="accent1"/>
-          </a:fillRef>
-          <a:effectRef idx="0">
-            <a:schemeClr val="accent1"/>
-          </a:effectRef>
-          <a:fontRef idx="minor">
-            <a:schemeClr val="tx1"/>
-          </a:fontRef>
-        </p:style>
-      </p:cxnSp>
-      <p:pic>
-        <p:nvPicPr>
-          <p:cNvPr id="16" name="Picture 2" descr="N:\설계프로젝트\임시저장\제목-없음-1.png"/>
-          <p:cNvPicPr>
-            <a:picLocks noChangeAspect="1" noChangeArrowheads="1"/>
-          </p:cNvPicPr>
-          <p:nvPr/>
-        </p:nvPicPr>
-        <p:blipFill>
-          <a:blip r:embed="rId2">
-            <a:extLst>
-              <a:ext uri="{28A0092B-C50C-407E-A947-70E740481C1C}">
-                <a14:useLocalDpi xmlns:a14="http://schemas.microsoft.com/office/drawing/2010/main" val="0"/>
-              </a:ext>
-            </a:extLst>
-          </a:blip>
-          <a:srcRect/>
-          <a:stretch>
-            <a:fillRect/>
-          </a:stretch>
-        </p:blipFill>
-        <p:spPr bwMode="auto">
-          <a:xfrm>
-            <a:off x="218383" y="1691196"/>
-            <a:ext cx="3813557" cy="3177964"/>
-          </a:xfrm>
-          <a:prstGeom prst="rect">
-            <a:avLst/>
-          </a:prstGeom>
-          <a:noFill/>
-          <a:extLst>
-            <a:ext uri="{909E8E84-426E-40DD-AFC4-6F175D3DCCD1}">
-              <a14:hiddenFill xmlns:a14="http://schemas.microsoft.com/office/drawing/2010/main">
-                <a:solidFill>
-                  <a:srgbClr val="FFFFFF"/>
-                </a:solidFill>
-              </a14:hiddenFill>
-            </a:ext>
-          </a:extLst>
-        </p:spPr>
-      </p:pic>
-      <p:pic>
-        <p:nvPicPr>
-          <p:cNvPr id="17" name="Picture 2" descr="N:\설계프로젝트\임시저장\ㅊㅊ.png"/>
-          <p:cNvPicPr>
-            <a:picLocks noChangeAspect="1" noChangeArrowheads="1"/>
-          </p:cNvPicPr>
-          <p:nvPr/>
-        </p:nvPicPr>
-        <p:blipFill>
-          <a:blip r:embed="rId3">
-            <a:extLst>
-              <a:ext uri="{28A0092B-C50C-407E-A947-70E740481C1C}">
-                <a14:useLocalDpi xmlns:a14="http://schemas.microsoft.com/office/drawing/2010/main" val="0"/>
-              </a:ext>
-            </a:extLst>
-          </a:blip>
-          <a:srcRect/>
-          <a:stretch>
-            <a:fillRect/>
-          </a:stretch>
-        </p:blipFill>
-        <p:spPr bwMode="auto">
-          <a:xfrm rot="16200000">
-            <a:off x="4606344" y="1954498"/>
-            <a:ext cx="1875531" cy="4248472"/>
-          </a:xfrm>
-          <a:prstGeom prst="rect">
-            <a:avLst/>
-          </a:prstGeom>
-          <a:noFill/>
-          <a:extLst>
-            <a:ext uri="{909E8E84-426E-40DD-AFC4-6F175D3DCCD1}">
-              <a14:hiddenFill xmlns:a14="http://schemas.microsoft.com/office/drawing/2010/main">
-                <a:solidFill>
-                  <a:srgbClr val="FFFFFF"/>
-                </a:solidFill>
-              </a14:hiddenFill>
-            </a:ext>
-          </a:extLst>
-        </p:spPr>
-      </p:pic>
-      <p:pic>
-        <p:nvPicPr>
-          <p:cNvPr id="18" name="그림 17"/>
-          <p:cNvPicPr>
-            <a:picLocks noChangeAspect="1"/>
-          </p:cNvPicPr>
-          <p:nvPr/>
-        </p:nvPicPr>
-        <p:blipFill>
-          <a:blip r:embed="rId4">
-            <a:extLst>
-              <a:ext uri="{28A0092B-C50C-407E-A947-70E740481C1C}">
-                <a14:useLocalDpi xmlns:a14="http://schemas.microsoft.com/office/drawing/2010/main" val="0"/>
-              </a:ext>
-            </a:extLst>
-          </a:blip>
-          <a:stretch>
-            <a:fillRect/>
-          </a:stretch>
-        </p:blipFill>
-        <p:spPr>
-          <a:xfrm>
-            <a:off x="6660232" y="1592531"/>
-            <a:ext cx="1700153" cy="3219986"/>
-          </a:xfrm>
-          <a:prstGeom prst="rect">
-            <a:avLst/>
-          </a:prstGeom>
-        </p:spPr>
-      </p:pic>
-      <p:grpSp>
-        <p:nvGrpSpPr>
-          <p:cNvPr id="19" name="그룹 18"/>
-          <p:cNvGrpSpPr/>
-          <p:nvPr/>
-        </p:nvGrpSpPr>
-        <p:grpSpPr>
-          <a:xfrm>
-            <a:off x="3563888" y="2348880"/>
-            <a:ext cx="2560089" cy="1222528"/>
-            <a:chOff x="3511961" y="3632546"/>
-            <a:chExt cx="1935780" cy="936104"/>
-          </a:xfrm>
-        </p:grpSpPr>
-        <p:sp>
-          <p:nvSpPr>
-            <p:cNvPr id="20" name="아래쪽 화살표 19"/>
-            <p:cNvSpPr/>
-            <p:nvPr/>
-          </p:nvSpPr>
-          <p:spPr>
-            <a:xfrm rot="5400000">
-              <a:off x="3921300" y="3223207"/>
-              <a:ext cx="936104" cy="1754782"/>
-            </a:xfrm>
-            <a:prstGeom prst="downArrow">
-              <a:avLst/>
-            </a:prstGeom>
-            <a:solidFill>
-              <a:schemeClr val="bg2"/>
-            </a:solidFill>
-          </p:spPr>
-          <p:style>
-            <a:lnRef idx="2">
-              <a:schemeClr val="accent1">
-                <a:shade val="50000"/>
-              </a:schemeClr>
-            </a:lnRef>
-            <a:fillRef idx="1">
-              <a:schemeClr val="accent1"/>
-            </a:fillRef>
-            <a:effectRef idx="0">
-              <a:schemeClr val="accent1"/>
-            </a:effectRef>
-            <a:fontRef idx="minor">
-              <a:schemeClr val="lt1"/>
-            </a:fontRef>
-          </p:style>
-          <p:txBody>
-            <a:bodyPr rtlCol="0" anchor="ctr"/>
-            <a:lstStyle/>
-            <a:p>
-              <a:pPr algn="ctr"/>
-              <a:endParaRPr lang="ko-KR" altLang="en-US" dirty="0"/>
-            </a:p>
-          </p:txBody>
-        </p:sp>
-        <p:sp>
-          <p:nvSpPr>
-            <p:cNvPr id="21" name="TextBox 20"/>
-            <p:cNvSpPr txBox="1"/>
-            <p:nvPr/>
-          </p:nvSpPr>
-          <p:spPr>
-            <a:xfrm>
-              <a:off x="3512658" y="3869765"/>
-              <a:ext cx="1935083" cy="523220"/>
-            </a:xfrm>
-            <a:prstGeom prst="rect">
-              <a:avLst/>
-            </a:prstGeom>
-            <a:noFill/>
-          </p:spPr>
-          <p:txBody>
-            <a:bodyPr wrap="none" rtlCol="0">
-              <a:spAutoFit/>
-            </a:bodyPr>
-            <a:lstStyle/>
-            <a:p>
-              <a:r>
-                <a:rPr lang="en-US" altLang="ko-KR" sz="2800" dirty="0" smtClean="0">
-                  <a:solidFill>
-                    <a:schemeClr val="tx2">
-                      <a:lumMod val="50000"/>
-                    </a:schemeClr>
-                  </a:solidFill>
-                </a:rPr>
-                <a:t>IP Network</a:t>
-              </a:r>
-              <a:endParaRPr lang="ko-KR" altLang="en-US" sz="2800" dirty="0">
-                <a:solidFill>
-                  <a:schemeClr val="tx2">
-                    <a:lumMod val="50000"/>
-                  </a:schemeClr>
-                </a:solidFill>
-              </a:endParaRPr>
-            </a:p>
-          </p:txBody>
-        </p:sp>
-      </p:grpSp>
-      <p:sp>
-        <p:nvSpPr>
-          <p:cNvPr id="12" name="TextBox 11"/>
-          <p:cNvSpPr txBox="1"/>
-          <p:nvPr/>
-        </p:nvSpPr>
-        <p:spPr>
-          <a:xfrm>
-            <a:off x="1605627" y="2706054"/>
-            <a:ext cx="1039067" cy="461665"/>
-          </a:xfrm>
-          <a:prstGeom prst="rect">
-            <a:avLst/>
-          </a:prstGeom>
-          <a:noFill/>
-        </p:spPr>
-        <p:txBody>
-          <a:bodyPr wrap="none" rtlCol="0">
-            <a:spAutoFit/>
-          </a:bodyPr>
-          <a:lstStyle/>
-          <a:p>
-            <a:r>
-              <a:rPr lang="en-US" altLang="ko-KR" b="1" dirty="0" smtClean="0">
-                <a:solidFill>
-                  <a:schemeClr val="bg1"/>
-                </a:solidFill>
-              </a:rPr>
-              <a:t>Client</a:t>
-            </a:r>
-            <a:endParaRPr lang="ko-KR" altLang="en-US" b="1" dirty="0">
-              <a:solidFill>
-                <a:schemeClr val="bg1"/>
-              </a:solidFill>
-            </a:endParaRPr>
-          </a:p>
-        </p:txBody>
-      </p:sp>
-      <p:sp>
-        <p:nvSpPr>
-          <p:cNvPr id="13" name="TextBox 12"/>
-          <p:cNvSpPr txBox="1"/>
-          <p:nvPr/>
-        </p:nvSpPr>
-        <p:spPr>
-          <a:xfrm>
-            <a:off x="6937875" y="2706053"/>
-            <a:ext cx="1144865" cy="461665"/>
-          </a:xfrm>
-          <a:prstGeom prst="rect">
-            <a:avLst/>
-          </a:prstGeom>
-          <a:noFill/>
-        </p:spPr>
-        <p:txBody>
-          <a:bodyPr wrap="none" rtlCol="0">
-            <a:spAutoFit/>
-          </a:bodyPr>
-          <a:lstStyle/>
-          <a:p>
-            <a:r>
-              <a:rPr lang="en-US" altLang="ko-KR" b="1" dirty="0" smtClean="0">
-                <a:solidFill>
-                  <a:schemeClr val="bg1"/>
-                </a:solidFill>
-              </a:rPr>
-              <a:t>Server</a:t>
-            </a:r>
-            <a:endParaRPr lang="ko-KR" altLang="en-US" b="1" dirty="0">
-              <a:solidFill>
-                <a:schemeClr val="bg1"/>
-              </a:solidFill>
-            </a:endParaRPr>
-          </a:p>
-        </p:txBody>
-      </p:sp>
-    </p:spTree>
-    <p:extLst>
-      <p:ext uri="{BB962C8B-B14F-4D97-AF65-F5344CB8AC3E}">
-        <p14:creationId xmlns:p14="http://schemas.microsoft.com/office/powerpoint/2010/main" val="1709874429"/>
-      </p:ext>
-    </p:extLst>
-  </p:cSld>
-  <p:clrMapOvr>
-    <a:masterClrMapping/>
-  </p:clrMapOvr>
-  <p:timing>
-    <p:tnLst>
-      <p:par>
-        <p:cTn id="1" dur="indefinite" restart="never" nodeType="tmRoot"/>
-      </p:par>
-    </p:tnLst>
-  </p:timing>
-</p:sld>
-</file>
-
-<file path=ppt/slides/slide11.xml><?xml version="1.0" encoding="utf-8"?>
-<p:sld xmlns:a="http://schemas.openxmlformats.org/drawingml/2006/main" xmlns:r="http://schemas.openxmlformats.org/officeDocument/2006/relationships" xmlns:p="http://schemas.openxmlformats.org/presentationml/2006/main">
-  <p:cSld>
-    <p:spTree>
-      <p:nvGrpSpPr>
-        <p:cNvPr id="1" name=""/>
-        <p:cNvGrpSpPr/>
-        <p:nvPr/>
-      </p:nvGrpSpPr>
-      <p:grpSpPr>
-        <a:xfrm>
-          <a:off x="0" y="0"/>
-          <a:ext cx="0" cy="0"/>
-          <a:chOff x="0" y="0"/>
-          <a:chExt cx="0" cy="0"/>
-        </a:xfrm>
-      </p:grpSpPr>
-      <p:sp>
-        <p:nvSpPr>
-          <p:cNvPr id="2" name="제목 1"/>
-          <p:cNvSpPr>
-            <a:spLocks noGrp="1"/>
-          </p:cNvSpPr>
-          <p:nvPr>
-            <p:ph type="title"/>
-          </p:nvPr>
-        </p:nvSpPr>
-        <p:spPr/>
-        <p:txBody>
-          <a:bodyPr/>
-          <a:lstStyle/>
-          <a:p>
-            <a:pPr marL="914400" indent="-914400">
-              <a:buFont typeface="+mj-lt"/>
               <a:buAutoNum type="arabicPeriod" startAt="2"/>
             </a:pPr>
             <a:r>
@@ -4161,8 +3854,8 @@
         </p:nvSpPr>
         <p:spPr>
           <a:xfrm>
-            <a:off x="892761" y="2597496"/>
-            <a:ext cx="2150641" cy="615482"/>
+            <a:off x="899479" y="3068959"/>
+            <a:ext cx="2150641" cy="1053260"/>
           </a:xfrm>
           <a:prstGeom prst="rect">
             <a:avLst/>
@@ -4221,7 +3914,7 @@
         </p:nvSpPr>
         <p:spPr>
           <a:xfrm>
-            <a:off x="1081460" y="1795461"/>
+            <a:off x="1081460" y="2299517"/>
             <a:ext cx="1773242" cy="769441"/>
           </a:xfrm>
           <a:prstGeom prst="rect">
@@ -4268,7 +3961,7 @@
         </p:nvSpPr>
         <p:spPr>
           <a:xfrm>
-            <a:off x="4293482" y="1795462"/>
+            <a:off x="4293482" y="2299518"/>
             <a:ext cx="1359668" cy="769441"/>
           </a:xfrm>
           <a:prstGeom prst="rect">
@@ -4315,8 +4008,8 @@
         </p:nvSpPr>
         <p:spPr>
           <a:xfrm>
-            <a:off x="892761" y="5661248"/>
-            <a:ext cx="2150641" cy="792088"/>
+            <a:off x="892761" y="5353548"/>
+            <a:ext cx="2150641" cy="1027780"/>
           </a:xfrm>
           <a:prstGeom prst="rect">
             <a:avLst/>
@@ -4400,8 +4093,8 @@
         </p:nvSpPr>
         <p:spPr>
           <a:xfrm>
-            <a:off x="3914372" y="4770592"/>
-            <a:ext cx="2148065" cy="878832"/>
+            <a:off x="3897995" y="4155606"/>
+            <a:ext cx="2148065" cy="1155401"/>
           </a:xfrm>
           <a:prstGeom prst="rect">
             <a:avLst/>
@@ -4462,86 +4155,14 @@
       </p:sp>
       <p:sp>
         <p:nvSpPr>
-          <p:cNvPr id="25" name="직사각형 24"/>
-          <p:cNvSpPr/>
-          <p:nvPr/>
-        </p:nvSpPr>
-        <p:spPr>
-          <a:xfrm>
-            <a:off x="892760" y="3573016"/>
-            <a:ext cx="2167072" cy="882130"/>
-          </a:xfrm>
-          <a:prstGeom prst="rect">
-            <a:avLst/>
-          </a:prstGeom>
-          <a:noFill/>
-          <a:ln>
-            <a:solidFill>
-              <a:srgbClr val="000000"/>
-            </a:solidFill>
-          </a:ln>
-          <a:scene3d>
-            <a:camera prst="orthographicFront"/>
-            <a:lightRig rig="threePt" dir="t"/>
-          </a:scene3d>
-          <a:sp3d contourW="12700">
-            <a:bevelT w="107950" h="107950" prst="angle"/>
-            <a:contourClr>
-              <a:srgbClr val="000000"/>
-            </a:contourClr>
-          </a:sp3d>
-        </p:spPr>
-        <p:style>
-          <a:lnRef idx="2">
-            <a:schemeClr val="accent1">
-              <a:shade val="50000"/>
-            </a:schemeClr>
-          </a:lnRef>
-          <a:fillRef idx="1">
-            <a:schemeClr val="accent1"/>
-          </a:fillRef>
-          <a:effectRef idx="0">
-            <a:schemeClr val="accent1"/>
-          </a:effectRef>
-          <a:fontRef idx="minor">
-            <a:schemeClr val="lt1"/>
-          </a:fontRef>
-        </p:style>
-        <p:txBody>
-          <a:bodyPr rtlCol="0" anchor="ctr"/>
-          <a:lstStyle/>
-          <a:p>
-            <a:pPr algn="ctr"/>
-            <a:r>
-              <a:rPr lang="en-US" altLang="ko-KR" sz="1800" b="1" dirty="0" smtClean="0">
-                <a:solidFill>
-                  <a:srgbClr val="000000"/>
-                </a:solidFill>
-                <a:latin typeface="HY강M" pitchFamily="18" charset="-127"/>
-                <a:ea typeface="HY강M" pitchFamily="18" charset="-127"/>
-              </a:rPr>
-              <a:t>Device Control Manager</a:t>
-            </a:r>
-            <a:endParaRPr lang="ko-KR" altLang="en-US" sz="1800" b="1" dirty="0">
-              <a:solidFill>
-                <a:srgbClr val="000000"/>
-              </a:solidFill>
-              <a:latin typeface="HY강M" pitchFamily="18" charset="-127"/>
-              <a:ea typeface="HY강M" pitchFamily="18" charset="-127"/>
-            </a:endParaRPr>
-          </a:p>
-        </p:txBody>
-      </p:sp>
-      <p:sp>
-        <p:nvSpPr>
           <p:cNvPr id="27" name="직사각형 26"/>
           <p:cNvSpPr/>
           <p:nvPr/>
         </p:nvSpPr>
         <p:spPr>
           <a:xfrm>
-            <a:off x="6444210" y="2601658"/>
-            <a:ext cx="2150641" cy="651486"/>
+            <a:off x="6444210" y="3068959"/>
+            <a:ext cx="2150641" cy="1053260"/>
           </a:xfrm>
           <a:prstGeom prst="rect">
             <a:avLst/>
@@ -4582,13 +4203,6 @@
               </a:rPr>
               <a:t>Service App</a:t>
             </a:r>
-            <a:endParaRPr lang="ko-KR" altLang="en-US" sz="1800" b="1" dirty="0">
-              <a:solidFill>
-                <a:srgbClr val="000000"/>
-              </a:solidFill>
-              <a:latin typeface="HY강M" pitchFamily="18" charset="-127"/>
-              <a:ea typeface="HY강M" pitchFamily="18" charset="-127"/>
-            </a:endParaRPr>
           </a:p>
         </p:txBody>
       </p:sp>
@@ -4630,86 +4244,14 @@
       </p:cxnSp>
       <p:sp>
         <p:nvSpPr>
-          <p:cNvPr id="33" name="직사각형 32"/>
-          <p:cNvSpPr/>
-          <p:nvPr/>
-        </p:nvSpPr>
-        <p:spPr>
-          <a:xfrm>
-            <a:off x="3914372" y="3554982"/>
-            <a:ext cx="2134265" cy="882130"/>
-          </a:xfrm>
-          <a:prstGeom prst="rect">
-            <a:avLst/>
-          </a:prstGeom>
-          <a:noFill/>
-          <a:ln>
-            <a:solidFill>
-              <a:srgbClr val="000000"/>
-            </a:solidFill>
-          </a:ln>
-          <a:scene3d>
-            <a:camera prst="orthographicFront"/>
-            <a:lightRig rig="threePt" dir="t"/>
-          </a:scene3d>
-          <a:sp3d contourW="12700">
-            <a:bevelT w="107950" h="107950" prst="angle"/>
-            <a:contourClr>
-              <a:srgbClr val="000000"/>
-            </a:contourClr>
-          </a:sp3d>
-        </p:spPr>
-        <p:style>
-          <a:lnRef idx="2">
-            <a:schemeClr val="accent1">
-              <a:shade val="50000"/>
-            </a:schemeClr>
-          </a:lnRef>
-          <a:fillRef idx="1">
-            <a:schemeClr val="accent1"/>
-          </a:fillRef>
-          <a:effectRef idx="0">
-            <a:schemeClr val="accent1"/>
-          </a:effectRef>
-          <a:fontRef idx="minor">
-            <a:schemeClr val="lt1"/>
-          </a:fontRef>
-        </p:style>
-        <p:txBody>
-          <a:bodyPr rtlCol="0" anchor="ctr"/>
-          <a:lstStyle/>
-          <a:p>
-            <a:pPr algn="ctr"/>
-            <a:r>
-              <a:rPr lang="en-US" altLang="ko-KR" sz="1800" b="1" dirty="0" smtClean="0">
-                <a:solidFill>
-                  <a:srgbClr val="000000"/>
-                </a:solidFill>
-                <a:latin typeface="HY강M" pitchFamily="18" charset="-127"/>
-                <a:ea typeface="HY강M" pitchFamily="18" charset="-127"/>
-              </a:rPr>
-              <a:t>Device Control Manager</a:t>
-            </a:r>
-            <a:endParaRPr lang="ko-KR" altLang="en-US" sz="1800" b="1" dirty="0">
-              <a:solidFill>
-                <a:srgbClr val="000000"/>
-              </a:solidFill>
-              <a:latin typeface="HY강M" pitchFamily="18" charset="-127"/>
-              <a:ea typeface="HY강M" pitchFamily="18" charset="-127"/>
-            </a:endParaRPr>
-          </a:p>
-        </p:txBody>
-      </p:sp>
-      <p:sp>
-        <p:nvSpPr>
           <p:cNvPr id="35" name="직사각형 34"/>
           <p:cNvSpPr/>
           <p:nvPr/>
         </p:nvSpPr>
         <p:spPr>
           <a:xfrm>
-            <a:off x="892761" y="4770593"/>
-            <a:ext cx="2150641" cy="850278"/>
+            <a:off x="903462" y="4155607"/>
+            <a:ext cx="2150641" cy="1197941"/>
           </a:xfrm>
           <a:prstGeom prst="rect">
             <a:avLst/>
@@ -4761,8 +4303,8 @@
         </p:nvSpPr>
         <p:spPr>
           <a:xfrm>
-            <a:off x="3897996" y="2597496"/>
-            <a:ext cx="2150641" cy="651486"/>
+            <a:off x="3897996" y="3068959"/>
+            <a:ext cx="2150641" cy="1053259"/>
           </a:xfrm>
           <a:prstGeom prst="rect">
             <a:avLst/>
@@ -4815,81 +4357,6 @@
       </p:sp>
       <p:cxnSp>
         <p:nvCxnSpPr>
-          <p:cNvPr id="38" name="직선 연결선 37"/>
-          <p:cNvCxnSpPr>
-            <a:stCxn id="13" idx="2"/>
-            <a:endCxn id="25" idx="0"/>
-          </p:cNvCxnSpPr>
-          <p:nvPr/>
-        </p:nvCxnSpPr>
-        <p:spPr>
-          <a:xfrm>
-            <a:off x="1968082" y="3212978"/>
-            <a:ext cx="8214" cy="360038"/>
-          </a:xfrm>
-          <a:prstGeom prst="line">
-            <a:avLst/>
-          </a:prstGeom>
-          <a:ln w="44450">
-            <a:solidFill>
-              <a:srgbClr val="C00000"/>
-            </a:solidFill>
-          </a:ln>
-        </p:spPr>
-        <p:style>
-          <a:lnRef idx="1">
-            <a:schemeClr val="accent1"/>
-          </a:lnRef>
-          <a:fillRef idx="0">
-            <a:schemeClr val="accent1"/>
-          </a:fillRef>
-          <a:effectRef idx="0">
-            <a:schemeClr val="accent1"/>
-          </a:effectRef>
-          <a:fontRef idx="minor">
-            <a:schemeClr val="tx1"/>
-          </a:fontRef>
-        </p:style>
-      </p:cxnSp>
-      <p:cxnSp>
-        <p:nvCxnSpPr>
-          <p:cNvPr id="39" name="직선 연결선 38"/>
-          <p:cNvCxnSpPr>
-            <a:endCxn id="25" idx="2"/>
-          </p:cNvCxnSpPr>
-          <p:nvPr/>
-        </p:nvCxnSpPr>
-        <p:spPr>
-          <a:xfrm flipV="1">
-            <a:off x="1969370" y="4455146"/>
-            <a:ext cx="6926" cy="315446"/>
-          </a:xfrm>
-          <a:prstGeom prst="line">
-            <a:avLst/>
-          </a:prstGeom>
-          <a:ln w="44450">
-            <a:solidFill>
-              <a:srgbClr val="C00000"/>
-            </a:solidFill>
-          </a:ln>
-        </p:spPr>
-        <p:style>
-          <a:lnRef idx="1">
-            <a:schemeClr val="accent1"/>
-          </a:lnRef>
-          <a:fillRef idx="0">
-            <a:schemeClr val="accent1"/>
-          </a:fillRef>
-          <a:effectRef idx="0">
-            <a:schemeClr val="accent1"/>
-          </a:effectRef>
-          <a:fontRef idx="minor">
-            <a:schemeClr val="tx1"/>
-          </a:fontRef>
-        </p:style>
-      </p:cxnSp>
-      <p:cxnSp>
-        <p:nvCxnSpPr>
           <p:cNvPr id="40" name="직선 연결선 39"/>
           <p:cNvCxnSpPr>
             <a:stCxn id="24" idx="1"/>
@@ -4899,13 +4366,13 @@
         </p:nvCxnSpPr>
         <p:spPr>
           <a:xfrm flipH="1">
-            <a:off x="3043402" y="5210008"/>
-            <a:ext cx="870970" cy="847284"/>
+            <a:off x="3043402" y="4733307"/>
+            <a:ext cx="854593" cy="1134131"/>
           </a:xfrm>
           <a:prstGeom prst="line">
             <a:avLst/>
           </a:prstGeom>
-          <a:ln w="44450">
+          <a:ln w="63500" cmpd="sng">
             <a:solidFill>
               <a:srgbClr val="C00000"/>
             </a:solidFill>
@@ -4934,89 +4401,13 @@
         </p:nvCxnSpPr>
         <p:spPr>
           <a:xfrm flipV="1">
-            <a:off x="6048637" y="3253144"/>
-            <a:ext cx="1470895" cy="2847375"/>
+            <a:off x="6048637" y="4122219"/>
+            <a:ext cx="1470895" cy="1978302"/>
           </a:xfrm>
           <a:prstGeom prst="line">
             <a:avLst/>
           </a:prstGeom>
-          <a:ln w="44450">
-            <a:solidFill>
-              <a:srgbClr val="C00000"/>
-            </a:solidFill>
-          </a:ln>
-        </p:spPr>
-        <p:style>
-          <a:lnRef idx="1">
-            <a:schemeClr val="accent1"/>
-          </a:lnRef>
-          <a:fillRef idx="0">
-            <a:schemeClr val="accent1"/>
-          </a:fillRef>
-          <a:effectRef idx="0">
-            <a:schemeClr val="accent1"/>
-          </a:effectRef>
-          <a:fontRef idx="minor">
-            <a:schemeClr val="tx1"/>
-          </a:fontRef>
-        </p:style>
-      </p:cxnSp>
-      <p:cxnSp>
-        <p:nvCxnSpPr>
-          <p:cNvPr id="45" name="직선 연결선 44"/>
-          <p:cNvCxnSpPr>
-            <a:stCxn id="33" idx="0"/>
-            <a:endCxn id="36" idx="2"/>
-          </p:cNvCxnSpPr>
-          <p:nvPr/>
-        </p:nvCxnSpPr>
-        <p:spPr>
-          <a:xfrm flipH="1" flipV="1">
-            <a:off x="4973317" y="3248982"/>
-            <a:ext cx="8188" cy="306000"/>
-          </a:xfrm>
-          <a:prstGeom prst="line">
-            <a:avLst/>
-          </a:prstGeom>
-          <a:ln w="44450">
-            <a:solidFill>
-              <a:srgbClr val="C00000"/>
-            </a:solidFill>
-          </a:ln>
-        </p:spPr>
-        <p:style>
-          <a:lnRef idx="1">
-            <a:schemeClr val="accent1"/>
-          </a:lnRef>
-          <a:fillRef idx="0">
-            <a:schemeClr val="accent1"/>
-          </a:fillRef>
-          <a:effectRef idx="0">
-            <a:schemeClr val="accent1"/>
-          </a:effectRef>
-          <a:fontRef idx="minor">
-            <a:schemeClr val="tx1"/>
-          </a:fontRef>
-        </p:style>
-      </p:cxnSp>
-      <p:cxnSp>
-        <p:nvCxnSpPr>
-          <p:cNvPr id="47" name="직선 연결선 46"/>
-          <p:cNvCxnSpPr>
-            <a:stCxn id="33" idx="2"/>
-            <a:endCxn id="24" idx="0"/>
-          </p:cNvCxnSpPr>
-          <p:nvPr/>
-        </p:nvCxnSpPr>
-        <p:spPr>
-          <a:xfrm>
-            <a:off x="4981505" y="4437112"/>
-            <a:ext cx="6900" cy="333480"/>
-          </a:xfrm>
-          <a:prstGeom prst="line">
-            <a:avLst/>
-          </a:prstGeom>
-          <a:ln w="44450">
+          <a:ln w="63500" cmpd="sng">
             <a:solidFill>
               <a:srgbClr val="C00000"/>
             </a:solidFill>
@@ -5045,7 +4436,7 @@
         </p:nvSpPr>
         <p:spPr>
           <a:xfrm>
-            <a:off x="6818057" y="1795463"/>
+            <a:off x="6818057" y="2299519"/>
             <a:ext cx="1402948" cy="769441"/>
           </a:xfrm>
           <a:prstGeom prst="rect">
@@ -5086,80 +4477,14 @@
       </p:sp>
       <p:sp>
         <p:nvSpPr>
-          <p:cNvPr id="30" name="내용 개체 틀 2"/>
-          <p:cNvSpPr>
-            <a:spLocks noGrp="1"/>
-          </p:cNvSpPr>
-          <p:nvPr>
-            <p:ph idx="1"/>
-          </p:nvPr>
-        </p:nvSpPr>
-        <p:spPr>
-          <a:xfrm>
-            <a:off x="857200" y="1124744"/>
-            <a:ext cx="7315200" cy="640317"/>
-          </a:xfrm>
-        </p:spPr>
-        <p:txBody>
-          <a:bodyPr/>
-          <a:lstStyle/>
-          <a:p>
-            <a:pPr marL="571500" indent="-514350">
-              <a:buFont typeface="+mj-lt"/>
-              <a:buAutoNum type="alphaUcPeriod"/>
-            </a:pPr>
-            <a:r>
-              <a:rPr lang="en-US" altLang="ko-KR" dirty="0" smtClean="0">
-                <a:solidFill>
-                  <a:srgbClr val="000000"/>
-                </a:solidFill>
-                <a:latin typeface="HY동녘M" pitchFamily="18" charset="-127"/>
-                <a:ea typeface="HY동녘M" pitchFamily="18" charset="-127"/>
-              </a:rPr>
-              <a:t>Client-Server </a:t>
-            </a:r>
-            <a:r>
-              <a:rPr lang="ko-KR" altLang="en-US" dirty="0" smtClean="0">
-                <a:solidFill>
-                  <a:srgbClr val="000000"/>
-                </a:solidFill>
-                <a:latin typeface="HY동녘M" pitchFamily="18" charset="-127"/>
-                <a:ea typeface="HY동녘M" pitchFamily="18" charset="-127"/>
-              </a:rPr>
-              <a:t>구조</a:t>
-            </a:r>
-            <a:endParaRPr lang="en-US" altLang="ko-KR" dirty="0" smtClean="0">
-              <a:solidFill>
-                <a:srgbClr val="000000"/>
-              </a:solidFill>
-              <a:latin typeface="HY동녘M" pitchFamily="18" charset="-127"/>
-              <a:ea typeface="HY동녘M" pitchFamily="18" charset="-127"/>
-            </a:endParaRPr>
-          </a:p>
-          <a:p>
-            <a:pPr marL="57150" indent="0">
-              <a:buNone/>
-            </a:pPr>
-            <a:endParaRPr lang="en-US" altLang="ko-KR" sz="1800" dirty="0" smtClean="0">
-              <a:solidFill>
-                <a:srgbClr val="000000"/>
-              </a:solidFill>
-              <a:latin typeface="HY동녘M" pitchFamily="18" charset="-127"/>
-              <a:ea typeface="HY동녘M" pitchFamily="18" charset="-127"/>
-            </a:endParaRPr>
-          </a:p>
-        </p:txBody>
-      </p:sp>
-      <p:sp>
-        <p:nvSpPr>
           <p:cNvPr id="31" name="직사각형 30"/>
           <p:cNvSpPr/>
           <p:nvPr/>
         </p:nvSpPr>
         <p:spPr>
           <a:xfrm>
-            <a:off x="3897995" y="5675380"/>
-            <a:ext cx="2150641" cy="850278"/>
+            <a:off x="3895419" y="5353548"/>
+            <a:ext cx="2150641" cy="1027780"/>
           </a:xfrm>
           <a:prstGeom prst="rect">
             <a:avLst/>
@@ -5211,8 +4536,8 @@
         </p:nvSpPr>
         <p:spPr>
           <a:xfrm>
-            <a:off x="7164288" y="1283289"/>
-            <a:ext cx="1286547" cy="283625"/>
+            <a:off x="6818057" y="1340768"/>
+            <a:ext cx="1632779" cy="552686"/>
           </a:xfrm>
           <a:prstGeom prst="rect">
             <a:avLst/>
@@ -5276,8 +4601,8 @@
         </p:nvSpPr>
         <p:spPr>
           <a:xfrm>
-            <a:off x="5642460" y="1268760"/>
-            <a:ext cx="1377812" cy="298154"/>
+            <a:off x="4861062" y="1340768"/>
+            <a:ext cx="1727162" cy="567214"/>
           </a:xfrm>
           <a:prstGeom prst="rect">
             <a:avLst/>
@@ -5348,1922 +4673,7 @@
 </p:sld>
 </file>
 
-<file path=ppt/slides/slide12.xml><?xml version="1.0" encoding="utf-8"?>
-<p:sld xmlns:a="http://schemas.openxmlformats.org/drawingml/2006/main" xmlns:r="http://schemas.openxmlformats.org/officeDocument/2006/relationships" xmlns:p="http://schemas.openxmlformats.org/presentationml/2006/main">
-  <p:cSld>
-    <p:spTree>
-      <p:nvGrpSpPr>
-        <p:cNvPr id="1" name=""/>
-        <p:cNvGrpSpPr/>
-        <p:nvPr/>
-      </p:nvGrpSpPr>
-      <p:grpSpPr>
-        <a:xfrm>
-          <a:off x="0" y="0"/>
-          <a:ext cx="0" cy="0"/>
-          <a:chOff x="0" y="0"/>
-          <a:chExt cx="0" cy="0"/>
-        </a:xfrm>
-      </p:grpSpPr>
-      <p:sp>
-        <p:nvSpPr>
-          <p:cNvPr id="2" name="제목 1"/>
-          <p:cNvSpPr>
-            <a:spLocks noGrp="1"/>
-          </p:cNvSpPr>
-          <p:nvPr>
-            <p:ph type="title"/>
-          </p:nvPr>
-        </p:nvSpPr>
-        <p:spPr/>
-        <p:txBody>
-          <a:bodyPr/>
-          <a:lstStyle/>
-          <a:p>
-            <a:pPr marL="914400" indent="-914400">
-              <a:buFont typeface="+mj-lt"/>
-              <a:buAutoNum type="arabicPeriod" startAt="2"/>
-            </a:pPr>
-            <a:r>
-              <a:rPr lang="ko-KR" altLang="en-US" sz="5400" spc="600" dirty="0">
-                <a:solidFill>
-                  <a:srgbClr val="000000"/>
-                </a:solidFill>
-                <a:latin typeface="HY동녘M" pitchFamily="18" charset="-127"/>
-                <a:ea typeface="HY동녘M" pitchFamily="18" charset="-127"/>
-              </a:rPr>
-              <a:t>프로젝트 구조</a:t>
-            </a:r>
-          </a:p>
-        </p:txBody>
-      </p:sp>
-      <p:sp>
-        <p:nvSpPr>
-          <p:cNvPr id="49" name="직사각형 48"/>
-          <p:cNvSpPr/>
-          <p:nvPr/>
-        </p:nvSpPr>
-        <p:spPr>
-          <a:xfrm>
-            <a:off x="892760" y="1926971"/>
-            <a:ext cx="7279640" cy="882130"/>
-          </a:xfrm>
-          <a:prstGeom prst="rect">
-            <a:avLst/>
-          </a:prstGeom>
-          <a:noFill/>
-          <a:ln>
-            <a:solidFill>
-              <a:schemeClr val="bg1">
-                <a:lumMod val="10000"/>
-                <a:alpha val="80000"/>
-              </a:schemeClr>
-            </a:solidFill>
-          </a:ln>
-          <a:scene3d>
-            <a:camera prst="orthographicFront"/>
-            <a:lightRig rig="threePt" dir="t"/>
-          </a:scene3d>
-          <a:sp3d contourW="12700">
-            <a:bevelT w="107950" h="107950" prst="angle"/>
-            <a:contourClr>
-              <a:srgbClr val="000000"/>
-            </a:contourClr>
-          </a:sp3d>
-        </p:spPr>
-        <p:style>
-          <a:lnRef idx="2">
-            <a:schemeClr val="accent1">
-              <a:shade val="50000"/>
-            </a:schemeClr>
-          </a:lnRef>
-          <a:fillRef idx="1">
-            <a:schemeClr val="accent1"/>
-          </a:fillRef>
-          <a:effectRef idx="0">
-            <a:schemeClr val="accent1"/>
-          </a:effectRef>
-          <a:fontRef idx="minor">
-            <a:schemeClr val="lt1"/>
-          </a:fontRef>
-        </p:style>
-        <p:txBody>
-          <a:bodyPr rtlCol="0" anchor="ctr"/>
-          <a:lstStyle/>
-          <a:p>
-            <a:pPr algn="ctr"/>
-            <a:r>
-              <a:rPr lang="en-US" altLang="ko-KR" sz="1800" b="1" dirty="0" smtClean="0">
-                <a:solidFill>
-                  <a:srgbClr val="C00000"/>
-                </a:solidFill>
-                <a:latin typeface="HY강M" pitchFamily="18" charset="-127"/>
-                <a:ea typeface="HY강M" pitchFamily="18" charset="-127"/>
-              </a:rPr>
-              <a:t>Applications</a:t>
-            </a:r>
-          </a:p>
-          <a:p>
-            <a:pPr algn="ctr"/>
-            <a:endParaRPr lang="en-US" altLang="ko-KR" sz="1800" b="1" dirty="0">
-              <a:solidFill>
-                <a:srgbClr val="C00000"/>
-              </a:solidFill>
-              <a:latin typeface="HY강M" pitchFamily="18" charset="-127"/>
-              <a:ea typeface="HY강M" pitchFamily="18" charset="-127"/>
-            </a:endParaRPr>
-          </a:p>
-          <a:p>
-            <a:pPr algn="ctr"/>
-            <a:endParaRPr lang="ko-KR" altLang="en-US" sz="1800" b="1" dirty="0">
-              <a:solidFill>
-                <a:srgbClr val="C00000"/>
-              </a:solidFill>
-              <a:latin typeface="HY강M" pitchFamily="18" charset="-127"/>
-              <a:ea typeface="HY강M" pitchFamily="18" charset="-127"/>
-            </a:endParaRPr>
-          </a:p>
-        </p:txBody>
-      </p:sp>
-      <p:sp>
-        <p:nvSpPr>
-          <p:cNvPr id="50" name="직사각형 49"/>
-          <p:cNvSpPr/>
-          <p:nvPr/>
-        </p:nvSpPr>
-        <p:spPr>
-          <a:xfrm>
-            <a:off x="892760" y="2829745"/>
-            <a:ext cx="7279640" cy="882130"/>
-          </a:xfrm>
-          <a:prstGeom prst="rect">
-            <a:avLst/>
-          </a:prstGeom>
-          <a:noFill/>
-          <a:ln>
-            <a:solidFill>
-              <a:schemeClr val="bg1">
-                <a:lumMod val="10000"/>
-                <a:alpha val="80000"/>
-              </a:schemeClr>
-            </a:solidFill>
-          </a:ln>
-          <a:scene3d>
-            <a:camera prst="orthographicFront"/>
-            <a:lightRig rig="threePt" dir="t"/>
-          </a:scene3d>
-          <a:sp3d contourW="12700">
-            <a:bevelT w="107950" h="107950" prst="angle"/>
-            <a:contourClr>
-              <a:srgbClr val="000000"/>
-            </a:contourClr>
-          </a:sp3d>
-        </p:spPr>
-        <p:style>
-          <a:lnRef idx="2">
-            <a:schemeClr val="accent1">
-              <a:shade val="50000"/>
-            </a:schemeClr>
-          </a:lnRef>
-          <a:fillRef idx="1">
-            <a:schemeClr val="accent1"/>
-          </a:fillRef>
-          <a:effectRef idx="0">
-            <a:schemeClr val="accent1"/>
-          </a:effectRef>
-          <a:fontRef idx="minor">
-            <a:schemeClr val="lt1"/>
-          </a:fontRef>
-        </p:style>
-        <p:txBody>
-          <a:bodyPr rtlCol="0" anchor="ctr"/>
-          <a:lstStyle/>
-          <a:p>
-            <a:pPr algn="ctr"/>
-            <a:r>
-              <a:rPr lang="en-US" altLang="ko-KR" sz="1800" b="1" dirty="0" smtClean="0">
-                <a:solidFill>
-                  <a:srgbClr val="C00000"/>
-                </a:solidFill>
-                <a:latin typeface="HY강M" pitchFamily="18" charset="-127"/>
-                <a:ea typeface="HY강M" pitchFamily="18" charset="-127"/>
-              </a:rPr>
-              <a:t>Application Framework</a:t>
-            </a:r>
-          </a:p>
-          <a:p>
-            <a:pPr algn="ctr"/>
-            <a:endParaRPr lang="en-US" altLang="ko-KR" sz="1800" b="1" dirty="0">
-              <a:solidFill>
-                <a:srgbClr val="C00000"/>
-              </a:solidFill>
-              <a:latin typeface="HY강M" pitchFamily="18" charset="-127"/>
-              <a:ea typeface="HY강M" pitchFamily="18" charset="-127"/>
-            </a:endParaRPr>
-          </a:p>
-          <a:p>
-            <a:pPr algn="ctr"/>
-            <a:endParaRPr lang="ko-KR" altLang="en-US" sz="1800" b="1" dirty="0">
-              <a:solidFill>
-                <a:srgbClr val="C00000"/>
-              </a:solidFill>
-              <a:latin typeface="HY강M" pitchFamily="18" charset="-127"/>
-              <a:ea typeface="HY강M" pitchFamily="18" charset="-127"/>
-            </a:endParaRPr>
-          </a:p>
-        </p:txBody>
-      </p:sp>
-      <p:sp>
-        <p:nvSpPr>
-          <p:cNvPr id="51" name="직사각형 50"/>
-          <p:cNvSpPr/>
-          <p:nvPr/>
-        </p:nvSpPr>
-        <p:spPr>
-          <a:xfrm>
-            <a:off x="892760" y="3728420"/>
-            <a:ext cx="7279640" cy="1464175"/>
-          </a:xfrm>
-          <a:prstGeom prst="rect">
-            <a:avLst/>
-          </a:prstGeom>
-          <a:noFill/>
-          <a:ln>
-            <a:solidFill>
-              <a:schemeClr val="bg1">
-                <a:lumMod val="10000"/>
-                <a:alpha val="80000"/>
-              </a:schemeClr>
-            </a:solidFill>
-          </a:ln>
-          <a:scene3d>
-            <a:camera prst="orthographicFront"/>
-            <a:lightRig rig="threePt" dir="t"/>
-          </a:scene3d>
-          <a:sp3d contourW="12700">
-            <a:bevelT w="107950" h="107950" prst="angle"/>
-            <a:contourClr>
-              <a:srgbClr val="000000"/>
-            </a:contourClr>
-          </a:sp3d>
-        </p:spPr>
-        <p:style>
-          <a:lnRef idx="2">
-            <a:schemeClr val="accent1">
-              <a:shade val="50000"/>
-            </a:schemeClr>
-          </a:lnRef>
-          <a:fillRef idx="1">
-            <a:schemeClr val="accent1"/>
-          </a:fillRef>
-          <a:effectRef idx="0">
-            <a:schemeClr val="accent1"/>
-          </a:effectRef>
-          <a:fontRef idx="minor">
-            <a:schemeClr val="lt1"/>
-          </a:fontRef>
-        </p:style>
-        <p:txBody>
-          <a:bodyPr rtlCol="0" anchor="ctr"/>
-          <a:lstStyle/>
-          <a:p>
-            <a:pPr algn="l"/>
-            <a:r>
-              <a:rPr lang="en-US" altLang="ko-KR" sz="1800" b="1" dirty="0" smtClean="0">
-                <a:solidFill>
-                  <a:srgbClr val="C00000"/>
-                </a:solidFill>
-                <a:latin typeface="HY강M" pitchFamily="18" charset="-127"/>
-                <a:ea typeface="HY강M" pitchFamily="18" charset="-127"/>
-              </a:rPr>
-              <a:t>	Libraries</a:t>
-            </a:r>
-          </a:p>
-          <a:p>
-            <a:pPr algn="l"/>
-            <a:endParaRPr lang="en-US" altLang="ko-KR" sz="1800" b="1" dirty="0" smtClean="0">
-              <a:solidFill>
-                <a:srgbClr val="C00000"/>
-              </a:solidFill>
-              <a:latin typeface="HY강M" pitchFamily="18" charset="-127"/>
-              <a:ea typeface="HY강M" pitchFamily="18" charset="-127"/>
-            </a:endParaRPr>
-          </a:p>
-          <a:p>
-            <a:pPr algn="l"/>
-            <a:endParaRPr lang="en-US" altLang="ko-KR" sz="1800" b="1" dirty="0" smtClean="0">
-              <a:solidFill>
-                <a:srgbClr val="C00000"/>
-              </a:solidFill>
-              <a:latin typeface="HY강M" pitchFamily="18" charset="-127"/>
-              <a:ea typeface="HY강M" pitchFamily="18" charset="-127"/>
-            </a:endParaRPr>
-          </a:p>
-          <a:p>
-            <a:pPr algn="ctr"/>
-            <a:endParaRPr lang="en-US" altLang="ko-KR" sz="1800" b="1" dirty="0">
-              <a:solidFill>
-                <a:srgbClr val="C00000"/>
-              </a:solidFill>
-              <a:latin typeface="HY강M" pitchFamily="18" charset="-127"/>
-              <a:ea typeface="HY강M" pitchFamily="18" charset="-127"/>
-            </a:endParaRPr>
-          </a:p>
-          <a:p>
-            <a:pPr algn="ctr"/>
-            <a:endParaRPr lang="ko-KR" altLang="en-US" sz="1800" b="1" dirty="0">
-              <a:solidFill>
-                <a:srgbClr val="C00000"/>
-              </a:solidFill>
-              <a:latin typeface="HY강M" pitchFamily="18" charset="-127"/>
-              <a:ea typeface="HY강M" pitchFamily="18" charset="-127"/>
-            </a:endParaRPr>
-          </a:p>
-        </p:txBody>
-      </p:sp>
-      <p:sp>
-        <p:nvSpPr>
-          <p:cNvPr id="52" name="직사각형 51"/>
-          <p:cNvSpPr/>
-          <p:nvPr/>
-        </p:nvSpPr>
-        <p:spPr>
-          <a:xfrm>
-            <a:off x="5580112" y="3728421"/>
-            <a:ext cx="2592288" cy="1032127"/>
-          </a:xfrm>
-          <a:prstGeom prst="rect">
-            <a:avLst/>
-          </a:prstGeom>
-          <a:noFill/>
-          <a:ln>
-            <a:solidFill>
-              <a:schemeClr val="bg1">
-                <a:lumMod val="10000"/>
-                <a:alpha val="80000"/>
-              </a:schemeClr>
-            </a:solidFill>
-          </a:ln>
-          <a:scene3d>
-            <a:camera prst="orthographicFront"/>
-            <a:lightRig rig="threePt" dir="t"/>
-          </a:scene3d>
-          <a:sp3d contourW="12700">
-            <a:bevelT w="107950" h="107950" prst="angle"/>
-            <a:contourClr>
-              <a:srgbClr val="000000"/>
-            </a:contourClr>
-          </a:sp3d>
-        </p:spPr>
-        <p:style>
-          <a:lnRef idx="2">
-            <a:schemeClr val="accent1">
-              <a:shade val="50000"/>
-            </a:schemeClr>
-          </a:lnRef>
-          <a:fillRef idx="1">
-            <a:schemeClr val="accent1"/>
-          </a:fillRef>
-          <a:effectRef idx="0">
-            <a:schemeClr val="accent1"/>
-          </a:effectRef>
-          <a:fontRef idx="minor">
-            <a:schemeClr val="lt1"/>
-          </a:fontRef>
-        </p:style>
-        <p:txBody>
-          <a:bodyPr rtlCol="0" anchor="ctr"/>
-          <a:lstStyle/>
-          <a:p>
-            <a:r>
-              <a:rPr lang="en-US" altLang="ko-KR" sz="1800" b="1" dirty="0" smtClean="0">
-                <a:solidFill>
-                  <a:srgbClr val="C00000"/>
-                </a:solidFill>
-                <a:latin typeface="HY강M" pitchFamily="18" charset="-127"/>
-                <a:ea typeface="HY강M" pitchFamily="18" charset="-127"/>
-              </a:rPr>
-              <a:t>Android Runtime</a:t>
-            </a:r>
-          </a:p>
-          <a:p>
-            <a:endParaRPr lang="en-US" altLang="ko-KR" sz="1800" b="1" dirty="0" smtClean="0">
-              <a:solidFill>
-                <a:srgbClr val="C00000"/>
-              </a:solidFill>
-              <a:latin typeface="HY강M" pitchFamily="18" charset="-127"/>
-              <a:ea typeface="HY강M" pitchFamily="18" charset="-127"/>
-            </a:endParaRPr>
-          </a:p>
-          <a:p>
-            <a:endParaRPr lang="ko-KR" altLang="en-US" sz="1800" b="1" dirty="0">
-              <a:solidFill>
-                <a:srgbClr val="C00000"/>
-              </a:solidFill>
-              <a:latin typeface="HY강M" pitchFamily="18" charset="-127"/>
-              <a:ea typeface="HY강M" pitchFamily="18" charset="-127"/>
-            </a:endParaRPr>
-          </a:p>
-        </p:txBody>
-      </p:sp>
-      <p:sp>
-        <p:nvSpPr>
-          <p:cNvPr id="53" name="직사각형 52"/>
-          <p:cNvSpPr/>
-          <p:nvPr/>
-        </p:nvSpPr>
-        <p:spPr>
-          <a:xfrm>
-            <a:off x="892760" y="5211166"/>
-            <a:ext cx="7279640" cy="882130"/>
-          </a:xfrm>
-          <a:prstGeom prst="rect">
-            <a:avLst/>
-          </a:prstGeom>
-          <a:noFill/>
-          <a:ln>
-            <a:solidFill>
-              <a:schemeClr val="bg1">
-                <a:lumMod val="10000"/>
-                <a:alpha val="80000"/>
-              </a:schemeClr>
-            </a:solidFill>
-          </a:ln>
-          <a:scene3d>
-            <a:camera prst="orthographicFront"/>
-            <a:lightRig rig="threePt" dir="t"/>
-          </a:scene3d>
-          <a:sp3d contourW="12700">
-            <a:bevelT w="107950" h="107950" prst="angle"/>
-            <a:contourClr>
-              <a:srgbClr val="000000"/>
-            </a:contourClr>
-          </a:sp3d>
-        </p:spPr>
-        <p:style>
-          <a:lnRef idx="2">
-            <a:schemeClr val="accent1">
-              <a:shade val="50000"/>
-            </a:schemeClr>
-          </a:lnRef>
-          <a:fillRef idx="1">
-            <a:schemeClr val="accent1"/>
-          </a:fillRef>
-          <a:effectRef idx="0">
-            <a:schemeClr val="accent1"/>
-          </a:effectRef>
-          <a:fontRef idx="minor">
-            <a:schemeClr val="lt1"/>
-          </a:fontRef>
-        </p:style>
-        <p:txBody>
-          <a:bodyPr rtlCol="0" anchor="ctr"/>
-          <a:lstStyle/>
-          <a:p>
-            <a:pPr algn="ctr"/>
-            <a:r>
-              <a:rPr lang="en-US" altLang="ko-KR" sz="1800" b="1" dirty="0" smtClean="0">
-                <a:solidFill>
-                  <a:srgbClr val="C00000"/>
-                </a:solidFill>
-                <a:latin typeface="HY강M" pitchFamily="18" charset="-127"/>
-                <a:ea typeface="HY강M" pitchFamily="18" charset="-127"/>
-              </a:rPr>
-              <a:t>Linux Kernel</a:t>
-            </a:r>
-          </a:p>
-          <a:p>
-            <a:pPr algn="ctr"/>
-            <a:endParaRPr lang="en-US" altLang="ko-KR" sz="1800" b="1" dirty="0">
-              <a:solidFill>
-                <a:srgbClr val="C00000"/>
-              </a:solidFill>
-              <a:latin typeface="HY강M" pitchFamily="18" charset="-127"/>
-              <a:ea typeface="HY강M" pitchFamily="18" charset="-127"/>
-            </a:endParaRPr>
-          </a:p>
-          <a:p>
-            <a:pPr algn="ctr"/>
-            <a:endParaRPr lang="ko-KR" altLang="en-US" sz="1800" b="1" dirty="0">
-              <a:solidFill>
-                <a:srgbClr val="C00000"/>
-              </a:solidFill>
-              <a:latin typeface="HY강M" pitchFamily="18" charset="-127"/>
-              <a:ea typeface="HY강M" pitchFamily="18" charset="-127"/>
-            </a:endParaRPr>
-          </a:p>
-        </p:txBody>
-      </p:sp>
-      <p:sp>
-        <p:nvSpPr>
-          <p:cNvPr id="3" name="모서리가 둥근 직사각형 2"/>
-          <p:cNvSpPr/>
-          <p:nvPr/>
-        </p:nvSpPr>
-        <p:spPr>
-          <a:xfrm>
-            <a:off x="971600" y="2303259"/>
-            <a:ext cx="1584176" cy="441065"/>
-          </a:xfrm>
-          <a:prstGeom prst="roundRect">
-            <a:avLst/>
-          </a:prstGeom>
-          <a:solidFill>
-            <a:srgbClr val="00B0F0">
-              <a:alpha val="55000"/>
-            </a:srgbClr>
-          </a:solidFill>
-          <a:ln/>
-        </p:spPr>
-        <p:style>
-          <a:lnRef idx="0">
-            <a:schemeClr val="accent2"/>
-          </a:lnRef>
-          <a:fillRef idx="3">
-            <a:schemeClr val="accent2"/>
-          </a:fillRef>
-          <a:effectRef idx="3">
-            <a:schemeClr val="accent2"/>
-          </a:effectRef>
-          <a:fontRef idx="minor">
-            <a:schemeClr val="lt1"/>
-          </a:fontRef>
-        </p:style>
-        <p:txBody>
-          <a:bodyPr rtlCol="0" anchor="ctr"/>
-          <a:lstStyle/>
-          <a:p>
-            <a:pPr algn="ctr"/>
-            <a:r>
-              <a:rPr lang="en-US" altLang="ko-KR" sz="1400" b="1" dirty="0" smtClean="0">
-                <a:solidFill>
-                  <a:schemeClr val="tx1"/>
-                </a:solidFill>
-                <a:latin typeface="휴먼모음T" pitchFamily="18" charset="-127"/>
-                <a:ea typeface="휴먼모음T" pitchFamily="18" charset="-127"/>
-              </a:rPr>
-              <a:t>USB/IP App</a:t>
-            </a:r>
-            <a:endParaRPr lang="ko-KR" altLang="en-US" sz="1400" b="1" dirty="0">
-              <a:solidFill>
-                <a:schemeClr val="tx1"/>
-              </a:solidFill>
-              <a:latin typeface="휴먼모음T" pitchFamily="18" charset="-127"/>
-              <a:ea typeface="휴먼모음T" pitchFamily="18" charset="-127"/>
-            </a:endParaRPr>
-          </a:p>
-        </p:txBody>
-      </p:sp>
-      <p:sp>
-        <p:nvSpPr>
-          <p:cNvPr id="9" name="모서리가 둥근 직사각형 8"/>
-          <p:cNvSpPr/>
-          <p:nvPr/>
-        </p:nvSpPr>
-        <p:spPr>
-          <a:xfrm>
-            <a:off x="2699792" y="2303259"/>
-            <a:ext cx="1584176" cy="441065"/>
-          </a:xfrm>
-          <a:prstGeom prst="roundRect">
-            <a:avLst/>
-          </a:prstGeom>
-          <a:solidFill>
-            <a:srgbClr val="00B0F0">
-              <a:alpha val="55000"/>
-            </a:srgbClr>
-          </a:solidFill>
-          <a:ln/>
-        </p:spPr>
-        <p:style>
-          <a:lnRef idx="0">
-            <a:schemeClr val="accent2"/>
-          </a:lnRef>
-          <a:fillRef idx="3">
-            <a:schemeClr val="accent2"/>
-          </a:fillRef>
-          <a:effectRef idx="3">
-            <a:schemeClr val="accent2"/>
-          </a:effectRef>
-          <a:fontRef idx="minor">
-            <a:schemeClr val="lt1"/>
-          </a:fontRef>
-        </p:style>
-        <p:txBody>
-          <a:bodyPr rtlCol="0" anchor="ctr"/>
-          <a:lstStyle/>
-          <a:p>
-            <a:pPr algn="ctr"/>
-            <a:r>
-              <a:rPr lang="en-US" altLang="ko-KR" sz="1400" b="1" dirty="0" smtClean="0">
-                <a:solidFill>
-                  <a:schemeClr val="tx1"/>
-                </a:solidFill>
-                <a:latin typeface="휴먼모음T" pitchFamily="18" charset="-127"/>
-                <a:ea typeface="휴먼모음T" pitchFamily="18" charset="-127"/>
-              </a:rPr>
-              <a:t>Service App</a:t>
-            </a:r>
-            <a:endParaRPr lang="ko-KR" altLang="en-US" sz="1400" b="1" dirty="0">
-              <a:solidFill>
-                <a:schemeClr val="tx1"/>
-              </a:solidFill>
-              <a:latin typeface="휴먼모음T" pitchFamily="18" charset="-127"/>
-              <a:ea typeface="휴먼모음T" pitchFamily="18" charset="-127"/>
-            </a:endParaRPr>
-          </a:p>
-        </p:txBody>
-      </p:sp>
-      <p:sp>
-        <p:nvSpPr>
-          <p:cNvPr id="10" name="모서리가 둥근 직사각형 9"/>
-          <p:cNvSpPr/>
-          <p:nvPr/>
-        </p:nvSpPr>
-        <p:spPr>
-          <a:xfrm>
-            <a:off x="4454263" y="2300781"/>
-            <a:ext cx="1584176" cy="441065"/>
-          </a:xfrm>
-          <a:prstGeom prst="roundRect">
-            <a:avLst/>
-          </a:prstGeom>
-          <a:solidFill>
-            <a:schemeClr val="bg1"/>
-          </a:solidFill>
-          <a:ln>
-            <a:solidFill>
-              <a:srgbClr val="000000">
-                <a:alpha val="80000"/>
-              </a:srgbClr>
-            </a:solidFill>
-          </a:ln>
-        </p:spPr>
-        <p:style>
-          <a:lnRef idx="2">
-            <a:schemeClr val="accent1">
-              <a:shade val="50000"/>
-            </a:schemeClr>
-          </a:lnRef>
-          <a:fillRef idx="1">
-            <a:schemeClr val="accent1"/>
-          </a:fillRef>
-          <a:effectRef idx="0">
-            <a:schemeClr val="accent1"/>
-          </a:effectRef>
-          <a:fontRef idx="minor">
-            <a:schemeClr val="lt1"/>
-          </a:fontRef>
-        </p:style>
-        <p:txBody>
-          <a:bodyPr rtlCol="0" anchor="ctr"/>
-          <a:lstStyle/>
-          <a:p>
-            <a:pPr algn="ctr"/>
-            <a:r>
-              <a:rPr lang="en-US" altLang="ko-KR" sz="1400" b="1" dirty="0" smtClean="0">
-                <a:solidFill>
-                  <a:schemeClr val="tx1"/>
-                </a:solidFill>
-                <a:latin typeface="휴먼모음T" pitchFamily="18" charset="-127"/>
-                <a:ea typeface="휴먼모음T" pitchFamily="18" charset="-127"/>
-              </a:rPr>
-              <a:t>Alarm</a:t>
-            </a:r>
-            <a:endParaRPr lang="ko-KR" altLang="en-US" sz="1400" b="1" dirty="0">
-              <a:solidFill>
-                <a:schemeClr val="tx1"/>
-              </a:solidFill>
-              <a:latin typeface="휴먼모음T" pitchFamily="18" charset="-127"/>
-              <a:ea typeface="휴먼모음T" pitchFamily="18" charset="-127"/>
-            </a:endParaRPr>
-          </a:p>
-        </p:txBody>
-      </p:sp>
-      <p:sp>
-        <p:nvSpPr>
-          <p:cNvPr id="11" name="모서리가 둥근 직사각형 10"/>
-          <p:cNvSpPr/>
-          <p:nvPr/>
-        </p:nvSpPr>
-        <p:spPr>
-          <a:xfrm>
-            <a:off x="6190839" y="2303259"/>
-            <a:ext cx="1584176" cy="441065"/>
-          </a:xfrm>
-          <a:prstGeom prst="roundRect">
-            <a:avLst/>
-          </a:prstGeom>
-          <a:solidFill>
-            <a:schemeClr val="bg1"/>
-          </a:solidFill>
-          <a:ln>
-            <a:solidFill>
-              <a:srgbClr val="000000">
-                <a:alpha val="80000"/>
-              </a:srgbClr>
-            </a:solidFill>
-          </a:ln>
-        </p:spPr>
-        <p:style>
-          <a:lnRef idx="2">
-            <a:schemeClr val="accent1">
-              <a:shade val="50000"/>
-            </a:schemeClr>
-          </a:lnRef>
-          <a:fillRef idx="1">
-            <a:schemeClr val="accent1"/>
-          </a:fillRef>
-          <a:effectRef idx="0">
-            <a:schemeClr val="accent1"/>
-          </a:effectRef>
-          <a:fontRef idx="minor">
-            <a:schemeClr val="lt1"/>
-          </a:fontRef>
-        </p:style>
-        <p:txBody>
-          <a:bodyPr rtlCol="0" anchor="ctr"/>
-          <a:lstStyle/>
-          <a:p>
-            <a:pPr algn="ctr"/>
-            <a:r>
-              <a:rPr lang="en-US" altLang="ko-KR" sz="1400" b="1" dirty="0" smtClean="0">
-                <a:solidFill>
-                  <a:schemeClr val="tx1"/>
-                </a:solidFill>
-                <a:latin typeface="휴먼모음T" pitchFamily="18" charset="-127"/>
-                <a:ea typeface="휴먼모음T" pitchFamily="18" charset="-127"/>
-              </a:rPr>
-              <a:t>Home</a:t>
-            </a:r>
-            <a:endParaRPr lang="ko-KR" altLang="en-US" sz="1400" b="1" dirty="0">
-              <a:solidFill>
-                <a:schemeClr val="tx1"/>
-              </a:solidFill>
-              <a:latin typeface="휴먼모음T" pitchFamily="18" charset="-127"/>
-              <a:ea typeface="휴먼모음T" pitchFamily="18" charset="-127"/>
-            </a:endParaRPr>
-          </a:p>
-        </p:txBody>
-      </p:sp>
-      <p:sp>
-        <p:nvSpPr>
-          <p:cNvPr id="4" name="TextBox 3"/>
-          <p:cNvSpPr txBox="1"/>
-          <p:nvPr/>
-        </p:nvSpPr>
-        <p:spPr>
-          <a:xfrm>
-            <a:off x="7771389" y="2374992"/>
-            <a:ext cx="410690" cy="369332"/>
-          </a:xfrm>
-          <a:prstGeom prst="rect">
-            <a:avLst/>
-          </a:prstGeom>
-          <a:noFill/>
-        </p:spPr>
-        <p:txBody>
-          <a:bodyPr wrap="none" rtlCol="0">
-            <a:spAutoFit/>
-          </a:bodyPr>
-          <a:lstStyle/>
-          <a:p>
-            <a:r>
-              <a:rPr lang="en-US" altLang="ko-KR" sz="1800" b="1" dirty="0" smtClean="0">
-                <a:latin typeface="휴먼모음T" pitchFamily="18" charset="-127"/>
-                <a:ea typeface="휴먼모음T" pitchFamily="18" charset="-127"/>
-              </a:rPr>
-              <a:t>…</a:t>
-            </a:r>
-            <a:endParaRPr lang="ko-KR" altLang="en-US" sz="1800" b="1" dirty="0">
-              <a:latin typeface="휴먼모음T" pitchFamily="18" charset="-127"/>
-              <a:ea typeface="휴먼모음T" pitchFamily="18" charset="-127"/>
-            </a:endParaRPr>
-          </a:p>
-        </p:txBody>
-      </p:sp>
-      <p:sp>
-        <p:nvSpPr>
-          <p:cNvPr id="13" name="모서리가 둥근 직사각형 12"/>
-          <p:cNvSpPr/>
-          <p:nvPr/>
-        </p:nvSpPr>
-        <p:spPr>
-          <a:xfrm>
-            <a:off x="971600" y="5552636"/>
-            <a:ext cx="1584176" cy="441065"/>
-          </a:xfrm>
-          <a:prstGeom prst="roundRect">
-            <a:avLst/>
-          </a:prstGeom>
-          <a:ln/>
-        </p:spPr>
-        <p:style>
-          <a:lnRef idx="0">
-            <a:schemeClr val="accent2"/>
-          </a:lnRef>
-          <a:fillRef idx="3">
-            <a:schemeClr val="accent2"/>
-          </a:fillRef>
-          <a:effectRef idx="3">
-            <a:schemeClr val="accent2"/>
-          </a:effectRef>
-          <a:fontRef idx="minor">
-            <a:schemeClr val="lt1"/>
-          </a:fontRef>
-        </p:style>
-        <p:txBody>
-          <a:bodyPr rtlCol="0" anchor="ctr"/>
-          <a:lstStyle/>
-          <a:p>
-            <a:pPr algn="ctr"/>
-            <a:r>
-              <a:rPr lang="en-US" altLang="ko-KR" sz="1400" b="1" dirty="0" smtClean="0">
-                <a:solidFill>
-                  <a:schemeClr val="tx1"/>
-                </a:solidFill>
-                <a:latin typeface="휴먼모음T" pitchFamily="18" charset="-127"/>
-                <a:ea typeface="휴먼모음T" pitchFamily="18" charset="-127"/>
-              </a:rPr>
-              <a:t>USB/IP</a:t>
-            </a:r>
-            <a:endParaRPr lang="ko-KR" altLang="en-US" sz="1400" b="1" dirty="0">
-              <a:solidFill>
-                <a:schemeClr val="tx1"/>
-              </a:solidFill>
-              <a:latin typeface="휴먼모음T" pitchFamily="18" charset="-127"/>
-              <a:ea typeface="휴먼모음T" pitchFamily="18" charset="-127"/>
-            </a:endParaRPr>
-          </a:p>
-        </p:txBody>
-      </p:sp>
-      <p:sp>
-        <p:nvSpPr>
-          <p:cNvPr id="15" name="모서리가 둥근 직사각형 14"/>
-          <p:cNvSpPr/>
-          <p:nvPr/>
-        </p:nvSpPr>
-        <p:spPr>
-          <a:xfrm>
-            <a:off x="6190839" y="5559638"/>
-            <a:ext cx="1584176" cy="441065"/>
-          </a:xfrm>
-          <a:prstGeom prst="roundRect">
-            <a:avLst/>
-          </a:prstGeom>
-          <a:solidFill>
-            <a:schemeClr val="bg1"/>
-          </a:solidFill>
-          <a:ln>
-            <a:solidFill>
-              <a:srgbClr val="000000">
-                <a:alpha val="80000"/>
-              </a:srgbClr>
-            </a:solidFill>
-          </a:ln>
-        </p:spPr>
-        <p:style>
-          <a:lnRef idx="2">
-            <a:schemeClr val="accent1">
-              <a:shade val="50000"/>
-            </a:schemeClr>
-          </a:lnRef>
-          <a:fillRef idx="1">
-            <a:schemeClr val="accent1"/>
-          </a:fillRef>
-          <a:effectRef idx="0">
-            <a:schemeClr val="accent1"/>
-          </a:effectRef>
-          <a:fontRef idx="minor">
-            <a:schemeClr val="lt1"/>
-          </a:fontRef>
-        </p:style>
-        <p:txBody>
-          <a:bodyPr rtlCol="0" anchor="ctr"/>
-          <a:lstStyle/>
-          <a:p>
-            <a:pPr algn="ctr"/>
-            <a:r>
-              <a:rPr lang="en-US" altLang="ko-KR" sz="1400" b="1" dirty="0" smtClean="0">
-                <a:solidFill>
-                  <a:schemeClr val="tx1"/>
-                </a:solidFill>
-                <a:latin typeface="휴먼모음T" pitchFamily="18" charset="-127"/>
-                <a:ea typeface="휴먼모음T" pitchFamily="18" charset="-127"/>
-              </a:rPr>
-              <a:t>USB Driver</a:t>
-            </a:r>
-            <a:endParaRPr lang="ko-KR" altLang="en-US" sz="1400" b="1" dirty="0">
-              <a:solidFill>
-                <a:schemeClr val="tx1"/>
-              </a:solidFill>
-              <a:latin typeface="휴먼모음T" pitchFamily="18" charset="-127"/>
-              <a:ea typeface="휴먼모음T" pitchFamily="18" charset="-127"/>
-            </a:endParaRPr>
-          </a:p>
-        </p:txBody>
-      </p:sp>
-      <p:sp>
-        <p:nvSpPr>
-          <p:cNvPr id="16" name="모서리가 둥근 직사각형 15"/>
-          <p:cNvSpPr/>
-          <p:nvPr/>
-        </p:nvSpPr>
-        <p:spPr>
-          <a:xfrm>
-            <a:off x="4454263" y="5552635"/>
-            <a:ext cx="1584176" cy="441065"/>
-          </a:xfrm>
-          <a:prstGeom prst="roundRect">
-            <a:avLst/>
-          </a:prstGeom>
-          <a:solidFill>
-            <a:schemeClr val="bg1"/>
-          </a:solidFill>
-          <a:ln>
-            <a:solidFill>
-              <a:srgbClr val="000000">
-                <a:alpha val="80000"/>
-              </a:srgbClr>
-            </a:solidFill>
-          </a:ln>
-        </p:spPr>
-        <p:style>
-          <a:lnRef idx="2">
-            <a:schemeClr val="accent1">
-              <a:shade val="50000"/>
-            </a:schemeClr>
-          </a:lnRef>
-          <a:fillRef idx="1">
-            <a:schemeClr val="accent1"/>
-          </a:fillRef>
-          <a:effectRef idx="0">
-            <a:schemeClr val="accent1"/>
-          </a:effectRef>
-          <a:fontRef idx="minor">
-            <a:schemeClr val="lt1"/>
-          </a:fontRef>
-        </p:style>
-        <p:txBody>
-          <a:bodyPr rtlCol="0" anchor="ctr"/>
-          <a:lstStyle/>
-          <a:p>
-            <a:pPr algn="ctr"/>
-            <a:r>
-              <a:rPr lang="en-US" altLang="ko-KR" sz="1400" b="1" dirty="0" smtClean="0">
-                <a:solidFill>
-                  <a:schemeClr val="tx1"/>
-                </a:solidFill>
-                <a:latin typeface="휴먼모음T" pitchFamily="18" charset="-127"/>
-                <a:ea typeface="휴먼모음T" pitchFamily="18" charset="-127"/>
-              </a:rPr>
-              <a:t>Camera Driver</a:t>
-            </a:r>
-            <a:endParaRPr lang="ko-KR" altLang="en-US" sz="1400" b="1" dirty="0">
-              <a:solidFill>
-                <a:schemeClr val="tx1"/>
-              </a:solidFill>
-              <a:latin typeface="휴먼모음T" pitchFamily="18" charset="-127"/>
-              <a:ea typeface="휴먼모음T" pitchFamily="18" charset="-127"/>
-            </a:endParaRPr>
-          </a:p>
-        </p:txBody>
-      </p:sp>
-      <p:sp>
-        <p:nvSpPr>
-          <p:cNvPr id="18" name="TextBox 17"/>
-          <p:cNvSpPr txBox="1"/>
-          <p:nvPr/>
-        </p:nvSpPr>
-        <p:spPr>
-          <a:xfrm>
-            <a:off x="7775015" y="5589720"/>
-            <a:ext cx="410690" cy="369332"/>
-          </a:xfrm>
-          <a:prstGeom prst="rect">
-            <a:avLst/>
-          </a:prstGeom>
-          <a:noFill/>
-        </p:spPr>
-        <p:txBody>
-          <a:bodyPr wrap="none" rtlCol="0">
-            <a:spAutoFit/>
-          </a:bodyPr>
-          <a:lstStyle/>
-          <a:p>
-            <a:r>
-              <a:rPr lang="en-US" altLang="ko-KR" sz="1800" b="1" dirty="0" smtClean="0">
-                <a:latin typeface="휴먼모음T" pitchFamily="18" charset="-127"/>
-                <a:ea typeface="휴먼모음T" pitchFamily="18" charset="-127"/>
-              </a:rPr>
-              <a:t>…</a:t>
-            </a:r>
-            <a:endParaRPr lang="ko-KR" altLang="en-US" sz="1800" b="1" dirty="0">
-              <a:latin typeface="휴먼모음T" pitchFamily="18" charset="-127"/>
-              <a:ea typeface="휴먼모음T" pitchFamily="18" charset="-127"/>
-            </a:endParaRPr>
-          </a:p>
-        </p:txBody>
-      </p:sp>
-      <p:sp>
-        <p:nvSpPr>
-          <p:cNvPr id="19" name="모서리가 둥근 직사각형 18"/>
-          <p:cNvSpPr/>
-          <p:nvPr/>
-        </p:nvSpPr>
-        <p:spPr>
-          <a:xfrm>
-            <a:off x="971600" y="3176372"/>
-            <a:ext cx="1584176" cy="441065"/>
-          </a:xfrm>
-          <a:prstGeom prst="roundRect">
-            <a:avLst/>
-          </a:prstGeom>
-          <a:solidFill>
-            <a:schemeClr val="bg1"/>
-          </a:solidFill>
-          <a:ln>
-            <a:solidFill>
-              <a:srgbClr val="000000">
-                <a:alpha val="80000"/>
-              </a:srgbClr>
-            </a:solidFill>
-          </a:ln>
-        </p:spPr>
-        <p:style>
-          <a:lnRef idx="2">
-            <a:schemeClr val="accent1">
-              <a:shade val="50000"/>
-            </a:schemeClr>
-          </a:lnRef>
-          <a:fillRef idx="1">
-            <a:schemeClr val="accent1"/>
-          </a:fillRef>
-          <a:effectRef idx="0">
-            <a:schemeClr val="accent1"/>
-          </a:effectRef>
-          <a:fontRef idx="minor">
-            <a:schemeClr val="lt1"/>
-          </a:fontRef>
-        </p:style>
-        <p:txBody>
-          <a:bodyPr rtlCol="0" anchor="ctr"/>
-          <a:lstStyle/>
-          <a:p>
-            <a:pPr algn="ctr"/>
-            <a:r>
-              <a:rPr lang="en-US" altLang="ko-KR" sz="1400" b="1" dirty="0" smtClean="0">
-                <a:solidFill>
-                  <a:schemeClr val="tx1"/>
-                </a:solidFill>
-                <a:latin typeface="휴먼모음T" pitchFamily="18" charset="-127"/>
-                <a:ea typeface="휴먼모음T" pitchFamily="18" charset="-127"/>
-              </a:rPr>
-              <a:t>Activity Manager</a:t>
-            </a:r>
-            <a:endParaRPr lang="ko-KR" altLang="en-US" sz="1400" b="1" dirty="0">
-              <a:solidFill>
-                <a:schemeClr val="tx1"/>
-              </a:solidFill>
-              <a:latin typeface="휴먼모음T" pitchFamily="18" charset="-127"/>
-              <a:ea typeface="휴먼모음T" pitchFamily="18" charset="-127"/>
-            </a:endParaRPr>
-          </a:p>
-        </p:txBody>
-      </p:sp>
-      <p:sp>
-        <p:nvSpPr>
-          <p:cNvPr id="20" name="모서리가 둥근 직사각형 19"/>
-          <p:cNvSpPr/>
-          <p:nvPr/>
-        </p:nvSpPr>
-        <p:spPr>
-          <a:xfrm>
-            <a:off x="2699792" y="3186762"/>
-            <a:ext cx="1584176" cy="441065"/>
-          </a:xfrm>
-          <a:prstGeom prst="roundRect">
-            <a:avLst/>
-          </a:prstGeom>
-          <a:solidFill>
-            <a:schemeClr val="bg1"/>
-          </a:solidFill>
-          <a:ln>
-            <a:solidFill>
-              <a:srgbClr val="000000">
-                <a:alpha val="80000"/>
-              </a:srgbClr>
-            </a:solidFill>
-          </a:ln>
-        </p:spPr>
-        <p:style>
-          <a:lnRef idx="2">
-            <a:schemeClr val="accent1">
-              <a:shade val="50000"/>
-            </a:schemeClr>
-          </a:lnRef>
-          <a:fillRef idx="1">
-            <a:schemeClr val="accent1"/>
-          </a:fillRef>
-          <a:effectRef idx="0">
-            <a:schemeClr val="accent1"/>
-          </a:effectRef>
-          <a:fontRef idx="minor">
-            <a:schemeClr val="lt1"/>
-          </a:fontRef>
-        </p:style>
-        <p:txBody>
-          <a:bodyPr rtlCol="0" anchor="ctr"/>
-          <a:lstStyle/>
-          <a:p>
-            <a:pPr algn="ctr"/>
-            <a:r>
-              <a:rPr lang="en-US" altLang="ko-KR" sz="1400" b="1" dirty="0" smtClean="0">
-                <a:solidFill>
-                  <a:schemeClr val="tx1"/>
-                </a:solidFill>
-                <a:latin typeface="휴먼모음T" pitchFamily="18" charset="-127"/>
-                <a:ea typeface="휴먼모음T" pitchFamily="18" charset="-127"/>
-              </a:rPr>
-              <a:t>View System</a:t>
-            </a:r>
-            <a:endParaRPr lang="ko-KR" altLang="en-US" sz="1400" b="1" dirty="0">
-              <a:solidFill>
-                <a:schemeClr val="tx1"/>
-              </a:solidFill>
-              <a:latin typeface="휴먼모음T" pitchFamily="18" charset="-127"/>
-              <a:ea typeface="휴먼모음T" pitchFamily="18" charset="-127"/>
-            </a:endParaRPr>
-          </a:p>
-        </p:txBody>
-      </p:sp>
-      <p:sp>
-        <p:nvSpPr>
-          <p:cNvPr id="21" name="모서리가 둥근 직사각형 20"/>
-          <p:cNvSpPr/>
-          <p:nvPr/>
-        </p:nvSpPr>
-        <p:spPr>
-          <a:xfrm>
-            <a:off x="4454263" y="3176372"/>
-            <a:ext cx="1584176" cy="441065"/>
-          </a:xfrm>
-          <a:prstGeom prst="roundRect">
-            <a:avLst/>
-          </a:prstGeom>
-          <a:solidFill>
-            <a:schemeClr val="bg1"/>
-          </a:solidFill>
-          <a:ln>
-            <a:solidFill>
-              <a:srgbClr val="000000">
-                <a:alpha val="80000"/>
-              </a:srgbClr>
-            </a:solidFill>
-          </a:ln>
-        </p:spPr>
-        <p:style>
-          <a:lnRef idx="2">
-            <a:schemeClr val="accent1">
-              <a:shade val="50000"/>
-            </a:schemeClr>
-          </a:lnRef>
-          <a:fillRef idx="1">
-            <a:schemeClr val="accent1"/>
-          </a:fillRef>
-          <a:effectRef idx="0">
-            <a:schemeClr val="accent1"/>
-          </a:effectRef>
-          <a:fontRef idx="minor">
-            <a:schemeClr val="lt1"/>
-          </a:fontRef>
-        </p:style>
-        <p:txBody>
-          <a:bodyPr rtlCol="0" anchor="ctr"/>
-          <a:lstStyle/>
-          <a:p>
-            <a:pPr algn="ctr"/>
-            <a:r>
-              <a:rPr lang="en-US" altLang="ko-KR" sz="1400" b="1" dirty="0" smtClean="0">
-                <a:solidFill>
-                  <a:schemeClr val="tx1"/>
-                </a:solidFill>
-                <a:latin typeface="휴먼모음T" pitchFamily="18" charset="-127"/>
-                <a:ea typeface="휴먼모음T" pitchFamily="18" charset="-127"/>
-              </a:rPr>
-              <a:t>Notification Manager</a:t>
-            </a:r>
-            <a:endParaRPr lang="ko-KR" altLang="en-US" sz="1400" b="1" dirty="0">
-              <a:solidFill>
-                <a:schemeClr val="tx1"/>
-              </a:solidFill>
-              <a:latin typeface="휴먼모음T" pitchFamily="18" charset="-127"/>
-              <a:ea typeface="휴먼모음T" pitchFamily="18" charset="-127"/>
-            </a:endParaRPr>
-          </a:p>
-        </p:txBody>
-      </p:sp>
-      <p:sp>
-        <p:nvSpPr>
-          <p:cNvPr id="22" name="모서리가 둥근 직사각형 21"/>
-          <p:cNvSpPr/>
-          <p:nvPr/>
-        </p:nvSpPr>
-        <p:spPr>
-          <a:xfrm>
-            <a:off x="6210853" y="3186762"/>
-            <a:ext cx="1584176" cy="441065"/>
-          </a:xfrm>
-          <a:prstGeom prst="roundRect">
-            <a:avLst/>
-          </a:prstGeom>
-          <a:solidFill>
-            <a:schemeClr val="bg1"/>
-          </a:solidFill>
-          <a:ln>
-            <a:solidFill>
-              <a:srgbClr val="000000">
-                <a:alpha val="80000"/>
-              </a:srgbClr>
-            </a:solidFill>
-          </a:ln>
-        </p:spPr>
-        <p:style>
-          <a:lnRef idx="2">
-            <a:schemeClr val="accent1">
-              <a:shade val="50000"/>
-            </a:schemeClr>
-          </a:lnRef>
-          <a:fillRef idx="1">
-            <a:schemeClr val="accent1"/>
-          </a:fillRef>
-          <a:effectRef idx="0">
-            <a:schemeClr val="accent1"/>
-          </a:effectRef>
-          <a:fontRef idx="minor">
-            <a:schemeClr val="lt1"/>
-          </a:fontRef>
-        </p:style>
-        <p:txBody>
-          <a:bodyPr rtlCol="0" anchor="ctr"/>
-          <a:lstStyle/>
-          <a:p>
-            <a:pPr algn="ctr"/>
-            <a:r>
-              <a:rPr lang="en-US" altLang="ko-KR" sz="1400" b="1" dirty="0" smtClean="0">
-                <a:solidFill>
-                  <a:schemeClr val="tx1"/>
-                </a:solidFill>
-                <a:latin typeface="휴먼모음T" pitchFamily="18" charset="-127"/>
-                <a:ea typeface="휴먼모음T" pitchFamily="18" charset="-127"/>
-              </a:rPr>
-              <a:t>Location Manager</a:t>
-            </a:r>
-            <a:endParaRPr lang="ko-KR" altLang="en-US" sz="1400" b="1" dirty="0">
-              <a:solidFill>
-                <a:schemeClr val="tx1"/>
-              </a:solidFill>
-              <a:latin typeface="휴먼모음T" pitchFamily="18" charset="-127"/>
-              <a:ea typeface="휴먼모음T" pitchFamily="18" charset="-127"/>
-            </a:endParaRPr>
-          </a:p>
-        </p:txBody>
-      </p:sp>
-      <p:sp>
-        <p:nvSpPr>
-          <p:cNvPr id="23" name="TextBox 22"/>
-          <p:cNvSpPr txBox="1"/>
-          <p:nvPr/>
-        </p:nvSpPr>
-        <p:spPr>
-          <a:xfrm>
-            <a:off x="7795029" y="3212238"/>
-            <a:ext cx="410690" cy="369332"/>
-          </a:xfrm>
-          <a:prstGeom prst="rect">
-            <a:avLst/>
-          </a:prstGeom>
-          <a:noFill/>
-        </p:spPr>
-        <p:txBody>
-          <a:bodyPr wrap="none" rtlCol="0">
-            <a:spAutoFit/>
-          </a:bodyPr>
-          <a:lstStyle/>
-          <a:p>
-            <a:r>
-              <a:rPr lang="en-US" altLang="ko-KR" sz="1800" b="1" dirty="0" smtClean="0">
-                <a:latin typeface="휴먼모음T" pitchFamily="18" charset="-127"/>
-                <a:ea typeface="휴먼모음T" pitchFamily="18" charset="-127"/>
-              </a:rPr>
-              <a:t>…</a:t>
-            </a:r>
-            <a:endParaRPr lang="ko-KR" altLang="en-US" sz="1800" b="1" dirty="0">
-              <a:latin typeface="휴먼모음T" pitchFamily="18" charset="-127"/>
-              <a:ea typeface="휴먼모음T" pitchFamily="18" charset="-127"/>
-            </a:endParaRPr>
-          </a:p>
-        </p:txBody>
-      </p:sp>
-      <p:sp>
-        <p:nvSpPr>
-          <p:cNvPr id="24" name="모서리가 둥근 직사각형 23"/>
-          <p:cNvSpPr/>
-          <p:nvPr/>
-        </p:nvSpPr>
-        <p:spPr>
-          <a:xfrm>
-            <a:off x="5652120" y="4226161"/>
-            <a:ext cx="936104" cy="441065"/>
-          </a:xfrm>
-          <a:prstGeom prst="roundRect">
-            <a:avLst/>
-          </a:prstGeom>
-          <a:solidFill>
-            <a:schemeClr val="bg1"/>
-          </a:solidFill>
-          <a:ln>
-            <a:solidFill>
-              <a:srgbClr val="000000">
-                <a:alpha val="80000"/>
-              </a:srgbClr>
-            </a:solidFill>
-          </a:ln>
-        </p:spPr>
-        <p:style>
-          <a:lnRef idx="2">
-            <a:schemeClr val="accent1">
-              <a:shade val="50000"/>
-            </a:schemeClr>
-          </a:lnRef>
-          <a:fillRef idx="1">
-            <a:schemeClr val="accent1"/>
-          </a:fillRef>
-          <a:effectRef idx="0">
-            <a:schemeClr val="accent1"/>
-          </a:effectRef>
-          <a:fontRef idx="minor">
-            <a:schemeClr val="lt1"/>
-          </a:fontRef>
-        </p:style>
-        <p:txBody>
-          <a:bodyPr rtlCol="0" anchor="ctr"/>
-          <a:lstStyle/>
-          <a:p>
-            <a:pPr algn="ctr"/>
-            <a:r>
-              <a:rPr lang="en-US" altLang="ko-KR" sz="1400" b="1" dirty="0" smtClean="0">
-                <a:solidFill>
-                  <a:schemeClr val="tx1"/>
-                </a:solidFill>
-                <a:latin typeface="휴먼모음T" pitchFamily="18" charset="-127"/>
-                <a:ea typeface="휴먼모음T" pitchFamily="18" charset="-127"/>
-              </a:rPr>
-              <a:t>Core Libraries</a:t>
-            </a:r>
-            <a:endParaRPr lang="ko-KR" altLang="en-US" sz="1400" b="1" dirty="0">
-              <a:solidFill>
-                <a:schemeClr val="tx1"/>
-              </a:solidFill>
-              <a:latin typeface="휴먼모음T" pitchFamily="18" charset="-127"/>
-              <a:ea typeface="휴먼모음T" pitchFamily="18" charset="-127"/>
-            </a:endParaRPr>
-          </a:p>
-        </p:txBody>
-      </p:sp>
-      <p:sp>
-        <p:nvSpPr>
-          <p:cNvPr id="25" name="모서리가 둥근 직사각형 24"/>
-          <p:cNvSpPr/>
-          <p:nvPr/>
-        </p:nvSpPr>
-        <p:spPr>
-          <a:xfrm>
-            <a:off x="6688242" y="4220531"/>
-            <a:ext cx="1412150" cy="441065"/>
-          </a:xfrm>
-          <a:prstGeom prst="roundRect">
-            <a:avLst/>
-          </a:prstGeom>
-          <a:solidFill>
-            <a:schemeClr val="bg1"/>
-          </a:solidFill>
-          <a:ln>
-            <a:solidFill>
-              <a:srgbClr val="000000">
-                <a:alpha val="80000"/>
-              </a:srgbClr>
-            </a:solidFill>
-          </a:ln>
-        </p:spPr>
-        <p:style>
-          <a:lnRef idx="2">
-            <a:schemeClr val="accent1">
-              <a:shade val="50000"/>
-            </a:schemeClr>
-          </a:lnRef>
-          <a:fillRef idx="1">
-            <a:schemeClr val="accent1"/>
-          </a:fillRef>
-          <a:effectRef idx="0">
-            <a:schemeClr val="accent1"/>
-          </a:effectRef>
-          <a:fontRef idx="minor">
-            <a:schemeClr val="lt1"/>
-          </a:fontRef>
-        </p:style>
-        <p:txBody>
-          <a:bodyPr rtlCol="0" anchor="ctr"/>
-          <a:lstStyle/>
-          <a:p>
-            <a:pPr algn="ctr"/>
-            <a:r>
-              <a:rPr lang="en-US" altLang="ko-KR" sz="1400" b="1" dirty="0" err="1">
-                <a:solidFill>
-                  <a:schemeClr val="tx1"/>
-                </a:solidFill>
-                <a:latin typeface="휴먼모음T" pitchFamily="18" charset="-127"/>
-                <a:ea typeface="휴먼모음T" pitchFamily="18" charset="-127"/>
-              </a:rPr>
-              <a:t>D</a:t>
-            </a:r>
-            <a:r>
-              <a:rPr lang="en-US" altLang="ko-KR" sz="1400" b="1" dirty="0" err="1" smtClean="0">
-                <a:solidFill>
-                  <a:schemeClr val="tx1"/>
-                </a:solidFill>
-                <a:latin typeface="휴먼모음T" pitchFamily="18" charset="-127"/>
-                <a:ea typeface="휴먼모음T" pitchFamily="18" charset="-127"/>
-              </a:rPr>
-              <a:t>alvik</a:t>
-            </a:r>
-            <a:r>
-              <a:rPr lang="en-US" altLang="ko-KR" sz="1400" b="1" dirty="0" smtClean="0">
-                <a:solidFill>
-                  <a:schemeClr val="tx1"/>
-                </a:solidFill>
-                <a:latin typeface="휴먼모음T" pitchFamily="18" charset="-127"/>
-                <a:ea typeface="휴먼모음T" pitchFamily="18" charset="-127"/>
-              </a:rPr>
-              <a:t> Virtual Machine</a:t>
-            </a:r>
-            <a:endParaRPr lang="ko-KR" altLang="en-US" sz="1400" b="1" dirty="0">
-              <a:solidFill>
-                <a:schemeClr val="tx1"/>
-              </a:solidFill>
-              <a:latin typeface="휴먼모음T" pitchFamily="18" charset="-127"/>
-              <a:ea typeface="휴먼모음T" pitchFamily="18" charset="-127"/>
-            </a:endParaRPr>
-          </a:p>
-        </p:txBody>
-      </p:sp>
-      <p:sp>
-        <p:nvSpPr>
-          <p:cNvPr id="26" name="모서리가 둥근 직사각형 25"/>
-          <p:cNvSpPr/>
-          <p:nvPr/>
-        </p:nvSpPr>
-        <p:spPr>
-          <a:xfrm>
-            <a:off x="977528" y="4112476"/>
-            <a:ext cx="1584176" cy="441065"/>
-          </a:xfrm>
-          <a:prstGeom prst="roundRect">
-            <a:avLst/>
-          </a:prstGeom>
-          <a:solidFill>
-            <a:schemeClr val="bg1"/>
-          </a:solidFill>
-          <a:ln>
-            <a:solidFill>
-              <a:srgbClr val="000000">
-                <a:alpha val="80000"/>
-              </a:srgbClr>
-            </a:solidFill>
-          </a:ln>
-        </p:spPr>
-        <p:style>
-          <a:lnRef idx="2">
-            <a:schemeClr val="accent1">
-              <a:shade val="50000"/>
-            </a:schemeClr>
-          </a:lnRef>
-          <a:fillRef idx="1">
-            <a:schemeClr val="accent1"/>
-          </a:fillRef>
-          <a:effectRef idx="0">
-            <a:schemeClr val="accent1"/>
-          </a:effectRef>
-          <a:fontRef idx="minor">
-            <a:schemeClr val="lt1"/>
-          </a:fontRef>
-        </p:style>
-        <p:txBody>
-          <a:bodyPr rtlCol="0" anchor="ctr"/>
-          <a:lstStyle/>
-          <a:p>
-            <a:pPr algn="ctr"/>
-            <a:r>
-              <a:rPr lang="en-US" altLang="ko-KR" sz="1400" b="1" dirty="0" smtClean="0">
-                <a:solidFill>
-                  <a:schemeClr val="tx1"/>
-                </a:solidFill>
-                <a:latin typeface="휴먼모음T" pitchFamily="18" charset="-127"/>
-                <a:ea typeface="휴먼모음T" pitchFamily="18" charset="-127"/>
-              </a:rPr>
-              <a:t>Surface Manager</a:t>
-            </a:r>
-            <a:endParaRPr lang="ko-KR" altLang="en-US" sz="1400" b="1" dirty="0">
-              <a:solidFill>
-                <a:schemeClr val="tx1"/>
-              </a:solidFill>
-              <a:latin typeface="휴먼모음T" pitchFamily="18" charset="-127"/>
-              <a:ea typeface="휴먼모음T" pitchFamily="18" charset="-127"/>
-            </a:endParaRPr>
-          </a:p>
-        </p:txBody>
-      </p:sp>
-      <p:sp>
-        <p:nvSpPr>
-          <p:cNvPr id="27" name="모서리가 둥근 직사각형 26"/>
-          <p:cNvSpPr/>
-          <p:nvPr/>
-        </p:nvSpPr>
-        <p:spPr>
-          <a:xfrm>
-            <a:off x="977528" y="4657471"/>
-            <a:ext cx="1584176" cy="441065"/>
-          </a:xfrm>
-          <a:prstGeom prst="roundRect">
-            <a:avLst/>
-          </a:prstGeom>
-          <a:solidFill>
-            <a:schemeClr val="bg1"/>
-          </a:solidFill>
-          <a:ln>
-            <a:solidFill>
-              <a:srgbClr val="000000">
-                <a:alpha val="80000"/>
-              </a:srgbClr>
-            </a:solidFill>
-          </a:ln>
-        </p:spPr>
-        <p:style>
-          <a:lnRef idx="2">
-            <a:schemeClr val="accent1">
-              <a:shade val="50000"/>
-            </a:schemeClr>
-          </a:lnRef>
-          <a:fillRef idx="1">
-            <a:schemeClr val="accent1"/>
-          </a:fillRef>
-          <a:effectRef idx="0">
-            <a:schemeClr val="accent1"/>
-          </a:effectRef>
-          <a:fontRef idx="minor">
-            <a:schemeClr val="lt1"/>
-          </a:fontRef>
-        </p:style>
-        <p:txBody>
-          <a:bodyPr rtlCol="0" anchor="ctr"/>
-          <a:lstStyle/>
-          <a:p>
-            <a:pPr algn="ctr"/>
-            <a:r>
-              <a:rPr lang="en-US" altLang="ko-KR" sz="1400" b="1" dirty="0" err="1" smtClean="0">
-                <a:solidFill>
-                  <a:schemeClr val="tx1"/>
-                </a:solidFill>
-                <a:latin typeface="휴먼모음T" pitchFamily="18" charset="-127"/>
-                <a:ea typeface="휴먼모음T" pitchFamily="18" charset="-127"/>
-              </a:rPr>
-              <a:t>WebKit</a:t>
-            </a:r>
-            <a:endParaRPr lang="ko-KR" altLang="en-US" sz="1400" b="1" dirty="0">
-              <a:solidFill>
-                <a:schemeClr val="tx1"/>
-              </a:solidFill>
-              <a:latin typeface="휴먼모음T" pitchFamily="18" charset="-127"/>
-              <a:ea typeface="휴먼모음T" pitchFamily="18" charset="-127"/>
-            </a:endParaRPr>
-          </a:p>
-        </p:txBody>
-      </p:sp>
-      <p:sp>
-        <p:nvSpPr>
-          <p:cNvPr id="28" name="모서리가 둥근 직사각형 27"/>
-          <p:cNvSpPr/>
-          <p:nvPr/>
-        </p:nvSpPr>
-        <p:spPr>
-          <a:xfrm>
-            <a:off x="2699792" y="4112476"/>
-            <a:ext cx="1584176" cy="441065"/>
-          </a:xfrm>
-          <a:prstGeom prst="roundRect">
-            <a:avLst/>
-          </a:prstGeom>
-          <a:solidFill>
-            <a:schemeClr val="bg1"/>
-          </a:solidFill>
-          <a:ln>
-            <a:solidFill>
-              <a:srgbClr val="000000">
-                <a:alpha val="80000"/>
-              </a:srgbClr>
-            </a:solidFill>
-          </a:ln>
-        </p:spPr>
-        <p:style>
-          <a:lnRef idx="2">
-            <a:schemeClr val="accent1">
-              <a:shade val="50000"/>
-            </a:schemeClr>
-          </a:lnRef>
-          <a:fillRef idx="1">
-            <a:schemeClr val="accent1"/>
-          </a:fillRef>
-          <a:effectRef idx="0">
-            <a:schemeClr val="accent1"/>
-          </a:effectRef>
-          <a:fontRef idx="minor">
-            <a:schemeClr val="lt1"/>
-          </a:fontRef>
-        </p:style>
-        <p:txBody>
-          <a:bodyPr rtlCol="0" anchor="ctr"/>
-          <a:lstStyle/>
-          <a:p>
-            <a:pPr algn="ctr"/>
-            <a:r>
-              <a:rPr lang="en-US" altLang="ko-KR" sz="1400" b="1" dirty="0" smtClean="0">
-                <a:solidFill>
-                  <a:schemeClr val="tx1"/>
-                </a:solidFill>
-                <a:latin typeface="휴먼모음T" pitchFamily="18" charset="-127"/>
-                <a:ea typeface="휴먼모음T" pitchFamily="18" charset="-127"/>
-              </a:rPr>
-              <a:t>SQLite</a:t>
-            </a:r>
-            <a:endParaRPr lang="ko-KR" altLang="en-US" sz="1400" b="1" dirty="0">
-              <a:solidFill>
-                <a:schemeClr val="tx1"/>
-              </a:solidFill>
-              <a:latin typeface="휴먼모음T" pitchFamily="18" charset="-127"/>
-              <a:ea typeface="휴먼모음T" pitchFamily="18" charset="-127"/>
-            </a:endParaRPr>
-          </a:p>
-        </p:txBody>
-      </p:sp>
-      <p:sp>
-        <p:nvSpPr>
-          <p:cNvPr id="29" name="모서리가 둥근 직사각형 28"/>
-          <p:cNvSpPr/>
-          <p:nvPr/>
-        </p:nvSpPr>
-        <p:spPr>
-          <a:xfrm>
-            <a:off x="2699792" y="4657471"/>
-            <a:ext cx="1584176" cy="441065"/>
-          </a:xfrm>
-          <a:prstGeom prst="roundRect">
-            <a:avLst/>
-          </a:prstGeom>
-          <a:solidFill>
-            <a:schemeClr val="bg1"/>
-          </a:solidFill>
-          <a:ln>
-            <a:solidFill>
-              <a:srgbClr val="000000">
-                <a:alpha val="80000"/>
-              </a:srgbClr>
-            </a:solidFill>
-          </a:ln>
-        </p:spPr>
-        <p:style>
-          <a:lnRef idx="2">
-            <a:schemeClr val="accent1">
-              <a:shade val="50000"/>
-            </a:schemeClr>
-          </a:lnRef>
-          <a:fillRef idx="1">
-            <a:schemeClr val="accent1"/>
-          </a:fillRef>
-          <a:effectRef idx="0">
-            <a:schemeClr val="accent1"/>
-          </a:effectRef>
-          <a:fontRef idx="minor">
-            <a:schemeClr val="lt1"/>
-          </a:fontRef>
-        </p:style>
-        <p:txBody>
-          <a:bodyPr rtlCol="0" anchor="ctr"/>
-          <a:lstStyle/>
-          <a:p>
-            <a:pPr algn="ctr"/>
-            <a:r>
-              <a:rPr lang="en-US" altLang="ko-KR" sz="1400" b="1" dirty="0" smtClean="0">
-                <a:solidFill>
-                  <a:schemeClr val="tx1"/>
-                </a:solidFill>
-                <a:latin typeface="휴먼모음T" pitchFamily="18" charset="-127"/>
-                <a:ea typeface="휴먼모음T" pitchFamily="18" charset="-127"/>
-              </a:rPr>
-              <a:t>SSL</a:t>
-            </a:r>
-            <a:endParaRPr lang="ko-KR" altLang="en-US" sz="1400" b="1" dirty="0">
-              <a:solidFill>
-                <a:schemeClr val="tx1"/>
-              </a:solidFill>
-              <a:latin typeface="휴먼모음T" pitchFamily="18" charset="-127"/>
-              <a:ea typeface="휴먼모음T" pitchFamily="18" charset="-127"/>
-            </a:endParaRPr>
-          </a:p>
-        </p:txBody>
-      </p:sp>
-      <p:sp>
-        <p:nvSpPr>
-          <p:cNvPr id="32" name="TextBox 31"/>
-          <p:cNvSpPr txBox="1"/>
-          <p:nvPr/>
-        </p:nvSpPr>
-        <p:spPr>
-          <a:xfrm>
-            <a:off x="4532580" y="4325647"/>
-            <a:ext cx="410690" cy="369332"/>
-          </a:xfrm>
-          <a:prstGeom prst="rect">
-            <a:avLst/>
-          </a:prstGeom>
-          <a:noFill/>
-        </p:spPr>
-        <p:txBody>
-          <a:bodyPr wrap="none" rtlCol="0">
-            <a:spAutoFit/>
-          </a:bodyPr>
-          <a:lstStyle/>
-          <a:p>
-            <a:r>
-              <a:rPr lang="en-US" altLang="ko-KR" sz="1800" b="1" dirty="0" smtClean="0">
-                <a:latin typeface="휴먼모음T" pitchFamily="18" charset="-127"/>
-                <a:ea typeface="휴먼모음T" pitchFamily="18" charset="-127"/>
-              </a:rPr>
-              <a:t>…</a:t>
-            </a:r>
-            <a:endParaRPr lang="ko-KR" altLang="en-US" sz="1800" b="1" dirty="0">
-              <a:latin typeface="휴먼모음T" pitchFamily="18" charset="-127"/>
-              <a:ea typeface="휴먼모음T" pitchFamily="18" charset="-127"/>
-            </a:endParaRPr>
-          </a:p>
-        </p:txBody>
-      </p:sp>
-      <p:sp>
-        <p:nvSpPr>
-          <p:cNvPr id="33" name="내용 개체 틀 2"/>
-          <p:cNvSpPr>
-            <a:spLocks noGrp="1"/>
-          </p:cNvSpPr>
-          <p:nvPr>
-            <p:ph idx="1"/>
-          </p:nvPr>
-        </p:nvSpPr>
-        <p:spPr>
-          <a:xfrm>
-            <a:off x="857200" y="1286654"/>
-            <a:ext cx="7315200" cy="640317"/>
-          </a:xfrm>
-        </p:spPr>
-        <p:txBody>
-          <a:bodyPr/>
-          <a:lstStyle/>
-          <a:p>
-            <a:pPr marL="571500" indent="-514350">
-              <a:buFont typeface="+mj-lt"/>
-              <a:buAutoNum type="alphaUcPeriod" startAt="2"/>
-            </a:pPr>
-            <a:r>
-              <a:rPr lang="en-US" altLang="ko-KR" dirty="0" smtClean="0">
-                <a:solidFill>
-                  <a:srgbClr val="000000"/>
-                </a:solidFill>
-                <a:latin typeface="HY동녘M" pitchFamily="18" charset="-127"/>
-                <a:ea typeface="HY동녘M" pitchFamily="18" charset="-127"/>
-              </a:rPr>
-              <a:t>Android </a:t>
-            </a:r>
-            <a:r>
-              <a:rPr lang="ko-KR" altLang="en-US" dirty="0" smtClean="0">
-                <a:solidFill>
-                  <a:srgbClr val="000000"/>
-                </a:solidFill>
-                <a:latin typeface="HY동녘M" pitchFamily="18" charset="-127"/>
-                <a:ea typeface="HY동녘M" pitchFamily="18" charset="-127"/>
-              </a:rPr>
-              <a:t>구조</a:t>
-            </a:r>
-            <a:endParaRPr lang="en-US" altLang="ko-KR" dirty="0" smtClean="0">
-              <a:solidFill>
-                <a:srgbClr val="000000"/>
-              </a:solidFill>
-              <a:latin typeface="HY동녘M" pitchFamily="18" charset="-127"/>
-              <a:ea typeface="HY동녘M" pitchFamily="18" charset="-127"/>
-            </a:endParaRPr>
-          </a:p>
-          <a:p>
-            <a:pPr marL="57150" indent="0">
-              <a:buNone/>
-            </a:pPr>
-            <a:endParaRPr lang="en-US" altLang="ko-KR" sz="1800" dirty="0" smtClean="0">
-              <a:solidFill>
-                <a:srgbClr val="000000"/>
-              </a:solidFill>
-              <a:latin typeface="HY동녘M" pitchFamily="18" charset="-127"/>
-              <a:ea typeface="HY동녘M" pitchFamily="18" charset="-127"/>
-            </a:endParaRPr>
-          </a:p>
-        </p:txBody>
-      </p:sp>
-      <p:sp>
-        <p:nvSpPr>
-          <p:cNvPr id="34" name="모서리가 둥근 직사각형 33"/>
-          <p:cNvSpPr/>
-          <p:nvPr/>
-        </p:nvSpPr>
-        <p:spPr>
-          <a:xfrm>
-            <a:off x="2699792" y="5559637"/>
-            <a:ext cx="1584176" cy="441065"/>
-          </a:xfrm>
-          <a:prstGeom prst="roundRect">
-            <a:avLst/>
-          </a:prstGeom>
-          <a:solidFill>
-            <a:srgbClr val="00B0F0">
-              <a:alpha val="55000"/>
-            </a:srgbClr>
-          </a:solidFill>
-          <a:ln/>
-        </p:spPr>
-        <p:style>
-          <a:lnRef idx="0">
-            <a:schemeClr val="accent2"/>
-          </a:lnRef>
-          <a:fillRef idx="3">
-            <a:schemeClr val="accent2"/>
-          </a:fillRef>
-          <a:effectRef idx="3">
-            <a:schemeClr val="accent2"/>
-          </a:effectRef>
-          <a:fontRef idx="minor">
-            <a:schemeClr val="lt1"/>
-          </a:fontRef>
-        </p:style>
-        <p:txBody>
-          <a:bodyPr rtlCol="0" anchor="ctr"/>
-          <a:lstStyle/>
-          <a:p>
-            <a:pPr algn="ctr"/>
-            <a:r>
-              <a:rPr lang="en-US" altLang="ko-KR" sz="1400" b="1" dirty="0" smtClean="0">
-                <a:solidFill>
-                  <a:schemeClr val="tx1"/>
-                </a:solidFill>
-                <a:latin typeface="휴먼모음T" pitchFamily="18" charset="-127"/>
-                <a:ea typeface="휴먼모음T" pitchFamily="18" charset="-127"/>
-              </a:rPr>
-              <a:t>VHCI Driver</a:t>
-            </a:r>
-            <a:endParaRPr lang="ko-KR" altLang="en-US" sz="1400" b="1" dirty="0">
-              <a:solidFill>
-                <a:schemeClr val="tx1"/>
-              </a:solidFill>
-              <a:latin typeface="휴먼모음T" pitchFamily="18" charset="-127"/>
-              <a:ea typeface="휴먼모음T" pitchFamily="18" charset="-127"/>
-            </a:endParaRPr>
-          </a:p>
-        </p:txBody>
-      </p:sp>
-    </p:spTree>
-    <p:extLst>
-      <p:ext uri="{BB962C8B-B14F-4D97-AF65-F5344CB8AC3E}">
-        <p14:creationId xmlns:p14="http://schemas.microsoft.com/office/powerpoint/2010/main" val="1984401986"/>
-      </p:ext>
-    </p:extLst>
-  </p:cSld>
-  <p:clrMapOvr>
-    <a:masterClrMapping/>
-  </p:clrMapOvr>
-  <p:timing>
-    <p:tnLst>
-      <p:par>
-        <p:cTn id="1" dur="indefinite" restart="never" nodeType="tmRoot"/>
-      </p:par>
-    </p:tnLst>
-  </p:timing>
-</p:sld>
-</file>
-
-<file path=ppt/slides/slide13.xml><?xml version="1.0" encoding="utf-8"?>
+<file path=ppt/slides/slide11.xml><?xml version="1.0" encoding="utf-8"?>
 <p:sld xmlns:a="http://schemas.openxmlformats.org/drawingml/2006/main" xmlns:r="http://schemas.openxmlformats.org/officeDocument/2006/relationships" xmlns:p="http://schemas.openxmlformats.org/presentationml/2006/main">
   <p:cSld>
     <p:spTree>
@@ -7892,7 +5302,7 @@
 </p:sld>
 </file>
 
-<file path=ppt/slides/slide14.xml><?xml version="1.0" encoding="utf-8"?>
+<file path=ppt/slides/slide12.xml><?xml version="1.0" encoding="utf-8"?>
 <p:sld xmlns:a="http://schemas.openxmlformats.org/drawingml/2006/main" xmlns:r="http://schemas.openxmlformats.org/officeDocument/2006/relationships" xmlns:p="http://schemas.openxmlformats.org/presentationml/2006/main">
   <p:cSld>
     <p:spTree>
@@ -8551,7 +5961,7 @@
 </p:sld>
 </file>
 
-<file path=ppt/slides/slide15.xml><?xml version="1.0" encoding="utf-8"?>
+<file path=ppt/slides/slide13.xml><?xml version="1.0" encoding="utf-8"?>
 <p:sld xmlns:a="http://schemas.openxmlformats.org/drawingml/2006/main" xmlns:r="http://schemas.openxmlformats.org/officeDocument/2006/relationships" xmlns:p="http://schemas.openxmlformats.org/presentationml/2006/main">
   <p:cSld>
     <p:spTree>
@@ -9376,7 +6786,7 @@
 </p:sld>
 </file>
 
-<file path=ppt/slides/slide16.xml><?xml version="1.0" encoding="utf-8"?>
+<file path=ppt/slides/slide14.xml><?xml version="1.0" encoding="utf-8"?>
 <p:sld xmlns:a="http://schemas.openxmlformats.org/drawingml/2006/main" xmlns:r="http://schemas.openxmlformats.org/officeDocument/2006/relationships" xmlns:p="http://schemas.openxmlformats.org/presentationml/2006/main">
   <p:cSld>
     <p:spTree>
@@ -10162,7 +7572,7 @@
 </p:sld>
 </file>
 
-<file path=ppt/slides/slide17.xml><?xml version="1.0" encoding="utf-8"?>
+<file path=ppt/slides/slide15.xml><?xml version="1.0" encoding="utf-8"?>
 <p:sld xmlns:a="http://schemas.openxmlformats.org/drawingml/2006/main" xmlns:r="http://schemas.openxmlformats.org/officeDocument/2006/relationships" xmlns:p="http://schemas.openxmlformats.org/presentationml/2006/main">
   <p:cSld>
     <p:spTree>
@@ -10188,7 +7598,7 @@
         <p:spPr>
           <a:xfrm>
             <a:off x="841670" y="1556791"/>
-            <a:ext cx="7199367" cy="2554545"/>
+            <a:ext cx="7199367" cy="3785652"/>
           </a:xfrm>
           <a:prstGeom prst="rect">
             <a:avLst/>
@@ -10261,7 +7671,7 @@
                 <a:latin typeface="HY견고딕" pitchFamily="18" charset="-127"/>
                 <a:ea typeface="HY견고딕" pitchFamily="18" charset="-127"/>
               </a:rPr>
-              <a:t>USB</a:t>
+              <a:t>TCP/IP</a:t>
             </a:r>
             <a:r>
               <a:rPr lang="ko-KR" altLang="en-US" sz="2000" dirty="0" smtClean="0">
@@ -10271,7 +7681,7 @@
                 <a:latin typeface="HY견고딕" pitchFamily="18" charset="-127"/>
                 <a:ea typeface="HY견고딕" pitchFamily="18" charset="-127"/>
               </a:rPr>
-              <a:t>표준에 맞춰 동작하기 때문에</a:t>
+              <a:t>로 통신하면 기존 사용하던 윈도우 프로그램에 적용해 사용할 경우 프로그램 수정이 필요한데</a:t>
             </a:r>
             <a:r>
               <a:rPr lang="en-US" altLang="ko-KR" sz="2000" dirty="0" smtClean="0">
@@ -10281,7 +7691,7 @@
                 <a:latin typeface="HY견고딕" pitchFamily="18" charset="-127"/>
                 <a:ea typeface="HY견고딕" pitchFamily="18" charset="-127"/>
               </a:rPr>
-              <a:t>,</a:t>
+              <a:t>,  USB/IP</a:t>
             </a:r>
             <a:r>
               <a:rPr lang="ko-KR" altLang="en-US" sz="2000" dirty="0" smtClean="0">
@@ -10291,7 +7701,7 @@
                 <a:latin typeface="HY견고딕" pitchFamily="18" charset="-127"/>
                 <a:ea typeface="HY견고딕" pitchFamily="18" charset="-127"/>
               </a:rPr>
-              <a:t> 기존에 </a:t>
+              <a:t>는 </a:t>
             </a:r>
             <a:r>
               <a:rPr lang="en-US" altLang="ko-KR" sz="2000" dirty="0" smtClean="0">
@@ -10301,7 +7711,7 @@
                 <a:latin typeface="HY견고딕" pitchFamily="18" charset="-127"/>
                 <a:ea typeface="HY견고딕" pitchFamily="18" charset="-127"/>
               </a:rPr>
-              <a:t>USB</a:t>
+              <a:t>USB </a:t>
             </a:r>
             <a:r>
               <a:rPr lang="ko-KR" altLang="en-US" sz="2000" dirty="0" smtClean="0">
@@ -10311,7 +7721,206 @@
                 <a:latin typeface="HY견고딕" pitchFamily="18" charset="-127"/>
                 <a:ea typeface="HY견고딕" pitchFamily="18" charset="-127"/>
               </a:rPr>
+              <a:t>표준에 맞춰 동작하기 때문에</a:t>
+            </a:r>
+            <a:r>
+              <a:rPr lang="en-US" altLang="ko-KR" sz="2000" dirty="0" smtClean="0">
+                <a:solidFill>
+                  <a:srgbClr val="000000"/>
+                </a:solidFill>
+                <a:latin typeface="HY견고딕" pitchFamily="18" charset="-127"/>
+                <a:ea typeface="HY견고딕" pitchFamily="18" charset="-127"/>
+              </a:rPr>
+              <a:t>,</a:t>
+            </a:r>
+            <a:r>
+              <a:rPr lang="ko-KR" altLang="en-US" sz="2000" dirty="0" smtClean="0">
+                <a:solidFill>
+                  <a:srgbClr val="000000"/>
+                </a:solidFill>
+                <a:latin typeface="HY견고딕" pitchFamily="18" charset="-127"/>
+                <a:ea typeface="HY견고딕" pitchFamily="18" charset="-127"/>
+              </a:rPr>
+              <a:t> </a:t>
+            </a:r>
+            <a:r>
+              <a:rPr lang="en-US" altLang="ko-KR" sz="2000" dirty="0" smtClean="0">
+                <a:solidFill>
+                  <a:srgbClr val="000000"/>
+                </a:solidFill>
+                <a:latin typeface="HY견고딕" pitchFamily="18" charset="-127"/>
+                <a:ea typeface="HY견고딕" pitchFamily="18" charset="-127"/>
+              </a:rPr>
+              <a:t>USB</a:t>
+            </a:r>
+            <a:r>
+              <a:rPr lang="ko-KR" altLang="en-US" sz="2000" dirty="0" smtClean="0">
+                <a:solidFill>
+                  <a:srgbClr val="000000"/>
+                </a:solidFill>
+                <a:latin typeface="HY견고딕" pitchFamily="18" charset="-127"/>
+                <a:ea typeface="HY견고딕" pitchFamily="18" charset="-127"/>
+              </a:rPr>
               <a:t>를 이용 하는 모든 윈도우 프로그램을 수정 없이 사용이 가능</a:t>
+            </a:r>
+            <a:r>
+              <a:rPr lang="en-US" altLang="ko-KR" sz="2000" dirty="0" smtClean="0">
+                <a:solidFill>
+                  <a:srgbClr val="000000"/>
+                </a:solidFill>
+                <a:latin typeface="HY견고딕" pitchFamily="18" charset="-127"/>
+                <a:ea typeface="HY견고딕" pitchFamily="18" charset="-127"/>
+              </a:rPr>
+              <a:t>.</a:t>
+            </a:r>
+          </a:p>
+          <a:p>
+            <a:pPr marL="342900" indent="-342900" algn="l">
+              <a:buFont typeface="Arial" pitchFamily="34" charset="0"/>
+              <a:buChar char="•"/>
+            </a:pPr>
+            <a:endParaRPr lang="en-US" altLang="ko-KR" sz="2000" dirty="0">
+              <a:solidFill>
+                <a:srgbClr val="000000"/>
+              </a:solidFill>
+              <a:latin typeface="HY견고딕" pitchFamily="18" charset="-127"/>
+              <a:ea typeface="HY견고딕" pitchFamily="18" charset="-127"/>
+            </a:endParaRPr>
+          </a:p>
+          <a:p>
+            <a:pPr marL="342900" indent="-342900" algn="l">
+              <a:buFont typeface="Arial" pitchFamily="34" charset="0"/>
+              <a:buChar char="•"/>
+            </a:pPr>
+            <a:r>
+              <a:rPr lang="en-US" altLang="ko-KR" sz="2000" dirty="0">
+                <a:solidFill>
+                  <a:srgbClr val="000000"/>
+                </a:solidFill>
+                <a:latin typeface="HY견고딕" pitchFamily="18" charset="-127"/>
+                <a:ea typeface="HY견고딕" pitchFamily="18" charset="-127"/>
+              </a:rPr>
+              <a:t>USB/IP</a:t>
+            </a:r>
+            <a:r>
+              <a:rPr lang="ko-KR" altLang="en-US" sz="2000" dirty="0" smtClean="0">
+                <a:solidFill>
+                  <a:srgbClr val="000000"/>
+                </a:solidFill>
+                <a:latin typeface="HY견고딕" pitchFamily="18" charset="-127"/>
+                <a:ea typeface="HY견고딕" pitchFamily="18" charset="-127"/>
+              </a:rPr>
+              <a:t>는 소프트웨어도 </a:t>
+            </a:r>
+            <a:r>
+              <a:rPr lang="en-US" altLang="ko-KR" sz="2000" dirty="0" smtClean="0">
+                <a:solidFill>
+                  <a:srgbClr val="000000"/>
+                </a:solidFill>
+                <a:latin typeface="HY견고딕" pitchFamily="18" charset="-127"/>
+                <a:ea typeface="HY견고딕" pitchFamily="18" charset="-127"/>
+              </a:rPr>
+              <a:t>USB</a:t>
+            </a:r>
+            <a:r>
+              <a:rPr lang="ko-KR" altLang="en-US" sz="2000" dirty="0" smtClean="0">
+                <a:solidFill>
+                  <a:srgbClr val="000000"/>
+                </a:solidFill>
+                <a:latin typeface="HY견고딕" pitchFamily="18" charset="-127"/>
+                <a:ea typeface="HY견고딕" pitchFamily="18" charset="-127"/>
+              </a:rPr>
+              <a:t>장치가 될 수 있다</a:t>
+            </a:r>
+            <a:r>
+              <a:rPr lang="en-US" altLang="ko-KR" sz="2000" dirty="0" smtClean="0">
+                <a:solidFill>
+                  <a:srgbClr val="000000"/>
+                </a:solidFill>
+                <a:latin typeface="HY견고딕" pitchFamily="18" charset="-127"/>
+                <a:ea typeface="HY견고딕" pitchFamily="18" charset="-127"/>
+              </a:rPr>
+              <a:t>. Client </a:t>
+            </a:r>
+            <a:r>
+              <a:rPr lang="en-US" altLang="ko-KR" sz="2000" dirty="0">
+                <a:solidFill>
+                  <a:srgbClr val="000000"/>
+                </a:solidFill>
+                <a:latin typeface="HY견고딕" pitchFamily="18" charset="-127"/>
+                <a:ea typeface="HY견고딕" pitchFamily="18" charset="-127"/>
+              </a:rPr>
+              <a:t>PC</a:t>
+            </a:r>
+            <a:r>
+              <a:rPr lang="ko-KR" altLang="en-US" sz="2000" dirty="0" smtClean="0">
+                <a:solidFill>
+                  <a:srgbClr val="000000"/>
+                </a:solidFill>
+                <a:latin typeface="HY견고딕" pitchFamily="18" charset="-127"/>
+                <a:ea typeface="HY견고딕" pitchFamily="18" charset="-127"/>
+              </a:rPr>
+              <a:t>에서는 </a:t>
+            </a:r>
+            <a:r>
+              <a:rPr lang="en-US" altLang="ko-KR" sz="2000" dirty="0">
+                <a:solidFill>
+                  <a:srgbClr val="000000"/>
+                </a:solidFill>
+                <a:latin typeface="HY견고딕" pitchFamily="18" charset="-127"/>
+                <a:ea typeface="HY견고딕" pitchFamily="18" charset="-127"/>
+              </a:rPr>
+              <a:t>USB</a:t>
+            </a:r>
+            <a:r>
+              <a:rPr lang="ko-KR" altLang="en-US" sz="2000" dirty="0">
+                <a:solidFill>
+                  <a:srgbClr val="000000"/>
+                </a:solidFill>
+                <a:latin typeface="HY견고딕" pitchFamily="18" charset="-127"/>
+                <a:ea typeface="HY견고딕" pitchFamily="18" charset="-127"/>
+              </a:rPr>
+              <a:t>장치로 </a:t>
+            </a:r>
+            <a:r>
+              <a:rPr lang="ko-KR" altLang="en-US" sz="2000" dirty="0" smtClean="0">
+                <a:solidFill>
+                  <a:srgbClr val="000000"/>
+                </a:solidFill>
+                <a:latin typeface="HY견고딕" pitchFamily="18" charset="-127"/>
+                <a:ea typeface="HY견고딕" pitchFamily="18" charset="-127"/>
+              </a:rPr>
+              <a:t>인식되어 </a:t>
+            </a:r>
+            <a:r>
+              <a:rPr lang="ko-KR" altLang="en-US" sz="2000" dirty="0">
+                <a:solidFill>
+                  <a:srgbClr val="000000"/>
+                </a:solidFill>
+                <a:latin typeface="HY견고딕" pitchFamily="18" charset="-127"/>
+                <a:ea typeface="HY견고딕" pitchFamily="18" charset="-127"/>
+              </a:rPr>
+              <a:t>스마트폰에서 할 수 있는 모든 것이 </a:t>
+            </a:r>
+            <a:r>
+              <a:rPr lang="en-US" altLang="ko-KR" sz="2000" dirty="0">
+                <a:solidFill>
+                  <a:srgbClr val="000000"/>
+                </a:solidFill>
+                <a:latin typeface="HY견고딕" pitchFamily="18" charset="-127"/>
+                <a:ea typeface="HY견고딕" pitchFamily="18" charset="-127"/>
+              </a:rPr>
+              <a:t>PC</a:t>
+            </a:r>
+            <a:r>
+              <a:rPr lang="ko-KR" altLang="en-US" sz="2000" dirty="0">
+                <a:solidFill>
+                  <a:srgbClr val="000000"/>
+                </a:solidFill>
+                <a:latin typeface="HY견고딕" pitchFamily="18" charset="-127"/>
+                <a:ea typeface="HY견고딕" pitchFamily="18" charset="-127"/>
+              </a:rPr>
+              <a:t>에서 가능</a:t>
             </a:r>
             <a:r>
               <a:rPr lang="en-US" altLang="ko-KR" sz="2000" dirty="0" smtClean="0">
@@ -10336,102 +7945,6 @@
               <a:latin typeface="HY견고딕" pitchFamily="18" charset="-127"/>
               <a:ea typeface="HY견고딕" pitchFamily="18" charset="-127"/>
             </a:endParaRPr>
-          </a:p>
-          <a:p>
-            <a:pPr marL="342900" indent="-342900" algn="l">
-              <a:buFont typeface="Arial" pitchFamily="34" charset="0"/>
-              <a:buChar char="•"/>
-            </a:pPr>
-            <a:r>
-              <a:rPr lang="en-US" altLang="ko-KR" sz="2000" dirty="0" smtClean="0">
-                <a:solidFill>
-                  <a:srgbClr val="000000"/>
-                </a:solidFill>
-                <a:latin typeface="HY견고딕" pitchFamily="18" charset="-127"/>
-                <a:ea typeface="HY견고딕" pitchFamily="18" charset="-127"/>
-              </a:rPr>
-              <a:t>Client PC</a:t>
-            </a:r>
-            <a:r>
-              <a:rPr lang="ko-KR" altLang="en-US" sz="2000" dirty="0" smtClean="0">
-                <a:solidFill>
-                  <a:srgbClr val="000000"/>
-                </a:solidFill>
-                <a:latin typeface="HY견고딕" pitchFamily="18" charset="-127"/>
-                <a:ea typeface="HY견고딕" pitchFamily="18" charset="-127"/>
-              </a:rPr>
-              <a:t>에 </a:t>
-            </a:r>
-            <a:r>
-              <a:rPr lang="en-US" altLang="ko-KR" sz="2000" dirty="0" smtClean="0">
-                <a:solidFill>
-                  <a:srgbClr val="000000"/>
-                </a:solidFill>
-                <a:latin typeface="HY견고딕" pitchFamily="18" charset="-127"/>
-                <a:ea typeface="HY견고딕" pitchFamily="18" charset="-127"/>
-              </a:rPr>
-              <a:t>USB</a:t>
-            </a:r>
-            <a:r>
-              <a:rPr lang="ko-KR" altLang="en-US" sz="2000" dirty="0" smtClean="0">
-                <a:solidFill>
-                  <a:srgbClr val="000000"/>
-                </a:solidFill>
-                <a:latin typeface="HY견고딕" pitchFamily="18" charset="-127"/>
-                <a:ea typeface="HY견고딕" pitchFamily="18" charset="-127"/>
-              </a:rPr>
-              <a:t>장치로 인식하게만 하면 </a:t>
-            </a:r>
-            <a:r>
-              <a:rPr lang="ko-KR" altLang="en-US" sz="2000" dirty="0" err="1" smtClean="0">
-                <a:solidFill>
-                  <a:srgbClr val="000000"/>
-                </a:solidFill>
-                <a:latin typeface="HY견고딕" pitchFamily="18" charset="-127"/>
-                <a:ea typeface="HY견고딕" pitchFamily="18" charset="-127"/>
-              </a:rPr>
-              <a:t>스마트폰에서</a:t>
-            </a:r>
-            <a:r>
-              <a:rPr lang="ko-KR" altLang="en-US" sz="2000" dirty="0" smtClean="0">
-                <a:solidFill>
-                  <a:srgbClr val="000000"/>
-                </a:solidFill>
-                <a:latin typeface="HY견고딕" pitchFamily="18" charset="-127"/>
-                <a:ea typeface="HY견고딕" pitchFamily="18" charset="-127"/>
-              </a:rPr>
-              <a:t> 할 수 있는 모든 것이 </a:t>
-            </a:r>
-            <a:r>
-              <a:rPr lang="en-US" altLang="ko-KR" sz="2000" dirty="0" smtClean="0">
-                <a:solidFill>
-                  <a:srgbClr val="000000"/>
-                </a:solidFill>
-                <a:latin typeface="HY견고딕" pitchFamily="18" charset="-127"/>
-                <a:ea typeface="HY견고딕" pitchFamily="18" charset="-127"/>
-              </a:rPr>
-              <a:t>PC</a:t>
-            </a:r>
-            <a:r>
-              <a:rPr lang="ko-KR" altLang="en-US" sz="2000" dirty="0" smtClean="0">
-                <a:solidFill>
-                  <a:srgbClr val="000000"/>
-                </a:solidFill>
-                <a:latin typeface="HY견고딕" pitchFamily="18" charset="-127"/>
-                <a:ea typeface="HY견고딕" pitchFamily="18" charset="-127"/>
-              </a:rPr>
-              <a:t>에서 가능</a:t>
-            </a:r>
-            <a:r>
-              <a:rPr lang="en-US" altLang="ko-KR" sz="2000" dirty="0" smtClean="0">
-                <a:solidFill>
-                  <a:srgbClr val="000000"/>
-                </a:solidFill>
-                <a:latin typeface="HY견고딕" pitchFamily="18" charset="-127"/>
-                <a:ea typeface="HY견고딕" pitchFamily="18" charset="-127"/>
-              </a:rPr>
-              <a:t>.</a:t>
-            </a:r>
           </a:p>
         </p:txBody>
       </p:sp>
@@ -10512,7 +8025,7 @@
 </p:sld>
 </file>
 
-<file path=ppt/slides/slide18.xml><?xml version="1.0" encoding="utf-8"?>
+<file path=ppt/slides/slide16.xml><?xml version="1.0" encoding="utf-8"?>
 <p:sld xmlns:a="http://schemas.openxmlformats.org/drawingml/2006/main" xmlns:r="http://schemas.openxmlformats.org/officeDocument/2006/relationships" xmlns:p="http://schemas.openxmlformats.org/presentationml/2006/main">
   <p:cSld>
     <p:spTree>
@@ -10604,7 +8117,7 @@
       </p:pic>
       <p:pic>
         <p:nvPicPr>
-          <p:cNvPr id="8" name="그림 7" descr="화면 캡처"/>
+          <p:cNvPr id="7" name="그림 6" descr="화면 캡처"/>
           <p:cNvPicPr>
             <a:picLocks noChangeAspect="1"/>
           </p:cNvPicPr>
@@ -10624,7 +8137,7 @@
         </p:blipFill>
         <p:spPr>
           <a:xfrm>
-            <a:off x="128587" y="1268760"/>
+            <a:off x="175323" y="1196752"/>
             <a:ext cx="8886825" cy="5010150"/>
           </a:xfrm>
           <a:prstGeom prst="rect">
@@ -10652,7 +8165,7 @@
 </p:sld>
 </file>
 
-<file path=ppt/slides/slide19.xml><?xml version="1.0" encoding="utf-8"?>
+<file path=ppt/slides/slide17.xml><?xml version="1.0" encoding="utf-8"?>
 <p:sld xmlns:a="http://schemas.openxmlformats.org/drawingml/2006/main" xmlns:r="http://schemas.openxmlformats.org/officeDocument/2006/relationships" xmlns:p="http://schemas.openxmlformats.org/presentationml/2006/main">
   <p:cSld>
     <p:bg>
@@ -10922,6 +8435,12 @@
               </a:rPr>
               <a:t>USB/IP</a:t>
             </a:r>
+          </a:p>
+          <a:p>
+            <a:pPr marL="800100" lvl="1" indent="-342900">
+              <a:buFont typeface="+mj-lt"/>
+              <a:buAutoNum type="alphaUcPeriod"/>
+            </a:pPr>
             <a:endParaRPr lang="en-US" altLang="ko-KR" sz="1400" dirty="0" smtClean="0">
               <a:solidFill>
                 <a:srgbClr val="000000"/>
@@ -10954,72 +8473,6 @@
             </a:endParaRPr>
           </a:p>
           <a:p>
-            <a:pPr marL="914400" lvl="1" indent="-457200">
-              <a:buFont typeface="+mj-lt"/>
-              <a:buAutoNum type="alphaUcPeriod"/>
-            </a:pPr>
-            <a:r>
-              <a:rPr lang="en-US" altLang="ko-KR" sz="2400" dirty="0" smtClean="0">
-                <a:solidFill>
-                  <a:srgbClr val="000000"/>
-                </a:solidFill>
-                <a:latin typeface="HY동녘M" pitchFamily="18" charset="-127"/>
-                <a:ea typeface="HY동녘M" pitchFamily="18" charset="-127"/>
-              </a:rPr>
-              <a:t>Client-Server </a:t>
-            </a:r>
-            <a:r>
-              <a:rPr lang="ko-KR" altLang="en-US" sz="2400" dirty="0" smtClean="0">
-                <a:solidFill>
-                  <a:srgbClr val="000000"/>
-                </a:solidFill>
-                <a:latin typeface="HY동녘M" pitchFamily="18" charset="-127"/>
-                <a:ea typeface="HY동녘M" pitchFamily="18" charset="-127"/>
-              </a:rPr>
-              <a:t>구조</a:t>
-            </a:r>
-            <a:endParaRPr lang="en-US" altLang="ko-KR" sz="2400" dirty="0" smtClean="0">
-              <a:solidFill>
-                <a:srgbClr val="000000"/>
-              </a:solidFill>
-              <a:latin typeface="HY동녘M" pitchFamily="18" charset="-127"/>
-              <a:ea typeface="HY동녘M" pitchFamily="18" charset="-127"/>
-            </a:endParaRPr>
-          </a:p>
-          <a:p>
-            <a:pPr marL="914400" lvl="1" indent="-457200">
-              <a:buFont typeface="+mj-lt"/>
-              <a:buAutoNum type="alphaUcPeriod"/>
-            </a:pPr>
-            <a:r>
-              <a:rPr lang="en-US" altLang="ko-KR" sz="2400" dirty="0">
-                <a:solidFill>
-                  <a:srgbClr val="000000"/>
-                </a:solidFill>
-                <a:latin typeface="HY동녘M" pitchFamily="18" charset="-127"/>
-                <a:ea typeface="HY동녘M" pitchFamily="18" charset="-127"/>
-              </a:rPr>
-              <a:t>Android </a:t>
-            </a:r>
-            <a:r>
-              <a:rPr lang="ko-KR" altLang="en-US" sz="2400" dirty="0" smtClean="0">
-                <a:solidFill>
-                  <a:srgbClr val="000000"/>
-                </a:solidFill>
-                <a:latin typeface="HY동녘M" pitchFamily="18" charset="-127"/>
-                <a:ea typeface="HY동녘M" pitchFamily="18" charset="-127"/>
-              </a:rPr>
-              <a:t>구조</a:t>
-            </a:r>
-            <a:endParaRPr lang="ko-KR" altLang="ko-KR" sz="1400" dirty="0" smtClean="0">
-              <a:solidFill>
-                <a:srgbClr val="000000"/>
-              </a:solidFill>
-              <a:latin typeface="HY동녘M" pitchFamily="18" charset="-127"/>
-              <a:ea typeface="HY동녘M" pitchFamily="18" charset="-127"/>
-            </a:endParaRPr>
-          </a:p>
-          <a:p>
             <a:pPr lvl="0">
               <a:buFont typeface="+mj-lt"/>
               <a:buAutoNum type="arabicPeriod"/>
@@ -11032,17 +8485,7 @@
                 <a:latin typeface="HY동녘M" pitchFamily="18" charset="-127"/>
                 <a:ea typeface="HY동녘M" pitchFamily="18" charset="-127"/>
               </a:rPr>
-              <a:t>프로젝트 </a:t>
-            </a:r>
-            <a:r>
-              <a:rPr lang="ko-KR" altLang="en-US" sz="2800" dirty="0" smtClean="0">
-                <a:solidFill>
-                  <a:srgbClr val="000000"/>
-                </a:solidFill>
-                <a:latin typeface="HY동녘M" pitchFamily="18" charset="-127"/>
-                <a:ea typeface="HY동녘M" pitchFamily="18" charset="-127"/>
-              </a:rPr>
-              <a:t>활용</a:t>
+              <a:t>프로젝트 활용</a:t>
             </a:r>
             <a:endParaRPr lang="en-US" altLang="ko-KR" sz="2400" dirty="0" smtClean="0">
               <a:solidFill>
@@ -11200,103 +8643,150 @@
               <a:ea typeface="HY동녘M" pitchFamily="18" charset="-127"/>
             </a:endParaRPr>
           </a:p>
-          <a:p>
-            <a:pPr marL="57150" indent="0">
-              <a:buNone/>
-            </a:pPr>
-            <a:r>
-              <a:rPr lang="en-US" altLang="ko-KR" dirty="0">
-                <a:solidFill>
-                  <a:srgbClr val="000000"/>
-                </a:solidFill>
-                <a:latin typeface="HY동녘M" pitchFamily="18" charset="-127"/>
-                <a:ea typeface="HY동녘M" pitchFamily="18" charset="-127"/>
-              </a:rPr>
-              <a:t> </a:t>
-            </a:r>
-            <a:r>
-              <a:rPr lang="en-US" altLang="ko-KR" dirty="0" smtClean="0">
-                <a:solidFill>
-                  <a:srgbClr val="000000"/>
-                </a:solidFill>
-                <a:latin typeface="HY동녘M" pitchFamily="18" charset="-127"/>
-                <a:ea typeface="HY동녘M" pitchFamily="18" charset="-127"/>
-              </a:rPr>
-              <a:t>  -</a:t>
-            </a:r>
-            <a:r>
-              <a:rPr lang="ko-KR" altLang="en-US" dirty="0" err="1" smtClean="0">
-                <a:solidFill>
-                  <a:srgbClr val="000000"/>
-                </a:solidFill>
-                <a:latin typeface="HY동녘M" pitchFamily="18" charset="-127"/>
-                <a:ea typeface="HY동녘M" pitchFamily="18" charset="-127"/>
-              </a:rPr>
-              <a:t>스마트폰</a:t>
-            </a:r>
-            <a:r>
-              <a:rPr lang="ko-KR" altLang="en-US" dirty="0" smtClean="0">
-                <a:solidFill>
-                  <a:srgbClr val="000000"/>
-                </a:solidFill>
-                <a:latin typeface="HY동녘M" pitchFamily="18" charset="-127"/>
-                <a:ea typeface="HY동녘M" pitchFamily="18" charset="-127"/>
-              </a:rPr>
-              <a:t> 가입자 증가</a:t>
-            </a:r>
-          </a:p>
-          <a:p>
-            <a:pPr marL="800100" lvl="1" indent="-342900">
-              <a:buFont typeface="+mj-lt"/>
-              <a:buAutoNum type="alphaUcPeriod"/>
-            </a:pPr>
-            <a:endParaRPr lang="ko-KR" altLang="ko-KR" sz="2800" dirty="0">
-              <a:solidFill>
-                <a:srgbClr val="000000"/>
-              </a:solidFill>
-              <a:latin typeface="HY동녘M" pitchFamily="18" charset="-127"/>
-              <a:ea typeface="HY동녘M" pitchFamily="18" charset="-127"/>
-            </a:endParaRPr>
-          </a:p>
         </p:txBody>
       </p:sp>
-      <p:pic>
-        <p:nvPicPr>
-          <p:cNvPr id="4" name="그림 3" descr="C:\Users\IG\Pictures\제안서\스마트폰가입자수.png"/>
-          <p:cNvPicPr/>
+      <p:graphicFrame>
+        <p:nvGraphicFramePr>
+          <p:cNvPr id="5" name="차트 4"/>
+          <p:cNvGraphicFramePr/>
+          <p:nvPr>
+            <p:extLst>
+              <p:ext uri="{D42A27DB-BD31-4B8C-83A1-F6EECF244321}">
+                <p14:modId xmlns:p14="http://schemas.microsoft.com/office/powerpoint/2010/main" val="1559175462"/>
+              </p:ext>
+            </p:extLst>
+          </p:nvPr>
+        </p:nvGraphicFramePr>
+        <p:xfrm>
+          <a:off x="4572000" y="2011419"/>
+          <a:ext cx="4176464" cy="3780420"/>
+        </p:xfrm>
+        <a:graphic>
+          <a:graphicData uri="http://schemas.openxmlformats.org/drawingml/2006/chart">
+            <c:chart xmlns:c="http://schemas.openxmlformats.org/drawingml/2006/chart" xmlns:r="http://schemas.openxmlformats.org/officeDocument/2006/relationships" r:id="rId3"/>
+          </a:graphicData>
+        </a:graphic>
+      </p:graphicFrame>
+      <p:graphicFrame>
+        <p:nvGraphicFramePr>
+          <p:cNvPr id="7" name="차트 6"/>
+          <p:cNvGraphicFramePr/>
+          <p:nvPr>
+            <p:extLst>
+              <p:ext uri="{D42A27DB-BD31-4B8C-83A1-F6EECF244321}">
+                <p14:modId xmlns:p14="http://schemas.microsoft.com/office/powerpoint/2010/main" val="1641271071"/>
+              </p:ext>
+            </p:extLst>
+          </p:nvPr>
+        </p:nvGraphicFramePr>
+        <p:xfrm>
+          <a:off x="251520" y="2082959"/>
+          <a:ext cx="4213534" cy="3744416"/>
+        </p:xfrm>
+        <a:graphic>
+          <a:graphicData uri="http://schemas.openxmlformats.org/drawingml/2006/chart">
+            <c:chart xmlns:c="http://schemas.openxmlformats.org/drawingml/2006/chart" xmlns:r="http://schemas.openxmlformats.org/officeDocument/2006/relationships" r:id="rId4"/>
+          </a:graphicData>
+        </a:graphic>
+      </p:graphicFrame>
+      <p:sp>
+        <p:nvSpPr>
+          <p:cNvPr id="8" name="TextBox 7"/>
+          <p:cNvSpPr txBox="1"/>
           <p:nvPr/>
-        </p:nvPicPr>
-        <p:blipFill>
-          <a:blip r:embed="rId2">
-            <a:extLst>
-              <a:ext uri="{28A0092B-C50C-407E-A947-70E740481C1C}">
-                <a14:useLocalDpi xmlns:a14="http://schemas.microsoft.com/office/drawing/2010/main" val="0"/>
-              </a:ext>
-            </a:extLst>
-          </a:blip>
-          <a:srcRect/>
-          <a:stretch>
-            <a:fillRect/>
-          </a:stretch>
-        </p:blipFill>
-        <p:spPr bwMode="auto">
+        </p:nvSpPr>
+        <p:spPr>
           <a:xfrm>
-            <a:off x="1620957" y="2636912"/>
-            <a:ext cx="6701950" cy="3600400"/>
+            <a:off x="2051720" y="5827375"/>
+            <a:ext cx="2808312" cy="584775"/>
           </a:xfrm>
           <a:prstGeom prst="rect">
             <a:avLst/>
           </a:prstGeom>
           <a:noFill/>
-          <a:ln>
-            <a:noFill/>
-          </a:ln>
         </p:spPr>
-      </p:pic>
+        <p:txBody>
+          <a:bodyPr wrap="square" rtlCol="0">
+            <a:spAutoFit/>
+          </a:bodyPr>
+          <a:lstStyle/>
+          <a:p>
+            <a:r>
+              <a:rPr lang="ko-KR" altLang="en-US" sz="1600" dirty="0" smtClean="0"/>
+              <a:t>출처 </a:t>
+            </a:r>
+            <a:r>
+              <a:rPr lang="en-US" altLang="ko-KR" sz="1600" dirty="0" smtClean="0"/>
+              <a:t>: </a:t>
+            </a:r>
+            <a:r>
+              <a:rPr lang="ko-KR" altLang="en-US" sz="1600" dirty="0" smtClean="0"/>
+              <a:t>각통신사</a:t>
+            </a:r>
+            <a:r>
+              <a:rPr lang="en-US" altLang="ko-KR" sz="1600" dirty="0" smtClean="0"/>
+              <a:t>, </a:t>
+            </a:r>
+          </a:p>
+          <a:p>
+            <a:r>
+              <a:rPr lang="en-US" altLang="ko-KR" sz="1600" dirty="0"/>
+              <a:t> </a:t>
+            </a:r>
+            <a:r>
+              <a:rPr lang="en-US" altLang="ko-KR" sz="1600" dirty="0" smtClean="0"/>
+              <a:t>                    </a:t>
+            </a:r>
+            <a:r>
+              <a:rPr lang="ko-KR" altLang="en-US" sz="1600" dirty="0" smtClean="0"/>
+              <a:t>방송통신위원회</a:t>
+            </a:r>
+            <a:endParaRPr lang="en-US" altLang="ko-KR" sz="1600" dirty="0" smtClean="0"/>
+          </a:p>
+        </p:txBody>
+      </p:sp>
+      <p:sp>
+        <p:nvSpPr>
+          <p:cNvPr id="9" name="TextBox 8"/>
+          <p:cNvSpPr txBox="1"/>
+          <p:nvPr/>
+        </p:nvSpPr>
+        <p:spPr>
+          <a:xfrm>
+            <a:off x="6876256" y="5826480"/>
+            <a:ext cx="1800200" cy="338554"/>
+          </a:xfrm>
+          <a:prstGeom prst="rect">
+            <a:avLst/>
+          </a:prstGeom>
+          <a:noFill/>
+        </p:spPr>
+        <p:txBody>
+          <a:bodyPr wrap="square" rtlCol="0">
+            <a:spAutoFit/>
+          </a:bodyPr>
+          <a:lstStyle/>
+          <a:p>
+            <a:r>
+              <a:rPr lang="ko-KR" altLang="en-US" sz="1600" dirty="0" smtClean="0"/>
+              <a:t>출처 </a:t>
+            </a:r>
+            <a:r>
+              <a:rPr lang="en-US" altLang="ko-KR" sz="1600" dirty="0"/>
+              <a:t>: </a:t>
+            </a:r>
+            <a:r>
+              <a:rPr lang="ko-KR" altLang="en-US" sz="1600" dirty="0" err="1"/>
+              <a:t>행정안전부</a:t>
+            </a:r>
+            <a:endParaRPr lang="ko-KR" altLang="en-US" sz="1600" dirty="0"/>
+          </a:p>
+        </p:txBody>
+      </p:sp>
     </p:spTree>
     <p:extLst>
       <p:ext uri="{BB962C8B-B14F-4D97-AF65-F5344CB8AC3E}">
-        <p14:creationId xmlns:p14="http://schemas.microsoft.com/office/powerpoint/2010/main" val="3723977454"/>
+        <p14:creationId xmlns:p14="http://schemas.microsoft.com/office/powerpoint/2010/main" val="3138251278"/>
       </p:ext>
     </p:extLst>
   </p:cSld>
@@ -11314,212 +8804,6 @@
 </file>
 
 <file path=ppt/slides/slide4.xml><?xml version="1.0" encoding="utf-8"?>
-<p:sld xmlns:a="http://schemas.openxmlformats.org/drawingml/2006/main" xmlns:r="http://schemas.openxmlformats.org/officeDocument/2006/relationships" xmlns:p="http://schemas.openxmlformats.org/presentationml/2006/main">
-  <p:cSld>
-    <p:spTree>
-      <p:nvGrpSpPr>
-        <p:cNvPr id="1" name=""/>
-        <p:cNvGrpSpPr/>
-        <p:nvPr/>
-      </p:nvGrpSpPr>
-      <p:grpSpPr>
-        <a:xfrm>
-          <a:off x="0" y="0"/>
-          <a:ext cx="0" cy="0"/>
-          <a:chOff x="0" y="0"/>
-          <a:chExt cx="0" cy="0"/>
-        </a:xfrm>
-      </p:grpSpPr>
-      <p:sp>
-        <p:nvSpPr>
-          <p:cNvPr id="2" name="제목 1"/>
-          <p:cNvSpPr>
-            <a:spLocks noGrp="1"/>
-          </p:cNvSpPr>
-          <p:nvPr>
-            <p:ph type="title"/>
-          </p:nvPr>
-        </p:nvSpPr>
-        <p:spPr/>
-        <p:txBody>
-          <a:bodyPr/>
-          <a:lstStyle/>
-          <a:p>
-            <a:pPr marL="914400" indent="-914400">
-              <a:buFont typeface="+mj-lt"/>
-              <a:buAutoNum type="arabicPeriod"/>
-            </a:pPr>
-            <a:r>
-              <a:rPr lang="ko-KR" altLang="en-US" sz="5400" spc="600" dirty="0" smtClean="0">
-                <a:solidFill>
-                  <a:srgbClr val="000000"/>
-                </a:solidFill>
-                <a:latin typeface="HY동녘M" pitchFamily="18" charset="-127"/>
-                <a:ea typeface="HY동녘M" pitchFamily="18" charset="-127"/>
-              </a:rPr>
-              <a:t>프로젝트 소개</a:t>
-            </a:r>
-            <a:endParaRPr lang="ko-KR" altLang="en-US" sz="5400" dirty="0">
-              <a:solidFill>
-                <a:srgbClr val="000000"/>
-              </a:solidFill>
-              <a:latin typeface="HY동녘M" pitchFamily="18" charset="-127"/>
-              <a:ea typeface="HY동녘M" pitchFamily="18" charset="-127"/>
-            </a:endParaRPr>
-          </a:p>
-        </p:txBody>
-      </p:sp>
-      <p:sp>
-        <p:nvSpPr>
-          <p:cNvPr id="3" name="내용 개체 틀 2"/>
-          <p:cNvSpPr>
-            <a:spLocks noGrp="1"/>
-          </p:cNvSpPr>
-          <p:nvPr>
-            <p:ph idx="1"/>
-          </p:nvPr>
-        </p:nvSpPr>
-        <p:spPr/>
-        <p:txBody>
-          <a:bodyPr/>
-          <a:lstStyle/>
-          <a:p>
-            <a:pPr marL="400050">
-              <a:buFont typeface="+mj-lt"/>
-              <a:buAutoNum type="alphaUcPeriod"/>
-            </a:pPr>
-            <a:r>
-              <a:rPr lang="ko-KR" altLang="en-US" dirty="0" smtClean="0">
-                <a:solidFill>
-                  <a:srgbClr val="000000"/>
-                </a:solidFill>
-                <a:latin typeface="HY동녘M" pitchFamily="18" charset="-127"/>
-                <a:ea typeface="HY동녘M" pitchFamily="18" charset="-127"/>
-              </a:rPr>
-              <a:t>프로젝트 배경</a:t>
-            </a:r>
-          </a:p>
-          <a:p>
-            <a:pPr marL="57150" indent="0">
-              <a:buNone/>
-            </a:pPr>
-            <a:r>
-              <a:rPr lang="en-US" altLang="ko-KR" dirty="0">
-                <a:solidFill>
-                  <a:srgbClr val="000000"/>
-                </a:solidFill>
-                <a:latin typeface="HY동녘M" pitchFamily="18" charset="-127"/>
-                <a:ea typeface="HY동녘M" pitchFamily="18" charset="-127"/>
-              </a:rPr>
-              <a:t> </a:t>
-            </a:r>
-            <a:r>
-              <a:rPr lang="en-US" altLang="ko-KR" dirty="0" smtClean="0">
-                <a:solidFill>
-                  <a:srgbClr val="000000"/>
-                </a:solidFill>
-                <a:latin typeface="HY동녘M" pitchFamily="18" charset="-127"/>
-                <a:ea typeface="HY동녘M" pitchFamily="18" charset="-127"/>
-              </a:rPr>
-              <a:t>  - </a:t>
-            </a:r>
-            <a:r>
-              <a:rPr lang="ko-KR" altLang="en-US" dirty="0" smtClean="0">
-                <a:solidFill>
-                  <a:srgbClr val="000000"/>
-                </a:solidFill>
-                <a:latin typeface="HY동녘M" pitchFamily="18" charset="-127"/>
-                <a:ea typeface="HY동녘M" pitchFamily="18" charset="-127"/>
-              </a:rPr>
-              <a:t>다양한 </a:t>
-            </a:r>
-            <a:r>
-              <a:rPr lang="ko-KR" altLang="en-US" dirty="0" err="1" smtClean="0">
-                <a:solidFill>
-                  <a:srgbClr val="000000"/>
-                </a:solidFill>
-                <a:latin typeface="HY동녘M" pitchFamily="18" charset="-127"/>
-                <a:ea typeface="HY동녘M" pitchFamily="18" charset="-127"/>
-              </a:rPr>
-              <a:t>스마트폰</a:t>
-            </a:r>
-            <a:r>
-              <a:rPr lang="ko-KR" altLang="en-US" dirty="0" smtClean="0">
-                <a:solidFill>
-                  <a:srgbClr val="000000"/>
-                </a:solidFill>
-                <a:latin typeface="HY동녘M" pitchFamily="18" charset="-127"/>
-                <a:ea typeface="HY동녘M" pitchFamily="18" charset="-127"/>
-              </a:rPr>
-              <a:t> 사용 용도</a:t>
-            </a:r>
-          </a:p>
-          <a:p>
-            <a:pPr marL="800100" lvl="1" indent="-342900">
-              <a:buFont typeface="+mj-lt"/>
-              <a:buAutoNum type="alphaUcPeriod"/>
-            </a:pPr>
-            <a:endParaRPr lang="ko-KR" altLang="ko-KR" sz="2800" dirty="0">
-              <a:solidFill>
-                <a:srgbClr val="000000"/>
-              </a:solidFill>
-              <a:latin typeface="HY동녘M" pitchFamily="18" charset="-127"/>
-              <a:ea typeface="HY동녘M" pitchFamily="18" charset="-127"/>
-            </a:endParaRPr>
-          </a:p>
-        </p:txBody>
-      </p:sp>
-      <p:pic>
-        <p:nvPicPr>
-          <p:cNvPr id="5" name="그림 4"/>
-          <p:cNvPicPr>
-            <a:picLocks noChangeAspect="1"/>
-          </p:cNvPicPr>
-          <p:nvPr/>
-        </p:nvPicPr>
-        <p:blipFill>
-          <a:blip r:embed="rId2">
-            <a:extLst>
-              <a:ext uri="{28A0092B-C50C-407E-A947-70E740481C1C}">
-                <a14:useLocalDpi xmlns:a14="http://schemas.microsoft.com/office/drawing/2010/main" val="0"/>
-              </a:ext>
-            </a:extLst>
-          </a:blip>
-          <a:stretch>
-            <a:fillRect/>
-          </a:stretch>
-        </p:blipFill>
-        <p:spPr>
-          <a:xfrm>
-            <a:off x="1835696" y="2695448"/>
-            <a:ext cx="6336704" cy="3685880"/>
-          </a:xfrm>
-          <a:prstGeom prst="rect">
-            <a:avLst/>
-          </a:prstGeom>
-        </p:spPr>
-      </p:pic>
-    </p:spTree>
-    <p:extLst>
-      <p:ext uri="{BB962C8B-B14F-4D97-AF65-F5344CB8AC3E}">
-        <p14:creationId xmlns:p14="http://schemas.microsoft.com/office/powerpoint/2010/main" val="3784272486"/>
-      </p:ext>
-    </p:extLst>
-  </p:cSld>
-  <p:clrMapOvr>
-    <a:masterClrMapping/>
-  </p:clrMapOvr>
-  <p:timing>
-    <p:tnLst>
-      <p:par>
-        <p:cTn id="1" dur="indefinite" restart="never" nodeType="tmRoot"/>
-      </p:par>
-    </p:tnLst>
-  </p:timing>
-</p:sld>
-</file>
-
-<file path=ppt/slides/slide5.xml><?xml version="1.0" encoding="utf-8"?>
 <p:sld xmlns:a="http://schemas.openxmlformats.org/drawingml/2006/main" xmlns:r="http://schemas.openxmlformats.org/officeDocument/2006/relationships" xmlns:p="http://schemas.openxmlformats.org/presentationml/2006/main">
   <p:cSld>
     <p:spTree>
@@ -11825,20 +9109,15 @@
             <a:prstGeom prst="downArrow">
               <a:avLst/>
             </a:prstGeom>
-            <a:solidFill>
-              <a:schemeClr val="bg2"/>
-            </a:solidFill>
           </p:spPr>
           <p:style>
-            <a:lnRef idx="2">
-              <a:schemeClr val="accent1">
-                <a:shade val="50000"/>
-              </a:schemeClr>
+            <a:lnRef idx="0">
+              <a:schemeClr val="accent1"/>
             </a:lnRef>
-            <a:fillRef idx="1">
+            <a:fillRef idx="3">
               <a:schemeClr val="accent1"/>
             </a:fillRef>
-            <a:effectRef idx="0">
+            <a:effectRef idx="3">
               <a:schemeClr val="accent1"/>
             </a:effectRef>
             <a:fontRef idx="minor">
@@ -11900,7 +9179,7 @@
     </p:spTree>
     <p:extLst>
       <p:ext uri="{BB962C8B-B14F-4D97-AF65-F5344CB8AC3E}">
-        <p14:creationId xmlns:p14="http://schemas.microsoft.com/office/powerpoint/2010/main" val="26222973"/>
+        <p14:creationId xmlns:p14="http://schemas.microsoft.com/office/powerpoint/2010/main" val="1545419778"/>
       </p:ext>
     </p:extLst>
   </p:cSld>
@@ -11917,7 +9196,7 @@
 </p:sld>
 </file>
 
-<file path=ppt/slides/slide6.xml><?xml version="1.0" encoding="utf-8"?>
+<file path=ppt/slides/slide5.xml><?xml version="1.0" encoding="utf-8"?>
 <p:sld xmlns:a="http://schemas.openxmlformats.org/drawingml/2006/main" xmlns:r="http://schemas.openxmlformats.org/officeDocument/2006/relationships" xmlns:p="http://schemas.openxmlformats.org/presentationml/2006/main">
   <p:cSld>
     <p:spTree>
@@ -12259,7 +9538,7 @@
 </p:sld>
 </file>
 
-<file path=ppt/slides/slide7.xml><?xml version="1.0" encoding="utf-8"?>
+<file path=ppt/slides/slide6.xml><?xml version="1.0" encoding="utf-8"?>
 <p:sld xmlns:a="http://schemas.openxmlformats.org/drawingml/2006/main" xmlns:r="http://schemas.openxmlformats.org/officeDocument/2006/relationships" xmlns:p="http://schemas.openxmlformats.org/presentationml/2006/main">
   <p:cSld>
     <p:spTree>
@@ -12621,7 +9900,7 @@
 </p:sld>
 </file>
 
-<file path=ppt/slides/slide8.xml><?xml version="1.0" encoding="utf-8"?>
+<file path=ppt/slides/slide7.xml><?xml version="1.0" encoding="utf-8"?>
 <p:sld xmlns:a="http://schemas.openxmlformats.org/drawingml/2006/main" xmlns:r="http://schemas.openxmlformats.org/officeDocument/2006/relationships" xmlns:p="http://schemas.openxmlformats.org/presentationml/2006/main">
   <p:cSld>
     <p:spTree>
@@ -12906,7 +10185,7 @@
 </p:sld>
 </file>
 
-<file path=ppt/slides/slide9.xml><?xml version="1.0" encoding="utf-8"?>
+<file path=ppt/slides/slide8.xml><?xml version="1.0" encoding="utf-8"?>
 <p:sld xmlns:a="http://schemas.openxmlformats.org/drawingml/2006/main" xmlns:r="http://schemas.openxmlformats.org/officeDocument/2006/relationships" xmlns:p="http://schemas.openxmlformats.org/presentationml/2006/main">
   <p:cSld>
     <p:spTree>
@@ -13236,13 +10515,6 @@
               </a:rPr>
               <a:t>&lt; USB/IP &gt;</a:t>
             </a:r>
-            <a:endParaRPr lang="en-US" altLang="ko-KR" dirty="0" smtClean="0">
-              <a:solidFill>
-                <a:srgbClr val="000000"/>
-              </a:solidFill>
-              <a:latin typeface="HY동녘M" pitchFamily="18" charset="-127"/>
-              <a:ea typeface="HY동녘M" pitchFamily="18" charset="-127"/>
-            </a:endParaRPr>
           </a:p>
           <a:p>
             <a:pPr marL="57150" indent="0" algn="l">
@@ -13586,6 +10858,687 @@
     <p:extLst>
       <p:ext uri="{BB962C8B-B14F-4D97-AF65-F5344CB8AC3E}">
         <p14:creationId xmlns:p14="http://schemas.microsoft.com/office/powerpoint/2010/main" val="2437256557"/>
+      </p:ext>
+    </p:extLst>
+  </p:cSld>
+  <p:clrMapOvr>
+    <a:masterClrMapping/>
+  </p:clrMapOvr>
+  <p:timing>
+    <p:tnLst>
+      <p:par>
+        <p:cTn id="1" dur="indefinite" restart="never" nodeType="tmRoot"/>
+      </p:par>
+    </p:tnLst>
+  </p:timing>
+</p:sld>
+</file>
+
+<file path=ppt/slides/slide9.xml><?xml version="1.0" encoding="utf-8"?>
+<p:sld xmlns:a="http://schemas.openxmlformats.org/drawingml/2006/main" xmlns:r="http://schemas.openxmlformats.org/officeDocument/2006/relationships" xmlns:p="http://schemas.openxmlformats.org/presentationml/2006/main">
+  <p:cSld>
+    <p:spTree>
+      <p:nvGrpSpPr>
+        <p:cNvPr id="1" name=""/>
+        <p:cNvGrpSpPr/>
+        <p:nvPr/>
+      </p:nvGrpSpPr>
+      <p:grpSpPr>
+        <a:xfrm>
+          <a:off x="0" y="0"/>
+          <a:ext cx="0" cy="0"/>
+          <a:chOff x="0" y="0"/>
+          <a:chExt cx="0" cy="0"/>
+        </a:xfrm>
+      </p:grpSpPr>
+      <p:sp>
+        <p:nvSpPr>
+          <p:cNvPr id="2" name="제목 1"/>
+          <p:cNvSpPr>
+            <a:spLocks noGrp="1"/>
+          </p:cNvSpPr>
+          <p:nvPr>
+            <p:ph type="title"/>
+          </p:nvPr>
+        </p:nvSpPr>
+        <p:spPr/>
+        <p:txBody>
+          <a:bodyPr/>
+          <a:lstStyle/>
+          <a:p>
+            <a:pPr marL="914400" indent="-914400">
+              <a:buFont typeface="+mj-lt"/>
+              <a:buAutoNum type="arabicPeriod"/>
+            </a:pPr>
+            <a:r>
+              <a:rPr lang="ko-KR" altLang="en-US" sz="5400" spc="600" dirty="0" smtClean="0">
+                <a:solidFill>
+                  <a:srgbClr val="000000"/>
+                </a:solidFill>
+                <a:latin typeface="HY동녘M" pitchFamily="18" charset="-127"/>
+                <a:ea typeface="HY동녘M" pitchFamily="18" charset="-127"/>
+              </a:rPr>
+              <a:t>프로젝트 소개</a:t>
+            </a:r>
+            <a:endParaRPr lang="ko-KR" altLang="en-US" sz="5400" dirty="0">
+              <a:solidFill>
+                <a:srgbClr val="000000"/>
+              </a:solidFill>
+              <a:latin typeface="HY동녘M" pitchFamily="18" charset="-127"/>
+              <a:ea typeface="HY동녘M" pitchFamily="18" charset="-127"/>
+            </a:endParaRPr>
+          </a:p>
+        </p:txBody>
+      </p:sp>
+      <p:sp>
+        <p:nvSpPr>
+          <p:cNvPr id="3" name="내용 개체 틀 2"/>
+          <p:cNvSpPr>
+            <a:spLocks noGrp="1"/>
+          </p:cNvSpPr>
+          <p:nvPr>
+            <p:ph idx="1"/>
+          </p:nvPr>
+        </p:nvSpPr>
+        <p:spPr/>
+        <p:txBody>
+          <a:bodyPr/>
+          <a:lstStyle/>
+          <a:p>
+            <a:pPr marL="571500" indent="-514350">
+              <a:buFont typeface="+mj-lt"/>
+              <a:buAutoNum type="alphaUcPeriod" startAt="3"/>
+            </a:pPr>
+            <a:r>
+              <a:rPr lang="en-US" altLang="ko-KR" dirty="0" smtClean="0">
+                <a:solidFill>
+                  <a:srgbClr val="000000"/>
+                </a:solidFill>
+                <a:latin typeface="HY동녘M" pitchFamily="18" charset="-127"/>
+                <a:ea typeface="HY동녘M" pitchFamily="18" charset="-127"/>
+              </a:rPr>
+              <a:t>USB/IP</a:t>
+            </a:r>
+          </a:p>
+          <a:p>
+            <a:pPr marL="57150" indent="0">
+              <a:buNone/>
+            </a:pPr>
+            <a:endParaRPr lang="en-US" altLang="ko-KR" sz="1800" dirty="0" smtClean="0">
+              <a:solidFill>
+                <a:srgbClr val="000000"/>
+              </a:solidFill>
+              <a:latin typeface="HY동녘M" pitchFamily="18" charset="-127"/>
+              <a:ea typeface="HY동녘M" pitchFamily="18" charset="-127"/>
+            </a:endParaRPr>
+          </a:p>
+        </p:txBody>
+      </p:sp>
+      <p:sp>
+        <p:nvSpPr>
+          <p:cNvPr id="4" name="TextBox 3"/>
+          <p:cNvSpPr txBox="1"/>
+          <p:nvPr/>
+        </p:nvSpPr>
+        <p:spPr>
+          <a:xfrm>
+            <a:off x="1259632" y="4437112"/>
+            <a:ext cx="4463063" cy="2369880"/>
+          </a:xfrm>
+          <a:prstGeom prst="rect">
+            <a:avLst/>
+          </a:prstGeom>
+          <a:noFill/>
+        </p:spPr>
+        <p:txBody>
+          <a:bodyPr wrap="square" rtlCol="0">
+            <a:spAutoFit/>
+          </a:bodyPr>
+          <a:lstStyle/>
+          <a:p>
+            <a:pPr marL="57150" indent="0" algn="l">
+              <a:buNone/>
+            </a:pPr>
+            <a:r>
+              <a:rPr lang="en-US" altLang="ko-KR" dirty="0" smtClean="0">
+                <a:solidFill>
+                  <a:srgbClr val="000000"/>
+                </a:solidFill>
+                <a:latin typeface="HY동녘M" pitchFamily="18" charset="-127"/>
+                <a:ea typeface="HY동녘M" pitchFamily="18" charset="-127"/>
+              </a:rPr>
+              <a:t>&lt; android-USB &gt;</a:t>
+            </a:r>
+          </a:p>
+          <a:p>
+            <a:pPr marL="57150" indent="0" algn="l">
+              <a:buNone/>
+            </a:pPr>
+            <a:r>
+              <a:rPr lang="en-US" altLang="ko-KR" sz="2000" dirty="0">
+                <a:solidFill>
+                  <a:srgbClr val="000000"/>
+                </a:solidFill>
+                <a:latin typeface="HY동녘M" pitchFamily="18" charset="-127"/>
+                <a:ea typeface="HY동녘M" pitchFamily="18" charset="-127"/>
+              </a:rPr>
+              <a:t> </a:t>
+            </a:r>
+            <a:r>
+              <a:rPr lang="en-US" altLang="ko-KR" sz="2000" dirty="0" smtClean="0">
+                <a:solidFill>
+                  <a:srgbClr val="000000"/>
+                </a:solidFill>
+                <a:latin typeface="HY동녘M" pitchFamily="18" charset="-127"/>
+                <a:ea typeface="HY동녘M" pitchFamily="18" charset="-127"/>
+              </a:rPr>
+              <a:t> </a:t>
+            </a:r>
+            <a:r>
+              <a:rPr lang="ko-KR" altLang="en-US" sz="2000" dirty="0" smtClean="0">
+                <a:solidFill>
+                  <a:srgbClr val="000000"/>
+                </a:solidFill>
+                <a:latin typeface="HY동녘M" pitchFamily="18" charset="-127"/>
+                <a:ea typeface="HY동녘M" pitchFamily="18" charset="-127"/>
+              </a:rPr>
+              <a:t>장치를 공유하는 서버부분을</a:t>
+            </a:r>
+          </a:p>
+          <a:p>
+            <a:pPr marL="57150" indent="0" algn="l">
+              <a:buNone/>
+            </a:pPr>
+            <a:r>
+              <a:rPr lang="ko-KR" altLang="en-US" sz="2000" dirty="0" smtClean="0">
+                <a:solidFill>
+                  <a:srgbClr val="000000"/>
+                </a:solidFill>
+                <a:latin typeface="HY동녘M" pitchFamily="18" charset="-127"/>
+                <a:ea typeface="HY동녘M" pitchFamily="18" charset="-127"/>
+              </a:rPr>
+              <a:t>  </a:t>
+            </a:r>
+            <a:r>
+              <a:rPr lang="ko-KR" altLang="en-US" sz="2000" dirty="0" err="1" smtClean="0">
+                <a:solidFill>
+                  <a:srgbClr val="000000"/>
+                </a:solidFill>
+                <a:latin typeface="HY동녘M" pitchFamily="18" charset="-127"/>
+                <a:ea typeface="HY동녘M" pitchFamily="18" charset="-127"/>
+              </a:rPr>
+              <a:t>안드로이드폰에</a:t>
+            </a:r>
+            <a:r>
+              <a:rPr lang="ko-KR" altLang="en-US" sz="2000" dirty="0" smtClean="0">
+                <a:solidFill>
+                  <a:srgbClr val="000000"/>
+                </a:solidFill>
+                <a:latin typeface="HY동녘M" pitchFamily="18" charset="-127"/>
+                <a:ea typeface="HY동녘M" pitchFamily="18" charset="-127"/>
+              </a:rPr>
+              <a:t> </a:t>
+            </a:r>
+            <a:r>
+              <a:rPr lang="ko-KR" altLang="en-US" sz="2000" dirty="0" err="1" smtClean="0">
+                <a:solidFill>
+                  <a:srgbClr val="000000"/>
+                </a:solidFill>
+                <a:latin typeface="HY동녘M" pitchFamily="18" charset="-127"/>
+                <a:ea typeface="HY동녘M" pitchFamily="18" charset="-127"/>
+              </a:rPr>
+              <a:t>포팅</a:t>
+            </a:r>
+            <a:r>
+              <a:rPr lang="en-US" altLang="ko-KR" sz="2000" dirty="0" smtClean="0">
+                <a:solidFill>
+                  <a:srgbClr val="000000"/>
+                </a:solidFill>
+                <a:latin typeface="HY동녘M" pitchFamily="18" charset="-127"/>
+                <a:ea typeface="HY동녘M" pitchFamily="18" charset="-127"/>
+              </a:rPr>
+              <a:t>.</a:t>
+            </a:r>
+          </a:p>
+          <a:p>
+            <a:pPr marL="57150" indent="0" algn="l">
+              <a:buNone/>
+            </a:pPr>
+            <a:r>
+              <a:rPr lang="en-US" altLang="ko-KR" sz="2000" dirty="0" smtClean="0">
+                <a:solidFill>
+                  <a:srgbClr val="000000"/>
+                </a:solidFill>
+                <a:latin typeface="HY동녘M" pitchFamily="18" charset="-127"/>
+                <a:ea typeface="HY동녘M" pitchFamily="18" charset="-127"/>
+              </a:rPr>
+              <a:t>  </a:t>
+            </a:r>
+            <a:r>
+              <a:rPr lang="ko-KR" altLang="en-US" sz="2000" dirty="0" smtClean="0">
+                <a:solidFill>
+                  <a:srgbClr val="000000"/>
+                </a:solidFill>
+                <a:latin typeface="HY동녘M" pitchFamily="18" charset="-127"/>
+                <a:ea typeface="HY동녘M" pitchFamily="18" charset="-127"/>
+              </a:rPr>
+              <a:t>안드로이드의 서비스가</a:t>
+            </a:r>
+          </a:p>
+          <a:p>
+            <a:pPr marL="57150" indent="0" algn="l">
+              <a:buNone/>
+            </a:pPr>
+            <a:r>
+              <a:rPr lang="ko-KR" altLang="en-US" sz="2000" dirty="0" smtClean="0">
+                <a:solidFill>
+                  <a:srgbClr val="000000"/>
+                </a:solidFill>
+                <a:latin typeface="HY동녘M" pitchFamily="18" charset="-127"/>
+                <a:ea typeface="HY동녘M" pitchFamily="18" charset="-127"/>
+              </a:rPr>
+              <a:t>  클라이언트 </a:t>
+            </a:r>
+            <a:r>
+              <a:rPr lang="en-US" altLang="ko-KR" sz="2000" dirty="0" smtClean="0">
+                <a:solidFill>
+                  <a:srgbClr val="000000"/>
+                </a:solidFill>
+                <a:latin typeface="HY동녘M" pitchFamily="18" charset="-127"/>
+                <a:ea typeface="HY동녘M" pitchFamily="18" charset="-127"/>
+              </a:rPr>
+              <a:t>PC</a:t>
+            </a:r>
+            <a:r>
+              <a:rPr lang="ko-KR" altLang="en-US" sz="2000" dirty="0" smtClean="0">
+                <a:solidFill>
+                  <a:srgbClr val="000000"/>
+                </a:solidFill>
+                <a:latin typeface="HY동녘M" pitchFamily="18" charset="-127"/>
+                <a:ea typeface="HY동녘M" pitchFamily="18" charset="-127"/>
+              </a:rPr>
+              <a:t>에서는</a:t>
+            </a:r>
+          </a:p>
+          <a:p>
+            <a:pPr marL="57150" indent="0" algn="l">
+              <a:buNone/>
+            </a:pPr>
+            <a:r>
+              <a:rPr lang="ko-KR" altLang="en-US" sz="2000" dirty="0" smtClean="0">
+                <a:solidFill>
+                  <a:srgbClr val="000000"/>
+                </a:solidFill>
+                <a:latin typeface="HY동녘M" pitchFamily="18" charset="-127"/>
+                <a:ea typeface="HY동녘M" pitchFamily="18" charset="-127"/>
+              </a:rPr>
+              <a:t>  특정 </a:t>
+            </a:r>
+            <a:r>
+              <a:rPr lang="en-US" altLang="ko-KR" sz="2000" dirty="0" smtClean="0">
+                <a:solidFill>
+                  <a:srgbClr val="000000"/>
+                </a:solidFill>
+                <a:latin typeface="HY동녘M" pitchFamily="18" charset="-127"/>
+                <a:ea typeface="HY동녘M" pitchFamily="18" charset="-127"/>
+              </a:rPr>
+              <a:t>USB</a:t>
+            </a:r>
+            <a:r>
+              <a:rPr lang="ko-KR" altLang="en-US" sz="2000" dirty="0" smtClean="0">
+                <a:solidFill>
+                  <a:srgbClr val="000000"/>
+                </a:solidFill>
+                <a:latin typeface="HY동녘M" pitchFamily="18" charset="-127"/>
+                <a:ea typeface="HY동녘M" pitchFamily="18" charset="-127"/>
+              </a:rPr>
+              <a:t>장치처럼 보임</a:t>
+            </a:r>
+            <a:r>
+              <a:rPr lang="en-US" altLang="ko-KR" sz="2000" dirty="0" smtClean="0">
+                <a:solidFill>
+                  <a:srgbClr val="000000"/>
+                </a:solidFill>
+                <a:latin typeface="HY동녘M" pitchFamily="18" charset="-127"/>
+                <a:ea typeface="HY동녘M" pitchFamily="18" charset="-127"/>
+              </a:rPr>
+              <a:t>.</a:t>
+            </a:r>
+          </a:p>
+          <a:p>
+            <a:pPr algn="l"/>
+            <a:endParaRPr lang="ko-KR" altLang="en-US" dirty="0"/>
+          </a:p>
+        </p:txBody>
+      </p:sp>
+      <p:cxnSp>
+        <p:nvCxnSpPr>
+          <p:cNvPr id="15" name="직선 연결선 14"/>
+          <p:cNvCxnSpPr/>
+          <p:nvPr/>
+        </p:nvCxnSpPr>
+        <p:spPr>
+          <a:xfrm>
+            <a:off x="4583812" y="1403631"/>
+            <a:ext cx="0" cy="3408886"/>
+          </a:xfrm>
+          <a:prstGeom prst="line">
+            <a:avLst/>
+          </a:prstGeom>
+          <a:ln w="38100">
+            <a:solidFill>
+              <a:srgbClr val="000000"/>
+            </a:solidFill>
+            <a:prstDash val="dash"/>
+          </a:ln>
+        </p:spPr>
+        <p:style>
+          <a:lnRef idx="1">
+            <a:schemeClr val="accent1"/>
+          </a:lnRef>
+          <a:fillRef idx="0">
+            <a:schemeClr val="accent1"/>
+          </a:fillRef>
+          <a:effectRef idx="0">
+            <a:schemeClr val="accent1"/>
+          </a:effectRef>
+          <a:fontRef idx="minor">
+            <a:schemeClr val="tx1"/>
+          </a:fontRef>
+        </p:style>
+      </p:cxnSp>
+      <p:pic>
+        <p:nvPicPr>
+          <p:cNvPr id="16" name="Picture 2" descr="N:\설계프로젝트\임시저장\제목-없음-1.png"/>
+          <p:cNvPicPr>
+            <a:picLocks noChangeAspect="1" noChangeArrowheads="1"/>
+          </p:cNvPicPr>
+          <p:nvPr/>
+        </p:nvPicPr>
+        <p:blipFill>
+          <a:blip r:embed="rId2">
+            <a:extLst>
+              <a:ext uri="{28A0092B-C50C-407E-A947-70E740481C1C}">
+                <a14:useLocalDpi xmlns:a14="http://schemas.microsoft.com/office/drawing/2010/main" val="0"/>
+              </a:ext>
+            </a:extLst>
+          </a:blip>
+          <a:srcRect/>
+          <a:stretch>
+            <a:fillRect/>
+          </a:stretch>
+        </p:blipFill>
+        <p:spPr bwMode="auto">
+          <a:xfrm>
+            <a:off x="218383" y="1691196"/>
+            <a:ext cx="3813557" cy="3177964"/>
+          </a:xfrm>
+          <a:prstGeom prst="rect">
+            <a:avLst/>
+          </a:prstGeom>
+          <a:noFill/>
+          <a:extLst>
+            <a:ext uri="{909E8E84-426E-40DD-AFC4-6F175D3DCCD1}">
+              <a14:hiddenFill xmlns:a14="http://schemas.microsoft.com/office/drawing/2010/main">
+                <a:solidFill>
+                  <a:srgbClr val="FFFFFF"/>
+                </a:solidFill>
+              </a14:hiddenFill>
+            </a:ext>
+          </a:extLst>
+        </p:spPr>
+      </p:pic>
+      <p:pic>
+        <p:nvPicPr>
+          <p:cNvPr id="17" name="Picture 2" descr="N:\설계프로젝트\임시저장\ㅊㅊ.png"/>
+          <p:cNvPicPr>
+            <a:picLocks noChangeAspect="1" noChangeArrowheads="1"/>
+          </p:cNvPicPr>
+          <p:nvPr/>
+        </p:nvPicPr>
+        <p:blipFill>
+          <a:blip r:embed="rId3">
+            <a:extLst>
+              <a:ext uri="{28A0092B-C50C-407E-A947-70E740481C1C}">
+                <a14:useLocalDpi xmlns:a14="http://schemas.microsoft.com/office/drawing/2010/main" val="0"/>
+              </a:ext>
+            </a:extLst>
+          </a:blip>
+          <a:srcRect/>
+          <a:stretch>
+            <a:fillRect/>
+          </a:stretch>
+        </p:blipFill>
+        <p:spPr bwMode="auto">
+          <a:xfrm rot="16200000">
+            <a:off x="4606344" y="1954498"/>
+            <a:ext cx="1875531" cy="4248472"/>
+          </a:xfrm>
+          <a:prstGeom prst="rect">
+            <a:avLst/>
+          </a:prstGeom>
+          <a:noFill/>
+          <a:extLst>
+            <a:ext uri="{909E8E84-426E-40DD-AFC4-6F175D3DCCD1}">
+              <a14:hiddenFill xmlns:a14="http://schemas.microsoft.com/office/drawing/2010/main">
+                <a:solidFill>
+                  <a:srgbClr val="FFFFFF"/>
+                </a:solidFill>
+              </a14:hiddenFill>
+            </a:ext>
+          </a:extLst>
+        </p:spPr>
+      </p:pic>
+      <p:pic>
+        <p:nvPicPr>
+          <p:cNvPr id="18" name="그림 17"/>
+          <p:cNvPicPr>
+            <a:picLocks noChangeAspect="1"/>
+          </p:cNvPicPr>
+          <p:nvPr/>
+        </p:nvPicPr>
+        <p:blipFill>
+          <a:blip r:embed="rId4">
+            <a:extLst>
+              <a:ext uri="{28A0092B-C50C-407E-A947-70E740481C1C}">
+                <a14:useLocalDpi xmlns:a14="http://schemas.microsoft.com/office/drawing/2010/main" val="0"/>
+              </a:ext>
+            </a:extLst>
+          </a:blip>
+          <a:stretch>
+            <a:fillRect/>
+          </a:stretch>
+        </p:blipFill>
+        <p:spPr>
+          <a:xfrm>
+            <a:off x="6660232" y="1592531"/>
+            <a:ext cx="1700153" cy="3219986"/>
+          </a:xfrm>
+          <a:prstGeom prst="rect">
+            <a:avLst/>
+          </a:prstGeom>
+        </p:spPr>
+      </p:pic>
+      <p:grpSp>
+        <p:nvGrpSpPr>
+          <p:cNvPr id="19" name="그룹 18"/>
+          <p:cNvGrpSpPr/>
+          <p:nvPr/>
+        </p:nvGrpSpPr>
+        <p:grpSpPr>
+          <a:xfrm>
+            <a:off x="3563888" y="2348880"/>
+            <a:ext cx="2560089" cy="1222528"/>
+            <a:chOff x="3511961" y="3632546"/>
+            <a:chExt cx="1935780" cy="936104"/>
+          </a:xfrm>
+        </p:grpSpPr>
+        <p:sp>
+          <p:nvSpPr>
+            <p:cNvPr id="20" name="아래쪽 화살표 19"/>
+            <p:cNvSpPr/>
+            <p:nvPr/>
+          </p:nvSpPr>
+          <p:spPr>
+            <a:xfrm rot="5400000">
+              <a:off x="3921300" y="3223207"/>
+              <a:ext cx="936104" cy="1754782"/>
+            </a:xfrm>
+            <a:prstGeom prst="downArrow">
+              <a:avLst/>
+            </a:prstGeom>
+            <a:solidFill>
+              <a:schemeClr val="bg2"/>
+            </a:solidFill>
+          </p:spPr>
+          <p:style>
+            <a:lnRef idx="2">
+              <a:schemeClr val="accent1">
+                <a:shade val="50000"/>
+              </a:schemeClr>
+            </a:lnRef>
+            <a:fillRef idx="1">
+              <a:schemeClr val="accent1"/>
+            </a:fillRef>
+            <a:effectRef idx="0">
+              <a:schemeClr val="accent1"/>
+            </a:effectRef>
+            <a:fontRef idx="minor">
+              <a:schemeClr val="lt1"/>
+            </a:fontRef>
+          </p:style>
+          <p:txBody>
+            <a:bodyPr rtlCol="0" anchor="ctr"/>
+            <a:lstStyle/>
+            <a:p>
+              <a:pPr algn="ctr"/>
+              <a:endParaRPr lang="ko-KR" altLang="en-US" dirty="0"/>
+            </a:p>
+          </p:txBody>
+        </p:sp>
+        <p:sp>
+          <p:nvSpPr>
+            <p:cNvPr id="21" name="TextBox 20"/>
+            <p:cNvSpPr txBox="1"/>
+            <p:nvPr/>
+          </p:nvSpPr>
+          <p:spPr>
+            <a:xfrm>
+              <a:off x="3512658" y="3869765"/>
+              <a:ext cx="1935083" cy="523220"/>
+            </a:xfrm>
+            <a:prstGeom prst="rect">
+              <a:avLst/>
+            </a:prstGeom>
+            <a:noFill/>
+          </p:spPr>
+          <p:txBody>
+            <a:bodyPr wrap="none" rtlCol="0">
+              <a:spAutoFit/>
+            </a:bodyPr>
+            <a:lstStyle/>
+            <a:p>
+              <a:r>
+                <a:rPr lang="en-US" altLang="ko-KR" sz="2800" dirty="0" smtClean="0">
+                  <a:solidFill>
+                    <a:schemeClr val="tx2">
+                      <a:lumMod val="50000"/>
+                    </a:schemeClr>
+                  </a:solidFill>
+                </a:rPr>
+                <a:t>IP Network</a:t>
+              </a:r>
+              <a:endParaRPr lang="ko-KR" altLang="en-US" sz="2800" dirty="0">
+                <a:solidFill>
+                  <a:schemeClr val="tx2">
+                    <a:lumMod val="50000"/>
+                  </a:schemeClr>
+                </a:solidFill>
+              </a:endParaRPr>
+            </a:p>
+          </p:txBody>
+        </p:sp>
+      </p:grpSp>
+      <p:sp>
+        <p:nvSpPr>
+          <p:cNvPr id="12" name="TextBox 11"/>
+          <p:cNvSpPr txBox="1"/>
+          <p:nvPr/>
+        </p:nvSpPr>
+        <p:spPr>
+          <a:xfrm>
+            <a:off x="1605627" y="2706054"/>
+            <a:ext cx="1039067" cy="461665"/>
+          </a:xfrm>
+          <a:prstGeom prst="rect">
+            <a:avLst/>
+          </a:prstGeom>
+          <a:noFill/>
+        </p:spPr>
+        <p:txBody>
+          <a:bodyPr wrap="none" rtlCol="0">
+            <a:spAutoFit/>
+          </a:bodyPr>
+          <a:lstStyle/>
+          <a:p>
+            <a:r>
+              <a:rPr lang="en-US" altLang="ko-KR" b="1" dirty="0" smtClean="0">
+                <a:solidFill>
+                  <a:schemeClr val="bg1"/>
+                </a:solidFill>
+              </a:rPr>
+              <a:t>Client</a:t>
+            </a:r>
+            <a:endParaRPr lang="ko-KR" altLang="en-US" b="1" dirty="0">
+              <a:solidFill>
+                <a:schemeClr val="bg1"/>
+              </a:solidFill>
+            </a:endParaRPr>
+          </a:p>
+        </p:txBody>
+      </p:sp>
+      <p:sp>
+        <p:nvSpPr>
+          <p:cNvPr id="13" name="TextBox 12"/>
+          <p:cNvSpPr txBox="1"/>
+          <p:nvPr/>
+        </p:nvSpPr>
+        <p:spPr>
+          <a:xfrm>
+            <a:off x="6937875" y="2706053"/>
+            <a:ext cx="1144865" cy="461665"/>
+          </a:xfrm>
+          <a:prstGeom prst="rect">
+            <a:avLst/>
+          </a:prstGeom>
+          <a:noFill/>
+        </p:spPr>
+        <p:txBody>
+          <a:bodyPr wrap="none" rtlCol="0">
+            <a:spAutoFit/>
+          </a:bodyPr>
+          <a:lstStyle/>
+          <a:p>
+            <a:r>
+              <a:rPr lang="en-US" altLang="ko-KR" b="1" dirty="0" smtClean="0">
+                <a:solidFill>
+                  <a:schemeClr val="bg1"/>
+                </a:solidFill>
+              </a:rPr>
+              <a:t>Server</a:t>
+            </a:r>
+            <a:endParaRPr lang="ko-KR" altLang="en-US" b="1" dirty="0">
+              <a:solidFill>
+                <a:schemeClr val="bg1"/>
+              </a:solidFill>
+            </a:endParaRPr>
+          </a:p>
+        </p:txBody>
+      </p:sp>
+    </p:spTree>
+    <p:extLst>
+      <p:ext uri="{BB962C8B-B14F-4D97-AF65-F5344CB8AC3E}">
+        <p14:creationId xmlns:p14="http://schemas.microsoft.com/office/powerpoint/2010/main" val="1709874429"/>
       </p:ext>
     </p:extLst>
   </p:cSld>
